--- a/Documents/Slides/Identity-SecurityFundamentals.pptx
+++ b/Documents/Slides/Identity-SecurityFundamentals.pptx
@@ -5,10 +5,10 @@
     <p:sldMasterId id="2147483648" r:id="rId1"/>
   </p:sldMasterIdLst>
   <p:notesMasterIdLst>
-    <p:notesMasterId r:id="rId38"/>
+    <p:notesMasterId r:id="rId28"/>
   </p:notesMasterIdLst>
   <p:handoutMasterIdLst>
-    <p:handoutMasterId r:id="rId39"/>
+    <p:handoutMasterId r:id="rId29"/>
   </p:handoutMasterIdLst>
   <p:sldIdLst>
     <p:sldId id="256" r:id="rId2"/>
@@ -36,17 +36,7 @@
     <p:sldId id="408" r:id="rId24"/>
     <p:sldId id="415" r:id="rId25"/>
     <p:sldId id="432" r:id="rId26"/>
-    <p:sldId id="411" r:id="rId27"/>
-    <p:sldId id="402" r:id="rId28"/>
-    <p:sldId id="401" r:id="rId29"/>
-    <p:sldId id="412" r:id="rId30"/>
-    <p:sldId id="403" r:id="rId31"/>
-    <p:sldId id="413" r:id="rId32"/>
-    <p:sldId id="404" r:id="rId33"/>
-    <p:sldId id="405" r:id="rId34"/>
-    <p:sldId id="406" r:id="rId35"/>
-    <p:sldId id="407" r:id="rId36"/>
-    <p:sldId id="410" r:id="rId37"/>
+    <p:sldId id="410" r:id="rId27"/>
   </p:sldIdLst>
   <p:sldSz cx="9144000" cy="6858000" type="screen4x3"/>
   <p:notesSz cx="6867525" cy="9994900"/>
@@ -7065,8 +7055,8 @@
   </dgm:ptLst>
   <dgm:cxnLst>
     <dgm:cxn modelId="{B84205ED-AFAD-431A-93AB-1E8C9ECCBEF4}" type="presOf" srcId="{B5777570-94A7-4320-B723-D6A66C313179}" destId="{9CD6F3CA-B3FC-45CD-AFE8-83034A1E12CA}" srcOrd="0" destOrd="0" presId="urn:microsoft.com/office/officeart/2005/8/layout/process4"/>
+    <dgm:cxn modelId="{D559203D-4470-4F22-831F-CC50AFA8D35B}" srcId="{7E829DBF-11EB-4D72-AD4A-9FFEFE4340A9}" destId="{B5777570-94A7-4320-B723-D6A66C313179}" srcOrd="0" destOrd="0" parTransId="{B9F1CB2A-7DCC-459F-86B0-4E34DD104B92}" sibTransId="{3058B941-7B65-4F0E-A84D-2774EB2CD7C4}"/>
     <dgm:cxn modelId="{18330B2E-3C12-47D6-8841-9CDE0D98DD46}" type="presOf" srcId="{7E829DBF-11EB-4D72-AD4A-9FFEFE4340A9}" destId="{082C1469-7809-41E5-B99E-9BA48C43295F}" srcOrd="1" destOrd="0" presId="urn:microsoft.com/office/officeart/2005/8/layout/process4"/>
-    <dgm:cxn modelId="{D559203D-4470-4F22-831F-CC50AFA8D35B}" srcId="{7E829DBF-11EB-4D72-AD4A-9FFEFE4340A9}" destId="{B5777570-94A7-4320-B723-D6A66C313179}" srcOrd="0" destOrd="0" parTransId="{B9F1CB2A-7DCC-459F-86B0-4E34DD104B92}" sibTransId="{3058B941-7B65-4F0E-A84D-2774EB2CD7C4}"/>
     <dgm:cxn modelId="{A13A4508-9D1D-4EA7-92B5-7D7B353A0321}" srcId="{1F8C6969-57BC-422B-A7D8-CEB736D20A22}" destId="{7E829DBF-11EB-4D72-AD4A-9FFEFE4340A9}" srcOrd="0" destOrd="0" parTransId="{B79A9084-4702-49D3-9B1F-C522F5B6A9D5}" sibTransId="{48762A67-82F8-401B-A9A5-4615EBFB853F}"/>
     <dgm:cxn modelId="{C8D0094F-4AA6-48FB-A720-5FDEB5F1C42D}" type="presOf" srcId="{84380697-93A1-4717-937D-A583453B6A3A}" destId="{1F7BECB4-76D7-4619-97E8-90E69CEEB64A}" srcOrd="0" destOrd="0" presId="urn:microsoft.com/office/officeart/2005/8/layout/process4"/>
     <dgm:cxn modelId="{B0BEBB14-4FA9-4D62-948B-0BA3F59D42C5}" srcId="{7E829DBF-11EB-4D72-AD4A-9FFEFE4340A9}" destId="{84380697-93A1-4717-937D-A583453B6A3A}" srcOrd="1" destOrd="0" parTransId="{C9BAA796-0BEA-4615-AA5E-2BE19FDBE6A2}" sibTransId="{4A909D9C-235E-4B5F-9214-778AACB66D6F}"/>
@@ -9260,6 +9250,478 @@
       <dsp:cNvGrpSpPr/>
     </dsp:nvGrpSpPr>
     <dsp:grpSpPr/>
+    <dsp:sp modelId="{082C1469-7809-41E5-B99E-9BA48C43295F}">
+      <dsp:nvSpPr>
+        <dsp:cNvPr id="0" name=""/>
+        <dsp:cNvSpPr/>
+      </dsp:nvSpPr>
+      <dsp:spPr>
+        <a:xfrm>
+          <a:off x="0" y="0"/>
+          <a:ext cx="3672408" cy="1833067"/>
+        </a:xfrm>
+        <a:prstGeom prst="rect">
+          <a:avLst/>
+        </a:prstGeom>
+        <a:solidFill>
+          <a:schemeClr val="accent1">
+            <a:hueOff val="0"/>
+            <a:satOff val="0"/>
+            <a:lumOff val="0"/>
+            <a:alphaOff val="0"/>
+          </a:schemeClr>
+        </a:solidFill>
+        <a:ln w="25400" cap="flat" cmpd="sng" algn="ctr">
+          <a:solidFill>
+            <a:schemeClr val="lt1">
+              <a:hueOff val="0"/>
+              <a:satOff val="0"/>
+              <a:lumOff val="0"/>
+              <a:alphaOff val="0"/>
+            </a:schemeClr>
+          </a:solidFill>
+          <a:prstDash val="solid"/>
+        </a:ln>
+        <a:effectLst/>
+      </dsp:spPr>
+      <dsp:style>
+        <a:lnRef idx="2">
+          <a:scrgbClr r="0" g="0" b="0"/>
+        </a:lnRef>
+        <a:fillRef idx="1">
+          <a:scrgbClr r="0" g="0" b="0"/>
+        </a:fillRef>
+        <a:effectRef idx="0">
+          <a:scrgbClr r="0" g="0" b="0"/>
+        </a:effectRef>
+        <a:fontRef idx="minor">
+          <a:schemeClr val="lt1"/>
+        </a:fontRef>
+      </dsp:style>
+      <dsp:txBody>
+        <a:bodyPr spcFirstLastPara="0" vert="horz" wrap="square" lIns="248920" tIns="248920" rIns="248920" bIns="248920" numCol="1" spcCol="1270" anchor="ctr" anchorCtr="0">
+          <a:noAutofit/>
+        </a:bodyPr>
+        <a:lstStyle/>
+        <a:p>
+          <a:pPr lvl="0" algn="ctr" defTabSz="1555750">
+            <a:lnSpc>
+              <a:spcPct val="90000"/>
+            </a:lnSpc>
+            <a:spcBef>
+              <a:spcPct val="0"/>
+            </a:spcBef>
+            <a:spcAft>
+              <a:spcPct val="35000"/>
+            </a:spcAft>
+          </a:pPr>
+          <a:r>
+            <a:rPr lang="en-US" sz="3500" kern="1200" dirty="0" smtClean="0"/>
+            <a:t>Identity</a:t>
+          </a:r>
+        </a:p>
+      </dsp:txBody>
+      <dsp:txXfrm>
+        <a:off x="0" y="0"/>
+        <a:ext cx="3672408" cy="989856"/>
+      </dsp:txXfrm>
+    </dsp:sp>
+    <dsp:sp modelId="{9CD6F3CA-B3FC-45CD-AFE8-83034A1E12CA}">
+      <dsp:nvSpPr>
+        <dsp:cNvPr id="0" name=""/>
+        <dsp:cNvSpPr/>
+      </dsp:nvSpPr>
+      <dsp:spPr>
+        <a:xfrm>
+          <a:off x="1793" y="953194"/>
+          <a:ext cx="1222940" cy="843210"/>
+        </a:xfrm>
+        <a:prstGeom prst="rect">
+          <a:avLst/>
+        </a:prstGeom>
+        <a:solidFill>
+          <a:schemeClr val="accent1">
+            <a:alpha val="90000"/>
+            <a:tint val="40000"/>
+            <a:hueOff val="0"/>
+            <a:satOff val="0"/>
+            <a:lumOff val="0"/>
+            <a:alphaOff val="0"/>
+          </a:schemeClr>
+        </a:solidFill>
+        <a:ln w="25400" cap="flat" cmpd="sng" algn="ctr">
+          <a:solidFill>
+            <a:schemeClr val="accent1">
+              <a:alpha val="90000"/>
+              <a:tint val="40000"/>
+              <a:hueOff val="0"/>
+              <a:satOff val="0"/>
+              <a:lumOff val="0"/>
+              <a:alphaOff val="0"/>
+            </a:schemeClr>
+          </a:solidFill>
+          <a:prstDash val="solid"/>
+        </a:ln>
+        <a:effectLst/>
+      </dsp:spPr>
+      <dsp:style>
+        <a:lnRef idx="2">
+          <a:scrgbClr r="0" g="0" b="0"/>
+        </a:lnRef>
+        <a:fillRef idx="1">
+          <a:scrgbClr r="0" g="0" b="0"/>
+        </a:fillRef>
+        <a:effectRef idx="0">
+          <a:scrgbClr r="0" g="0" b="0"/>
+        </a:effectRef>
+        <a:fontRef idx="minor"/>
+      </dsp:style>
+      <dsp:txBody>
+        <a:bodyPr spcFirstLastPara="0" vert="horz" wrap="square" lIns="99568" tIns="17780" rIns="99568" bIns="17780" numCol="1" spcCol="1270" anchor="t" anchorCtr="0">
+          <a:noAutofit/>
+        </a:bodyPr>
+        <a:lstStyle/>
+        <a:p>
+          <a:pPr lvl="0" algn="l" defTabSz="622300">
+            <a:lnSpc>
+              <a:spcPct val="90000"/>
+            </a:lnSpc>
+            <a:spcBef>
+              <a:spcPct val="0"/>
+            </a:spcBef>
+            <a:spcAft>
+              <a:spcPct val="35000"/>
+            </a:spcAft>
+          </a:pPr>
+          <a:r>
+            <a:rPr lang="en-US" sz="1400" kern="1200" dirty="0" smtClean="0"/>
+            <a:t>Claim</a:t>
+          </a:r>
+        </a:p>
+        <a:p>
+          <a:pPr marL="57150" lvl="1" indent="-57150" algn="l" defTabSz="488950">
+            <a:lnSpc>
+              <a:spcPct val="90000"/>
+            </a:lnSpc>
+            <a:spcBef>
+              <a:spcPct val="0"/>
+            </a:spcBef>
+            <a:spcAft>
+              <a:spcPct val="15000"/>
+            </a:spcAft>
+            <a:buChar char="••"/>
+          </a:pPr>
+          <a:r>
+            <a:rPr lang="en-US" sz="1100" kern="1200" dirty="0" smtClean="0"/>
+            <a:t>Government</a:t>
+          </a:r>
+        </a:p>
+        <a:p>
+          <a:pPr marL="57150" lvl="1" indent="-57150" algn="l" defTabSz="488950">
+            <a:lnSpc>
+              <a:spcPct val="90000"/>
+            </a:lnSpc>
+            <a:spcBef>
+              <a:spcPct val="0"/>
+            </a:spcBef>
+            <a:spcAft>
+              <a:spcPct val="15000"/>
+            </a:spcAft>
+            <a:buChar char="••"/>
+          </a:pPr>
+          <a:r>
+            <a:rPr lang="en-US" sz="1100" kern="1200" dirty="0" smtClean="0"/>
+            <a:t>Name</a:t>
+          </a:r>
+        </a:p>
+        <a:p>
+          <a:pPr marL="57150" lvl="1" indent="-57150" algn="l" defTabSz="488950">
+            <a:lnSpc>
+              <a:spcPct val="90000"/>
+            </a:lnSpc>
+            <a:spcBef>
+              <a:spcPct val="0"/>
+            </a:spcBef>
+            <a:spcAft>
+              <a:spcPct val="15000"/>
+            </a:spcAft>
+            <a:buChar char="••"/>
+          </a:pPr>
+          <a:r>
+            <a:rPr lang="en-US" sz="1100" kern="1200" dirty="0" smtClean="0"/>
+            <a:t>Billy</a:t>
+          </a:r>
+        </a:p>
+      </dsp:txBody>
+      <dsp:txXfrm>
+        <a:off x="1793" y="953194"/>
+        <a:ext cx="1222940" cy="843210"/>
+      </dsp:txXfrm>
+    </dsp:sp>
+    <dsp:sp modelId="{1F7BECB4-76D7-4619-97E8-90E69CEEB64A}">
+      <dsp:nvSpPr>
+        <dsp:cNvPr id="0" name=""/>
+        <dsp:cNvSpPr/>
+      </dsp:nvSpPr>
+      <dsp:spPr>
+        <a:xfrm>
+          <a:off x="1224733" y="953194"/>
+          <a:ext cx="1222940" cy="843210"/>
+        </a:xfrm>
+        <a:prstGeom prst="rect">
+          <a:avLst/>
+        </a:prstGeom>
+        <a:solidFill>
+          <a:schemeClr val="accent1">
+            <a:alpha val="90000"/>
+            <a:tint val="40000"/>
+            <a:hueOff val="0"/>
+            <a:satOff val="0"/>
+            <a:lumOff val="0"/>
+            <a:alphaOff val="0"/>
+          </a:schemeClr>
+        </a:solidFill>
+        <a:ln w="25400" cap="flat" cmpd="sng" algn="ctr">
+          <a:solidFill>
+            <a:schemeClr val="accent1">
+              <a:alpha val="90000"/>
+              <a:tint val="40000"/>
+              <a:hueOff val="0"/>
+              <a:satOff val="0"/>
+              <a:lumOff val="0"/>
+              <a:alphaOff val="0"/>
+            </a:schemeClr>
+          </a:solidFill>
+          <a:prstDash val="solid"/>
+        </a:ln>
+        <a:effectLst/>
+      </dsp:spPr>
+      <dsp:style>
+        <a:lnRef idx="2">
+          <a:scrgbClr r="0" g="0" b="0"/>
+        </a:lnRef>
+        <a:fillRef idx="1">
+          <a:scrgbClr r="0" g="0" b="0"/>
+        </a:fillRef>
+        <a:effectRef idx="0">
+          <a:scrgbClr r="0" g="0" b="0"/>
+        </a:effectRef>
+        <a:fontRef idx="minor"/>
+      </dsp:style>
+      <dsp:txBody>
+        <a:bodyPr spcFirstLastPara="0" vert="horz" wrap="square" lIns="99568" tIns="17780" rIns="99568" bIns="17780" numCol="1" spcCol="1270" anchor="t" anchorCtr="0">
+          <a:noAutofit/>
+        </a:bodyPr>
+        <a:lstStyle/>
+        <a:p>
+          <a:pPr lvl="0" algn="l" defTabSz="622300">
+            <a:lnSpc>
+              <a:spcPct val="90000"/>
+            </a:lnSpc>
+            <a:spcBef>
+              <a:spcPct val="0"/>
+            </a:spcBef>
+            <a:spcAft>
+              <a:spcPct val="35000"/>
+            </a:spcAft>
+          </a:pPr>
+          <a:r>
+            <a:rPr lang="en-US" sz="1400" kern="1200" dirty="0" smtClean="0"/>
+            <a:t>Claim</a:t>
+          </a:r>
+        </a:p>
+        <a:p>
+          <a:pPr marL="57150" lvl="1" indent="-57150" algn="l" defTabSz="488950">
+            <a:lnSpc>
+              <a:spcPct val="90000"/>
+            </a:lnSpc>
+            <a:spcBef>
+              <a:spcPct val="0"/>
+            </a:spcBef>
+            <a:spcAft>
+              <a:spcPct val="15000"/>
+            </a:spcAft>
+            <a:buChar char="••"/>
+          </a:pPr>
+          <a:r>
+            <a:rPr lang="en-US" sz="1100" kern="1200" dirty="0" smtClean="0"/>
+            <a:t>Government</a:t>
+          </a:r>
+        </a:p>
+        <a:p>
+          <a:pPr marL="57150" lvl="1" indent="-57150" algn="l" defTabSz="488950">
+            <a:lnSpc>
+              <a:spcPct val="90000"/>
+            </a:lnSpc>
+            <a:spcBef>
+              <a:spcPct val="0"/>
+            </a:spcBef>
+            <a:spcAft>
+              <a:spcPct val="15000"/>
+            </a:spcAft>
+            <a:buChar char="••"/>
+          </a:pPr>
+          <a:r>
+            <a:rPr lang="en-US" sz="1100" kern="1200" dirty="0" smtClean="0"/>
+            <a:t>Age</a:t>
+          </a:r>
+        </a:p>
+        <a:p>
+          <a:pPr marL="57150" lvl="1" indent="-57150" algn="l" defTabSz="488950">
+            <a:lnSpc>
+              <a:spcPct val="90000"/>
+            </a:lnSpc>
+            <a:spcBef>
+              <a:spcPct val="0"/>
+            </a:spcBef>
+            <a:spcAft>
+              <a:spcPct val="15000"/>
+            </a:spcAft>
+            <a:buChar char="••"/>
+          </a:pPr>
+          <a:r>
+            <a:rPr lang="en-US" sz="1100" kern="1200" dirty="0" smtClean="0"/>
+            <a:t>27</a:t>
+          </a:r>
+        </a:p>
+      </dsp:txBody>
+      <dsp:txXfrm>
+        <a:off x="1224733" y="953194"/>
+        <a:ext cx="1222940" cy="843210"/>
+      </dsp:txXfrm>
+    </dsp:sp>
+    <dsp:sp modelId="{15CB6101-9D66-43DB-9447-0F2A9C6FB0A0}">
+      <dsp:nvSpPr>
+        <dsp:cNvPr id="0" name=""/>
+        <dsp:cNvSpPr/>
+      </dsp:nvSpPr>
+      <dsp:spPr>
+        <a:xfrm>
+          <a:off x="2447674" y="953194"/>
+          <a:ext cx="1222940" cy="843210"/>
+        </a:xfrm>
+        <a:prstGeom prst="rect">
+          <a:avLst/>
+        </a:prstGeom>
+        <a:solidFill>
+          <a:schemeClr val="accent1">
+            <a:alpha val="90000"/>
+            <a:tint val="40000"/>
+            <a:hueOff val="0"/>
+            <a:satOff val="0"/>
+            <a:lumOff val="0"/>
+            <a:alphaOff val="0"/>
+          </a:schemeClr>
+        </a:solidFill>
+        <a:ln w="25400" cap="flat" cmpd="sng" algn="ctr">
+          <a:solidFill>
+            <a:schemeClr val="accent1">
+              <a:alpha val="90000"/>
+              <a:tint val="40000"/>
+              <a:hueOff val="0"/>
+              <a:satOff val="0"/>
+              <a:lumOff val="0"/>
+              <a:alphaOff val="0"/>
+            </a:schemeClr>
+          </a:solidFill>
+          <a:prstDash val="solid"/>
+        </a:ln>
+        <a:effectLst/>
+      </dsp:spPr>
+      <dsp:style>
+        <a:lnRef idx="2">
+          <a:scrgbClr r="0" g="0" b="0"/>
+        </a:lnRef>
+        <a:fillRef idx="1">
+          <a:scrgbClr r="0" g="0" b="0"/>
+        </a:fillRef>
+        <a:effectRef idx="0">
+          <a:scrgbClr r="0" g="0" b="0"/>
+        </a:effectRef>
+        <a:fontRef idx="minor"/>
+      </dsp:style>
+      <dsp:txBody>
+        <a:bodyPr spcFirstLastPara="0" vert="horz" wrap="square" lIns="99568" tIns="17780" rIns="99568" bIns="17780" numCol="1" spcCol="1270" anchor="t" anchorCtr="0">
+          <a:noAutofit/>
+        </a:bodyPr>
+        <a:lstStyle/>
+        <a:p>
+          <a:pPr lvl="0" algn="l" defTabSz="622300">
+            <a:lnSpc>
+              <a:spcPct val="90000"/>
+            </a:lnSpc>
+            <a:spcBef>
+              <a:spcPct val="0"/>
+            </a:spcBef>
+            <a:spcAft>
+              <a:spcPct val="35000"/>
+            </a:spcAft>
+          </a:pPr>
+          <a:r>
+            <a:rPr lang="en-US" sz="1400" kern="1200" dirty="0" smtClean="0"/>
+            <a:t>Claim</a:t>
+          </a:r>
+        </a:p>
+        <a:p>
+          <a:pPr marL="57150" lvl="1" indent="-57150" algn="l" defTabSz="488950">
+            <a:lnSpc>
+              <a:spcPct val="90000"/>
+            </a:lnSpc>
+            <a:spcBef>
+              <a:spcPct val="0"/>
+            </a:spcBef>
+            <a:spcAft>
+              <a:spcPct val="15000"/>
+            </a:spcAft>
+            <a:buChar char="••"/>
+          </a:pPr>
+          <a:r>
+            <a:rPr lang="en-US" sz="1100" kern="1200" dirty="0" smtClean="0"/>
+            <a:t>Employer</a:t>
+          </a:r>
+        </a:p>
+        <a:p>
+          <a:pPr marL="57150" lvl="1" indent="-57150" algn="l" defTabSz="488950">
+            <a:lnSpc>
+              <a:spcPct val="90000"/>
+            </a:lnSpc>
+            <a:spcBef>
+              <a:spcPct val="0"/>
+            </a:spcBef>
+            <a:spcAft>
+              <a:spcPct val="15000"/>
+            </a:spcAft>
+            <a:buChar char="••"/>
+          </a:pPr>
+          <a:r>
+            <a:rPr lang="en-US" sz="1100" kern="1200" dirty="0" smtClean="0"/>
+            <a:t>Occupation</a:t>
+          </a:r>
+        </a:p>
+        <a:p>
+          <a:pPr marL="57150" lvl="1" indent="-57150" algn="l" defTabSz="488950">
+            <a:lnSpc>
+              <a:spcPct val="90000"/>
+            </a:lnSpc>
+            <a:spcBef>
+              <a:spcPct val="0"/>
+            </a:spcBef>
+            <a:spcAft>
+              <a:spcPct val="15000"/>
+            </a:spcAft>
+            <a:buChar char="••"/>
+          </a:pPr>
+          <a:r>
+            <a:rPr lang="en-US" sz="1100" kern="1200" dirty="0" smtClean="0"/>
+            <a:t>Programmer</a:t>
+          </a:r>
+        </a:p>
+      </dsp:txBody>
+      <dsp:txXfrm>
+        <a:off x="2447674" y="953194"/>
+        <a:ext cx="1222940" cy="843210"/>
+      </dsp:txXfrm>
+    </dsp:sp>
   </dsp:spTree>
 </dsp:drawing>
 </file>
@@ -9272,6 +9734,240 @@
       <dsp:cNvGrpSpPr/>
     </dsp:nvGrpSpPr>
     <dsp:grpSpPr/>
+    <dsp:sp modelId="{082C1469-7809-41E5-B99E-9BA48C43295F}">
+      <dsp:nvSpPr>
+        <dsp:cNvPr id="0" name=""/>
+        <dsp:cNvSpPr/>
+      </dsp:nvSpPr>
+      <dsp:spPr>
+        <a:xfrm>
+          <a:off x="0" y="0"/>
+          <a:ext cx="3456384" cy="1701604"/>
+        </a:xfrm>
+        <a:prstGeom prst="rect">
+          <a:avLst/>
+        </a:prstGeom>
+        <a:solidFill>
+          <a:schemeClr val="accent1">
+            <a:hueOff val="0"/>
+            <a:satOff val="0"/>
+            <a:lumOff val="0"/>
+            <a:alphaOff val="0"/>
+          </a:schemeClr>
+        </a:solidFill>
+        <a:ln w="25400" cap="flat" cmpd="sng" algn="ctr">
+          <a:solidFill>
+            <a:schemeClr val="lt1">
+              <a:hueOff val="0"/>
+              <a:satOff val="0"/>
+              <a:lumOff val="0"/>
+              <a:alphaOff val="0"/>
+            </a:schemeClr>
+          </a:solidFill>
+          <a:prstDash val="solid"/>
+        </a:ln>
+        <a:effectLst/>
+      </dsp:spPr>
+      <dsp:style>
+        <a:lnRef idx="2">
+          <a:scrgbClr r="0" g="0" b="0"/>
+        </a:lnRef>
+        <a:fillRef idx="1">
+          <a:scrgbClr r="0" g="0" b="0"/>
+        </a:fillRef>
+        <a:effectRef idx="0">
+          <a:scrgbClr r="0" g="0" b="0"/>
+        </a:effectRef>
+        <a:fontRef idx="minor">
+          <a:schemeClr val="lt1"/>
+        </a:fontRef>
+      </dsp:style>
+      <dsp:txBody>
+        <a:bodyPr spcFirstLastPara="0" vert="horz" wrap="square" lIns="227584" tIns="227584" rIns="227584" bIns="227584" numCol="1" spcCol="1270" anchor="ctr" anchorCtr="0">
+          <a:noAutofit/>
+        </a:bodyPr>
+        <a:lstStyle/>
+        <a:p>
+          <a:pPr lvl="0" algn="ctr" defTabSz="1422400">
+            <a:lnSpc>
+              <a:spcPct val="90000"/>
+            </a:lnSpc>
+            <a:spcBef>
+              <a:spcPct val="0"/>
+            </a:spcBef>
+            <a:spcAft>
+              <a:spcPct val="35000"/>
+            </a:spcAft>
+          </a:pPr>
+          <a:r>
+            <a:rPr lang="en-US" sz="3200" kern="1200" dirty="0" smtClean="0"/>
+            <a:t>Principal</a:t>
+          </a:r>
+          <a:endParaRPr lang="en-US" sz="3200" kern="1200" dirty="0"/>
+        </a:p>
+      </dsp:txBody>
+      <dsp:txXfrm>
+        <a:off x="0" y="0"/>
+        <a:ext cx="3456384" cy="918866"/>
+      </dsp:txXfrm>
+    </dsp:sp>
+    <dsp:sp modelId="{9CD6F3CA-B3FC-45CD-AFE8-83034A1E12CA}">
+      <dsp:nvSpPr>
+        <dsp:cNvPr id="0" name=""/>
+        <dsp:cNvSpPr/>
+      </dsp:nvSpPr>
+      <dsp:spPr>
+        <a:xfrm>
+          <a:off x="0" y="884834"/>
+          <a:ext cx="1728192" cy="782737"/>
+        </a:xfrm>
+        <a:prstGeom prst="rect">
+          <a:avLst/>
+        </a:prstGeom>
+        <a:solidFill>
+          <a:schemeClr val="accent1">
+            <a:alpha val="90000"/>
+            <a:tint val="40000"/>
+            <a:hueOff val="0"/>
+            <a:satOff val="0"/>
+            <a:lumOff val="0"/>
+            <a:alphaOff val="0"/>
+          </a:schemeClr>
+        </a:solidFill>
+        <a:ln w="25400" cap="flat" cmpd="sng" algn="ctr">
+          <a:solidFill>
+            <a:schemeClr val="accent1">
+              <a:alpha val="90000"/>
+              <a:tint val="40000"/>
+              <a:hueOff val="0"/>
+              <a:satOff val="0"/>
+              <a:lumOff val="0"/>
+              <a:alphaOff val="0"/>
+            </a:schemeClr>
+          </a:solidFill>
+          <a:prstDash val="solid"/>
+        </a:ln>
+        <a:effectLst/>
+      </dsp:spPr>
+      <dsp:style>
+        <a:lnRef idx="2">
+          <a:scrgbClr r="0" g="0" b="0"/>
+        </a:lnRef>
+        <a:fillRef idx="1">
+          <a:scrgbClr r="0" g="0" b="0"/>
+        </a:fillRef>
+        <a:effectRef idx="0">
+          <a:scrgbClr r="0" g="0" b="0"/>
+        </a:effectRef>
+        <a:fontRef idx="minor"/>
+      </dsp:style>
+      <dsp:txBody>
+        <a:bodyPr spcFirstLastPara="0" vert="horz" wrap="square" lIns="220472" tIns="39370" rIns="220472" bIns="39370" numCol="1" spcCol="1270" anchor="ctr" anchorCtr="0">
+          <a:noAutofit/>
+        </a:bodyPr>
+        <a:lstStyle/>
+        <a:p>
+          <a:pPr lvl="0" algn="ctr" defTabSz="1377950">
+            <a:lnSpc>
+              <a:spcPct val="90000"/>
+            </a:lnSpc>
+            <a:spcBef>
+              <a:spcPct val="0"/>
+            </a:spcBef>
+            <a:spcAft>
+              <a:spcPct val="35000"/>
+            </a:spcAft>
+          </a:pPr>
+          <a:r>
+            <a:rPr lang="en-US" sz="3100" kern="1200" dirty="0" smtClean="0"/>
+            <a:t>Identity</a:t>
+          </a:r>
+          <a:endParaRPr lang="en-US" sz="3100" kern="1200" dirty="0"/>
+        </a:p>
+      </dsp:txBody>
+      <dsp:txXfrm>
+        <a:off x="0" y="884834"/>
+        <a:ext cx="1728192" cy="782737"/>
+      </dsp:txXfrm>
+    </dsp:sp>
+    <dsp:sp modelId="{1F7BECB4-76D7-4619-97E8-90E69CEEB64A}">
+      <dsp:nvSpPr>
+        <dsp:cNvPr id="0" name=""/>
+        <dsp:cNvSpPr/>
+      </dsp:nvSpPr>
+      <dsp:spPr>
+        <a:xfrm>
+          <a:off x="1728192" y="884834"/>
+          <a:ext cx="1728192" cy="782737"/>
+        </a:xfrm>
+        <a:prstGeom prst="rect">
+          <a:avLst/>
+        </a:prstGeom>
+        <a:solidFill>
+          <a:schemeClr val="accent1">
+            <a:alpha val="90000"/>
+            <a:tint val="40000"/>
+            <a:hueOff val="0"/>
+            <a:satOff val="0"/>
+            <a:lumOff val="0"/>
+            <a:alphaOff val="0"/>
+          </a:schemeClr>
+        </a:solidFill>
+        <a:ln w="25400" cap="flat" cmpd="sng" algn="ctr">
+          <a:solidFill>
+            <a:schemeClr val="accent1">
+              <a:alpha val="90000"/>
+              <a:tint val="40000"/>
+              <a:hueOff val="0"/>
+              <a:satOff val="0"/>
+              <a:lumOff val="0"/>
+              <a:alphaOff val="0"/>
+            </a:schemeClr>
+          </a:solidFill>
+          <a:prstDash val="solid"/>
+        </a:ln>
+        <a:effectLst/>
+      </dsp:spPr>
+      <dsp:style>
+        <a:lnRef idx="2">
+          <a:scrgbClr r="0" g="0" b="0"/>
+        </a:lnRef>
+        <a:fillRef idx="1">
+          <a:scrgbClr r="0" g="0" b="0"/>
+        </a:fillRef>
+        <a:effectRef idx="0">
+          <a:scrgbClr r="0" g="0" b="0"/>
+        </a:effectRef>
+        <a:fontRef idx="minor"/>
+      </dsp:style>
+      <dsp:txBody>
+        <a:bodyPr spcFirstLastPara="0" vert="horz" wrap="square" lIns="220472" tIns="39370" rIns="220472" bIns="39370" numCol="1" spcCol="1270" anchor="ctr" anchorCtr="0">
+          <a:noAutofit/>
+        </a:bodyPr>
+        <a:lstStyle/>
+        <a:p>
+          <a:pPr lvl="0" algn="ctr" defTabSz="1377950">
+            <a:lnSpc>
+              <a:spcPct val="90000"/>
+            </a:lnSpc>
+            <a:spcBef>
+              <a:spcPct val="0"/>
+            </a:spcBef>
+            <a:spcAft>
+              <a:spcPct val="35000"/>
+            </a:spcAft>
+          </a:pPr>
+          <a:r>
+            <a:rPr lang="en-US" sz="3100" kern="1200" dirty="0" smtClean="0"/>
+            <a:t>Roles</a:t>
+          </a:r>
+        </a:p>
+      </dsp:txBody>
+      <dsp:txXfrm>
+        <a:off x="1728192" y="884834"/>
+        <a:ext cx="1728192" cy="782737"/>
+      </dsp:txXfrm>
+    </dsp:sp>
   </dsp:spTree>
 </dsp:drawing>
 </file>
@@ -9564,6 +10260,899 @@
       <dsp:cNvGrpSpPr/>
     </dsp:nvGrpSpPr>
     <dsp:grpSpPr/>
+    <dsp:sp modelId="{61EF867E-8046-40FF-AADC-0B7503D0DCE0}">
+      <dsp:nvSpPr>
+        <dsp:cNvPr id="0" name=""/>
+        <dsp:cNvSpPr/>
+      </dsp:nvSpPr>
+      <dsp:spPr>
+        <a:xfrm>
+          <a:off x="5124" y="1809"/>
+          <a:ext cx="7206019" cy="872325"/>
+        </a:xfrm>
+        <a:prstGeom prst="roundRect">
+          <a:avLst>
+            <a:gd name="adj" fmla="val 10000"/>
+          </a:avLst>
+        </a:prstGeom>
+        <a:solidFill>
+          <a:schemeClr val="accent1">
+            <a:hueOff val="0"/>
+            <a:satOff val="0"/>
+            <a:lumOff val="0"/>
+            <a:alphaOff val="0"/>
+          </a:schemeClr>
+        </a:solidFill>
+        <a:ln w="25400" cap="flat" cmpd="sng" algn="ctr">
+          <a:solidFill>
+            <a:schemeClr val="lt1">
+              <a:hueOff val="0"/>
+              <a:satOff val="0"/>
+              <a:lumOff val="0"/>
+              <a:alphaOff val="0"/>
+            </a:schemeClr>
+          </a:solidFill>
+          <a:prstDash val="solid"/>
+        </a:ln>
+        <a:effectLst/>
+      </dsp:spPr>
+      <dsp:style>
+        <a:lnRef idx="2">
+          <a:scrgbClr r="0" g="0" b="0"/>
+        </a:lnRef>
+        <a:fillRef idx="1">
+          <a:scrgbClr r="0" g="0" b="0"/>
+        </a:fillRef>
+        <a:effectRef idx="0">
+          <a:scrgbClr r="0" g="0" b="0"/>
+        </a:effectRef>
+        <a:fontRef idx="minor">
+          <a:schemeClr val="lt1"/>
+        </a:fontRef>
+      </dsp:style>
+      <dsp:txBody>
+        <a:bodyPr spcFirstLastPara="0" vert="horz" wrap="square" lIns="144780" tIns="144780" rIns="144780" bIns="144780" numCol="1" spcCol="1270" anchor="ctr" anchorCtr="0">
+          <a:noAutofit/>
+        </a:bodyPr>
+        <a:lstStyle/>
+        <a:p>
+          <a:pPr lvl="0" algn="ctr" defTabSz="1689100">
+            <a:lnSpc>
+              <a:spcPct val="90000"/>
+            </a:lnSpc>
+            <a:spcBef>
+              <a:spcPct val="0"/>
+            </a:spcBef>
+            <a:spcAft>
+              <a:spcPct val="35000"/>
+            </a:spcAft>
+          </a:pPr>
+          <a:r>
+            <a:rPr lang="en-US" sz="3800" kern="1200" dirty="0" smtClean="0"/>
+            <a:t>Principal</a:t>
+          </a:r>
+          <a:endParaRPr lang="en-US" sz="3800" kern="1200" dirty="0"/>
+        </a:p>
+      </dsp:txBody>
+      <dsp:txXfrm>
+        <a:off x="30674" y="27359"/>
+        <a:ext cx="7154919" cy="821225"/>
+      </dsp:txXfrm>
+    </dsp:sp>
+    <dsp:sp modelId="{8FBAD47D-2576-4E9B-9315-4C860CF43391}">
+      <dsp:nvSpPr>
+        <dsp:cNvPr id="0" name=""/>
+        <dsp:cNvSpPr/>
+      </dsp:nvSpPr>
+      <dsp:spPr>
+        <a:xfrm>
+          <a:off x="2562" y="967499"/>
+          <a:ext cx="5322410" cy="872325"/>
+        </a:xfrm>
+        <a:prstGeom prst="roundRect">
+          <a:avLst>
+            <a:gd name="adj" fmla="val 10000"/>
+          </a:avLst>
+        </a:prstGeom>
+        <a:solidFill>
+          <a:schemeClr val="accent2"/>
+        </a:solidFill>
+        <a:ln w="25400" cap="flat" cmpd="sng" algn="ctr">
+          <a:solidFill>
+            <a:schemeClr val="lt1">
+              <a:hueOff val="0"/>
+              <a:satOff val="0"/>
+              <a:lumOff val="0"/>
+              <a:alphaOff val="0"/>
+            </a:schemeClr>
+          </a:solidFill>
+          <a:prstDash val="solid"/>
+        </a:ln>
+        <a:effectLst/>
+      </dsp:spPr>
+      <dsp:style>
+        <a:lnRef idx="2">
+          <a:scrgbClr r="0" g="0" b="0"/>
+        </a:lnRef>
+        <a:fillRef idx="1">
+          <a:scrgbClr r="0" g="0" b="0"/>
+        </a:fillRef>
+        <a:effectRef idx="0">
+          <a:scrgbClr r="0" g="0" b="0"/>
+        </a:effectRef>
+        <a:fontRef idx="minor">
+          <a:schemeClr val="lt1"/>
+        </a:fontRef>
+      </dsp:style>
+      <dsp:txBody>
+        <a:bodyPr spcFirstLastPara="0" vert="horz" wrap="square" lIns="102870" tIns="102870" rIns="102870" bIns="102870" numCol="1" spcCol="1270" anchor="ctr" anchorCtr="0">
+          <a:noAutofit/>
+        </a:bodyPr>
+        <a:lstStyle/>
+        <a:p>
+          <a:pPr lvl="0" algn="ctr" defTabSz="1200150">
+            <a:lnSpc>
+              <a:spcPct val="90000"/>
+            </a:lnSpc>
+            <a:spcBef>
+              <a:spcPct val="0"/>
+            </a:spcBef>
+            <a:spcAft>
+              <a:spcPct val="35000"/>
+            </a:spcAft>
+          </a:pPr>
+          <a:r>
+            <a:rPr lang="en-US" sz="2700" kern="1200" dirty="0" smtClean="0"/>
+            <a:t>Identity</a:t>
+          </a:r>
+          <a:endParaRPr lang="en-US" sz="2700" kern="1200" dirty="0"/>
+        </a:p>
+      </dsp:txBody>
+      <dsp:txXfrm>
+        <a:off x="28112" y="993049"/>
+        <a:ext cx="5271310" cy="821225"/>
+      </dsp:txXfrm>
+    </dsp:sp>
+    <dsp:sp modelId="{D67A57DE-3B88-46EA-A684-70F3D22AB929}">
+      <dsp:nvSpPr>
+        <dsp:cNvPr id="0" name=""/>
+        <dsp:cNvSpPr/>
+      </dsp:nvSpPr>
+      <dsp:spPr>
+        <a:xfrm>
+          <a:off x="2562" y="1933189"/>
+          <a:ext cx="2642959" cy="872325"/>
+        </a:xfrm>
+        <a:prstGeom prst="roundRect">
+          <a:avLst>
+            <a:gd name="adj" fmla="val 10000"/>
+          </a:avLst>
+        </a:prstGeom>
+        <a:solidFill>
+          <a:schemeClr val="accent3"/>
+        </a:solidFill>
+        <a:ln w="25400" cap="flat" cmpd="sng" algn="ctr">
+          <a:solidFill>
+            <a:schemeClr val="lt1">
+              <a:hueOff val="0"/>
+              <a:satOff val="0"/>
+              <a:lumOff val="0"/>
+              <a:alphaOff val="0"/>
+            </a:schemeClr>
+          </a:solidFill>
+          <a:prstDash val="solid"/>
+        </a:ln>
+        <a:effectLst/>
+      </dsp:spPr>
+      <dsp:style>
+        <a:lnRef idx="2">
+          <a:scrgbClr r="0" g="0" b="0"/>
+        </a:lnRef>
+        <a:fillRef idx="1">
+          <a:scrgbClr r="0" g="0" b="0"/>
+        </a:fillRef>
+        <a:effectRef idx="0">
+          <a:scrgbClr r="0" g="0" b="0"/>
+        </a:effectRef>
+        <a:fontRef idx="minor">
+          <a:schemeClr val="lt1"/>
+        </a:fontRef>
+      </dsp:style>
+      <dsp:txBody>
+        <a:bodyPr spcFirstLastPara="0" vert="horz" wrap="square" lIns="102870" tIns="102870" rIns="102870" bIns="102870" numCol="1" spcCol="1270" anchor="ctr" anchorCtr="0">
+          <a:noAutofit/>
+        </a:bodyPr>
+        <a:lstStyle/>
+        <a:p>
+          <a:pPr lvl="0" algn="ctr" defTabSz="1200150">
+            <a:lnSpc>
+              <a:spcPct val="90000"/>
+            </a:lnSpc>
+            <a:spcBef>
+              <a:spcPct val="0"/>
+            </a:spcBef>
+            <a:spcAft>
+              <a:spcPct val="35000"/>
+            </a:spcAft>
+          </a:pPr>
+          <a:r>
+            <a:rPr lang="en-US" sz="2700" kern="1200" dirty="0" smtClean="0"/>
+            <a:t>Claim</a:t>
+          </a:r>
+          <a:endParaRPr lang="en-US" sz="2700" kern="1200" dirty="0"/>
+        </a:p>
+      </dsp:txBody>
+      <dsp:txXfrm>
+        <a:off x="28112" y="1958739"/>
+        <a:ext cx="2591859" cy="821225"/>
+      </dsp:txXfrm>
+    </dsp:sp>
+    <dsp:sp modelId="{ED9DDCB1-6789-4704-AFC2-C6851726111A}">
+      <dsp:nvSpPr>
+        <dsp:cNvPr id="0" name=""/>
+        <dsp:cNvSpPr/>
+      </dsp:nvSpPr>
+      <dsp:spPr>
+        <a:xfrm>
+          <a:off x="2562" y="2898879"/>
+          <a:ext cx="868823" cy="872325"/>
+        </a:xfrm>
+        <a:prstGeom prst="roundRect">
+          <a:avLst>
+            <a:gd name="adj" fmla="val 10000"/>
+          </a:avLst>
+        </a:prstGeom>
+        <a:solidFill>
+          <a:schemeClr val="accent5"/>
+        </a:solidFill>
+        <a:ln w="25400" cap="flat" cmpd="sng" algn="ctr">
+          <a:solidFill>
+            <a:schemeClr val="lt1">
+              <a:hueOff val="0"/>
+              <a:satOff val="0"/>
+              <a:lumOff val="0"/>
+              <a:alphaOff val="0"/>
+            </a:schemeClr>
+          </a:solidFill>
+          <a:prstDash val="solid"/>
+        </a:ln>
+        <a:effectLst/>
+      </dsp:spPr>
+      <dsp:style>
+        <a:lnRef idx="2">
+          <a:scrgbClr r="0" g="0" b="0"/>
+        </a:lnRef>
+        <a:fillRef idx="1">
+          <a:scrgbClr r="0" g="0" b="0"/>
+        </a:fillRef>
+        <a:effectRef idx="0">
+          <a:scrgbClr r="0" g="0" b="0"/>
+        </a:effectRef>
+        <a:fontRef idx="minor">
+          <a:schemeClr val="lt1"/>
+        </a:fontRef>
+      </dsp:style>
+      <dsp:txBody>
+        <a:bodyPr spcFirstLastPara="0" vert="horz" wrap="square" lIns="80010" tIns="80010" rIns="80010" bIns="80010" numCol="1" spcCol="1270" anchor="ctr" anchorCtr="0">
+          <a:noAutofit/>
+        </a:bodyPr>
+        <a:lstStyle/>
+        <a:p>
+          <a:pPr lvl="0" algn="ctr" defTabSz="933450">
+            <a:lnSpc>
+              <a:spcPct val="90000"/>
+            </a:lnSpc>
+            <a:spcBef>
+              <a:spcPct val="0"/>
+            </a:spcBef>
+            <a:spcAft>
+              <a:spcPct val="35000"/>
+            </a:spcAft>
+          </a:pPr>
+          <a:r>
+            <a:rPr lang="en-US" sz="2100" kern="1200" dirty="0" smtClean="0"/>
+            <a:t>Issuer</a:t>
+          </a:r>
+          <a:endParaRPr lang="en-US" sz="2100" kern="1200" dirty="0"/>
+        </a:p>
+      </dsp:txBody>
+      <dsp:txXfrm>
+        <a:off x="28009" y="2924326"/>
+        <a:ext cx="817929" cy="821431"/>
+      </dsp:txXfrm>
+    </dsp:sp>
+    <dsp:sp modelId="{3EFFF79B-E472-4C76-BF8B-AB2776708A65}">
+      <dsp:nvSpPr>
+        <dsp:cNvPr id="0" name=""/>
+        <dsp:cNvSpPr/>
+      </dsp:nvSpPr>
+      <dsp:spPr>
+        <a:xfrm>
+          <a:off x="889630" y="2898879"/>
+          <a:ext cx="868823" cy="872325"/>
+        </a:xfrm>
+        <a:prstGeom prst="roundRect">
+          <a:avLst>
+            <a:gd name="adj" fmla="val 10000"/>
+          </a:avLst>
+        </a:prstGeom>
+        <a:solidFill>
+          <a:schemeClr val="accent5"/>
+        </a:solidFill>
+        <a:ln w="25400" cap="flat" cmpd="sng" algn="ctr">
+          <a:solidFill>
+            <a:schemeClr val="lt1">
+              <a:hueOff val="0"/>
+              <a:satOff val="0"/>
+              <a:lumOff val="0"/>
+              <a:alphaOff val="0"/>
+            </a:schemeClr>
+          </a:solidFill>
+          <a:prstDash val="solid"/>
+        </a:ln>
+        <a:effectLst/>
+      </dsp:spPr>
+      <dsp:style>
+        <a:lnRef idx="2">
+          <a:scrgbClr r="0" g="0" b="0"/>
+        </a:lnRef>
+        <a:fillRef idx="1">
+          <a:scrgbClr r="0" g="0" b="0"/>
+        </a:fillRef>
+        <a:effectRef idx="0">
+          <a:scrgbClr r="0" g="0" b="0"/>
+        </a:effectRef>
+        <a:fontRef idx="minor">
+          <a:schemeClr val="lt1"/>
+        </a:fontRef>
+      </dsp:style>
+      <dsp:txBody>
+        <a:bodyPr spcFirstLastPara="0" vert="horz" wrap="square" lIns="80010" tIns="80010" rIns="80010" bIns="80010" numCol="1" spcCol="1270" anchor="ctr" anchorCtr="0">
+          <a:noAutofit/>
+        </a:bodyPr>
+        <a:lstStyle/>
+        <a:p>
+          <a:pPr lvl="0" algn="ctr" defTabSz="933450">
+            <a:lnSpc>
+              <a:spcPct val="90000"/>
+            </a:lnSpc>
+            <a:spcBef>
+              <a:spcPct val="0"/>
+            </a:spcBef>
+            <a:spcAft>
+              <a:spcPct val="35000"/>
+            </a:spcAft>
+          </a:pPr>
+          <a:r>
+            <a:rPr lang="en-US" sz="2100" kern="1200" dirty="0" smtClean="0"/>
+            <a:t>Type</a:t>
+          </a:r>
+          <a:endParaRPr lang="en-US" sz="2100" kern="1200" dirty="0"/>
+        </a:p>
+      </dsp:txBody>
+      <dsp:txXfrm>
+        <a:off x="915077" y="2924326"/>
+        <a:ext cx="817929" cy="821431"/>
+      </dsp:txXfrm>
+    </dsp:sp>
+    <dsp:sp modelId="{C2BD82D2-66E9-407A-B1E8-890E01FB572C}">
+      <dsp:nvSpPr>
+        <dsp:cNvPr id="0" name=""/>
+        <dsp:cNvSpPr/>
+      </dsp:nvSpPr>
+      <dsp:spPr>
+        <a:xfrm>
+          <a:off x="1776699" y="2898879"/>
+          <a:ext cx="868823" cy="872325"/>
+        </a:xfrm>
+        <a:prstGeom prst="roundRect">
+          <a:avLst>
+            <a:gd name="adj" fmla="val 10000"/>
+          </a:avLst>
+        </a:prstGeom>
+        <a:solidFill>
+          <a:schemeClr val="accent5"/>
+        </a:solidFill>
+        <a:ln w="25400" cap="flat" cmpd="sng" algn="ctr">
+          <a:solidFill>
+            <a:schemeClr val="lt1">
+              <a:hueOff val="0"/>
+              <a:satOff val="0"/>
+              <a:lumOff val="0"/>
+              <a:alphaOff val="0"/>
+            </a:schemeClr>
+          </a:solidFill>
+          <a:prstDash val="solid"/>
+        </a:ln>
+        <a:effectLst/>
+      </dsp:spPr>
+      <dsp:style>
+        <a:lnRef idx="2">
+          <a:scrgbClr r="0" g="0" b="0"/>
+        </a:lnRef>
+        <a:fillRef idx="1">
+          <a:scrgbClr r="0" g="0" b="0"/>
+        </a:fillRef>
+        <a:effectRef idx="0">
+          <a:scrgbClr r="0" g="0" b="0"/>
+        </a:effectRef>
+        <a:fontRef idx="minor">
+          <a:schemeClr val="lt1"/>
+        </a:fontRef>
+      </dsp:style>
+      <dsp:txBody>
+        <a:bodyPr spcFirstLastPara="0" vert="horz" wrap="square" lIns="80010" tIns="80010" rIns="80010" bIns="80010" numCol="1" spcCol="1270" anchor="ctr" anchorCtr="0">
+          <a:noAutofit/>
+        </a:bodyPr>
+        <a:lstStyle/>
+        <a:p>
+          <a:pPr lvl="0" algn="ctr" defTabSz="933450">
+            <a:lnSpc>
+              <a:spcPct val="90000"/>
+            </a:lnSpc>
+            <a:spcBef>
+              <a:spcPct val="0"/>
+            </a:spcBef>
+            <a:spcAft>
+              <a:spcPct val="35000"/>
+            </a:spcAft>
+          </a:pPr>
+          <a:r>
+            <a:rPr lang="en-US" sz="2100" kern="1200" dirty="0" smtClean="0"/>
+            <a:t>Value</a:t>
+          </a:r>
+          <a:endParaRPr lang="en-US" sz="2100" kern="1200" dirty="0"/>
+        </a:p>
+      </dsp:txBody>
+      <dsp:txXfrm>
+        <a:off x="1802146" y="2924326"/>
+        <a:ext cx="817929" cy="821431"/>
+      </dsp:txXfrm>
+    </dsp:sp>
+    <dsp:sp modelId="{2A4D5A7A-0A85-46DD-9DC8-08D60A317509}">
+      <dsp:nvSpPr>
+        <dsp:cNvPr id="0" name=""/>
+        <dsp:cNvSpPr/>
+      </dsp:nvSpPr>
+      <dsp:spPr>
+        <a:xfrm>
+          <a:off x="2682013" y="1933189"/>
+          <a:ext cx="2642959" cy="872325"/>
+        </a:xfrm>
+        <a:prstGeom prst="roundRect">
+          <a:avLst>
+            <a:gd name="adj" fmla="val 10000"/>
+          </a:avLst>
+        </a:prstGeom>
+        <a:solidFill>
+          <a:schemeClr val="accent3"/>
+        </a:solidFill>
+        <a:ln w="25400" cap="flat" cmpd="sng" algn="ctr">
+          <a:solidFill>
+            <a:schemeClr val="lt1">
+              <a:hueOff val="0"/>
+              <a:satOff val="0"/>
+              <a:lumOff val="0"/>
+              <a:alphaOff val="0"/>
+            </a:schemeClr>
+          </a:solidFill>
+          <a:prstDash val="solid"/>
+        </a:ln>
+        <a:effectLst/>
+      </dsp:spPr>
+      <dsp:style>
+        <a:lnRef idx="2">
+          <a:scrgbClr r="0" g="0" b="0"/>
+        </a:lnRef>
+        <a:fillRef idx="1">
+          <a:scrgbClr r="0" g="0" b="0"/>
+        </a:fillRef>
+        <a:effectRef idx="0">
+          <a:scrgbClr r="0" g="0" b="0"/>
+        </a:effectRef>
+        <a:fontRef idx="minor">
+          <a:schemeClr val="lt1"/>
+        </a:fontRef>
+      </dsp:style>
+      <dsp:txBody>
+        <a:bodyPr spcFirstLastPara="0" vert="horz" wrap="square" lIns="102870" tIns="102870" rIns="102870" bIns="102870" numCol="1" spcCol="1270" anchor="ctr" anchorCtr="0">
+          <a:noAutofit/>
+        </a:bodyPr>
+        <a:lstStyle/>
+        <a:p>
+          <a:pPr lvl="0" algn="ctr" defTabSz="1200150">
+            <a:lnSpc>
+              <a:spcPct val="90000"/>
+            </a:lnSpc>
+            <a:spcBef>
+              <a:spcPct val="0"/>
+            </a:spcBef>
+            <a:spcAft>
+              <a:spcPct val="35000"/>
+            </a:spcAft>
+          </a:pPr>
+          <a:r>
+            <a:rPr lang="en-US" sz="2700" kern="1200" dirty="0" smtClean="0"/>
+            <a:t>Claim</a:t>
+          </a:r>
+          <a:endParaRPr lang="en-US" sz="2700" kern="1200" dirty="0"/>
+        </a:p>
+      </dsp:txBody>
+      <dsp:txXfrm>
+        <a:off x="2707563" y="1958739"/>
+        <a:ext cx="2591859" cy="821225"/>
+      </dsp:txXfrm>
+    </dsp:sp>
+    <dsp:sp modelId="{37BAF495-A8D9-46F3-853C-5E92962584C8}">
+      <dsp:nvSpPr>
+        <dsp:cNvPr id="0" name=""/>
+        <dsp:cNvSpPr/>
+      </dsp:nvSpPr>
+      <dsp:spPr>
+        <a:xfrm>
+          <a:off x="2682013" y="2898879"/>
+          <a:ext cx="868823" cy="872325"/>
+        </a:xfrm>
+        <a:prstGeom prst="roundRect">
+          <a:avLst>
+            <a:gd name="adj" fmla="val 10000"/>
+          </a:avLst>
+        </a:prstGeom>
+        <a:solidFill>
+          <a:schemeClr val="accent5"/>
+        </a:solidFill>
+        <a:ln w="25400" cap="flat" cmpd="sng" algn="ctr">
+          <a:solidFill>
+            <a:schemeClr val="lt1">
+              <a:hueOff val="0"/>
+              <a:satOff val="0"/>
+              <a:lumOff val="0"/>
+              <a:alphaOff val="0"/>
+            </a:schemeClr>
+          </a:solidFill>
+          <a:prstDash val="solid"/>
+        </a:ln>
+        <a:effectLst/>
+      </dsp:spPr>
+      <dsp:style>
+        <a:lnRef idx="2">
+          <a:scrgbClr r="0" g="0" b="0"/>
+        </a:lnRef>
+        <a:fillRef idx="1">
+          <a:scrgbClr r="0" g="0" b="0"/>
+        </a:fillRef>
+        <a:effectRef idx="0">
+          <a:scrgbClr r="0" g="0" b="0"/>
+        </a:effectRef>
+        <a:fontRef idx="minor">
+          <a:schemeClr val="lt1"/>
+        </a:fontRef>
+      </dsp:style>
+      <dsp:txBody>
+        <a:bodyPr spcFirstLastPara="0" vert="horz" wrap="square" lIns="80010" tIns="80010" rIns="80010" bIns="80010" numCol="1" spcCol="1270" anchor="ctr" anchorCtr="0">
+          <a:noAutofit/>
+        </a:bodyPr>
+        <a:lstStyle/>
+        <a:p>
+          <a:pPr lvl="0" algn="ctr" defTabSz="933450">
+            <a:lnSpc>
+              <a:spcPct val="90000"/>
+            </a:lnSpc>
+            <a:spcBef>
+              <a:spcPct val="0"/>
+            </a:spcBef>
+            <a:spcAft>
+              <a:spcPct val="35000"/>
+            </a:spcAft>
+          </a:pPr>
+          <a:r>
+            <a:rPr lang="en-US" sz="2100" kern="1200" dirty="0" smtClean="0"/>
+            <a:t>Issuer</a:t>
+          </a:r>
+          <a:endParaRPr lang="en-US" sz="2100" kern="1200" dirty="0"/>
+        </a:p>
+      </dsp:txBody>
+      <dsp:txXfrm>
+        <a:off x="2707460" y="2924326"/>
+        <a:ext cx="817929" cy="821431"/>
+      </dsp:txXfrm>
+    </dsp:sp>
+    <dsp:sp modelId="{39C70434-B874-4FD5-AB17-AB2C76D7AB2B}">
+      <dsp:nvSpPr>
+        <dsp:cNvPr id="0" name=""/>
+        <dsp:cNvSpPr/>
+      </dsp:nvSpPr>
+      <dsp:spPr>
+        <a:xfrm>
+          <a:off x="3569081" y="2898879"/>
+          <a:ext cx="868823" cy="872325"/>
+        </a:xfrm>
+        <a:prstGeom prst="roundRect">
+          <a:avLst>
+            <a:gd name="adj" fmla="val 10000"/>
+          </a:avLst>
+        </a:prstGeom>
+        <a:solidFill>
+          <a:schemeClr val="accent5"/>
+        </a:solidFill>
+        <a:ln w="25400" cap="flat" cmpd="sng" algn="ctr">
+          <a:solidFill>
+            <a:schemeClr val="lt1">
+              <a:hueOff val="0"/>
+              <a:satOff val="0"/>
+              <a:lumOff val="0"/>
+              <a:alphaOff val="0"/>
+            </a:schemeClr>
+          </a:solidFill>
+          <a:prstDash val="solid"/>
+        </a:ln>
+        <a:effectLst/>
+      </dsp:spPr>
+      <dsp:style>
+        <a:lnRef idx="2">
+          <a:scrgbClr r="0" g="0" b="0"/>
+        </a:lnRef>
+        <a:fillRef idx="1">
+          <a:scrgbClr r="0" g="0" b="0"/>
+        </a:fillRef>
+        <a:effectRef idx="0">
+          <a:scrgbClr r="0" g="0" b="0"/>
+        </a:effectRef>
+        <a:fontRef idx="minor">
+          <a:schemeClr val="lt1"/>
+        </a:fontRef>
+      </dsp:style>
+      <dsp:txBody>
+        <a:bodyPr spcFirstLastPara="0" vert="horz" wrap="square" lIns="80010" tIns="80010" rIns="80010" bIns="80010" numCol="1" spcCol="1270" anchor="ctr" anchorCtr="0">
+          <a:noAutofit/>
+        </a:bodyPr>
+        <a:lstStyle/>
+        <a:p>
+          <a:pPr lvl="0" algn="ctr" defTabSz="933450">
+            <a:lnSpc>
+              <a:spcPct val="90000"/>
+            </a:lnSpc>
+            <a:spcBef>
+              <a:spcPct val="0"/>
+            </a:spcBef>
+            <a:spcAft>
+              <a:spcPct val="35000"/>
+            </a:spcAft>
+          </a:pPr>
+          <a:r>
+            <a:rPr lang="en-US" sz="2100" kern="1200" dirty="0" smtClean="0"/>
+            <a:t>Type</a:t>
+          </a:r>
+          <a:endParaRPr lang="en-US" sz="2100" kern="1200" dirty="0"/>
+        </a:p>
+      </dsp:txBody>
+      <dsp:txXfrm>
+        <a:off x="3594528" y="2924326"/>
+        <a:ext cx="817929" cy="821431"/>
+      </dsp:txXfrm>
+    </dsp:sp>
+    <dsp:sp modelId="{EC53E7FD-1141-46F8-907F-62CEDAA8068C}">
+      <dsp:nvSpPr>
+        <dsp:cNvPr id="0" name=""/>
+        <dsp:cNvSpPr/>
+      </dsp:nvSpPr>
+      <dsp:spPr>
+        <a:xfrm>
+          <a:off x="4456149" y="2898879"/>
+          <a:ext cx="868823" cy="872325"/>
+        </a:xfrm>
+        <a:prstGeom prst="roundRect">
+          <a:avLst>
+            <a:gd name="adj" fmla="val 10000"/>
+          </a:avLst>
+        </a:prstGeom>
+        <a:solidFill>
+          <a:schemeClr val="accent5"/>
+        </a:solidFill>
+        <a:ln w="25400" cap="flat" cmpd="sng" algn="ctr">
+          <a:solidFill>
+            <a:schemeClr val="lt1">
+              <a:hueOff val="0"/>
+              <a:satOff val="0"/>
+              <a:lumOff val="0"/>
+              <a:alphaOff val="0"/>
+            </a:schemeClr>
+          </a:solidFill>
+          <a:prstDash val="solid"/>
+        </a:ln>
+        <a:effectLst/>
+      </dsp:spPr>
+      <dsp:style>
+        <a:lnRef idx="2">
+          <a:scrgbClr r="0" g="0" b="0"/>
+        </a:lnRef>
+        <a:fillRef idx="1">
+          <a:scrgbClr r="0" g="0" b="0"/>
+        </a:fillRef>
+        <a:effectRef idx="0">
+          <a:scrgbClr r="0" g="0" b="0"/>
+        </a:effectRef>
+        <a:fontRef idx="minor">
+          <a:schemeClr val="lt1"/>
+        </a:fontRef>
+      </dsp:style>
+      <dsp:txBody>
+        <a:bodyPr spcFirstLastPara="0" vert="horz" wrap="square" lIns="80010" tIns="80010" rIns="80010" bIns="80010" numCol="1" spcCol="1270" anchor="ctr" anchorCtr="0">
+          <a:noAutofit/>
+        </a:bodyPr>
+        <a:lstStyle/>
+        <a:p>
+          <a:pPr lvl="0" algn="ctr" defTabSz="933450">
+            <a:lnSpc>
+              <a:spcPct val="90000"/>
+            </a:lnSpc>
+            <a:spcBef>
+              <a:spcPct val="0"/>
+            </a:spcBef>
+            <a:spcAft>
+              <a:spcPct val="35000"/>
+            </a:spcAft>
+          </a:pPr>
+          <a:r>
+            <a:rPr lang="en-US" sz="2100" kern="1200" dirty="0" smtClean="0"/>
+            <a:t>Value</a:t>
+          </a:r>
+          <a:endParaRPr lang="en-US" sz="2100" kern="1200" dirty="0"/>
+        </a:p>
+      </dsp:txBody>
+      <dsp:txXfrm>
+        <a:off x="4481596" y="2924326"/>
+        <a:ext cx="817929" cy="821431"/>
+      </dsp:txXfrm>
+    </dsp:sp>
+    <dsp:sp modelId="{023DA80A-0E5A-49B3-8BF3-92D07EB8DA9D}">
+      <dsp:nvSpPr>
+        <dsp:cNvPr id="0" name=""/>
+        <dsp:cNvSpPr/>
+      </dsp:nvSpPr>
+      <dsp:spPr>
+        <a:xfrm>
+          <a:off x="5397954" y="967499"/>
+          <a:ext cx="868823" cy="872325"/>
+        </a:xfrm>
+        <a:prstGeom prst="roundRect">
+          <a:avLst>
+            <a:gd name="adj" fmla="val 10000"/>
+          </a:avLst>
+        </a:prstGeom>
+        <a:solidFill>
+          <a:schemeClr val="accent6"/>
+        </a:solidFill>
+        <a:ln w="25400" cap="flat" cmpd="sng" algn="ctr">
+          <a:solidFill>
+            <a:schemeClr val="lt1">
+              <a:hueOff val="0"/>
+              <a:satOff val="0"/>
+              <a:lumOff val="0"/>
+              <a:alphaOff val="0"/>
+            </a:schemeClr>
+          </a:solidFill>
+          <a:prstDash val="solid"/>
+        </a:ln>
+        <a:effectLst/>
+      </dsp:spPr>
+      <dsp:style>
+        <a:lnRef idx="2">
+          <a:scrgbClr r="0" g="0" b="0"/>
+        </a:lnRef>
+        <a:fillRef idx="1">
+          <a:scrgbClr r="0" g="0" b="0"/>
+        </a:fillRef>
+        <a:effectRef idx="0">
+          <a:scrgbClr r="0" g="0" b="0"/>
+        </a:effectRef>
+        <a:fontRef idx="minor">
+          <a:schemeClr val="lt1"/>
+        </a:fontRef>
+      </dsp:style>
+      <dsp:txBody>
+        <a:bodyPr spcFirstLastPara="0" vert="horz" wrap="square" lIns="102870" tIns="102870" rIns="102870" bIns="102870" numCol="1" spcCol="1270" anchor="ctr" anchorCtr="0">
+          <a:noAutofit/>
+        </a:bodyPr>
+        <a:lstStyle/>
+        <a:p>
+          <a:pPr lvl="0" algn="ctr" defTabSz="1200150">
+            <a:lnSpc>
+              <a:spcPct val="90000"/>
+            </a:lnSpc>
+            <a:spcBef>
+              <a:spcPct val="0"/>
+            </a:spcBef>
+            <a:spcAft>
+              <a:spcPct val="35000"/>
+            </a:spcAft>
+          </a:pPr>
+          <a:r>
+            <a:rPr lang="en-US" sz="2700" kern="1200" dirty="0" smtClean="0"/>
+            <a:t>Role</a:t>
+          </a:r>
+          <a:endParaRPr lang="en-US" sz="2700" kern="1200" dirty="0"/>
+        </a:p>
+      </dsp:txBody>
+      <dsp:txXfrm>
+        <a:off x="5423401" y="992946"/>
+        <a:ext cx="817929" cy="821431"/>
+      </dsp:txXfrm>
+    </dsp:sp>
+    <dsp:sp modelId="{4F8B75C2-B0D1-408C-B83C-1FB485F0B6E4}">
+      <dsp:nvSpPr>
+        <dsp:cNvPr id="0" name=""/>
+        <dsp:cNvSpPr/>
+      </dsp:nvSpPr>
+      <dsp:spPr>
+        <a:xfrm>
+          <a:off x="6339758" y="967499"/>
+          <a:ext cx="868823" cy="872325"/>
+        </a:xfrm>
+        <a:prstGeom prst="roundRect">
+          <a:avLst>
+            <a:gd name="adj" fmla="val 10000"/>
+          </a:avLst>
+        </a:prstGeom>
+        <a:solidFill>
+          <a:schemeClr val="accent6"/>
+        </a:solidFill>
+        <a:ln w="25400" cap="flat" cmpd="sng" algn="ctr">
+          <a:solidFill>
+            <a:schemeClr val="lt1">
+              <a:hueOff val="0"/>
+              <a:satOff val="0"/>
+              <a:lumOff val="0"/>
+              <a:alphaOff val="0"/>
+            </a:schemeClr>
+          </a:solidFill>
+          <a:prstDash val="solid"/>
+        </a:ln>
+        <a:effectLst/>
+      </dsp:spPr>
+      <dsp:style>
+        <a:lnRef idx="2">
+          <a:scrgbClr r="0" g="0" b="0"/>
+        </a:lnRef>
+        <a:fillRef idx="1">
+          <a:scrgbClr r="0" g="0" b="0"/>
+        </a:fillRef>
+        <a:effectRef idx="0">
+          <a:scrgbClr r="0" g="0" b="0"/>
+        </a:effectRef>
+        <a:fontRef idx="minor">
+          <a:schemeClr val="lt1"/>
+        </a:fontRef>
+      </dsp:style>
+      <dsp:txBody>
+        <a:bodyPr spcFirstLastPara="0" vert="horz" wrap="square" lIns="102870" tIns="102870" rIns="102870" bIns="102870" numCol="1" spcCol="1270" anchor="ctr" anchorCtr="0">
+          <a:noAutofit/>
+        </a:bodyPr>
+        <a:lstStyle/>
+        <a:p>
+          <a:pPr lvl="0" algn="ctr" defTabSz="1200150">
+            <a:lnSpc>
+              <a:spcPct val="90000"/>
+            </a:lnSpc>
+            <a:spcBef>
+              <a:spcPct val="0"/>
+            </a:spcBef>
+            <a:spcAft>
+              <a:spcPct val="35000"/>
+            </a:spcAft>
+          </a:pPr>
+          <a:r>
+            <a:rPr lang="en-US" sz="2700" kern="1200" dirty="0" smtClean="0"/>
+            <a:t>Role</a:t>
+          </a:r>
+          <a:endParaRPr lang="en-US" sz="2700" kern="1200" dirty="0"/>
+        </a:p>
+      </dsp:txBody>
+      <dsp:txXfrm>
+        <a:off x="6365205" y="992946"/>
+        <a:ext cx="817929" cy="821431"/>
+      </dsp:txXfrm>
+    </dsp:sp>
   </dsp:spTree>
 </dsp:drawing>
 </file>
@@ -19528,7 +21117,7 @@
           <a:p>
             <a:fld id="{B5922E6D-3451-482A-A64F-C89F139BA51A}" type="datetimeFigureOut">
               <a:rPr lang="en-US" smtClean="0"/>
-              <a:t>11/24/2014</a:t>
+              <a:t>11/25/2014</a:t>
             </a:fld>
             <a:endParaRPr lang="en-US"/>
           </a:p>
@@ -19693,7 +21282,7 @@
           <a:p>
             <a:fld id="{05247E74-41DE-40FA-A7A7-A655366ADCFA}" type="datetimeFigureOut">
               <a:rPr lang="sv-SE" smtClean="0"/>
-              <a:t>2014-11-24</a:t>
+              <a:t>2014-11-25</a:t>
             </a:fld>
             <a:endParaRPr lang="sv-SE"/>
           </a:p>
@@ -20157,7 +21746,7 @@
           <a:p>
             <a:fld id="{DB41BBF1-8D56-4061-8DE2-461FDAC177EF}" type="datetimeFigureOut">
               <a:rPr lang="sv-SE" smtClean="0"/>
-              <a:t>2014-11-24</a:t>
+              <a:t>2014-11-25</a:t>
             </a:fld>
             <a:endParaRPr lang="sv-SE"/>
           </a:p>
@@ -20421,7 +22010,7 @@
           <a:p>
             <a:fld id="{DB41BBF1-8D56-4061-8DE2-461FDAC177EF}" type="datetimeFigureOut">
               <a:rPr lang="sv-SE" smtClean="0"/>
-              <a:t>2014-11-24</a:t>
+              <a:t>2014-11-25</a:t>
             </a:fld>
             <a:endParaRPr lang="sv-SE"/>
           </a:p>
@@ -20598,7 +22187,7 @@
           <a:p>
             <a:fld id="{DB41BBF1-8D56-4061-8DE2-461FDAC177EF}" type="datetimeFigureOut">
               <a:rPr lang="sv-SE" smtClean="0"/>
-              <a:t>2014-11-24</a:t>
+              <a:t>2014-11-25</a:t>
             </a:fld>
             <a:endParaRPr lang="sv-SE"/>
           </a:p>
@@ -20785,7 +22374,7 @@
           <a:p>
             <a:fld id="{DB41BBF1-8D56-4061-8DE2-461FDAC177EF}" type="datetimeFigureOut">
               <a:rPr lang="sv-SE" smtClean="0"/>
-              <a:t>2014-11-24</a:t>
+              <a:t>2014-11-25</a:t>
             </a:fld>
             <a:endParaRPr lang="sv-SE"/>
           </a:p>
@@ -21049,7 +22638,7 @@
           <a:p>
             <a:fld id="{DB41BBF1-8D56-4061-8DE2-461FDAC177EF}" type="datetimeFigureOut">
               <a:rPr lang="sv-SE" smtClean="0"/>
-              <a:t>2014-11-24</a:t>
+              <a:t>2014-11-25</a:t>
             </a:fld>
             <a:endParaRPr lang="sv-SE"/>
           </a:p>
@@ -21226,7 +22815,7 @@
           <a:p>
             <a:fld id="{DB41BBF1-8D56-4061-8DE2-461FDAC177EF}" type="datetimeFigureOut">
               <a:rPr lang="sv-SE" smtClean="0"/>
-              <a:t>2014-11-24</a:t>
+              <a:t>2014-11-25</a:t>
             </a:fld>
             <a:endParaRPr lang="sv-SE"/>
           </a:p>
@@ -21479,7 +23068,7 @@
           <a:p>
             <a:fld id="{DB41BBF1-8D56-4061-8DE2-461FDAC177EF}" type="datetimeFigureOut">
               <a:rPr lang="sv-SE" smtClean="0"/>
-              <a:t>2014-11-24</a:t>
+              <a:t>2014-11-25</a:t>
             </a:fld>
             <a:endParaRPr lang="sv-SE"/>
           </a:p>
@@ -21774,7 +23363,7 @@
           <a:p>
             <a:fld id="{DB41BBF1-8D56-4061-8DE2-461FDAC177EF}" type="datetimeFigureOut">
               <a:rPr lang="sv-SE" smtClean="0"/>
-              <a:t>2014-11-24</a:t>
+              <a:t>2014-11-25</a:t>
             </a:fld>
             <a:endParaRPr lang="sv-SE"/>
           </a:p>
@@ -22203,7 +23792,7 @@
           <a:p>
             <a:fld id="{DB41BBF1-8D56-4061-8DE2-461FDAC177EF}" type="datetimeFigureOut">
               <a:rPr lang="sv-SE" smtClean="0"/>
-              <a:t>2014-11-24</a:t>
+              <a:t>2014-11-25</a:t>
             </a:fld>
             <a:endParaRPr lang="sv-SE"/>
           </a:p>
@@ -22328,7 +23917,7 @@
           <a:p>
             <a:fld id="{DB41BBF1-8D56-4061-8DE2-461FDAC177EF}" type="datetimeFigureOut">
               <a:rPr lang="sv-SE" smtClean="0"/>
-              <a:t>2014-11-24</a:t>
+              <a:t>2014-11-25</a:t>
             </a:fld>
             <a:endParaRPr lang="sv-SE"/>
           </a:p>
@@ -22430,7 +24019,7 @@
           <a:p>
             <a:fld id="{DB41BBF1-8D56-4061-8DE2-461FDAC177EF}" type="datetimeFigureOut">
               <a:rPr lang="sv-SE" smtClean="0"/>
-              <a:t>2014-11-24</a:t>
+              <a:t>2014-11-25</a:t>
             </a:fld>
             <a:endParaRPr lang="sv-SE"/>
           </a:p>
@@ -22714,7 +24303,7 @@
           <a:p>
             <a:fld id="{DB41BBF1-8D56-4061-8DE2-461FDAC177EF}" type="datetimeFigureOut">
               <a:rPr lang="sv-SE" smtClean="0"/>
-              <a:t>2014-11-24</a:t>
+              <a:t>2014-11-25</a:t>
             </a:fld>
             <a:endParaRPr lang="sv-SE"/>
           </a:p>
@@ -22942,7 +24531,7 @@
           <a:p>
             <a:fld id="{DB41BBF1-8D56-4061-8DE2-461FDAC177EF}" type="datetimeFigureOut">
               <a:rPr lang="sv-SE" smtClean="0"/>
-              <a:t>2014-11-24</a:t>
+              <a:t>2014-11-25</a:t>
             </a:fld>
             <a:endParaRPr lang="sv-SE"/>
           </a:p>
@@ -23561,15 +25150,7 @@
             </a:pPr>
             <a:r>
               <a:rPr lang="en-US" sz="3200" dirty="0" smtClean="0"/>
-              <a:t>A Claim is a statement about a subject, for example </a:t>
-            </a:r>
-            <a:r>
-              <a:rPr lang="en-US" sz="3200" dirty="0" smtClean="0"/>
-              <a:t>a </a:t>
-            </a:r>
-            <a:r>
-              <a:rPr lang="en-US" sz="3200" dirty="0" smtClean="0"/>
-              <a:t>name, age or address.</a:t>
+              <a:t>A Claim is a statement about a subject, for example a name, age or address.</a:t>
             </a:r>
             <a:endParaRPr lang="en-US" sz="1800" dirty="0" smtClean="0"/>
           </a:p>
@@ -23810,11 +25391,7 @@
             </a:pPr>
             <a:r>
               <a:rPr lang="en-US" dirty="0" smtClean="0"/>
-              <a:t>You might not always be </a:t>
-            </a:r>
-            <a:r>
-              <a:rPr lang="en-US" dirty="0" smtClean="0"/>
-              <a:t>the sole provider of a claim, it is up to you to decide if you trust the claim or not</a:t>
+              <a:t>You might not always be the sole provider of a claim, it is up to you to decide if you trust the claim or not</a:t>
             </a:r>
             <a:r>
               <a:rPr lang="en-US" dirty="0"/>
@@ -24693,7 +26270,7 @@
           </a:p>
           <a:p>
             <a:r>
-              <a:rPr lang="en-US" dirty="0"/>
+              <a:rPr lang="en-US"/>
               <a:t>Since the claims are saved in an encrypted cookie in the browser, the user will bring it wherever the user goes which makes it easy to access.	</a:t>
             </a:r>
             <a:r>
@@ -26004,3657 +27581,6 @@
 </file>
 
 <file path=ppt/slides/slide26.xml><?xml version="1.0" encoding="utf-8"?>
-<p:sld xmlns:a="http://schemas.openxmlformats.org/drawingml/2006/main" xmlns:r="http://schemas.openxmlformats.org/officeDocument/2006/relationships" xmlns:p="http://schemas.openxmlformats.org/presentationml/2006/main">
-  <p:cSld>
-    <p:spTree>
-      <p:nvGrpSpPr>
-        <p:cNvPr id="1" name=""/>
-        <p:cNvGrpSpPr/>
-        <p:nvPr/>
-      </p:nvGrpSpPr>
-      <p:grpSpPr>
-        <a:xfrm>
-          <a:off x="0" y="0"/>
-          <a:ext cx="0" cy="0"/>
-          <a:chOff x="0" y="0"/>
-          <a:chExt cx="0" cy="0"/>
-        </a:xfrm>
-      </p:grpSpPr>
-      <p:sp>
-        <p:nvSpPr>
-          <p:cNvPr id="3" name="Platshållare för innehåll 2"/>
-          <p:cNvSpPr>
-            <a:spLocks noGrp="1"/>
-          </p:cNvSpPr>
-          <p:nvPr>
-            <p:ph idx="1"/>
-          </p:nvPr>
-        </p:nvSpPr>
-        <p:spPr/>
-        <p:txBody>
-          <a:bodyPr/>
-          <a:lstStyle/>
-          <a:p>
-            <a:pPr marL="0" indent="0">
-              <a:buNone/>
-            </a:pPr>
-            <a:endParaRPr lang="en-US" dirty="0" smtClean="0"/>
-          </a:p>
-          <a:p>
-            <a:pPr marL="0" indent="0">
-              <a:buNone/>
-            </a:pPr>
-            <a:endParaRPr lang="en-US" dirty="0" smtClean="0"/>
-          </a:p>
-          <a:p>
-            <a:pPr marL="0" indent="0" algn="ctr">
-              <a:buNone/>
-            </a:pPr>
-            <a:r>
-              <a:rPr lang="en-US" sz="3200" dirty="0" smtClean="0">
-                <a:solidFill>
-                  <a:srgbClr val="77933C"/>
-                </a:solidFill>
-              </a:rPr>
-              <a:t>Security Token &amp; </a:t>
-            </a:r>
-            <a:br>
-              <a:rPr lang="en-US" sz="3200" dirty="0" smtClean="0">
-                <a:solidFill>
-                  <a:srgbClr val="77933C"/>
-                </a:solidFill>
-              </a:rPr>
-            </a:br>
-            <a:r>
-              <a:rPr lang="en-US" sz="3200" dirty="0" smtClean="0">
-                <a:solidFill>
-                  <a:srgbClr val="77933C"/>
-                </a:solidFill>
-              </a:rPr>
-              <a:t>Security Token Services</a:t>
-            </a:r>
-            <a:endParaRPr lang="en-US" sz="3200" dirty="0">
-              <a:solidFill>
-                <a:srgbClr val="77933C"/>
-              </a:solidFill>
-            </a:endParaRPr>
-          </a:p>
-        </p:txBody>
-      </p:sp>
-    </p:spTree>
-    <p:extLst>
-      <p:ext uri="{BB962C8B-B14F-4D97-AF65-F5344CB8AC3E}">
-        <p14:creationId xmlns:p14="http://schemas.microsoft.com/office/powerpoint/2010/main" val="4129230899"/>
-      </p:ext>
-    </p:extLst>
-  </p:cSld>
-  <p:clrMapOvr>
-    <a:masterClrMapping/>
-  </p:clrMapOvr>
-  <p:timing>
-    <p:tnLst>
-      <p:par>
-        <p:cTn id="1" dur="indefinite" restart="never" nodeType="tmRoot"/>
-      </p:par>
-    </p:tnLst>
-  </p:timing>
-</p:sld>
-</file>
-
-<file path=ppt/slides/slide27.xml><?xml version="1.0" encoding="utf-8"?>
-<p:sld xmlns:a="http://schemas.openxmlformats.org/drawingml/2006/main" xmlns:r="http://schemas.openxmlformats.org/officeDocument/2006/relationships" xmlns:p="http://schemas.openxmlformats.org/presentationml/2006/main">
-  <p:cSld>
-    <p:spTree>
-      <p:nvGrpSpPr>
-        <p:cNvPr id="1" name=""/>
-        <p:cNvGrpSpPr/>
-        <p:nvPr/>
-      </p:nvGrpSpPr>
-      <p:grpSpPr>
-        <a:xfrm>
-          <a:off x="0" y="0"/>
-          <a:ext cx="0" cy="0"/>
-          <a:chOff x="0" y="0"/>
-          <a:chExt cx="0" cy="0"/>
-        </a:xfrm>
-      </p:grpSpPr>
-      <p:sp>
-        <p:nvSpPr>
-          <p:cNvPr id="2" name="Rubrik 1"/>
-          <p:cNvSpPr>
-            <a:spLocks noGrp="1"/>
-          </p:cNvSpPr>
-          <p:nvPr>
-            <p:ph type="title"/>
-          </p:nvPr>
-        </p:nvSpPr>
-        <p:spPr/>
-        <p:txBody>
-          <a:bodyPr/>
-          <a:lstStyle/>
-          <a:p>
-            <a:r>
-              <a:rPr lang="en-US" dirty="0" smtClean="0"/>
-              <a:t>What is a Security Token?</a:t>
-            </a:r>
-            <a:endParaRPr lang="en-US" dirty="0"/>
-          </a:p>
-        </p:txBody>
-      </p:sp>
-      <p:sp>
-        <p:nvSpPr>
-          <p:cNvPr id="3" name="Platshållare för innehåll 2"/>
-          <p:cNvSpPr>
-            <a:spLocks noGrp="1"/>
-          </p:cNvSpPr>
-          <p:nvPr>
-            <p:ph idx="1"/>
-          </p:nvPr>
-        </p:nvSpPr>
-        <p:spPr>
-          <a:xfrm>
-            <a:off x="323528" y="980728"/>
-            <a:ext cx="8229600" cy="4525963"/>
-          </a:xfrm>
-        </p:spPr>
-        <p:txBody>
-          <a:bodyPr>
-            <a:normAutofit/>
-          </a:bodyPr>
-          <a:lstStyle/>
-          <a:p>
-            <a:pPr marL="0" indent="0">
-              <a:buNone/>
-            </a:pPr>
-            <a:r>
-              <a:rPr lang="en-US" b="1" dirty="0" smtClean="0">
-                <a:solidFill>
-                  <a:srgbClr val="77933C"/>
-                </a:solidFill>
-              </a:rPr>
-              <a:t>What is a Security Token?</a:t>
-            </a:r>
-          </a:p>
-          <a:p>
-            <a:pPr marL="0" indent="0">
-              <a:buNone/>
-            </a:pPr>
-            <a:endParaRPr lang="en-US" dirty="0" smtClean="0"/>
-          </a:p>
-          <a:p>
-            <a:pPr marL="0" indent="0">
-              <a:buNone/>
-            </a:pPr>
-            <a:r>
-              <a:rPr lang="en-US" dirty="0" smtClean="0"/>
-              <a:t>A Security token is a token which is used to authenticate users.</a:t>
-            </a:r>
-          </a:p>
-          <a:p>
-            <a:pPr marL="0" indent="0">
-              <a:buNone/>
-            </a:pPr>
-            <a:endParaRPr lang="en-US" dirty="0" smtClean="0"/>
-          </a:p>
-          <a:p>
-            <a:pPr marL="0" indent="0">
-              <a:buNone/>
-            </a:pPr>
-            <a:r>
-              <a:rPr lang="en-US" dirty="0" smtClean="0"/>
-              <a:t>The security token contains an </a:t>
-            </a:r>
-            <a:r>
-              <a:rPr lang="en-US" b="1" dirty="0" smtClean="0">
-                <a:solidFill>
-                  <a:srgbClr val="77933C"/>
-                </a:solidFill>
-              </a:rPr>
-              <a:t>ID</a:t>
-            </a:r>
-            <a:r>
-              <a:rPr lang="en-US" dirty="0" smtClean="0"/>
-              <a:t>,</a:t>
-            </a:r>
-            <a:r>
-              <a:rPr lang="en-US" b="1" dirty="0" smtClean="0">
-                <a:solidFill>
-                  <a:srgbClr val="77933C"/>
-                </a:solidFill>
-              </a:rPr>
-              <a:t> </a:t>
-            </a:r>
-            <a:r>
-              <a:rPr lang="en-US" b="1" dirty="0" smtClean="0">
-                <a:solidFill>
-                  <a:srgbClr val="77933C"/>
-                </a:solidFill>
-              </a:rPr>
-              <a:t>security key </a:t>
-            </a:r>
-            <a:r>
-              <a:rPr lang="en-US" dirty="0" smtClean="0"/>
-              <a:t>as well as the time from which it is valid &amp; for how long.</a:t>
-            </a:r>
-            <a:r>
-              <a:rPr lang="en-US" sz="2400" dirty="0" smtClean="0"/>
-              <a:t/>
-            </a:r>
-            <a:br>
-              <a:rPr lang="en-US" sz="2400" dirty="0" smtClean="0"/>
-            </a:br>
-            <a:r>
-              <a:rPr lang="en-US" sz="2400" dirty="0" smtClean="0"/>
-              <a:t/>
-            </a:r>
-            <a:br>
-              <a:rPr lang="en-US" sz="2400" dirty="0" smtClean="0"/>
-            </a:br>
-            <a:endParaRPr lang="en-US" sz="2400" dirty="0" smtClean="0"/>
-          </a:p>
-        </p:txBody>
-      </p:sp>
-      <p:graphicFrame>
-        <p:nvGraphicFramePr>
-          <p:cNvPr id="5" name="Tabell 4"/>
-          <p:cNvGraphicFramePr>
-            <a:graphicFrameLocks noGrp="1"/>
-          </p:cNvGraphicFramePr>
-          <p:nvPr>
-            <p:extLst>
-              <p:ext uri="{D42A27DB-BD31-4B8C-83A1-F6EECF244321}">
-                <p14:modId xmlns:p14="http://schemas.microsoft.com/office/powerpoint/2010/main" val="1106688988"/>
-              </p:ext>
-            </p:extLst>
-          </p:nvPr>
-        </p:nvGraphicFramePr>
-        <p:xfrm>
-          <a:off x="443880" y="4561146"/>
-          <a:ext cx="6864424" cy="1964198"/>
-        </p:xfrm>
-        <a:graphic>
-          <a:graphicData uri="http://schemas.openxmlformats.org/drawingml/2006/table">
-            <a:tbl>
-              <a:tblPr firstRow="1" bandRow="1">
-                <a:tableStyleId>{5C22544A-7EE6-4342-B048-85BDC9FD1C3A}</a:tableStyleId>
-              </a:tblPr>
-              <a:tblGrid>
-                <a:gridCol w="2787040"/>
-                <a:gridCol w="4077384"/>
-              </a:tblGrid>
-              <a:tr h="380022">
-                <a:tc>
-                  <a:txBody>
-                    <a:bodyPr/>
-                    <a:lstStyle/>
-                    <a:p>
-                      <a:r>
-                        <a:rPr lang="en-US" dirty="0" smtClean="0"/>
-                        <a:t>Type</a:t>
-                      </a:r>
-                      <a:endParaRPr lang="en-US" dirty="0"/>
-                    </a:p>
-                  </a:txBody>
-                  <a:tcPr/>
-                </a:tc>
-                <a:tc>
-                  <a:txBody>
-                    <a:bodyPr/>
-                    <a:lstStyle/>
-                    <a:p>
-                      <a:r>
-                        <a:rPr lang="en-US" dirty="0" smtClean="0"/>
-                        <a:t>Description</a:t>
-                      </a:r>
-                      <a:endParaRPr lang="en-US" dirty="0"/>
-                    </a:p>
-                  </a:txBody>
-                  <a:tcPr/>
-                </a:tc>
-              </a:tr>
-              <a:tr h="380022">
-                <a:tc>
-                  <a:txBody>
-                    <a:bodyPr/>
-                    <a:lstStyle/>
-                    <a:p>
-                      <a:r>
-                        <a:rPr lang="en-US" dirty="0" smtClean="0"/>
-                        <a:t>ID</a:t>
-                      </a:r>
-                      <a:endParaRPr lang="en-US" dirty="0"/>
-                    </a:p>
-                  </a:txBody>
-                  <a:tcPr/>
-                </a:tc>
-                <a:tc>
-                  <a:txBody>
-                    <a:bodyPr/>
-                    <a:lstStyle/>
-                    <a:p>
-                      <a:r>
-                        <a:rPr lang="en-US" dirty="0" smtClean="0"/>
-                        <a:t>Unique identifier</a:t>
-                      </a:r>
-                      <a:endParaRPr lang="en-US" dirty="0"/>
-                    </a:p>
-                  </a:txBody>
-                  <a:tcPr/>
-                </a:tc>
-              </a:tr>
-              <a:tr h="380022">
-                <a:tc>
-                  <a:txBody>
-                    <a:bodyPr/>
-                    <a:lstStyle/>
-                    <a:p>
-                      <a:r>
-                        <a:rPr lang="en-US" dirty="0" smtClean="0"/>
-                        <a:t>Security key</a:t>
-                      </a:r>
-                      <a:endParaRPr lang="en-US" dirty="0"/>
-                    </a:p>
-                  </a:txBody>
-                  <a:tcPr/>
-                </a:tc>
-                <a:tc>
-                  <a:txBody>
-                    <a:bodyPr/>
-                    <a:lstStyle/>
-                    <a:p>
-                      <a:r>
-                        <a:rPr lang="en-US" dirty="0" smtClean="0"/>
-                        <a:t>Cryptographic key</a:t>
-                      </a:r>
-                      <a:endParaRPr lang="en-US" dirty="0"/>
-                    </a:p>
-                  </a:txBody>
-                  <a:tcPr/>
-                </a:tc>
-              </a:tr>
-              <a:tr h="444110">
-                <a:tc>
-                  <a:txBody>
-                    <a:bodyPr/>
-                    <a:lstStyle/>
-                    <a:p>
-                      <a:r>
-                        <a:rPr lang="en-US" dirty="0" smtClean="0"/>
-                        <a:t>ValidFrom </a:t>
-                      </a:r>
-                      <a:endParaRPr lang="en-US" dirty="0"/>
-                    </a:p>
-                  </a:txBody>
-                  <a:tcPr/>
-                </a:tc>
-                <a:tc>
-                  <a:txBody>
-                    <a:bodyPr/>
-                    <a:lstStyle/>
-                    <a:p>
-                      <a:r>
-                        <a:rPr lang="en-US" dirty="0" smtClean="0"/>
-                        <a:t>Time at which the</a:t>
-                      </a:r>
-                      <a:r>
-                        <a:rPr lang="en-US" baseline="0" dirty="0" smtClean="0"/>
-                        <a:t> token is valid from</a:t>
-                      </a:r>
-                    </a:p>
-                  </a:txBody>
-                  <a:tcPr/>
-                </a:tc>
-              </a:tr>
-              <a:tr h="380022">
-                <a:tc>
-                  <a:txBody>
-                    <a:bodyPr/>
-                    <a:lstStyle/>
-                    <a:p>
-                      <a:r>
-                        <a:rPr lang="en-US" dirty="0" smtClean="0"/>
-                        <a:t>ValidTo </a:t>
-                      </a:r>
-                      <a:endParaRPr lang="en-US" dirty="0"/>
-                    </a:p>
-                  </a:txBody>
-                  <a:tcPr/>
-                </a:tc>
-                <a:tc>
-                  <a:txBody>
-                    <a:bodyPr/>
-                    <a:lstStyle/>
-                    <a:p>
-                      <a:r>
-                        <a:rPr lang="en-US" dirty="0" smtClean="0"/>
-                        <a:t>Time at which the token is valid to</a:t>
-                      </a:r>
-                      <a:endParaRPr lang="en-US" dirty="0"/>
-                    </a:p>
-                  </a:txBody>
-                  <a:tcPr/>
-                </a:tc>
-              </a:tr>
-            </a:tbl>
-          </a:graphicData>
-        </a:graphic>
-      </p:graphicFrame>
-    </p:spTree>
-    <p:extLst>
-      <p:ext uri="{BB962C8B-B14F-4D97-AF65-F5344CB8AC3E}">
-        <p14:creationId xmlns:p14="http://schemas.microsoft.com/office/powerpoint/2010/main" val="3889182380"/>
-      </p:ext>
-    </p:extLst>
-  </p:cSld>
-  <p:clrMapOvr>
-    <a:masterClrMapping/>
-  </p:clrMapOvr>
-  <p:timing>
-    <p:tnLst>
-      <p:par>
-        <p:cTn id="1" dur="indefinite" restart="never" nodeType="tmRoot"/>
-      </p:par>
-    </p:tnLst>
-  </p:timing>
-</p:sld>
-</file>
-
-<file path=ppt/slides/slide28.xml><?xml version="1.0" encoding="utf-8"?>
-<p:sld xmlns:a="http://schemas.openxmlformats.org/drawingml/2006/main" xmlns:r="http://schemas.openxmlformats.org/officeDocument/2006/relationships" xmlns:p="http://schemas.openxmlformats.org/presentationml/2006/main">
-  <p:cSld>
-    <p:spTree>
-      <p:nvGrpSpPr>
-        <p:cNvPr id="1" name=""/>
-        <p:cNvGrpSpPr/>
-        <p:nvPr/>
-      </p:nvGrpSpPr>
-      <p:grpSpPr>
-        <a:xfrm>
-          <a:off x="0" y="0"/>
-          <a:ext cx="0" cy="0"/>
-          <a:chOff x="0" y="0"/>
-          <a:chExt cx="0" cy="0"/>
-        </a:xfrm>
-      </p:grpSpPr>
-      <p:sp>
-        <p:nvSpPr>
-          <p:cNvPr id="2" name="Rubrik 1"/>
-          <p:cNvSpPr>
-            <a:spLocks noGrp="1"/>
-          </p:cNvSpPr>
-          <p:nvPr>
-            <p:ph type="title"/>
-          </p:nvPr>
-        </p:nvSpPr>
-        <p:spPr/>
-        <p:txBody>
-          <a:bodyPr/>
-          <a:lstStyle/>
-          <a:p>
-            <a:r>
-              <a:rPr lang="en-US" dirty="0" smtClean="0"/>
-              <a:t>What is a STS?</a:t>
-            </a:r>
-            <a:endParaRPr lang="en-US" dirty="0"/>
-          </a:p>
-        </p:txBody>
-      </p:sp>
-      <p:sp>
-        <p:nvSpPr>
-          <p:cNvPr id="3" name="Platshållare för innehåll 2"/>
-          <p:cNvSpPr>
-            <a:spLocks noGrp="1"/>
-          </p:cNvSpPr>
-          <p:nvPr>
-            <p:ph idx="1"/>
-          </p:nvPr>
-        </p:nvSpPr>
-        <p:spPr/>
-        <p:txBody>
-          <a:bodyPr>
-            <a:normAutofit/>
-          </a:bodyPr>
-          <a:lstStyle/>
-          <a:p>
-            <a:pPr marL="0" indent="0">
-              <a:buNone/>
-            </a:pPr>
-            <a:r>
-              <a:rPr lang="en-US" b="1" dirty="0" smtClean="0">
-                <a:solidFill>
-                  <a:srgbClr val="77933C"/>
-                </a:solidFill>
-              </a:rPr>
-              <a:t>What is a STS (Security Token Service)?</a:t>
-            </a:r>
-          </a:p>
-          <a:p>
-            <a:endParaRPr lang="en-US" dirty="0" smtClean="0"/>
-          </a:p>
-          <a:p>
-            <a:r>
-              <a:rPr lang="en-US" dirty="0" smtClean="0"/>
-              <a:t>A </a:t>
-            </a:r>
-            <a:r>
-              <a:rPr lang="en-US" dirty="0" smtClean="0"/>
-              <a:t>STS is a service which provides users with security </a:t>
-            </a:r>
-            <a:r>
-              <a:rPr lang="en-US" dirty="0" smtClean="0"/>
-              <a:t>tokens</a:t>
-            </a:r>
-            <a:endParaRPr lang="en-US" dirty="0"/>
-          </a:p>
-          <a:p>
-            <a:r>
-              <a:rPr lang="en-US" dirty="0" smtClean="0"/>
-              <a:t>This token is then used to authenticate the user on the </a:t>
-            </a:r>
-            <a:r>
-              <a:rPr lang="en-US" dirty="0" smtClean="0"/>
-              <a:t>web-application</a:t>
-            </a:r>
-            <a:endParaRPr lang="en-US" dirty="0" smtClean="0"/>
-          </a:p>
-        </p:txBody>
-      </p:sp>
-    </p:spTree>
-    <p:extLst>
-      <p:ext uri="{BB962C8B-B14F-4D97-AF65-F5344CB8AC3E}">
-        <p14:creationId xmlns:p14="http://schemas.microsoft.com/office/powerpoint/2010/main" val="2241834667"/>
-      </p:ext>
-    </p:extLst>
-  </p:cSld>
-  <p:clrMapOvr>
-    <a:masterClrMapping/>
-  </p:clrMapOvr>
-  <p:timing>
-    <p:tnLst>
-      <p:par>
-        <p:cTn id="1" dur="indefinite" restart="never" nodeType="tmRoot"/>
-      </p:par>
-    </p:tnLst>
-  </p:timing>
-</p:sld>
-</file>
-
-<file path=ppt/slides/slide29.xml><?xml version="1.0" encoding="utf-8"?>
-<p:sld xmlns:a="http://schemas.openxmlformats.org/drawingml/2006/main" xmlns:r="http://schemas.openxmlformats.org/officeDocument/2006/relationships" xmlns:p="http://schemas.openxmlformats.org/presentationml/2006/main">
-  <p:cSld>
-    <p:spTree>
-      <p:nvGrpSpPr>
-        <p:cNvPr id="1" name=""/>
-        <p:cNvGrpSpPr/>
-        <p:nvPr/>
-      </p:nvGrpSpPr>
-      <p:grpSpPr>
-        <a:xfrm>
-          <a:off x="0" y="0"/>
-          <a:ext cx="0" cy="0"/>
-          <a:chOff x="0" y="0"/>
-          <a:chExt cx="0" cy="0"/>
-        </a:xfrm>
-      </p:grpSpPr>
-      <p:sp>
-        <p:nvSpPr>
-          <p:cNvPr id="2" name="Rubrik 1"/>
-          <p:cNvSpPr>
-            <a:spLocks noGrp="1"/>
-          </p:cNvSpPr>
-          <p:nvPr>
-            <p:ph type="title"/>
-          </p:nvPr>
-        </p:nvSpPr>
-        <p:spPr/>
-        <p:txBody>
-          <a:bodyPr/>
-          <a:lstStyle/>
-          <a:p>
-            <a:r>
-              <a:rPr lang="en-US" dirty="0" smtClean="0"/>
-              <a:t>What is a STS?</a:t>
-            </a:r>
-            <a:endParaRPr lang="en-US" dirty="0"/>
-          </a:p>
-        </p:txBody>
-      </p:sp>
-      <p:sp>
-        <p:nvSpPr>
-          <p:cNvPr id="3" name="Platshållare för innehåll 2"/>
-          <p:cNvSpPr>
-            <a:spLocks noGrp="1"/>
-          </p:cNvSpPr>
-          <p:nvPr>
-            <p:ph idx="1"/>
-          </p:nvPr>
-        </p:nvSpPr>
-        <p:spPr/>
-        <p:txBody>
-          <a:bodyPr/>
-          <a:lstStyle/>
-          <a:p>
-            <a:pPr marL="0" indent="0">
-              <a:buNone/>
-            </a:pPr>
-            <a:r>
-              <a:rPr lang="en-US" dirty="0"/>
-              <a:t>A good example of where </a:t>
-            </a:r>
-            <a:r>
-              <a:rPr lang="en-US" dirty="0" smtClean="0"/>
-              <a:t>a STS is </a:t>
-            </a:r>
-            <a:r>
-              <a:rPr lang="en-US" dirty="0"/>
-              <a:t>used is when you try to login to your online bank. </a:t>
-            </a:r>
-            <a:endParaRPr lang="en-US" dirty="0" smtClean="0"/>
-          </a:p>
-          <a:p>
-            <a:pPr marL="0" indent="0">
-              <a:buNone/>
-            </a:pPr>
-            <a:endParaRPr lang="en-US" dirty="0" smtClean="0"/>
-          </a:p>
-          <a:p>
-            <a:pPr marL="0" indent="0">
-              <a:buNone/>
-            </a:pPr>
-            <a:r>
-              <a:rPr lang="en-US" dirty="0" smtClean="0"/>
-              <a:t>The </a:t>
-            </a:r>
-            <a:r>
-              <a:rPr lang="en-US" dirty="0"/>
-              <a:t>bank requests a code (a security token) from you, which you get by entering your credentials to your </a:t>
-            </a:r>
-            <a:r>
-              <a:rPr lang="en-US" dirty="0" smtClean="0"/>
-              <a:t>authentication device </a:t>
-            </a:r>
-            <a:r>
-              <a:rPr lang="en-US" dirty="0"/>
-              <a:t>(STS) which will return a code </a:t>
-            </a:r>
-            <a:r>
-              <a:rPr lang="en-US" dirty="0" smtClean="0"/>
-              <a:t>(a security </a:t>
-            </a:r>
-            <a:r>
-              <a:rPr lang="en-US" dirty="0"/>
-              <a:t>token). </a:t>
-            </a:r>
-            <a:endParaRPr lang="en-US" dirty="0" smtClean="0"/>
-          </a:p>
-          <a:p>
-            <a:pPr marL="0" indent="0">
-              <a:buNone/>
-            </a:pPr>
-            <a:endParaRPr lang="en-US" dirty="0"/>
-          </a:p>
-          <a:p>
-            <a:pPr marL="0" indent="0">
-              <a:buNone/>
-            </a:pPr>
-            <a:r>
-              <a:rPr lang="en-US" dirty="0" smtClean="0"/>
-              <a:t>You </a:t>
-            </a:r>
-            <a:r>
-              <a:rPr lang="en-US" dirty="0"/>
-              <a:t>would then proceed to use this code to login.</a:t>
-            </a:r>
-          </a:p>
-          <a:p>
-            <a:pPr marL="0" indent="0">
-              <a:buNone/>
-            </a:pPr>
-            <a:endParaRPr lang="en-US" dirty="0"/>
-          </a:p>
-        </p:txBody>
-      </p:sp>
-    </p:spTree>
-    <p:extLst>
-      <p:ext uri="{BB962C8B-B14F-4D97-AF65-F5344CB8AC3E}">
-        <p14:creationId xmlns:p14="http://schemas.microsoft.com/office/powerpoint/2010/main" val="208677920"/>
-      </p:ext>
-    </p:extLst>
-  </p:cSld>
-  <p:clrMapOvr>
-    <a:masterClrMapping/>
-  </p:clrMapOvr>
-  <p:timing>
-    <p:tnLst>
-      <p:par>
-        <p:cTn id="1" dur="indefinite" restart="never" nodeType="tmRoot"/>
-      </p:par>
-    </p:tnLst>
-  </p:timing>
-</p:sld>
-</file>
-
-<file path=ppt/slides/slide3.xml><?xml version="1.0" encoding="utf-8"?>
-<p:sld xmlns:a="http://schemas.openxmlformats.org/drawingml/2006/main" xmlns:r="http://schemas.openxmlformats.org/officeDocument/2006/relationships" xmlns:p="http://schemas.openxmlformats.org/presentationml/2006/main">
-  <p:cSld>
-    <p:spTree>
-      <p:nvGrpSpPr>
-        <p:cNvPr id="1" name=""/>
-        <p:cNvGrpSpPr/>
-        <p:nvPr/>
-      </p:nvGrpSpPr>
-      <p:grpSpPr>
-        <a:xfrm>
-          <a:off x="0" y="0"/>
-          <a:ext cx="0" cy="0"/>
-          <a:chOff x="0" y="0"/>
-          <a:chExt cx="0" cy="0"/>
-        </a:xfrm>
-      </p:grpSpPr>
-      <p:sp>
-        <p:nvSpPr>
-          <p:cNvPr id="2" name="Rubrik 1"/>
-          <p:cNvSpPr>
-            <a:spLocks noGrp="1"/>
-          </p:cNvSpPr>
-          <p:nvPr>
-            <p:ph type="title"/>
-          </p:nvPr>
-        </p:nvSpPr>
-        <p:spPr/>
-        <p:txBody>
-          <a:bodyPr>
-            <a:normAutofit/>
-          </a:bodyPr>
-          <a:lstStyle/>
-          <a:p>
-            <a:r>
-              <a:rPr lang="en-US" sz="2800" b="1" dirty="0"/>
-              <a:t>Authentication and Authorization</a:t>
-            </a:r>
-          </a:p>
-        </p:txBody>
-      </p:sp>
-      <p:sp>
-        <p:nvSpPr>
-          <p:cNvPr id="3" name="Platshållare för innehåll 2"/>
-          <p:cNvSpPr>
-            <a:spLocks noGrp="1"/>
-          </p:cNvSpPr>
-          <p:nvPr>
-            <p:ph idx="1"/>
-          </p:nvPr>
-        </p:nvSpPr>
-        <p:spPr>
-          <a:xfrm>
-            <a:off x="518864" y="1268760"/>
-            <a:ext cx="8229600" cy="4680520"/>
-          </a:xfrm>
-        </p:spPr>
-        <p:txBody>
-          <a:bodyPr>
-            <a:noAutofit/>
-          </a:bodyPr>
-          <a:lstStyle/>
-          <a:p>
-            <a:pPr marL="0" indent="0" algn="ctr">
-              <a:buNone/>
-            </a:pPr>
-            <a:r>
-              <a:rPr lang="en-US" sz="3200" b="1" dirty="0" smtClean="0"/>
-              <a:t>Authentication </a:t>
-            </a:r>
-            <a:r>
-              <a:rPr lang="en-US" sz="3200" dirty="0" smtClean="0"/>
-              <a:t>verifies who you are</a:t>
-            </a:r>
-            <a:endParaRPr lang="en-US" sz="3200" b="1" dirty="0" smtClean="0"/>
-          </a:p>
-          <a:p>
-            <a:pPr marL="0" indent="0" algn="ctr">
-              <a:buNone/>
-            </a:pPr>
-            <a:endParaRPr lang="en-US" sz="3200" dirty="0"/>
-          </a:p>
-          <a:p>
-            <a:pPr marL="0" indent="0" algn="ctr">
-              <a:buNone/>
-            </a:pPr>
-            <a:r>
-              <a:rPr lang="en-US" sz="3200" dirty="0" smtClean="0"/>
-              <a:t>Answers questions like: </a:t>
-            </a:r>
-            <a:br>
-              <a:rPr lang="en-US" sz="3200" dirty="0" smtClean="0"/>
-            </a:br>
-            <a:endParaRPr lang="en-US" sz="3200" dirty="0" smtClean="0"/>
-          </a:p>
-          <a:p>
-            <a:pPr algn="ctr"/>
-            <a:r>
-              <a:rPr lang="en-US" sz="3200" dirty="0" smtClean="0"/>
-              <a:t>Who is the user?</a:t>
-            </a:r>
-          </a:p>
-          <a:p>
-            <a:pPr algn="ctr"/>
-            <a:r>
-              <a:rPr lang="en-US" sz="3200" dirty="0" smtClean="0"/>
-              <a:t>Is the user really who he/she claims to be?</a:t>
-            </a:r>
-          </a:p>
-          <a:p>
-            <a:pPr algn="ctr"/>
-            <a:endParaRPr lang="en-US" sz="3200" dirty="0" smtClean="0"/>
-          </a:p>
-          <a:p>
-            <a:pPr marL="0" indent="0" algn="ctr">
-              <a:buNone/>
-            </a:pPr>
-            <a:endParaRPr lang="en-US" sz="3200" dirty="0"/>
-          </a:p>
-        </p:txBody>
-      </p:sp>
-    </p:spTree>
-    <p:extLst>
-      <p:ext uri="{BB962C8B-B14F-4D97-AF65-F5344CB8AC3E}">
-        <p14:creationId xmlns:p14="http://schemas.microsoft.com/office/powerpoint/2010/main" val="703524947"/>
-      </p:ext>
-    </p:extLst>
-  </p:cSld>
-  <p:clrMapOvr>
-    <a:masterClrMapping/>
-  </p:clrMapOvr>
-  <p:timing>
-    <p:tnLst>
-      <p:par>
-        <p:cTn id="1" dur="indefinite" restart="never" nodeType="tmRoot"/>
-      </p:par>
-    </p:tnLst>
-  </p:timing>
-</p:sld>
-</file>
-
-<file path=ppt/slides/slide30.xml><?xml version="1.0" encoding="utf-8"?>
-<p:sld xmlns:a="http://schemas.openxmlformats.org/drawingml/2006/main" xmlns:r="http://schemas.openxmlformats.org/officeDocument/2006/relationships" xmlns:p="http://schemas.openxmlformats.org/presentationml/2006/main">
-  <p:cSld>
-    <p:spTree>
-      <p:nvGrpSpPr>
-        <p:cNvPr id="1" name=""/>
-        <p:cNvGrpSpPr/>
-        <p:nvPr/>
-      </p:nvGrpSpPr>
-      <p:grpSpPr>
-        <a:xfrm>
-          <a:off x="0" y="0"/>
-          <a:ext cx="0" cy="0"/>
-          <a:chOff x="0" y="0"/>
-          <a:chExt cx="0" cy="0"/>
-        </a:xfrm>
-      </p:grpSpPr>
-      <p:sp>
-        <p:nvSpPr>
-          <p:cNvPr id="2" name="Rubrik 1"/>
-          <p:cNvSpPr>
-            <a:spLocks noGrp="1"/>
-          </p:cNvSpPr>
-          <p:nvPr>
-            <p:ph type="title"/>
-          </p:nvPr>
-        </p:nvSpPr>
-        <p:spPr/>
-        <p:txBody>
-          <a:bodyPr/>
-          <a:lstStyle/>
-          <a:p>
-            <a:r>
-              <a:rPr lang="en-US" dirty="0" smtClean="0"/>
-              <a:t>STS Flow</a:t>
-            </a:r>
-            <a:endParaRPr lang="en-US" dirty="0"/>
-          </a:p>
-        </p:txBody>
-      </p:sp>
-      <p:sp>
-        <p:nvSpPr>
-          <p:cNvPr id="3" name="Platshållare för innehåll 2"/>
-          <p:cNvSpPr>
-            <a:spLocks noGrp="1"/>
-          </p:cNvSpPr>
-          <p:nvPr>
-            <p:ph idx="1"/>
-          </p:nvPr>
-        </p:nvSpPr>
-        <p:spPr>
-          <a:xfrm>
-            <a:off x="611560" y="836712"/>
-            <a:ext cx="8075240" cy="5289451"/>
-          </a:xfrm>
-        </p:spPr>
-        <p:txBody>
-          <a:bodyPr/>
-          <a:lstStyle/>
-          <a:p>
-            <a:pPr marL="0" indent="0" algn="ctr">
-              <a:buNone/>
-            </a:pPr>
-            <a:r>
-              <a:rPr lang="en-US" dirty="0" smtClean="0"/>
-              <a:t>STS Flow illustration</a:t>
-            </a:r>
-            <a:br>
-              <a:rPr lang="en-US" dirty="0" smtClean="0"/>
-            </a:br>
-            <a:endParaRPr lang="en-US" dirty="0" smtClean="0"/>
-          </a:p>
-          <a:p>
-            <a:pPr marL="0" indent="0">
-              <a:buNone/>
-            </a:pPr>
-            <a:r>
-              <a:rPr lang="en-US" dirty="0" smtClean="0"/>
-              <a:t>When the user tries to login to the web application, the application requests a security token.</a:t>
-            </a:r>
-            <a:endParaRPr lang="en-US" dirty="0"/>
-          </a:p>
-        </p:txBody>
-      </p:sp>
-      <p:sp>
-        <p:nvSpPr>
-          <p:cNvPr id="5" name="Rektangel 4"/>
-          <p:cNvSpPr/>
-          <p:nvPr/>
-        </p:nvSpPr>
-        <p:spPr>
-          <a:xfrm>
-            <a:off x="827584" y="5013176"/>
-            <a:ext cx="2232248" cy="936104"/>
-          </a:xfrm>
-          <a:prstGeom prst="rect">
-            <a:avLst/>
-          </a:prstGeom>
-        </p:spPr>
-        <p:style>
-          <a:lnRef idx="2">
-            <a:schemeClr val="accent1">
-              <a:shade val="50000"/>
-            </a:schemeClr>
-          </a:lnRef>
-          <a:fillRef idx="1">
-            <a:schemeClr val="accent1"/>
-          </a:fillRef>
-          <a:effectRef idx="0">
-            <a:schemeClr val="accent1"/>
-          </a:effectRef>
-          <a:fontRef idx="minor">
-            <a:schemeClr val="lt1"/>
-          </a:fontRef>
-        </p:style>
-        <p:txBody>
-          <a:bodyPr rtlCol="0" anchor="ctr"/>
-          <a:lstStyle/>
-          <a:p>
-            <a:pPr algn="ctr"/>
-            <a:r>
-              <a:rPr lang="en-US" dirty="0" smtClean="0"/>
-              <a:t>User</a:t>
-            </a:r>
-            <a:endParaRPr lang="en-US" dirty="0"/>
-          </a:p>
-        </p:txBody>
-      </p:sp>
-      <p:sp>
-        <p:nvSpPr>
-          <p:cNvPr id="6" name="Rektangel 5"/>
-          <p:cNvSpPr/>
-          <p:nvPr/>
-        </p:nvSpPr>
-        <p:spPr>
-          <a:xfrm>
-            <a:off x="5977317" y="3395129"/>
-            <a:ext cx="2232248" cy="936104"/>
-          </a:xfrm>
-          <a:prstGeom prst="rect">
-            <a:avLst/>
-          </a:prstGeom>
-        </p:spPr>
-        <p:style>
-          <a:lnRef idx="2">
-            <a:schemeClr val="accent1">
-              <a:shade val="50000"/>
-            </a:schemeClr>
-          </a:lnRef>
-          <a:fillRef idx="1">
-            <a:schemeClr val="accent1"/>
-          </a:fillRef>
-          <a:effectRef idx="0">
-            <a:schemeClr val="accent1"/>
-          </a:effectRef>
-          <a:fontRef idx="minor">
-            <a:schemeClr val="lt1"/>
-          </a:fontRef>
-        </p:style>
-        <p:txBody>
-          <a:bodyPr rtlCol="0" anchor="ctr"/>
-          <a:lstStyle/>
-          <a:p>
-            <a:pPr algn="ctr"/>
-            <a:r>
-              <a:rPr lang="en-US" dirty="0" smtClean="0"/>
-              <a:t>Web Application</a:t>
-            </a:r>
-          </a:p>
-        </p:txBody>
-      </p:sp>
-      <p:sp>
-        <p:nvSpPr>
-          <p:cNvPr id="7" name="Rektangel 6"/>
-          <p:cNvSpPr/>
-          <p:nvPr/>
-        </p:nvSpPr>
-        <p:spPr>
-          <a:xfrm>
-            <a:off x="6012160" y="5013176"/>
-            <a:ext cx="2232248" cy="936104"/>
-          </a:xfrm>
-          <a:prstGeom prst="rect">
-            <a:avLst/>
-          </a:prstGeom>
-        </p:spPr>
-        <p:style>
-          <a:lnRef idx="2">
-            <a:schemeClr val="accent1">
-              <a:shade val="50000"/>
-            </a:schemeClr>
-          </a:lnRef>
-          <a:fillRef idx="1">
-            <a:schemeClr val="accent1"/>
-          </a:fillRef>
-          <a:effectRef idx="0">
-            <a:schemeClr val="accent1"/>
-          </a:effectRef>
-          <a:fontRef idx="minor">
-            <a:schemeClr val="lt1"/>
-          </a:fontRef>
-        </p:style>
-        <p:txBody>
-          <a:bodyPr rtlCol="0" anchor="ctr"/>
-          <a:lstStyle/>
-          <a:p>
-            <a:pPr algn="ctr"/>
-            <a:r>
-              <a:rPr lang="en-US" dirty="0" smtClean="0"/>
-              <a:t>Secure Token Service</a:t>
-            </a:r>
-            <a:endParaRPr lang="en-US" dirty="0"/>
-          </a:p>
-        </p:txBody>
-      </p:sp>
-      <p:cxnSp>
-        <p:nvCxnSpPr>
-          <p:cNvPr id="10" name="Vinklad  9"/>
-          <p:cNvCxnSpPr/>
-          <p:nvPr/>
-        </p:nvCxnSpPr>
-        <p:spPr>
-          <a:xfrm rot="10800000" flipV="1">
-            <a:off x="1763688" y="3437287"/>
-            <a:ext cx="4104456" cy="1431872"/>
-          </a:xfrm>
-          <a:prstGeom prst="bentConnector3">
-            <a:avLst>
-              <a:gd name="adj1" fmla="val 100035"/>
-            </a:avLst>
-          </a:prstGeom>
-          <a:ln>
-            <a:tailEnd type="triangle"/>
-          </a:ln>
-        </p:spPr>
-        <p:style>
-          <a:lnRef idx="1">
-            <a:schemeClr val="accent1"/>
-          </a:lnRef>
-          <a:fillRef idx="0">
-            <a:schemeClr val="accent1"/>
-          </a:fillRef>
-          <a:effectRef idx="0">
-            <a:schemeClr val="accent1"/>
-          </a:effectRef>
-          <a:fontRef idx="minor">
-            <a:schemeClr val="tx1"/>
-          </a:fontRef>
-        </p:style>
-      </p:cxnSp>
-      <p:sp>
-        <p:nvSpPr>
-          <p:cNvPr id="11" name="textruta 10"/>
-          <p:cNvSpPr txBox="1"/>
-          <p:nvPr/>
-        </p:nvSpPr>
-        <p:spPr>
-          <a:xfrm>
-            <a:off x="3302314" y="3025797"/>
-            <a:ext cx="2617127" cy="369332"/>
-          </a:xfrm>
-          <a:prstGeom prst="rect">
-            <a:avLst/>
-          </a:prstGeom>
-          <a:noFill/>
-        </p:spPr>
-        <p:txBody>
-          <a:bodyPr wrap="none" rtlCol="0">
-            <a:spAutoFit/>
-          </a:bodyPr>
-          <a:lstStyle/>
-          <a:p>
-            <a:r>
-              <a:rPr lang="en-US" dirty="0" smtClean="0"/>
-              <a:t>1 Requests Security Token</a:t>
-            </a:r>
-            <a:endParaRPr lang="en-US" dirty="0"/>
-          </a:p>
-        </p:txBody>
-      </p:sp>
-    </p:spTree>
-    <p:extLst>
-      <p:ext uri="{BB962C8B-B14F-4D97-AF65-F5344CB8AC3E}">
-        <p14:creationId xmlns:p14="http://schemas.microsoft.com/office/powerpoint/2010/main" val="1152446386"/>
-      </p:ext>
-    </p:extLst>
-  </p:cSld>
-  <p:clrMapOvr>
-    <a:masterClrMapping/>
-  </p:clrMapOvr>
-  <p:timing>
-    <p:tnLst>
-      <p:par>
-        <p:cTn id="1" dur="indefinite" restart="never" nodeType="tmRoot"/>
-      </p:par>
-    </p:tnLst>
-  </p:timing>
-</p:sld>
-</file>
-
-<file path=ppt/slides/slide31.xml><?xml version="1.0" encoding="utf-8"?>
-<p:sld xmlns:a="http://schemas.openxmlformats.org/drawingml/2006/main" xmlns:r="http://schemas.openxmlformats.org/officeDocument/2006/relationships" xmlns:p="http://schemas.openxmlformats.org/presentationml/2006/main">
-  <p:cSld>
-    <p:spTree>
-      <p:nvGrpSpPr>
-        <p:cNvPr id="1" name=""/>
-        <p:cNvGrpSpPr/>
-        <p:nvPr/>
-      </p:nvGrpSpPr>
-      <p:grpSpPr>
-        <a:xfrm>
-          <a:off x="0" y="0"/>
-          <a:ext cx="0" cy="0"/>
-          <a:chOff x="0" y="0"/>
-          <a:chExt cx="0" cy="0"/>
-        </a:xfrm>
-      </p:grpSpPr>
-      <p:sp>
-        <p:nvSpPr>
-          <p:cNvPr id="2" name="Rubrik 1"/>
-          <p:cNvSpPr>
-            <a:spLocks noGrp="1"/>
-          </p:cNvSpPr>
-          <p:nvPr>
-            <p:ph type="title"/>
-          </p:nvPr>
-        </p:nvSpPr>
-        <p:spPr/>
-        <p:txBody>
-          <a:bodyPr/>
-          <a:lstStyle/>
-          <a:p>
-            <a:r>
-              <a:rPr lang="en-US" dirty="0" smtClean="0"/>
-              <a:t>STS Flow</a:t>
-            </a:r>
-            <a:endParaRPr lang="en-US" dirty="0"/>
-          </a:p>
-        </p:txBody>
-      </p:sp>
-      <p:sp>
-        <p:nvSpPr>
-          <p:cNvPr id="3" name="Platshållare för innehåll 2"/>
-          <p:cNvSpPr>
-            <a:spLocks noGrp="1"/>
-          </p:cNvSpPr>
-          <p:nvPr>
-            <p:ph idx="1"/>
-          </p:nvPr>
-        </p:nvSpPr>
-        <p:spPr>
-          <a:xfrm>
-            <a:off x="611560" y="836712"/>
-            <a:ext cx="8075240" cy="5289451"/>
-          </a:xfrm>
-        </p:spPr>
-        <p:txBody>
-          <a:bodyPr/>
-          <a:lstStyle/>
-          <a:p>
-            <a:pPr marL="0" indent="0" algn="ctr">
-              <a:buNone/>
-            </a:pPr>
-            <a:r>
-              <a:rPr lang="en-US" dirty="0" smtClean="0"/>
-              <a:t>STS Flow illustration</a:t>
-            </a:r>
-            <a:br>
-              <a:rPr lang="en-US" dirty="0" smtClean="0"/>
-            </a:br>
-            <a:endParaRPr lang="en-US" dirty="0" smtClean="0"/>
-          </a:p>
-          <a:p>
-            <a:pPr marL="0" indent="0">
-              <a:buNone/>
-            </a:pPr>
-            <a:r>
-              <a:rPr lang="en-US" dirty="0" smtClean="0"/>
-              <a:t>The user provides the STS with his credentials</a:t>
-            </a:r>
-            <a:endParaRPr lang="en-US" dirty="0"/>
-          </a:p>
-        </p:txBody>
-      </p:sp>
-      <p:sp>
-        <p:nvSpPr>
-          <p:cNvPr id="5" name="Rektangel 4"/>
-          <p:cNvSpPr/>
-          <p:nvPr/>
-        </p:nvSpPr>
-        <p:spPr>
-          <a:xfrm>
-            <a:off x="827584" y="5013176"/>
-            <a:ext cx="2232248" cy="936104"/>
-          </a:xfrm>
-          <a:prstGeom prst="rect">
-            <a:avLst/>
-          </a:prstGeom>
-        </p:spPr>
-        <p:style>
-          <a:lnRef idx="2">
-            <a:schemeClr val="accent1">
-              <a:shade val="50000"/>
-            </a:schemeClr>
-          </a:lnRef>
-          <a:fillRef idx="1">
-            <a:schemeClr val="accent1"/>
-          </a:fillRef>
-          <a:effectRef idx="0">
-            <a:schemeClr val="accent1"/>
-          </a:effectRef>
-          <a:fontRef idx="minor">
-            <a:schemeClr val="lt1"/>
-          </a:fontRef>
-        </p:style>
-        <p:txBody>
-          <a:bodyPr rtlCol="0" anchor="ctr"/>
-          <a:lstStyle/>
-          <a:p>
-            <a:pPr algn="ctr"/>
-            <a:r>
-              <a:rPr lang="en-US" dirty="0" smtClean="0"/>
-              <a:t>User</a:t>
-            </a:r>
-            <a:endParaRPr lang="en-US" dirty="0"/>
-          </a:p>
-        </p:txBody>
-      </p:sp>
-      <p:sp>
-        <p:nvSpPr>
-          <p:cNvPr id="6" name="Rektangel 5"/>
-          <p:cNvSpPr/>
-          <p:nvPr/>
-        </p:nvSpPr>
-        <p:spPr>
-          <a:xfrm>
-            <a:off x="5977317" y="3395129"/>
-            <a:ext cx="2232248" cy="936104"/>
-          </a:xfrm>
-          <a:prstGeom prst="rect">
-            <a:avLst/>
-          </a:prstGeom>
-        </p:spPr>
-        <p:style>
-          <a:lnRef idx="2">
-            <a:schemeClr val="accent1">
-              <a:shade val="50000"/>
-            </a:schemeClr>
-          </a:lnRef>
-          <a:fillRef idx="1">
-            <a:schemeClr val="accent1"/>
-          </a:fillRef>
-          <a:effectRef idx="0">
-            <a:schemeClr val="accent1"/>
-          </a:effectRef>
-          <a:fontRef idx="minor">
-            <a:schemeClr val="lt1"/>
-          </a:fontRef>
-        </p:style>
-        <p:txBody>
-          <a:bodyPr rtlCol="0" anchor="ctr"/>
-          <a:lstStyle/>
-          <a:p>
-            <a:pPr algn="ctr"/>
-            <a:r>
-              <a:rPr lang="en-US" dirty="0" smtClean="0"/>
-              <a:t>Web Application</a:t>
-            </a:r>
-          </a:p>
-        </p:txBody>
-      </p:sp>
-      <p:sp>
-        <p:nvSpPr>
-          <p:cNvPr id="7" name="Rektangel 6"/>
-          <p:cNvSpPr/>
-          <p:nvPr/>
-        </p:nvSpPr>
-        <p:spPr>
-          <a:xfrm>
-            <a:off x="6012160" y="5013176"/>
-            <a:ext cx="2232248" cy="936104"/>
-          </a:xfrm>
-          <a:prstGeom prst="rect">
-            <a:avLst/>
-          </a:prstGeom>
-        </p:spPr>
-        <p:style>
-          <a:lnRef idx="2">
-            <a:schemeClr val="accent1">
-              <a:shade val="50000"/>
-            </a:schemeClr>
-          </a:lnRef>
-          <a:fillRef idx="1">
-            <a:schemeClr val="accent1"/>
-          </a:fillRef>
-          <a:effectRef idx="0">
-            <a:schemeClr val="accent1"/>
-          </a:effectRef>
-          <a:fontRef idx="minor">
-            <a:schemeClr val="lt1"/>
-          </a:fontRef>
-        </p:style>
-        <p:txBody>
-          <a:bodyPr rtlCol="0" anchor="ctr"/>
-          <a:lstStyle/>
-          <a:p>
-            <a:pPr algn="ctr"/>
-            <a:r>
-              <a:rPr lang="en-US" dirty="0" smtClean="0"/>
-              <a:t>Secure Token Service</a:t>
-            </a:r>
-            <a:endParaRPr lang="en-US" dirty="0"/>
-          </a:p>
-        </p:txBody>
-      </p:sp>
-      <p:cxnSp>
-        <p:nvCxnSpPr>
-          <p:cNvPr id="8" name="Rak pil 7"/>
-          <p:cNvCxnSpPr/>
-          <p:nvPr/>
-        </p:nvCxnSpPr>
-        <p:spPr>
-          <a:xfrm>
-            <a:off x="3275856" y="5769260"/>
-            <a:ext cx="2592288" cy="0"/>
-          </a:xfrm>
-          <a:prstGeom prst="straightConnector1">
-            <a:avLst/>
-          </a:prstGeom>
-          <a:ln>
-            <a:tailEnd type="triangle"/>
-          </a:ln>
-        </p:spPr>
-        <p:style>
-          <a:lnRef idx="1">
-            <a:schemeClr val="accent1"/>
-          </a:lnRef>
-          <a:fillRef idx="0">
-            <a:schemeClr val="accent1"/>
-          </a:fillRef>
-          <a:effectRef idx="0">
-            <a:schemeClr val="accent1"/>
-          </a:effectRef>
-          <a:fontRef idx="minor">
-            <a:schemeClr val="tx1"/>
-          </a:fontRef>
-        </p:style>
-      </p:cxnSp>
-      <p:sp>
-        <p:nvSpPr>
-          <p:cNvPr id="9" name="textruta 8"/>
-          <p:cNvSpPr txBox="1"/>
-          <p:nvPr/>
-        </p:nvSpPr>
-        <p:spPr>
-          <a:xfrm>
-            <a:off x="3907340" y="5435932"/>
-            <a:ext cx="1410643" cy="369332"/>
-          </a:xfrm>
-          <a:prstGeom prst="rect">
-            <a:avLst/>
-          </a:prstGeom>
-          <a:noFill/>
-        </p:spPr>
-        <p:txBody>
-          <a:bodyPr wrap="none" rtlCol="0">
-            <a:spAutoFit/>
-          </a:bodyPr>
-          <a:lstStyle/>
-          <a:p>
-            <a:r>
-              <a:rPr lang="en-US" dirty="0" smtClean="0"/>
-              <a:t>2 Credentials</a:t>
-            </a:r>
-            <a:endParaRPr lang="en-US" dirty="0"/>
-          </a:p>
-        </p:txBody>
-      </p:sp>
-      <p:cxnSp>
-        <p:nvCxnSpPr>
-          <p:cNvPr id="10" name="Vinklad  9"/>
-          <p:cNvCxnSpPr/>
-          <p:nvPr/>
-        </p:nvCxnSpPr>
-        <p:spPr>
-          <a:xfrm rot="10800000" flipV="1">
-            <a:off x="1763688" y="3437287"/>
-            <a:ext cx="4104456" cy="1431872"/>
-          </a:xfrm>
-          <a:prstGeom prst="bentConnector3">
-            <a:avLst>
-              <a:gd name="adj1" fmla="val 100035"/>
-            </a:avLst>
-          </a:prstGeom>
-          <a:ln>
-            <a:tailEnd type="triangle"/>
-          </a:ln>
-        </p:spPr>
-        <p:style>
-          <a:lnRef idx="1">
-            <a:schemeClr val="accent1"/>
-          </a:lnRef>
-          <a:fillRef idx="0">
-            <a:schemeClr val="accent1"/>
-          </a:fillRef>
-          <a:effectRef idx="0">
-            <a:schemeClr val="accent1"/>
-          </a:effectRef>
-          <a:fontRef idx="minor">
-            <a:schemeClr val="tx1"/>
-          </a:fontRef>
-        </p:style>
-      </p:cxnSp>
-      <p:sp>
-        <p:nvSpPr>
-          <p:cNvPr id="11" name="textruta 10"/>
-          <p:cNvSpPr txBox="1"/>
-          <p:nvPr/>
-        </p:nvSpPr>
-        <p:spPr>
-          <a:xfrm>
-            <a:off x="3302314" y="3025797"/>
-            <a:ext cx="2612318" cy="369332"/>
-          </a:xfrm>
-          <a:prstGeom prst="rect">
-            <a:avLst/>
-          </a:prstGeom>
-          <a:noFill/>
-        </p:spPr>
-        <p:txBody>
-          <a:bodyPr wrap="none" rtlCol="0">
-            <a:spAutoFit/>
-          </a:bodyPr>
-          <a:lstStyle/>
-          <a:p>
-            <a:r>
-              <a:rPr lang="en-US" dirty="0" smtClean="0"/>
-              <a:t>1 Requests Security Token</a:t>
-            </a:r>
-            <a:endParaRPr lang="en-US" dirty="0"/>
-          </a:p>
-        </p:txBody>
-      </p:sp>
-    </p:spTree>
-    <p:extLst>
-      <p:ext uri="{BB962C8B-B14F-4D97-AF65-F5344CB8AC3E}">
-        <p14:creationId xmlns:p14="http://schemas.microsoft.com/office/powerpoint/2010/main" val="3998850739"/>
-      </p:ext>
-    </p:extLst>
-  </p:cSld>
-  <p:clrMapOvr>
-    <a:masterClrMapping/>
-  </p:clrMapOvr>
-  <p:timing>
-    <p:tnLst>
-      <p:par>
-        <p:cTn id="1" dur="indefinite" restart="never" nodeType="tmRoot"/>
-      </p:par>
-    </p:tnLst>
-  </p:timing>
-</p:sld>
-</file>
-
-<file path=ppt/slides/slide32.xml><?xml version="1.0" encoding="utf-8"?>
-<p:sld xmlns:a="http://schemas.openxmlformats.org/drawingml/2006/main" xmlns:r="http://schemas.openxmlformats.org/officeDocument/2006/relationships" xmlns:p="http://schemas.openxmlformats.org/presentationml/2006/main">
-  <p:cSld>
-    <p:spTree>
-      <p:nvGrpSpPr>
-        <p:cNvPr id="1" name=""/>
-        <p:cNvGrpSpPr/>
-        <p:nvPr/>
-      </p:nvGrpSpPr>
-      <p:grpSpPr>
-        <a:xfrm>
-          <a:off x="0" y="0"/>
-          <a:ext cx="0" cy="0"/>
-          <a:chOff x="0" y="0"/>
-          <a:chExt cx="0" cy="0"/>
-        </a:xfrm>
-      </p:grpSpPr>
-      <p:sp>
-        <p:nvSpPr>
-          <p:cNvPr id="2" name="Rubrik 1"/>
-          <p:cNvSpPr>
-            <a:spLocks noGrp="1"/>
-          </p:cNvSpPr>
-          <p:nvPr>
-            <p:ph type="title"/>
-          </p:nvPr>
-        </p:nvSpPr>
-        <p:spPr/>
-        <p:txBody>
-          <a:bodyPr/>
-          <a:lstStyle/>
-          <a:p>
-            <a:r>
-              <a:rPr lang="en-US" dirty="0" smtClean="0"/>
-              <a:t>STS Flow</a:t>
-            </a:r>
-            <a:endParaRPr lang="en-US" dirty="0"/>
-          </a:p>
-        </p:txBody>
-      </p:sp>
-      <p:sp>
-        <p:nvSpPr>
-          <p:cNvPr id="3" name="Platshållare för innehåll 2"/>
-          <p:cNvSpPr>
-            <a:spLocks noGrp="1"/>
-          </p:cNvSpPr>
-          <p:nvPr>
-            <p:ph idx="1"/>
-          </p:nvPr>
-        </p:nvSpPr>
-        <p:spPr>
-          <a:xfrm>
-            <a:off x="467544" y="836712"/>
-            <a:ext cx="8352928" cy="5289451"/>
-          </a:xfrm>
-        </p:spPr>
-        <p:txBody>
-          <a:bodyPr/>
-          <a:lstStyle/>
-          <a:p>
-            <a:pPr marL="0" indent="0" algn="ctr">
-              <a:buNone/>
-            </a:pPr>
-            <a:r>
-              <a:rPr lang="en-US" dirty="0" smtClean="0"/>
-              <a:t>STS Flow illustration</a:t>
-            </a:r>
-            <a:br>
-              <a:rPr lang="en-US" dirty="0" smtClean="0"/>
-            </a:br>
-            <a:endParaRPr lang="en-US" dirty="0" smtClean="0"/>
-          </a:p>
-          <a:p>
-            <a:pPr marL="0" indent="0">
-              <a:buNone/>
-            </a:pPr>
-            <a:r>
-              <a:rPr lang="en-US" dirty="0" smtClean="0"/>
-              <a:t>If the credentials are valid, the STS will return a Security token</a:t>
-            </a:r>
-            <a:endParaRPr lang="en-US" dirty="0"/>
-          </a:p>
-        </p:txBody>
-      </p:sp>
-      <p:sp>
-        <p:nvSpPr>
-          <p:cNvPr id="5" name="Rektangel 4"/>
-          <p:cNvSpPr/>
-          <p:nvPr/>
-        </p:nvSpPr>
-        <p:spPr>
-          <a:xfrm>
-            <a:off x="827584" y="5013176"/>
-            <a:ext cx="2232248" cy="936104"/>
-          </a:xfrm>
-          <a:prstGeom prst="rect">
-            <a:avLst/>
-          </a:prstGeom>
-        </p:spPr>
-        <p:style>
-          <a:lnRef idx="2">
-            <a:schemeClr val="accent1">
-              <a:shade val="50000"/>
-            </a:schemeClr>
-          </a:lnRef>
-          <a:fillRef idx="1">
-            <a:schemeClr val="accent1"/>
-          </a:fillRef>
-          <a:effectRef idx="0">
-            <a:schemeClr val="accent1"/>
-          </a:effectRef>
-          <a:fontRef idx="minor">
-            <a:schemeClr val="lt1"/>
-          </a:fontRef>
-        </p:style>
-        <p:txBody>
-          <a:bodyPr rtlCol="0" anchor="ctr"/>
-          <a:lstStyle/>
-          <a:p>
-            <a:pPr algn="ctr"/>
-            <a:r>
-              <a:rPr lang="en-US" dirty="0" smtClean="0"/>
-              <a:t>User</a:t>
-            </a:r>
-            <a:endParaRPr lang="en-US" dirty="0"/>
-          </a:p>
-        </p:txBody>
-      </p:sp>
-      <p:sp>
-        <p:nvSpPr>
-          <p:cNvPr id="6" name="Rektangel 5"/>
-          <p:cNvSpPr/>
-          <p:nvPr/>
-        </p:nvSpPr>
-        <p:spPr>
-          <a:xfrm>
-            <a:off x="5977317" y="3395129"/>
-            <a:ext cx="2232248" cy="936104"/>
-          </a:xfrm>
-          <a:prstGeom prst="rect">
-            <a:avLst/>
-          </a:prstGeom>
-        </p:spPr>
-        <p:style>
-          <a:lnRef idx="2">
-            <a:schemeClr val="accent1">
-              <a:shade val="50000"/>
-            </a:schemeClr>
-          </a:lnRef>
-          <a:fillRef idx="1">
-            <a:schemeClr val="accent1"/>
-          </a:fillRef>
-          <a:effectRef idx="0">
-            <a:schemeClr val="accent1"/>
-          </a:effectRef>
-          <a:fontRef idx="minor">
-            <a:schemeClr val="lt1"/>
-          </a:fontRef>
-        </p:style>
-        <p:txBody>
-          <a:bodyPr rtlCol="0" anchor="ctr"/>
-          <a:lstStyle/>
-          <a:p>
-            <a:pPr algn="ctr"/>
-            <a:r>
-              <a:rPr lang="en-US" dirty="0" smtClean="0"/>
-              <a:t>Web Application</a:t>
-            </a:r>
-          </a:p>
-        </p:txBody>
-      </p:sp>
-      <p:sp>
-        <p:nvSpPr>
-          <p:cNvPr id="7" name="Rektangel 6"/>
-          <p:cNvSpPr/>
-          <p:nvPr/>
-        </p:nvSpPr>
-        <p:spPr>
-          <a:xfrm>
-            <a:off x="6012160" y="5013176"/>
-            <a:ext cx="2232248" cy="936104"/>
-          </a:xfrm>
-          <a:prstGeom prst="rect">
-            <a:avLst/>
-          </a:prstGeom>
-        </p:spPr>
-        <p:style>
-          <a:lnRef idx="2">
-            <a:schemeClr val="accent1">
-              <a:shade val="50000"/>
-            </a:schemeClr>
-          </a:lnRef>
-          <a:fillRef idx="1">
-            <a:schemeClr val="accent1"/>
-          </a:fillRef>
-          <a:effectRef idx="0">
-            <a:schemeClr val="accent1"/>
-          </a:effectRef>
-          <a:fontRef idx="minor">
-            <a:schemeClr val="lt1"/>
-          </a:fontRef>
-        </p:style>
-        <p:txBody>
-          <a:bodyPr rtlCol="0" anchor="ctr"/>
-          <a:lstStyle/>
-          <a:p>
-            <a:pPr algn="ctr"/>
-            <a:r>
-              <a:rPr lang="en-US" dirty="0" smtClean="0"/>
-              <a:t>Secure Token Service</a:t>
-            </a:r>
-            <a:endParaRPr lang="en-US" dirty="0"/>
-          </a:p>
-        </p:txBody>
-      </p:sp>
-      <p:cxnSp>
-        <p:nvCxnSpPr>
-          <p:cNvPr id="8" name="Rak pil 7"/>
-          <p:cNvCxnSpPr/>
-          <p:nvPr/>
-        </p:nvCxnSpPr>
-        <p:spPr>
-          <a:xfrm>
-            <a:off x="3275856" y="5769260"/>
-            <a:ext cx="2592288" cy="0"/>
-          </a:xfrm>
-          <a:prstGeom prst="straightConnector1">
-            <a:avLst/>
-          </a:prstGeom>
-          <a:ln>
-            <a:tailEnd type="triangle"/>
-          </a:ln>
-        </p:spPr>
-        <p:style>
-          <a:lnRef idx="1">
-            <a:schemeClr val="accent1"/>
-          </a:lnRef>
-          <a:fillRef idx="0">
-            <a:schemeClr val="accent1"/>
-          </a:fillRef>
-          <a:effectRef idx="0">
-            <a:schemeClr val="accent1"/>
-          </a:effectRef>
-          <a:fontRef idx="minor">
-            <a:schemeClr val="tx1"/>
-          </a:fontRef>
-        </p:style>
-      </p:cxnSp>
-      <p:sp>
-        <p:nvSpPr>
-          <p:cNvPr id="9" name="textruta 8"/>
-          <p:cNvSpPr txBox="1"/>
-          <p:nvPr/>
-        </p:nvSpPr>
-        <p:spPr>
-          <a:xfrm>
-            <a:off x="3907340" y="5435932"/>
-            <a:ext cx="1410643" cy="369332"/>
-          </a:xfrm>
-          <a:prstGeom prst="rect">
-            <a:avLst/>
-          </a:prstGeom>
-          <a:noFill/>
-        </p:spPr>
-        <p:txBody>
-          <a:bodyPr wrap="none" rtlCol="0">
-            <a:spAutoFit/>
-          </a:bodyPr>
-          <a:lstStyle/>
-          <a:p>
-            <a:r>
-              <a:rPr lang="en-US" dirty="0"/>
-              <a:t>2</a:t>
-            </a:r>
-            <a:r>
-              <a:rPr lang="en-US" dirty="0" smtClean="0"/>
-              <a:t> Credentials</a:t>
-            </a:r>
-            <a:endParaRPr lang="en-US" dirty="0"/>
-          </a:p>
-        </p:txBody>
-      </p:sp>
-      <p:cxnSp>
-        <p:nvCxnSpPr>
-          <p:cNvPr id="10" name="Rak pil 9"/>
-          <p:cNvCxnSpPr/>
-          <p:nvPr/>
-        </p:nvCxnSpPr>
-        <p:spPr>
-          <a:xfrm flipH="1">
-            <a:off x="3275856" y="5373216"/>
-            <a:ext cx="2592288" cy="0"/>
-          </a:xfrm>
-          <a:prstGeom prst="straightConnector1">
-            <a:avLst/>
-          </a:prstGeom>
-          <a:ln>
-            <a:tailEnd type="triangle"/>
-          </a:ln>
-        </p:spPr>
-        <p:style>
-          <a:lnRef idx="1">
-            <a:schemeClr val="accent1"/>
-          </a:lnRef>
-          <a:fillRef idx="0">
-            <a:schemeClr val="accent1"/>
-          </a:fillRef>
-          <a:effectRef idx="0">
-            <a:schemeClr val="accent1"/>
-          </a:effectRef>
-          <a:fontRef idx="minor">
-            <a:schemeClr val="tx1"/>
-          </a:fontRef>
-        </p:style>
-      </p:cxnSp>
-      <p:sp>
-        <p:nvSpPr>
-          <p:cNvPr id="11" name="textruta 10"/>
-          <p:cNvSpPr txBox="1"/>
-          <p:nvPr/>
-        </p:nvSpPr>
-        <p:spPr>
-          <a:xfrm>
-            <a:off x="3801949" y="5003884"/>
-            <a:ext cx="1710020" cy="369332"/>
-          </a:xfrm>
-          <a:prstGeom prst="rect">
-            <a:avLst/>
-          </a:prstGeom>
-          <a:noFill/>
-        </p:spPr>
-        <p:txBody>
-          <a:bodyPr wrap="none" rtlCol="0">
-            <a:spAutoFit/>
-          </a:bodyPr>
-          <a:lstStyle/>
-          <a:p>
-            <a:r>
-              <a:rPr lang="en-US" dirty="0"/>
-              <a:t>3</a:t>
-            </a:r>
-            <a:r>
-              <a:rPr lang="en-US" dirty="0" smtClean="0"/>
-              <a:t> Security Token</a:t>
-            </a:r>
-            <a:endParaRPr lang="en-US" dirty="0"/>
-          </a:p>
-        </p:txBody>
-      </p:sp>
-      <p:cxnSp>
-        <p:nvCxnSpPr>
-          <p:cNvPr id="12" name="Vinklad  11"/>
-          <p:cNvCxnSpPr/>
-          <p:nvPr/>
-        </p:nvCxnSpPr>
-        <p:spPr>
-          <a:xfrm rot="10800000" flipV="1">
-            <a:off x="1763688" y="3437287"/>
-            <a:ext cx="4104456" cy="1431872"/>
-          </a:xfrm>
-          <a:prstGeom prst="bentConnector3">
-            <a:avLst>
-              <a:gd name="adj1" fmla="val 100035"/>
-            </a:avLst>
-          </a:prstGeom>
-          <a:ln>
-            <a:tailEnd type="triangle"/>
-          </a:ln>
-        </p:spPr>
-        <p:style>
-          <a:lnRef idx="1">
-            <a:schemeClr val="accent1"/>
-          </a:lnRef>
-          <a:fillRef idx="0">
-            <a:schemeClr val="accent1"/>
-          </a:fillRef>
-          <a:effectRef idx="0">
-            <a:schemeClr val="accent1"/>
-          </a:effectRef>
-          <a:fontRef idx="minor">
-            <a:schemeClr val="tx1"/>
-          </a:fontRef>
-        </p:style>
-      </p:cxnSp>
-      <p:sp>
-        <p:nvSpPr>
-          <p:cNvPr id="13" name="textruta 12"/>
-          <p:cNvSpPr txBox="1"/>
-          <p:nvPr/>
-        </p:nvSpPr>
-        <p:spPr>
-          <a:xfrm>
-            <a:off x="3302314" y="3025797"/>
-            <a:ext cx="2612318" cy="369332"/>
-          </a:xfrm>
-          <a:prstGeom prst="rect">
-            <a:avLst/>
-          </a:prstGeom>
-          <a:noFill/>
-        </p:spPr>
-        <p:txBody>
-          <a:bodyPr wrap="none" rtlCol="0">
-            <a:spAutoFit/>
-          </a:bodyPr>
-          <a:lstStyle/>
-          <a:p>
-            <a:r>
-              <a:rPr lang="en-US" dirty="0" smtClean="0"/>
-              <a:t>1 Requests Security Token</a:t>
-            </a:r>
-            <a:endParaRPr lang="en-US" dirty="0"/>
-          </a:p>
-        </p:txBody>
-      </p:sp>
-    </p:spTree>
-    <p:extLst>
-      <p:ext uri="{BB962C8B-B14F-4D97-AF65-F5344CB8AC3E}">
-        <p14:creationId xmlns:p14="http://schemas.microsoft.com/office/powerpoint/2010/main" val="3397868673"/>
-      </p:ext>
-    </p:extLst>
-  </p:cSld>
-  <p:clrMapOvr>
-    <a:masterClrMapping/>
-  </p:clrMapOvr>
-  <p:timing>
-    <p:tnLst>
-      <p:par>
-        <p:cTn id="1" dur="indefinite" restart="never" nodeType="tmRoot"/>
-      </p:par>
-    </p:tnLst>
-  </p:timing>
-</p:sld>
-</file>
-
-<file path=ppt/slides/slide33.xml><?xml version="1.0" encoding="utf-8"?>
-<p:sld xmlns:a="http://schemas.openxmlformats.org/drawingml/2006/main" xmlns:r="http://schemas.openxmlformats.org/officeDocument/2006/relationships" xmlns:p="http://schemas.openxmlformats.org/presentationml/2006/main">
-  <p:cSld>
-    <p:spTree>
-      <p:nvGrpSpPr>
-        <p:cNvPr id="1" name=""/>
-        <p:cNvGrpSpPr/>
-        <p:nvPr/>
-      </p:nvGrpSpPr>
-      <p:grpSpPr>
-        <a:xfrm>
-          <a:off x="0" y="0"/>
-          <a:ext cx="0" cy="0"/>
-          <a:chOff x="0" y="0"/>
-          <a:chExt cx="0" cy="0"/>
-        </a:xfrm>
-      </p:grpSpPr>
-      <p:sp>
-        <p:nvSpPr>
-          <p:cNvPr id="2" name="Rubrik 1"/>
-          <p:cNvSpPr>
-            <a:spLocks noGrp="1"/>
-          </p:cNvSpPr>
-          <p:nvPr>
-            <p:ph type="title"/>
-          </p:nvPr>
-        </p:nvSpPr>
-        <p:spPr/>
-        <p:txBody>
-          <a:bodyPr/>
-          <a:lstStyle/>
-          <a:p>
-            <a:r>
-              <a:rPr lang="en-US" dirty="0" smtClean="0"/>
-              <a:t>STS Flow</a:t>
-            </a:r>
-            <a:endParaRPr lang="en-US" dirty="0"/>
-          </a:p>
-        </p:txBody>
-      </p:sp>
-      <p:sp>
-        <p:nvSpPr>
-          <p:cNvPr id="3" name="Platshållare för innehåll 2"/>
-          <p:cNvSpPr>
-            <a:spLocks noGrp="1"/>
-          </p:cNvSpPr>
-          <p:nvPr>
-            <p:ph idx="1"/>
-          </p:nvPr>
-        </p:nvSpPr>
-        <p:spPr>
-          <a:xfrm>
-            <a:off x="467544" y="836712"/>
-            <a:ext cx="8352928" cy="5289451"/>
-          </a:xfrm>
-        </p:spPr>
-        <p:txBody>
-          <a:bodyPr/>
-          <a:lstStyle/>
-          <a:p>
-            <a:pPr marL="0" indent="0" algn="ctr">
-              <a:buNone/>
-            </a:pPr>
-            <a:r>
-              <a:rPr lang="en-US" dirty="0" smtClean="0"/>
-              <a:t>STS Flow illustration</a:t>
-            </a:r>
-            <a:br>
-              <a:rPr lang="en-US" dirty="0" smtClean="0"/>
-            </a:br>
-            <a:endParaRPr lang="en-US" dirty="0" smtClean="0"/>
-          </a:p>
-          <a:p>
-            <a:pPr marL="0" indent="0">
-              <a:buNone/>
-            </a:pPr>
-            <a:r>
-              <a:rPr lang="en-US" dirty="0" smtClean="0"/>
-              <a:t>The user provides the web application with the Security Token received from the </a:t>
-            </a:r>
-            <a:r>
-              <a:rPr lang="en-US" dirty="0" smtClean="0"/>
-              <a:t>STS</a:t>
-            </a:r>
-            <a:endParaRPr lang="en-US" dirty="0"/>
-          </a:p>
-        </p:txBody>
-      </p:sp>
-      <p:sp>
-        <p:nvSpPr>
-          <p:cNvPr id="5" name="Rektangel 4"/>
-          <p:cNvSpPr/>
-          <p:nvPr/>
-        </p:nvSpPr>
-        <p:spPr>
-          <a:xfrm>
-            <a:off x="827584" y="5013176"/>
-            <a:ext cx="2232248" cy="936104"/>
-          </a:xfrm>
-          <a:prstGeom prst="rect">
-            <a:avLst/>
-          </a:prstGeom>
-        </p:spPr>
-        <p:style>
-          <a:lnRef idx="2">
-            <a:schemeClr val="accent1">
-              <a:shade val="50000"/>
-            </a:schemeClr>
-          </a:lnRef>
-          <a:fillRef idx="1">
-            <a:schemeClr val="accent1"/>
-          </a:fillRef>
-          <a:effectRef idx="0">
-            <a:schemeClr val="accent1"/>
-          </a:effectRef>
-          <a:fontRef idx="minor">
-            <a:schemeClr val="lt1"/>
-          </a:fontRef>
-        </p:style>
-        <p:txBody>
-          <a:bodyPr rtlCol="0" anchor="ctr"/>
-          <a:lstStyle/>
-          <a:p>
-            <a:pPr algn="ctr"/>
-            <a:r>
-              <a:rPr lang="en-US" dirty="0" smtClean="0"/>
-              <a:t>User</a:t>
-            </a:r>
-            <a:endParaRPr lang="en-US" dirty="0"/>
-          </a:p>
-        </p:txBody>
-      </p:sp>
-      <p:sp>
-        <p:nvSpPr>
-          <p:cNvPr id="6" name="Rektangel 5"/>
-          <p:cNvSpPr/>
-          <p:nvPr/>
-        </p:nvSpPr>
-        <p:spPr>
-          <a:xfrm>
-            <a:off x="5977317" y="3395129"/>
-            <a:ext cx="2232248" cy="936104"/>
-          </a:xfrm>
-          <a:prstGeom prst="rect">
-            <a:avLst/>
-          </a:prstGeom>
-        </p:spPr>
-        <p:style>
-          <a:lnRef idx="2">
-            <a:schemeClr val="accent1">
-              <a:shade val="50000"/>
-            </a:schemeClr>
-          </a:lnRef>
-          <a:fillRef idx="1">
-            <a:schemeClr val="accent1"/>
-          </a:fillRef>
-          <a:effectRef idx="0">
-            <a:schemeClr val="accent1"/>
-          </a:effectRef>
-          <a:fontRef idx="minor">
-            <a:schemeClr val="lt1"/>
-          </a:fontRef>
-        </p:style>
-        <p:txBody>
-          <a:bodyPr rtlCol="0" anchor="ctr"/>
-          <a:lstStyle/>
-          <a:p>
-            <a:pPr algn="ctr"/>
-            <a:r>
-              <a:rPr lang="en-US" dirty="0" smtClean="0"/>
-              <a:t>Web Application</a:t>
-            </a:r>
-          </a:p>
-        </p:txBody>
-      </p:sp>
-      <p:sp>
-        <p:nvSpPr>
-          <p:cNvPr id="7" name="Rektangel 6"/>
-          <p:cNvSpPr/>
-          <p:nvPr/>
-        </p:nvSpPr>
-        <p:spPr>
-          <a:xfrm>
-            <a:off x="6012160" y="5013176"/>
-            <a:ext cx="2232248" cy="936104"/>
-          </a:xfrm>
-          <a:prstGeom prst="rect">
-            <a:avLst/>
-          </a:prstGeom>
-        </p:spPr>
-        <p:style>
-          <a:lnRef idx="2">
-            <a:schemeClr val="accent1">
-              <a:shade val="50000"/>
-            </a:schemeClr>
-          </a:lnRef>
-          <a:fillRef idx="1">
-            <a:schemeClr val="accent1"/>
-          </a:fillRef>
-          <a:effectRef idx="0">
-            <a:schemeClr val="accent1"/>
-          </a:effectRef>
-          <a:fontRef idx="minor">
-            <a:schemeClr val="lt1"/>
-          </a:fontRef>
-        </p:style>
-        <p:txBody>
-          <a:bodyPr rtlCol="0" anchor="ctr"/>
-          <a:lstStyle/>
-          <a:p>
-            <a:pPr algn="ctr"/>
-            <a:r>
-              <a:rPr lang="en-US" dirty="0" smtClean="0"/>
-              <a:t>Secure Token Service</a:t>
-            </a:r>
-            <a:endParaRPr lang="en-US" dirty="0"/>
-          </a:p>
-        </p:txBody>
-      </p:sp>
-      <p:cxnSp>
-        <p:nvCxnSpPr>
-          <p:cNvPr id="8" name="Rak pil 7"/>
-          <p:cNvCxnSpPr/>
-          <p:nvPr/>
-        </p:nvCxnSpPr>
-        <p:spPr>
-          <a:xfrm>
-            <a:off x="3275856" y="5769260"/>
-            <a:ext cx="2592288" cy="0"/>
-          </a:xfrm>
-          <a:prstGeom prst="straightConnector1">
-            <a:avLst/>
-          </a:prstGeom>
-          <a:ln>
-            <a:tailEnd type="triangle"/>
-          </a:ln>
-        </p:spPr>
-        <p:style>
-          <a:lnRef idx="1">
-            <a:schemeClr val="accent1"/>
-          </a:lnRef>
-          <a:fillRef idx="0">
-            <a:schemeClr val="accent1"/>
-          </a:fillRef>
-          <a:effectRef idx="0">
-            <a:schemeClr val="accent1"/>
-          </a:effectRef>
-          <a:fontRef idx="minor">
-            <a:schemeClr val="tx1"/>
-          </a:fontRef>
-        </p:style>
-      </p:cxnSp>
-      <p:sp>
-        <p:nvSpPr>
-          <p:cNvPr id="9" name="textruta 8"/>
-          <p:cNvSpPr txBox="1"/>
-          <p:nvPr/>
-        </p:nvSpPr>
-        <p:spPr>
-          <a:xfrm>
-            <a:off x="3907340" y="5435932"/>
-            <a:ext cx="1410643" cy="369332"/>
-          </a:xfrm>
-          <a:prstGeom prst="rect">
-            <a:avLst/>
-          </a:prstGeom>
-          <a:noFill/>
-        </p:spPr>
-        <p:txBody>
-          <a:bodyPr wrap="none" rtlCol="0">
-            <a:spAutoFit/>
-          </a:bodyPr>
-          <a:lstStyle/>
-          <a:p>
-            <a:r>
-              <a:rPr lang="en-US" dirty="0" smtClean="0"/>
-              <a:t>2 Credentials</a:t>
-            </a:r>
-            <a:endParaRPr lang="en-US" dirty="0"/>
-          </a:p>
-        </p:txBody>
-      </p:sp>
-      <p:cxnSp>
-        <p:nvCxnSpPr>
-          <p:cNvPr id="10" name="Rak pil 9"/>
-          <p:cNvCxnSpPr/>
-          <p:nvPr/>
-        </p:nvCxnSpPr>
-        <p:spPr>
-          <a:xfrm flipH="1">
-            <a:off x="3275856" y="5373216"/>
-            <a:ext cx="2592288" cy="0"/>
-          </a:xfrm>
-          <a:prstGeom prst="straightConnector1">
-            <a:avLst/>
-          </a:prstGeom>
-          <a:ln>
-            <a:tailEnd type="triangle"/>
-          </a:ln>
-        </p:spPr>
-        <p:style>
-          <a:lnRef idx="1">
-            <a:schemeClr val="accent1"/>
-          </a:lnRef>
-          <a:fillRef idx="0">
-            <a:schemeClr val="accent1"/>
-          </a:fillRef>
-          <a:effectRef idx="0">
-            <a:schemeClr val="accent1"/>
-          </a:effectRef>
-          <a:fontRef idx="minor">
-            <a:schemeClr val="tx1"/>
-          </a:fontRef>
-        </p:style>
-      </p:cxnSp>
-      <p:sp>
-        <p:nvSpPr>
-          <p:cNvPr id="11" name="textruta 10"/>
-          <p:cNvSpPr txBox="1"/>
-          <p:nvPr/>
-        </p:nvSpPr>
-        <p:spPr>
-          <a:xfrm>
-            <a:off x="3801949" y="5003884"/>
-            <a:ext cx="1710020" cy="369332"/>
-          </a:xfrm>
-          <a:prstGeom prst="rect">
-            <a:avLst/>
-          </a:prstGeom>
-          <a:noFill/>
-        </p:spPr>
-        <p:txBody>
-          <a:bodyPr wrap="none" rtlCol="0">
-            <a:spAutoFit/>
-          </a:bodyPr>
-          <a:lstStyle/>
-          <a:p>
-            <a:r>
-              <a:rPr lang="en-US" dirty="0" smtClean="0"/>
-              <a:t>3 Security Token</a:t>
-            </a:r>
-            <a:endParaRPr lang="en-US" dirty="0"/>
-          </a:p>
-        </p:txBody>
-      </p:sp>
-      <p:cxnSp>
-        <p:nvCxnSpPr>
-          <p:cNvPr id="15" name="Vinklad  14"/>
-          <p:cNvCxnSpPr/>
-          <p:nvPr/>
-        </p:nvCxnSpPr>
-        <p:spPr>
-          <a:xfrm flipV="1">
-            <a:off x="2771800" y="4149080"/>
-            <a:ext cx="3096344" cy="677921"/>
-          </a:xfrm>
-          <a:prstGeom prst="bentConnector3">
-            <a:avLst>
-              <a:gd name="adj1" fmla="val 263"/>
-            </a:avLst>
-          </a:prstGeom>
-          <a:ln>
-            <a:tailEnd type="triangle"/>
-          </a:ln>
-        </p:spPr>
-        <p:style>
-          <a:lnRef idx="1">
-            <a:schemeClr val="accent1"/>
-          </a:lnRef>
-          <a:fillRef idx="0">
-            <a:schemeClr val="accent1"/>
-          </a:fillRef>
-          <a:effectRef idx="0">
-            <a:schemeClr val="accent1"/>
-          </a:effectRef>
-          <a:fontRef idx="minor">
-            <a:schemeClr val="tx1"/>
-          </a:fontRef>
-        </p:style>
-      </p:cxnSp>
-      <p:sp>
-        <p:nvSpPr>
-          <p:cNvPr id="25" name="textruta 24"/>
-          <p:cNvSpPr txBox="1"/>
-          <p:nvPr/>
-        </p:nvSpPr>
-        <p:spPr>
-          <a:xfrm>
-            <a:off x="3779912" y="3779748"/>
-            <a:ext cx="1710020" cy="369332"/>
-          </a:xfrm>
-          <a:prstGeom prst="rect">
-            <a:avLst/>
-          </a:prstGeom>
-          <a:noFill/>
-        </p:spPr>
-        <p:txBody>
-          <a:bodyPr wrap="none" rtlCol="0">
-            <a:spAutoFit/>
-          </a:bodyPr>
-          <a:lstStyle/>
-          <a:p>
-            <a:r>
-              <a:rPr lang="en-US" dirty="0" smtClean="0"/>
-              <a:t>4 Security Token</a:t>
-            </a:r>
-            <a:endParaRPr lang="en-US" dirty="0"/>
-          </a:p>
-        </p:txBody>
-      </p:sp>
-      <p:cxnSp>
-        <p:nvCxnSpPr>
-          <p:cNvPr id="13" name="Vinklad  12"/>
-          <p:cNvCxnSpPr/>
-          <p:nvPr/>
-        </p:nvCxnSpPr>
-        <p:spPr>
-          <a:xfrm rot="10800000" flipV="1">
-            <a:off x="1763688" y="3437287"/>
-            <a:ext cx="4104456" cy="1431872"/>
-          </a:xfrm>
-          <a:prstGeom prst="bentConnector3">
-            <a:avLst>
-              <a:gd name="adj1" fmla="val 100035"/>
-            </a:avLst>
-          </a:prstGeom>
-          <a:ln>
-            <a:tailEnd type="triangle"/>
-          </a:ln>
-        </p:spPr>
-        <p:style>
-          <a:lnRef idx="1">
-            <a:schemeClr val="accent1"/>
-          </a:lnRef>
-          <a:fillRef idx="0">
-            <a:schemeClr val="accent1"/>
-          </a:fillRef>
-          <a:effectRef idx="0">
-            <a:schemeClr val="accent1"/>
-          </a:effectRef>
-          <a:fontRef idx="minor">
-            <a:schemeClr val="tx1"/>
-          </a:fontRef>
-        </p:style>
-      </p:cxnSp>
-      <p:sp>
-        <p:nvSpPr>
-          <p:cNvPr id="14" name="textruta 13"/>
-          <p:cNvSpPr txBox="1"/>
-          <p:nvPr/>
-        </p:nvSpPr>
-        <p:spPr>
-          <a:xfrm>
-            <a:off x="3302314" y="3025797"/>
-            <a:ext cx="2612318" cy="369332"/>
-          </a:xfrm>
-          <a:prstGeom prst="rect">
-            <a:avLst/>
-          </a:prstGeom>
-          <a:noFill/>
-        </p:spPr>
-        <p:txBody>
-          <a:bodyPr wrap="none" rtlCol="0">
-            <a:spAutoFit/>
-          </a:bodyPr>
-          <a:lstStyle/>
-          <a:p>
-            <a:r>
-              <a:rPr lang="en-US" dirty="0" smtClean="0"/>
-              <a:t>1 Requests Security Token</a:t>
-            </a:r>
-            <a:endParaRPr lang="en-US" dirty="0"/>
-          </a:p>
-        </p:txBody>
-      </p:sp>
-    </p:spTree>
-    <p:extLst>
-      <p:ext uri="{BB962C8B-B14F-4D97-AF65-F5344CB8AC3E}">
-        <p14:creationId xmlns:p14="http://schemas.microsoft.com/office/powerpoint/2010/main" val="4242139376"/>
-      </p:ext>
-    </p:extLst>
-  </p:cSld>
-  <p:clrMapOvr>
-    <a:masterClrMapping/>
-  </p:clrMapOvr>
-  <p:timing>
-    <p:tnLst>
-      <p:par>
-        <p:cTn id="1" dur="indefinite" restart="never" nodeType="tmRoot"/>
-      </p:par>
-    </p:tnLst>
-  </p:timing>
-</p:sld>
-</file>
-
-<file path=ppt/slides/slide34.xml><?xml version="1.0" encoding="utf-8"?>
-<p:sld xmlns:a="http://schemas.openxmlformats.org/drawingml/2006/main" xmlns:r="http://schemas.openxmlformats.org/officeDocument/2006/relationships" xmlns:p="http://schemas.openxmlformats.org/presentationml/2006/main">
-  <p:cSld>
-    <p:spTree>
-      <p:nvGrpSpPr>
-        <p:cNvPr id="1" name=""/>
-        <p:cNvGrpSpPr/>
-        <p:nvPr/>
-      </p:nvGrpSpPr>
-      <p:grpSpPr>
-        <a:xfrm>
-          <a:off x="0" y="0"/>
-          <a:ext cx="0" cy="0"/>
-          <a:chOff x="0" y="0"/>
-          <a:chExt cx="0" cy="0"/>
-        </a:xfrm>
-      </p:grpSpPr>
-      <p:sp>
-        <p:nvSpPr>
-          <p:cNvPr id="2" name="Rubrik 1"/>
-          <p:cNvSpPr>
-            <a:spLocks noGrp="1"/>
-          </p:cNvSpPr>
-          <p:nvPr>
-            <p:ph type="title"/>
-          </p:nvPr>
-        </p:nvSpPr>
-        <p:spPr/>
-        <p:txBody>
-          <a:bodyPr/>
-          <a:lstStyle/>
-          <a:p>
-            <a:r>
-              <a:rPr lang="en-US" dirty="0" smtClean="0"/>
-              <a:t>STS Flow</a:t>
-            </a:r>
-            <a:endParaRPr lang="en-US" dirty="0"/>
-          </a:p>
-        </p:txBody>
-      </p:sp>
-      <p:sp>
-        <p:nvSpPr>
-          <p:cNvPr id="3" name="Platshållare för innehåll 2"/>
-          <p:cNvSpPr>
-            <a:spLocks noGrp="1"/>
-          </p:cNvSpPr>
-          <p:nvPr>
-            <p:ph idx="1"/>
-          </p:nvPr>
-        </p:nvSpPr>
-        <p:spPr>
-          <a:xfrm>
-            <a:off x="467544" y="836712"/>
-            <a:ext cx="8352928" cy="5289451"/>
-          </a:xfrm>
-        </p:spPr>
-        <p:txBody>
-          <a:bodyPr/>
-          <a:lstStyle/>
-          <a:p>
-            <a:pPr marL="0" indent="0" algn="ctr">
-              <a:buNone/>
-            </a:pPr>
-            <a:r>
-              <a:rPr lang="en-US" dirty="0" smtClean="0"/>
-              <a:t>STS Flow illustration</a:t>
-            </a:r>
-            <a:br>
-              <a:rPr lang="en-US" dirty="0" smtClean="0"/>
-            </a:br>
-            <a:endParaRPr lang="en-US" dirty="0" smtClean="0"/>
-          </a:p>
-          <a:p>
-            <a:pPr marL="0" indent="0">
-              <a:buNone/>
-            </a:pPr>
-            <a:r>
-              <a:rPr lang="en-US" dirty="0" smtClean="0"/>
-              <a:t>The web application checks if the STS is a trusted issuer</a:t>
-            </a:r>
-            <a:endParaRPr lang="en-US" dirty="0"/>
-          </a:p>
-        </p:txBody>
-      </p:sp>
-      <p:sp>
-        <p:nvSpPr>
-          <p:cNvPr id="5" name="Rektangel 4"/>
-          <p:cNvSpPr/>
-          <p:nvPr/>
-        </p:nvSpPr>
-        <p:spPr>
-          <a:xfrm>
-            <a:off x="827584" y="5013176"/>
-            <a:ext cx="2232248" cy="936104"/>
-          </a:xfrm>
-          <a:prstGeom prst="rect">
-            <a:avLst/>
-          </a:prstGeom>
-        </p:spPr>
-        <p:style>
-          <a:lnRef idx="2">
-            <a:schemeClr val="accent1">
-              <a:shade val="50000"/>
-            </a:schemeClr>
-          </a:lnRef>
-          <a:fillRef idx="1">
-            <a:schemeClr val="accent1"/>
-          </a:fillRef>
-          <a:effectRef idx="0">
-            <a:schemeClr val="accent1"/>
-          </a:effectRef>
-          <a:fontRef idx="minor">
-            <a:schemeClr val="lt1"/>
-          </a:fontRef>
-        </p:style>
-        <p:txBody>
-          <a:bodyPr rtlCol="0" anchor="ctr"/>
-          <a:lstStyle/>
-          <a:p>
-            <a:pPr algn="ctr"/>
-            <a:r>
-              <a:rPr lang="en-US" dirty="0" smtClean="0"/>
-              <a:t>User</a:t>
-            </a:r>
-            <a:endParaRPr lang="en-US" dirty="0"/>
-          </a:p>
-        </p:txBody>
-      </p:sp>
-      <p:sp>
-        <p:nvSpPr>
-          <p:cNvPr id="6" name="Rektangel 5"/>
-          <p:cNvSpPr/>
-          <p:nvPr/>
-        </p:nvSpPr>
-        <p:spPr>
-          <a:xfrm>
-            <a:off x="5977317" y="3395129"/>
-            <a:ext cx="2232248" cy="936104"/>
-          </a:xfrm>
-          <a:prstGeom prst="rect">
-            <a:avLst/>
-          </a:prstGeom>
-        </p:spPr>
-        <p:style>
-          <a:lnRef idx="2">
-            <a:schemeClr val="accent1">
-              <a:shade val="50000"/>
-            </a:schemeClr>
-          </a:lnRef>
-          <a:fillRef idx="1">
-            <a:schemeClr val="accent1"/>
-          </a:fillRef>
-          <a:effectRef idx="0">
-            <a:schemeClr val="accent1"/>
-          </a:effectRef>
-          <a:fontRef idx="minor">
-            <a:schemeClr val="lt1"/>
-          </a:fontRef>
-        </p:style>
-        <p:txBody>
-          <a:bodyPr rtlCol="0" anchor="ctr"/>
-          <a:lstStyle/>
-          <a:p>
-            <a:pPr algn="ctr"/>
-            <a:r>
-              <a:rPr lang="en-US" dirty="0" smtClean="0"/>
-              <a:t>Web Application</a:t>
-            </a:r>
-          </a:p>
-        </p:txBody>
-      </p:sp>
-      <p:sp>
-        <p:nvSpPr>
-          <p:cNvPr id="7" name="Rektangel 6"/>
-          <p:cNvSpPr/>
-          <p:nvPr/>
-        </p:nvSpPr>
-        <p:spPr>
-          <a:xfrm>
-            <a:off x="6012160" y="5013176"/>
-            <a:ext cx="2232248" cy="936104"/>
-          </a:xfrm>
-          <a:prstGeom prst="rect">
-            <a:avLst/>
-          </a:prstGeom>
-        </p:spPr>
-        <p:style>
-          <a:lnRef idx="2">
-            <a:schemeClr val="accent1">
-              <a:shade val="50000"/>
-            </a:schemeClr>
-          </a:lnRef>
-          <a:fillRef idx="1">
-            <a:schemeClr val="accent1"/>
-          </a:fillRef>
-          <a:effectRef idx="0">
-            <a:schemeClr val="accent1"/>
-          </a:effectRef>
-          <a:fontRef idx="minor">
-            <a:schemeClr val="lt1"/>
-          </a:fontRef>
-        </p:style>
-        <p:txBody>
-          <a:bodyPr rtlCol="0" anchor="ctr"/>
-          <a:lstStyle/>
-          <a:p>
-            <a:pPr algn="ctr"/>
-            <a:r>
-              <a:rPr lang="en-US" dirty="0" smtClean="0"/>
-              <a:t>Secure Token Service</a:t>
-            </a:r>
-            <a:endParaRPr lang="en-US" dirty="0"/>
-          </a:p>
-        </p:txBody>
-      </p:sp>
-      <p:cxnSp>
-        <p:nvCxnSpPr>
-          <p:cNvPr id="8" name="Rak pil 7"/>
-          <p:cNvCxnSpPr/>
-          <p:nvPr/>
-        </p:nvCxnSpPr>
-        <p:spPr>
-          <a:xfrm>
-            <a:off x="3275856" y="5769260"/>
-            <a:ext cx="2592288" cy="0"/>
-          </a:xfrm>
-          <a:prstGeom prst="straightConnector1">
-            <a:avLst/>
-          </a:prstGeom>
-          <a:ln>
-            <a:tailEnd type="triangle"/>
-          </a:ln>
-        </p:spPr>
-        <p:style>
-          <a:lnRef idx="1">
-            <a:schemeClr val="accent1"/>
-          </a:lnRef>
-          <a:fillRef idx="0">
-            <a:schemeClr val="accent1"/>
-          </a:fillRef>
-          <a:effectRef idx="0">
-            <a:schemeClr val="accent1"/>
-          </a:effectRef>
-          <a:fontRef idx="minor">
-            <a:schemeClr val="tx1"/>
-          </a:fontRef>
-        </p:style>
-      </p:cxnSp>
-      <p:sp>
-        <p:nvSpPr>
-          <p:cNvPr id="9" name="textruta 8"/>
-          <p:cNvSpPr txBox="1"/>
-          <p:nvPr/>
-        </p:nvSpPr>
-        <p:spPr>
-          <a:xfrm>
-            <a:off x="3907340" y="5435932"/>
-            <a:ext cx="1410643" cy="369332"/>
-          </a:xfrm>
-          <a:prstGeom prst="rect">
-            <a:avLst/>
-          </a:prstGeom>
-          <a:noFill/>
-        </p:spPr>
-        <p:txBody>
-          <a:bodyPr wrap="none" rtlCol="0">
-            <a:spAutoFit/>
-          </a:bodyPr>
-          <a:lstStyle/>
-          <a:p>
-            <a:r>
-              <a:rPr lang="en-US" dirty="0" smtClean="0"/>
-              <a:t>2 Credentials</a:t>
-            </a:r>
-            <a:endParaRPr lang="en-US" dirty="0"/>
-          </a:p>
-        </p:txBody>
-      </p:sp>
-      <p:cxnSp>
-        <p:nvCxnSpPr>
-          <p:cNvPr id="10" name="Rak pil 9"/>
-          <p:cNvCxnSpPr/>
-          <p:nvPr/>
-        </p:nvCxnSpPr>
-        <p:spPr>
-          <a:xfrm flipH="1">
-            <a:off x="3275856" y="5373216"/>
-            <a:ext cx="2592288" cy="0"/>
-          </a:xfrm>
-          <a:prstGeom prst="straightConnector1">
-            <a:avLst/>
-          </a:prstGeom>
-          <a:ln>
-            <a:tailEnd type="triangle"/>
-          </a:ln>
-        </p:spPr>
-        <p:style>
-          <a:lnRef idx="1">
-            <a:schemeClr val="accent1"/>
-          </a:lnRef>
-          <a:fillRef idx="0">
-            <a:schemeClr val="accent1"/>
-          </a:fillRef>
-          <a:effectRef idx="0">
-            <a:schemeClr val="accent1"/>
-          </a:effectRef>
-          <a:fontRef idx="minor">
-            <a:schemeClr val="tx1"/>
-          </a:fontRef>
-        </p:style>
-      </p:cxnSp>
-      <p:sp>
-        <p:nvSpPr>
-          <p:cNvPr id="11" name="textruta 10"/>
-          <p:cNvSpPr txBox="1"/>
-          <p:nvPr/>
-        </p:nvSpPr>
-        <p:spPr>
-          <a:xfrm>
-            <a:off x="3801949" y="5003884"/>
-            <a:ext cx="1710020" cy="369332"/>
-          </a:xfrm>
-          <a:prstGeom prst="rect">
-            <a:avLst/>
-          </a:prstGeom>
-          <a:noFill/>
-        </p:spPr>
-        <p:txBody>
-          <a:bodyPr wrap="none" rtlCol="0">
-            <a:spAutoFit/>
-          </a:bodyPr>
-          <a:lstStyle/>
-          <a:p>
-            <a:r>
-              <a:rPr lang="en-US" dirty="0" smtClean="0"/>
-              <a:t>3 Security Token</a:t>
-            </a:r>
-            <a:endParaRPr lang="en-US" dirty="0"/>
-          </a:p>
-        </p:txBody>
-      </p:sp>
-      <p:cxnSp>
-        <p:nvCxnSpPr>
-          <p:cNvPr id="15" name="Vinklad  14"/>
-          <p:cNvCxnSpPr/>
-          <p:nvPr/>
-        </p:nvCxnSpPr>
-        <p:spPr>
-          <a:xfrm flipV="1">
-            <a:off x="2771800" y="4149080"/>
-            <a:ext cx="3096344" cy="677921"/>
-          </a:xfrm>
-          <a:prstGeom prst="bentConnector3">
-            <a:avLst>
-              <a:gd name="adj1" fmla="val 263"/>
-            </a:avLst>
-          </a:prstGeom>
-          <a:ln>
-            <a:tailEnd type="triangle"/>
-          </a:ln>
-        </p:spPr>
-        <p:style>
-          <a:lnRef idx="1">
-            <a:schemeClr val="accent1"/>
-          </a:lnRef>
-          <a:fillRef idx="0">
-            <a:schemeClr val="accent1"/>
-          </a:fillRef>
-          <a:effectRef idx="0">
-            <a:schemeClr val="accent1"/>
-          </a:effectRef>
-          <a:fontRef idx="minor">
-            <a:schemeClr val="tx1"/>
-          </a:fontRef>
-        </p:style>
-      </p:cxnSp>
-      <p:sp>
-        <p:nvSpPr>
-          <p:cNvPr id="25" name="textruta 24"/>
-          <p:cNvSpPr txBox="1"/>
-          <p:nvPr/>
-        </p:nvSpPr>
-        <p:spPr>
-          <a:xfrm>
-            <a:off x="3779912" y="3779748"/>
-            <a:ext cx="1710020" cy="369332"/>
-          </a:xfrm>
-          <a:prstGeom prst="rect">
-            <a:avLst/>
-          </a:prstGeom>
-          <a:noFill/>
-        </p:spPr>
-        <p:txBody>
-          <a:bodyPr wrap="none" rtlCol="0">
-            <a:spAutoFit/>
-          </a:bodyPr>
-          <a:lstStyle/>
-          <a:p>
-            <a:r>
-              <a:rPr lang="en-US" dirty="0" smtClean="0"/>
-              <a:t>4 Security Token</a:t>
-            </a:r>
-            <a:endParaRPr lang="en-US" dirty="0"/>
-          </a:p>
-        </p:txBody>
-      </p:sp>
-      <p:cxnSp>
-        <p:nvCxnSpPr>
-          <p:cNvPr id="12" name="Rak pil 11"/>
-          <p:cNvCxnSpPr/>
-          <p:nvPr/>
-        </p:nvCxnSpPr>
-        <p:spPr>
-          <a:xfrm>
-            <a:off x="7092280" y="4445400"/>
-            <a:ext cx="0" cy="495768"/>
-          </a:xfrm>
-          <a:prstGeom prst="straightConnector1">
-            <a:avLst/>
-          </a:prstGeom>
-          <a:ln>
-            <a:tailEnd type="triangle"/>
-          </a:ln>
-        </p:spPr>
-        <p:style>
-          <a:lnRef idx="1">
-            <a:schemeClr val="accent1"/>
-          </a:lnRef>
-          <a:fillRef idx="0">
-            <a:schemeClr val="accent1"/>
-          </a:fillRef>
-          <a:effectRef idx="0">
-            <a:schemeClr val="accent1"/>
-          </a:effectRef>
-          <a:fontRef idx="minor">
-            <a:schemeClr val="tx1"/>
-          </a:fontRef>
-        </p:style>
-      </p:cxnSp>
-      <p:sp>
-        <p:nvSpPr>
-          <p:cNvPr id="13" name="textruta 12"/>
-          <p:cNvSpPr txBox="1"/>
-          <p:nvPr/>
-        </p:nvSpPr>
-        <p:spPr>
-          <a:xfrm>
-            <a:off x="7251942" y="4508618"/>
-            <a:ext cx="1053365" cy="369332"/>
-          </a:xfrm>
-          <a:prstGeom prst="rect">
-            <a:avLst/>
-          </a:prstGeom>
-          <a:noFill/>
-        </p:spPr>
-        <p:txBody>
-          <a:bodyPr wrap="none" rtlCol="0">
-            <a:spAutoFit/>
-          </a:bodyPr>
-          <a:lstStyle/>
-          <a:p>
-            <a:r>
-              <a:rPr lang="en-US" dirty="0" smtClean="0"/>
-              <a:t>5 Trusted</a:t>
-            </a:r>
-            <a:endParaRPr lang="en-US" dirty="0"/>
-          </a:p>
-        </p:txBody>
-      </p:sp>
-      <p:cxnSp>
-        <p:nvCxnSpPr>
-          <p:cNvPr id="16" name="Vinklad  15"/>
-          <p:cNvCxnSpPr/>
-          <p:nvPr/>
-        </p:nvCxnSpPr>
-        <p:spPr>
-          <a:xfrm rot="10800000" flipV="1">
-            <a:off x="1763688" y="3437287"/>
-            <a:ext cx="4104456" cy="1431872"/>
-          </a:xfrm>
-          <a:prstGeom prst="bentConnector3">
-            <a:avLst>
-              <a:gd name="adj1" fmla="val 100035"/>
-            </a:avLst>
-          </a:prstGeom>
-          <a:ln>
-            <a:tailEnd type="triangle"/>
-          </a:ln>
-        </p:spPr>
-        <p:style>
-          <a:lnRef idx="1">
-            <a:schemeClr val="accent1"/>
-          </a:lnRef>
-          <a:fillRef idx="0">
-            <a:schemeClr val="accent1"/>
-          </a:fillRef>
-          <a:effectRef idx="0">
-            <a:schemeClr val="accent1"/>
-          </a:effectRef>
-          <a:fontRef idx="minor">
-            <a:schemeClr val="tx1"/>
-          </a:fontRef>
-        </p:style>
-      </p:cxnSp>
-      <p:sp>
-        <p:nvSpPr>
-          <p:cNvPr id="17" name="textruta 16"/>
-          <p:cNvSpPr txBox="1"/>
-          <p:nvPr/>
-        </p:nvSpPr>
-        <p:spPr>
-          <a:xfrm>
-            <a:off x="3302314" y="3025797"/>
-            <a:ext cx="2612318" cy="369332"/>
-          </a:xfrm>
-          <a:prstGeom prst="rect">
-            <a:avLst/>
-          </a:prstGeom>
-          <a:noFill/>
-        </p:spPr>
-        <p:txBody>
-          <a:bodyPr wrap="none" rtlCol="0">
-            <a:spAutoFit/>
-          </a:bodyPr>
-          <a:lstStyle/>
-          <a:p>
-            <a:r>
-              <a:rPr lang="en-US" dirty="0" smtClean="0"/>
-              <a:t>1 Requests Security Token</a:t>
-            </a:r>
-            <a:endParaRPr lang="en-US" dirty="0"/>
-          </a:p>
-        </p:txBody>
-      </p:sp>
-    </p:spTree>
-    <p:extLst>
-      <p:ext uri="{BB962C8B-B14F-4D97-AF65-F5344CB8AC3E}">
-        <p14:creationId xmlns:p14="http://schemas.microsoft.com/office/powerpoint/2010/main" val="1488030442"/>
-      </p:ext>
-    </p:extLst>
-  </p:cSld>
-  <p:clrMapOvr>
-    <a:masterClrMapping/>
-  </p:clrMapOvr>
-  <p:timing>
-    <p:tnLst>
-      <p:par>
-        <p:cTn id="1" dur="indefinite" restart="never" nodeType="tmRoot"/>
-      </p:par>
-    </p:tnLst>
-  </p:timing>
-</p:sld>
-</file>
-
-<file path=ppt/slides/slide35.xml><?xml version="1.0" encoding="utf-8"?>
-<p:sld xmlns:a="http://schemas.openxmlformats.org/drawingml/2006/main" xmlns:r="http://schemas.openxmlformats.org/officeDocument/2006/relationships" xmlns:p="http://schemas.openxmlformats.org/presentationml/2006/main">
-  <p:cSld>
-    <p:spTree>
-      <p:nvGrpSpPr>
-        <p:cNvPr id="1" name=""/>
-        <p:cNvGrpSpPr/>
-        <p:nvPr/>
-      </p:nvGrpSpPr>
-      <p:grpSpPr>
-        <a:xfrm>
-          <a:off x="0" y="0"/>
-          <a:ext cx="0" cy="0"/>
-          <a:chOff x="0" y="0"/>
-          <a:chExt cx="0" cy="0"/>
-        </a:xfrm>
-      </p:grpSpPr>
-      <p:sp>
-        <p:nvSpPr>
-          <p:cNvPr id="2" name="Rubrik 1"/>
-          <p:cNvSpPr>
-            <a:spLocks noGrp="1"/>
-          </p:cNvSpPr>
-          <p:nvPr>
-            <p:ph type="title"/>
-          </p:nvPr>
-        </p:nvSpPr>
-        <p:spPr/>
-        <p:txBody>
-          <a:bodyPr/>
-          <a:lstStyle/>
-          <a:p>
-            <a:r>
-              <a:rPr lang="en-US" dirty="0" smtClean="0"/>
-              <a:t>STS Flow</a:t>
-            </a:r>
-            <a:endParaRPr lang="en-US" dirty="0"/>
-          </a:p>
-        </p:txBody>
-      </p:sp>
-      <p:sp>
-        <p:nvSpPr>
-          <p:cNvPr id="3" name="Platshållare för innehåll 2"/>
-          <p:cNvSpPr>
-            <a:spLocks noGrp="1"/>
-          </p:cNvSpPr>
-          <p:nvPr>
-            <p:ph idx="1"/>
-          </p:nvPr>
-        </p:nvSpPr>
-        <p:spPr>
-          <a:xfrm>
-            <a:off x="467544" y="836712"/>
-            <a:ext cx="8352928" cy="5289451"/>
-          </a:xfrm>
-        </p:spPr>
-        <p:txBody>
-          <a:bodyPr>
-            <a:normAutofit/>
-          </a:bodyPr>
-          <a:lstStyle/>
-          <a:p>
-            <a:pPr marL="0" indent="0" algn="ctr">
-              <a:buNone/>
-            </a:pPr>
-            <a:r>
-              <a:rPr lang="en-US" dirty="0" smtClean="0"/>
-              <a:t>STS Flow illustration</a:t>
-            </a:r>
-            <a:r>
-              <a:rPr lang="en-US" sz="2400" dirty="0" smtClean="0"/>
-              <a:t/>
-            </a:r>
-            <a:br>
-              <a:rPr lang="en-US" sz="2400" dirty="0" smtClean="0"/>
-            </a:br>
-            <a:endParaRPr lang="en-US" sz="2400" dirty="0" smtClean="0"/>
-          </a:p>
-          <a:p>
-            <a:pPr marL="0" indent="0">
-              <a:buNone/>
-            </a:pPr>
-            <a:r>
-              <a:rPr lang="en-US" sz="2400" dirty="0" smtClean="0"/>
-              <a:t>If the STS is trusted the web application returns an encrypted cookie to the user for </a:t>
-            </a:r>
-            <a:r>
-              <a:rPr lang="en-US" sz="2400" dirty="0" smtClean="0"/>
-              <a:t>authorization </a:t>
-            </a:r>
-            <a:r>
-              <a:rPr lang="en-US" sz="2400" dirty="0" smtClean="0"/>
-              <a:t>purposes</a:t>
-            </a:r>
-            <a:endParaRPr lang="en-US" sz="2400" dirty="0"/>
-          </a:p>
-        </p:txBody>
-      </p:sp>
-      <p:sp>
-        <p:nvSpPr>
-          <p:cNvPr id="5" name="Rektangel 4"/>
-          <p:cNvSpPr/>
-          <p:nvPr/>
-        </p:nvSpPr>
-        <p:spPr>
-          <a:xfrm>
-            <a:off x="827584" y="5013176"/>
-            <a:ext cx="2232248" cy="936104"/>
-          </a:xfrm>
-          <a:prstGeom prst="rect">
-            <a:avLst/>
-          </a:prstGeom>
-        </p:spPr>
-        <p:style>
-          <a:lnRef idx="2">
-            <a:schemeClr val="accent1">
-              <a:shade val="50000"/>
-            </a:schemeClr>
-          </a:lnRef>
-          <a:fillRef idx="1">
-            <a:schemeClr val="accent1"/>
-          </a:fillRef>
-          <a:effectRef idx="0">
-            <a:schemeClr val="accent1"/>
-          </a:effectRef>
-          <a:fontRef idx="minor">
-            <a:schemeClr val="lt1"/>
-          </a:fontRef>
-        </p:style>
-        <p:txBody>
-          <a:bodyPr rtlCol="0" anchor="ctr"/>
-          <a:lstStyle/>
-          <a:p>
-            <a:pPr algn="ctr"/>
-            <a:r>
-              <a:rPr lang="en-US" dirty="0" smtClean="0"/>
-              <a:t>User</a:t>
-            </a:r>
-            <a:endParaRPr lang="en-US" dirty="0"/>
-          </a:p>
-        </p:txBody>
-      </p:sp>
-      <p:sp>
-        <p:nvSpPr>
-          <p:cNvPr id="6" name="Rektangel 5"/>
-          <p:cNvSpPr/>
-          <p:nvPr/>
-        </p:nvSpPr>
-        <p:spPr>
-          <a:xfrm>
-            <a:off x="5977317" y="3395129"/>
-            <a:ext cx="2232248" cy="936104"/>
-          </a:xfrm>
-          <a:prstGeom prst="rect">
-            <a:avLst/>
-          </a:prstGeom>
-        </p:spPr>
-        <p:style>
-          <a:lnRef idx="2">
-            <a:schemeClr val="accent1">
-              <a:shade val="50000"/>
-            </a:schemeClr>
-          </a:lnRef>
-          <a:fillRef idx="1">
-            <a:schemeClr val="accent1"/>
-          </a:fillRef>
-          <a:effectRef idx="0">
-            <a:schemeClr val="accent1"/>
-          </a:effectRef>
-          <a:fontRef idx="minor">
-            <a:schemeClr val="lt1"/>
-          </a:fontRef>
-        </p:style>
-        <p:txBody>
-          <a:bodyPr rtlCol="0" anchor="ctr"/>
-          <a:lstStyle/>
-          <a:p>
-            <a:pPr algn="ctr"/>
-            <a:r>
-              <a:rPr lang="en-US" dirty="0" smtClean="0"/>
-              <a:t>Web Application</a:t>
-            </a:r>
-          </a:p>
-        </p:txBody>
-      </p:sp>
-      <p:sp>
-        <p:nvSpPr>
-          <p:cNvPr id="7" name="Rektangel 6"/>
-          <p:cNvSpPr/>
-          <p:nvPr/>
-        </p:nvSpPr>
-        <p:spPr>
-          <a:xfrm>
-            <a:off x="6012160" y="5013176"/>
-            <a:ext cx="2232248" cy="936104"/>
-          </a:xfrm>
-          <a:prstGeom prst="rect">
-            <a:avLst/>
-          </a:prstGeom>
-        </p:spPr>
-        <p:style>
-          <a:lnRef idx="2">
-            <a:schemeClr val="accent1">
-              <a:shade val="50000"/>
-            </a:schemeClr>
-          </a:lnRef>
-          <a:fillRef idx="1">
-            <a:schemeClr val="accent1"/>
-          </a:fillRef>
-          <a:effectRef idx="0">
-            <a:schemeClr val="accent1"/>
-          </a:effectRef>
-          <a:fontRef idx="minor">
-            <a:schemeClr val="lt1"/>
-          </a:fontRef>
-        </p:style>
-        <p:txBody>
-          <a:bodyPr rtlCol="0" anchor="ctr"/>
-          <a:lstStyle/>
-          <a:p>
-            <a:pPr algn="ctr"/>
-            <a:r>
-              <a:rPr lang="en-US" dirty="0" smtClean="0"/>
-              <a:t>Secure Token Service</a:t>
-            </a:r>
-            <a:endParaRPr lang="en-US" dirty="0"/>
-          </a:p>
-        </p:txBody>
-      </p:sp>
-      <p:cxnSp>
-        <p:nvCxnSpPr>
-          <p:cNvPr id="8" name="Rak pil 7"/>
-          <p:cNvCxnSpPr/>
-          <p:nvPr/>
-        </p:nvCxnSpPr>
-        <p:spPr>
-          <a:xfrm>
-            <a:off x="3275856" y="5769260"/>
-            <a:ext cx="2592288" cy="0"/>
-          </a:xfrm>
-          <a:prstGeom prst="straightConnector1">
-            <a:avLst/>
-          </a:prstGeom>
-          <a:ln>
-            <a:tailEnd type="triangle"/>
-          </a:ln>
-        </p:spPr>
-        <p:style>
-          <a:lnRef idx="1">
-            <a:schemeClr val="accent1"/>
-          </a:lnRef>
-          <a:fillRef idx="0">
-            <a:schemeClr val="accent1"/>
-          </a:fillRef>
-          <a:effectRef idx="0">
-            <a:schemeClr val="accent1"/>
-          </a:effectRef>
-          <a:fontRef idx="minor">
-            <a:schemeClr val="tx1"/>
-          </a:fontRef>
-        </p:style>
-      </p:cxnSp>
-      <p:sp>
-        <p:nvSpPr>
-          <p:cNvPr id="9" name="textruta 8"/>
-          <p:cNvSpPr txBox="1"/>
-          <p:nvPr/>
-        </p:nvSpPr>
-        <p:spPr>
-          <a:xfrm>
-            <a:off x="3907340" y="5435932"/>
-            <a:ext cx="1410643" cy="369332"/>
-          </a:xfrm>
-          <a:prstGeom prst="rect">
-            <a:avLst/>
-          </a:prstGeom>
-          <a:noFill/>
-        </p:spPr>
-        <p:txBody>
-          <a:bodyPr wrap="none" rtlCol="0">
-            <a:spAutoFit/>
-          </a:bodyPr>
-          <a:lstStyle/>
-          <a:p>
-            <a:r>
-              <a:rPr lang="en-US" dirty="0" smtClean="0"/>
-              <a:t>2 Credentials</a:t>
-            </a:r>
-            <a:endParaRPr lang="en-US" dirty="0"/>
-          </a:p>
-        </p:txBody>
-      </p:sp>
-      <p:cxnSp>
-        <p:nvCxnSpPr>
-          <p:cNvPr id="10" name="Rak pil 9"/>
-          <p:cNvCxnSpPr/>
-          <p:nvPr/>
-        </p:nvCxnSpPr>
-        <p:spPr>
-          <a:xfrm flipH="1">
-            <a:off x="3275856" y="5373216"/>
-            <a:ext cx="2592288" cy="0"/>
-          </a:xfrm>
-          <a:prstGeom prst="straightConnector1">
-            <a:avLst/>
-          </a:prstGeom>
-          <a:ln>
-            <a:tailEnd type="triangle"/>
-          </a:ln>
-        </p:spPr>
-        <p:style>
-          <a:lnRef idx="1">
-            <a:schemeClr val="accent1"/>
-          </a:lnRef>
-          <a:fillRef idx="0">
-            <a:schemeClr val="accent1"/>
-          </a:fillRef>
-          <a:effectRef idx="0">
-            <a:schemeClr val="accent1"/>
-          </a:effectRef>
-          <a:fontRef idx="minor">
-            <a:schemeClr val="tx1"/>
-          </a:fontRef>
-        </p:style>
-      </p:cxnSp>
-      <p:sp>
-        <p:nvSpPr>
-          <p:cNvPr id="11" name="textruta 10"/>
-          <p:cNvSpPr txBox="1"/>
-          <p:nvPr/>
-        </p:nvSpPr>
-        <p:spPr>
-          <a:xfrm>
-            <a:off x="3801949" y="5003884"/>
-            <a:ext cx="1710020" cy="369332"/>
-          </a:xfrm>
-          <a:prstGeom prst="rect">
-            <a:avLst/>
-          </a:prstGeom>
-          <a:noFill/>
-        </p:spPr>
-        <p:txBody>
-          <a:bodyPr wrap="none" rtlCol="0">
-            <a:spAutoFit/>
-          </a:bodyPr>
-          <a:lstStyle/>
-          <a:p>
-            <a:r>
-              <a:rPr lang="en-US" dirty="0" smtClean="0"/>
-              <a:t>3 Security Token</a:t>
-            </a:r>
-            <a:endParaRPr lang="en-US" dirty="0"/>
-          </a:p>
-        </p:txBody>
-      </p:sp>
-      <p:cxnSp>
-        <p:nvCxnSpPr>
-          <p:cNvPr id="15" name="Vinklad  14"/>
-          <p:cNvCxnSpPr/>
-          <p:nvPr/>
-        </p:nvCxnSpPr>
-        <p:spPr>
-          <a:xfrm flipV="1">
-            <a:off x="2771800" y="4149080"/>
-            <a:ext cx="3096344" cy="677921"/>
-          </a:xfrm>
-          <a:prstGeom prst="bentConnector3">
-            <a:avLst>
-              <a:gd name="adj1" fmla="val 263"/>
-            </a:avLst>
-          </a:prstGeom>
-          <a:ln>
-            <a:tailEnd type="triangle"/>
-          </a:ln>
-        </p:spPr>
-        <p:style>
-          <a:lnRef idx="1">
-            <a:schemeClr val="accent1"/>
-          </a:lnRef>
-          <a:fillRef idx="0">
-            <a:schemeClr val="accent1"/>
-          </a:fillRef>
-          <a:effectRef idx="0">
-            <a:schemeClr val="accent1"/>
-          </a:effectRef>
-          <a:fontRef idx="minor">
-            <a:schemeClr val="tx1"/>
-          </a:fontRef>
-        </p:style>
-      </p:cxnSp>
-      <p:sp>
-        <p:nvSpPr>
-          <p:cNvPr id="25" name="textruta 24"/>
-          <p:cNvSpPr txBox="1"/>
-          <p:nvPr/>
-        </p:nvSpPr>
-        <p:spPr>
-          <a:xfrm>
-            <a:off x="3779912" y="3779748"/>
-            <a:ext cx="1710020" cy="369332"/>
-          </a:xfrm>
-          <a:prstGeom prst="rect">
-            <a:avLst/>
-          </a:prstGeom>
-          <a:noFill/>
-        </p:spPr>
-        <p:txBody>
-          <a:bodyPr wrap="none" rtlCol="0">
-            <a:spAutoFit/>
-          </a:bodyPr>
-          <a:lstStyle/>
-          <a:p>
-            <a:r>
-              <a:rPr lang="en-US" dirty="0" smtClean="0"/>
-              <a:t>4 Security Token</a:t>
-            </a:r>
-            <a:endParaRPr lang="en-US" dirty="0"/>
-          </a:p>
-        </p:txBody>
-      </p:sp>
-      <p:cxnSp>
-        <p:nvCxnSpPr>
-          <p:cNvPr id="12" name="Rak pil 11"/>
-          <p:cNvCxnSpPr/>
-          <p:nvPr/>
-        </p:nvCxnSpPr>
-        <p:spPr>
-          <a:xfrm>
-            <a:off x="7092280" y="4445400"/>
-            <a:ext cx="0" cy="495768"/>
-          </a:xfrm>
-          <a:prstGeom prst="straightConnector1">
-            <a:avLst/>
-          </a:prstGeom>
-          <a:ln>
-            <a:tailEnd type="triangle"/>
-          </a:ln>
-        </p:spPr>
-        <p:style>
-          <a:lnRef idx="1">
-            <a:schemeClr val="accent1"/>
-          </a:lnRef>
-          <a:fillRef idx="0">
-            <a:schemeClr val="accent1"/>
-          </a:fillRef>
-          <a:effectRef idx="0">
-            <a:schemeClr val="accent1"/>
-          </a:effectRef>
-          <a:fontRef idx="minor">
-            <a:schemeClr val="tx1"/>
-          </a:fontRef>
-        </p:style>
-      </p:cxnSp>
-      <p:sp>
-        <p:nvSpPr>
-          <p:cNvPr id="13" name="textruta 12"/>
-          <p:cNvSpPr txBox="1"/>
-          <p:nvPr/>
-        </p:nvSpPr>
-        <p:spPr>
-          <a:xfrm>
-            <a:off x="7251942" y="4508618"/>
-            <a:ext cx="1053365" cy="369332"/>
-          </a:xfrm>
-          <a:prstGeom prst="rect">
-            <a:avLst/>
-          </a:prstGeom>
-          <a:noFill/>
-        </p:spPr>
-        <p:txBody>
-          <a:bodyPr wrap="none" rtlCol="0">
-            <a:spAutoFit/>
-          </a:bodyPr>
-          <a:lstStyle/>
-          <a:p>
-            <a:r>
-              <a:rPr lang="en-US" dirty="0" smtClean="0"/>
-              <a:t>5 Trusted</a:t>
-            </a:r>
-            <a:endParaRPr lang="en-US" dirty="0"/>
-          </a:p>
-        </p:txBody>
-      </p:sp>
-      <p:cxnSp>
-        <p:nvCxnSpPr>
-          <p:cNvPr id="14" name="Vinklad  13"/>
-          <p:cNvCxnSpPr/>
-          <p:nvPr/>
-        </p:nvCxnSpPr>
-        <p:spPr>
-          <a:xfrm rot="10800000" flipV="1">
-            <a:off x="2267745" y="3779747"/>
-            <a:ext cx="3600399" cy="1089411"/>
-          </a:xfrm>
-          <a:prstGeom prst="bentConnector3">
-            <a:avLst>
-              <a:gd name="adj1" fmla="val 99903"/>
-            </a:avLst>
-          </a:prstGeom>
-          <a:ln>
-            <a:tailEnd type="triangle"/>
-          </a:ln>
-        </p:spPr>
-        <p:style>
-          <a:lnRef idx="1">
-            <a:schemeClr val="accent1"/>
-          </a:lnRef>
-          <a:fillRef idx="0">
-            <a:schemeClr val="accent1"/>
-          </a:fillRef>
-          <a:effectRef idx="0">
-            <a:schemeClr val="accent1"/>
-          </a:effectRef>
-          <a:fontRef idx="minor">
-            <a:schemeClr val="tx1"/>
-          </a:fontRef>
-        </p:style>
-      </p:cxnSp>
-      <p:sp>
-        <p:nvSpPr>
-          <p:cNvPr id="20" name="textruta 19"/>
-          <p:cNvSpPr txBox="1"/>
-          <p:nvPr/>
-        </p:nvSpPr>
-        <p:spPr>
-          <a:xfrm>
-            <a:off x="3632063" y="3395129"/>
-            <a:ext cx="2049792" cy="369332"/>
-          </a:xfrm>
-          <a:prstGeom prst="rect">
-            <a:avLst/>
-          </a:prstGeom>
-          <a:noFill/>
-        </p:spPr>
-        <p:txBody>
-          <a:bodyPr wrap="none" rtlCol="0">
-            <a:spAutoFit/>
-          </a:bodyPr>
-          <a:lstStyle/>
-          <a:p>
-            <a:r>
-              <a:rPr lang="en-US" dirty="0" smtClean="0"/>
-              <a:t>6 Encrypted Cookie </a:t>
-            </a:r>
-            <a:endParaRPr lang="en-US" dirty="0"/>
-          </a:p>
-        </p:txBody>
-      </p:sp>
-      <p:cxnSp>
-        <p:nvCxnSpPr>
-          <p:cNvPr id="16" name="Vinklad  15"/>
-          <p:cNvCxnSpPr/>
-          <p:nvPr/>
-        </p:nvCxnSpPr>
-        <p:spPr>
-          <a:xfrm rot="10800000" flipV="1">
-            <a:off x="1818275" y="3451995"/>
-            <a:ext cx="4104456" cy="1431872"/>
-          </a:xfrm>
-          <a:prstGeom prst="bentConnector3">
-            <a:avLst>
-              <a:gd name="adj1" fmla="val 100035"/>
-            </a:avLst>
-          </a:prstGeom>
-          <a:ln>
-            <a:tailEnd type="triangle"/>
-          </a:ln>
-        </p:spPr>
-        <p:style>
-          <a:lnRef idx="1">
-            <a:schemeClr val="accent1"/>
-          </a:lnRef>
-          <a:fillRef idx="0">
-            <a:schemeClr val="accent1"/>
-          </a:fillRef>
-          <a:effectRef idx="0">
-            <a:schemeClr val="accent1"/>
-          </a:effectRef>
-          <a:fontRef idx="minor">
-            <a:schemeClr val="tx1"/>
-          </a:fontRef>
-        </p:style>
-      </p:cxnSp>
-      <p:sp>
-        <p:nvSpPr>
-          <p:cNvPr id="22" name="textruta 21"/>
-          <p:cNvSpPr txBox="1"/>
-          <p:nvPr/>
-        </p:nvSpPr>
-        <p:spPr>
-          <a:xfrm>
-            <a:off x="3302314" y="3025797"/>
-            <a:ext cx="2612318" cy="369332"/>
-          </a:xfrm>
-          <a:prstGeom prst="rect">
-            <a:avLst/>
-          </a:prstGeom>
-          <a:noFill/>
-        </p:spPr>
-        <p:txBody>
-          <a:bodyPr wrap="none" rtlCol="0">
-            <a:spAutoFit/>
-          </a:bodyPr>
-          <a:lstStyle/>
-          <a:p>
-            <a:r>
-              <a:rPr lang="en-US" dirty="0" smtClean="0"/>
-              <a:t>1 Requests Security Token</a:t>
-            </a:r>
-            <a:endParaRPr lang="en-US" dirty="0"/>
-          </a:p>
-        </p:txBody>
-      </p:sp>
-    </p:spTree>
-    <p:extLst>
-      <p:ext uri="{BB962C8B-B14F-4D97-AF65-F5344CB8AC3E}">
-        <p14:creationId xmlns:p14="http://schemas.microsoft.com/office/powerpoint/2010/main" val="2381454063"/>
-      </p:ext>
-    </p:extLst>
-  </p:cSld>
-  <p:clrMapOvr>
-    <a:masterClrMapping/>
-  </p:clrMapOvr>
-  <p:timing>
-    <p:tnLst>
-      <p:par>
-        <p:cTn id="1" dur="indefinite" restart="never" nodeType="tmRoot"/>
-      </p:par>
-    </p:tnLst>
-  </p:timing>
-</p:sld>
-</file>
-
-<file path=ppt/slides/slide36.xml><?xml version="1.0" encoding="utf-8"?>
 <p:sld xmlns:a="http://schemas.openxmlformats.org/drawingml/2006/main" xmlns:r="http://schemas.openxmlformats.org/officeDocument/2006/relationships" xmlns:p="http://schemas.openxmlformats.org/presentationml/2006/main" show="0">
   <p:cSld>
     <p:spTree>
@@ -29900,6 +27826,147 @@
       <p:transition spd="slow"/>
     </mc:Fallback>
   </mc:AlternateContent>
+  <p:timing>
+    <p:tnLst>
+      <p:par>
+        <p:cTn id="1" dur="indefinite" restart="never" nodeType="tmRoot"/>
+      </p:par>
+    </p:tnLst>
+  </p:timing>
+</p:sld>
+</file>
+
+<file path=ppt/slides/slide3.xml><?xml version="1.0" encoding="utf-8"?>
+<p:sld xmlns:a="http://schemas.openxmlformats.org/drawingml/2006/main" xmlns:r="http://schemas.openxmlformats.org/officeDocument/2006/relationships" xmlns:p="http://schemas.openxmlformats.org/presentationml/2006/main">
+  <p:cSld>
+    <p:spTree>
+      <p:nvGrpSpPr>
+        <p:cNvPr id="1" name=""/>
+        <p:cNvGrpSpPr/>
+        <p:nvPr/>
+      </p:nvGrpSpPr>
+      <p:grpSpPr>
+        <a:xfrm>
+          <a:off x="0" y="0"/>
+          <a:ext cx="0" cy="0"/>
+          <a:chOff x="0" y="0"/>
+          <a:chExt cx="0" cy="0"/>
+        </a:xfrm>
+      </p:grpSpPr>
+      <p:sp>
+        <p:nvSpPr>
+          <p:cNvPr id="2" name="Rubrik 1"/>
+          <p:cNvSpPr>
+            <a:spLocks noGrp="1"/>
+          </p:cNvSpPr>
+          <p:nvPr>
+            <p:ph type="title"/>
+          </p:nvPr>
+        </p:nvSpPr>
+        <p:spPr/>
+        <p:txBody>
+          <a:bodyPr>
+            <a:normAutofit/>
+          </a:bodyPr>
+          <a:lstStyle/>
+          <a:p>
+            <a:r>
+              <a:rPr lang="en-US" sz="2800" b="1" dirty="0"/>
+              <a:t>Authentication and Authorization</a:t>
+            </a:r>
+          </a:p>
+        </p:txBody>
+      </p:sp>
+      <p:sp>
+        <p:nvSpPr>
+          <p:cNvPr id="3" name="Platshållare för innehåll 2"/>
+          <p:cNvSpPr>
+            <a:spLocks noGrp="1"/>
+          </p:cNvSpPr>
+          <p:nvPr>
+            <p:ph idx="1"/>
+          </p:nvPr>
+        </p:nvSpPr>
+        <p:spPr>
+          <a:xfrm>
+            <a:off x="518864" y="1268760"/>
+            <a:ext cx="8229600" cy="4680520"/>
+          </a:xfrm>
+        </p:spPr>
+        <p:txBody>
+          <a:bodyPr>
+            <a:noAutofit/>
+          </a:bodyPr>
+          <a:lstStyle/>
+          <a:p>
+            <a:pPr marL="0" indent="0" algn="ctr">
+              <a:buNone/>
+            </a:pPr>
+            <a:r>
+              <a:rPr lang="en-US" sz="3200" b="1" dirty="0" smtClean="0"/>
+              <a:t>Authentication </a:t>
+            </a:r>
+            <a:r>
+              <a:rPr lang="en-US" sz="3200" dirty="0" smtClean="0"/>
+              <a:t>verifies who you are</a:t>
+            </a:r>
+            <a:endParaRPr lang="en-US" sz="3200" b="1" dirty="0" smtClean="0"/>
+          </a:p>
+          <a:p>
+            <a:pPr marL="0" indent="0" algn="ctr">
+              <a:buNone/>
+            </a:pPr>
+            <a:endParaRPr lang="en-US" sz="3200" dirty="0"/>
+          </a:p>
+          <a:p>
+            <a:pPr marL="0" indent="0" algn="ctr">
+              <a:buNone/>
+            </a:pPr>
+            <a:r>
+              <a:rPr lang="en-US" sz="3200" dirty="0" smtClean="0"/>
+              <a:t>Answers questions like: </a:t>
+            </a:r>
+            <a:br>
+              <a:rPr lang="en-US" sz="3200" dirty="0" smtClean="0"/>
+            </a:br>
+            <a:endParaRPr lang="en-US" sz="3200" dirty="0" smtClean="0"/>
+          </a:p>
+          <a:p>
+            <a:pPr algn="ctr"/>
+            <a:r>
+              <a:rPr lang="en-US" sz="3200" dirty="0" smtClean="0"/>
+              <a:t>Who is the user?</a:t>
+            </a:r>
+          </a:p>
+          <a:p>
+            <a:pPr algn="ctr"/>
+            <a:r>
+              <a:rPr lang="en-US" sz="3200" dirty="0" smtClean="0"/>
+              <a:t>Is the user really who he/she claims to be?</a:t>
+            </a:r>
+          </a:p>
+          <a:p>
+            <a:pPr algn="ctr"/>
+            <a:endParaRPr lang="en-US" sz="3200" dirty="0" smtClean="0"/>
+          </a:p>
+          <a:p>
+            <a:pPr marL="0" indent="0" algn="ctr">
+              <a:buNone/>
+            </a:pPr>
+            <a:endParaRPr lang="en-US" sz="3200" dirty="0"/>
+          </a:p>
+        </p:txBody>
+      </p:sp>
+    </p:spTree>
+    <p:extLst>
+      <p:ext uri="{BB962C8B-B14F-4D97-AF65-F5344CB8AC3E}">
+        <p14:creationId xmlns:p14="http://schemas.microsoft.com/office/powerpoint/2010/main" val="703524947"/>
+      </p:ext>
+    </p:extLst>
+  </p:cSld>
+  <p:clrMapOvr>
+    <a:masterClrMapping/>
+  </p:clrMapOvr>
   <p:timing>
     <p:tnLst>
       <p:par>
@@ -30519,15 +28586,7 @@
             </a:pPr>
             <a:r>
               <a:rPr lang="en-US" sz="2400" dirty="0" smtClean="0"/>
-              <a:t>The Administrator might for example be authorized to create and remove users from a web application. While </a:t>
-            </a:r>
-            <a:r>
-              <a:rPr lang="en-US" sz="2400" dirty="0" smtClean="0"/>
-              <a:t>a Customer </a:t>
-            </a:r>
-            <a:r>
-              <a:rPr lang="en-US" sz="2400" dirty="0" smtClean="0"/>
-              <a:t>might only be authorized to read from the web application.</a:t>
+              <a:t>The Administrator might for example be authorized to create and remove users from a web application. While a Customer might only be authorized to read from the web application.</a:t>
             </a:r>
           </a:p>
           <a:p>

--- a/Documents/Slides/Identity-SecurityFundamentals.pptx
+++ b/Documents/Slides/Identity-SecurityFundamentals.pptx
@@ -5383,7 +5383,1236 @@
 </dgm:colorsDef>
 </file>
 
+<file path=ppt/diagrams/colors8.xml><?xml version="1.0" encoding="utf-8"?>
+<dgm:colorsDef xmlns:dgm="http://schemas.openxmlformats.org/drawingml/2006/diagram" xmlns:a="http://schemas.openxmlformats.org/drawingml/2006/main" uniqueId="urn:microsoft.com/office/officeart/2005/8/colors/accent1_2">
+  <dgm:title val=""/>
+  <dgm:desc val=""/>
+  <dgm:catLst>
+    <dgm:cat type="accent1" pri="11200"/>
+  </dgm:catLst>
+  <dgm:styleLbl name="node0">
+    <dgm:fillClrLst meth="repeat">
+      <a:schemeClr val="accent1"/>
+    </dgm:fillClrLst>
+    <dgm:linClrLst meth="repeat">
+      <a:schemeClr val="lt1"/>
+    </dgm:linClrLst>
+    <dgm:effectClrLst/>
+    <dgm:txLinClrLst/>
+    <dgm:txFillClrLst/>
+    <dgm:txEffectClrLst/>
+  </dgm:styleLbl>
+  <dgm:styleLbl name="alignNode1">
+    <dgm:fillClrLst meth="repeat">
+      <a:schemeClr val="accent1"/>
+    </dgm:fillClrLst>
+    <dgm:linClrLst meth="repeat">
+      <a:schemeClr val="accent1"/>
+    </dgm:linClrLst>
+    <dgm:effectClrLst/>
+    <dgm:txLinClrLst/>
+    <dgm:txFillClrLst/>
+    <dgm:txEffectClrLst/>
+  </dgm:styleLbl>
+  <dgm:styleLbl name="node1">
+    <dgm:fillClrLst meth="repeat">
+      <a:schemeClr val="accent1"/>
+    </dgm:fillClrLst>
+    <dgm:linClrLst meth="repeat">
+      <a:schemeClr val="lt1"/>
+    </dgm:linClrLst>
+    <dgm:effectClrLst/>
+    <dgm:txLinClrLst/>
+    <dgm:txFillClrLst/>
+    <dgm:txEffectClrLst/>
+  </dgm:styleLbl>
+  <dgm:styleLbl name="lnNode1">
+    <dgm:fillClrLst meth="repeat">
+      <a:schemeClr val="accent1"/>
+    </dgm:fillClrLst>
+    <dgm:linClrLst meth="repeat">
+      <a:schemeClr val="lt1"/>
+    </dgm:linClrLst>
+    <dgm:effectClrLst/>
+    <dgm:txLinClrLst/>
+    <dgm:txFillClrLst/>
+    <dgm:txEffectClrLst/>
+  </dgm:styleLbl>
+  <dgm:styleLbl name="vennNode1">
+    <dgm:fillClrLst meth="repeat">
+      <a:schemeClr val="accent1">
+        <a:alpha val="50000"/>
+      </a:schemeClr>
+    </dgm:fillClrLst>
+    <dgm:linClrLst meth="repeat">
+      <a:schemeClr val="lt1"/>
+    </dgm:linClrLst>
+    <dgm:effectClrLst/>
+    <dgm:txLinClrLst/>
+    <dgm:txFillClrLst/>
+    <dgm:txEffectClrLst/>
+  </dgm:styleLbl>
+  <dgm:styleLbl name="node2">
+    <dgm:fillClrLst meth="repeat">
+      <a:schemeClr val="accent1"/>
+    </dgm:fillClrLst>
+    <dgm:linClrLst meth="repeat">
+      <a:schemeClr val="lt1"/>
+    </dgm:linClrLst>
+    <dgm:effectClrLst/>
+    <dgm:txLinClrLst/>
+    <dgm:txFillClrLst/>
+    <dgm:txEffectClrLst/>
+  </dgm:styleLbl>
+  <dgm:styleLbl name="node3">
+    <dgm:fillClrLst meth="repeat">
+      <a:schemeClr val="accent1"/>
+    </dgm:fillClrLst>
+    <dgm:linClrLst meth="repeat">
+      <a:schemeClr val="lt1"/>
+    </dgm:linClrLst>
+    <dgm:effectClrLst/>
+    <dgm:txLinClrLst/>
+    <dgm:txFillClrLst/>
+    <dgm:txEffectClrLst/>
+  </dgm:styleLbl>
+  <dgm:styleLbl name="node4">
+    <dgm:fillClrLst meth="repeat">
+      <a:schemeClr val="accent1"/>
+    </dgm:fillClrLst>
+    <dgm:linClrLst meth="repeat">
+      <a:schemeClr val="lt1"/>
+    </dgm:linClrLst>
+    <dgm:effectClrLst/>
+    <dgm:txLinClrLst/>
+    <dgm:txFillClrLst/>
+    <dgm:txEffectClrLst/>
+  </dgm:styleLbl>
+  <dgm:styleLbl name="fgImgPlace1">
+    <dgm:fillClrLst meth="repeat">
+      <a:schemeClr val="accent1">
+        <a:tint val="50000"/>
+      </a:schemeClr>
+    </dgm:fillClrLst>
+    <dgm:linClrLst meth="repeat">
+      <a:schemeClr val="lt1"/>
+    </dgm:linClrLst>
+    <dgm:effectClrLst/>
+    <dgm:txLinClrLst/>
+    <dgm:txFillClrLst meth="repeat">
+      <a:schemeClr val="lt1"/>
+    </dgm:txFillClrLst>
+    <dgm:txEffectClrLst/>
+  </dgm:styleLbl>
+  <dgm:styleLbl name="alignImgPlace1">
+    <dgm:fillClrLst meth="repeat">
+      <a:schemeClr val="accent1">
+        <a:tint val="50000"/>
+      </a:schemeClr>
+    </dgm:fillClrLst>
+    <dgm:linClrLst meth="repeat">
+      <a:schemeClr val="lt1"/>
+    </dgm:linClrLst>
+    <dgm:effectClrLst/>
+    <dgm:txLinClrLst/>
+    <dgm:txFillClrLst meth="repeat">
+      <a:schemeClr val="lt1"/>
+    </dgm:txFillClrLst>
+    <dgm:txEffectClrLst/>
+  </dgm:styleLbl>
+  <dgm:styleLbl name="bgImgPlace1">
+    <dgm:fillClrLst meth="repeat">
+      <a:schemeClr val="accent1">
+        <a:tint val="50000"/>
+      </a:schemeClr>
+    </dgm:fillClrLst>
+    <dgm:linClrLst meth="repeat">
+      <a:schemeClr val="lt1"/>
+    </dgm:linClrLst>
+    <dgm:effectClrLst/>
+    <dgm:txLinClrLst/>
+    <dgm:txFillClrLst meth="repeat">
+      <a:schemeClr val="lt1"/>
+    </dgm:txFillClrLst>
+    <dgm:txEffectClrLst/>
+  </dgm:styleLbl>
+  <dgm:styleLbl name="sibTrans2D1">
+    <dgm:fillClrLst meth="repeat">
+      <a:schemeClr val="accent1">
+        <a:tint val="60000"/>
+      </a:schemeClr>
+    </dgm:fillClrLst>
+    <dgm:linClrLst meth="repeat">
+      <a:schemeClr val="accent1">
+        <a:tint val="60000"/>
+      </a:schemeClr>
+    </dgm:linClrLst>
+    <dgm:effectClrLst/>
+    <dgm:txLinClrLst/>
+    <dgm:txFillClrLst/>
+    <dgm:txEffectClrLst/>
+  </dgm:styleLbl>
+  <dgm:styleLbl name="fgSibTrans2D1">
+    <dgm:fillClrLst meth="repeat">
+      <a:schemeClr val="accent1">
+        <a:tint val="60000"/>
+      </a:schemeClr>
+    </dgm:fillClrLst>
+    <dgm:linClrLst meth="repeat">
+      <a:schemeClr val="accent1">
+        <a:tint val="60000"/>
+      </a:schemeClr>
+    </dgm:linClrLst>
+    <dgm:effectClrLst/>
+    <dgm:txLinClrLst/>
+    <dgm:txFillClrLst/>
+    <dgm:txEffectClrLst/>
+  </dgm:styleLbl>
+  <dgm:styleLbl name="bgSibTrans2D1">
+    <dgm:fillClrLst meth="repeat">
+      <a:schemeClr val="accent1">
+        <a:tint val="60000"/>
+      </a:schemeClr>
+    </dgm:fillClrLst>
+    <dgm:linClrLst meth="repeat">
+      <a:schemeClr val="accent1">
+        <a:tint val="60000"/>
+      </a:schemeClr>
+    </dgm:linClrLst>
+    <dgm:effectClrLst/>
+    <dgm:txLinClrLst/>
+    <dgm:txFillClrLst/>
+    <dgm:txEffectClrLst/>
+  </dgm:styleLbl>
+  <dgm:styleLbl name="sibTrans1D1">
+    <dgm:fillClrLst meth="repeat">
+      <a:schemeClr val="accent1"/>
+    </dgm:fillClrLst>
+    <dgm:linClrLst meth="repeat">
+      <a:schemeClr val="accent1"/>
+    </dgm:linClrLst>
+    <dgm:effectClrLst/>
+    <dgm:txLinClrLst/>
+    <dgm:txFillClrLst meth="repeat">
+      <a:schemeClr val="tx1"/>
+    </dgm:txFillClrLst>
+    <dgm:txEffectClrLst/>
+  </dgm:styleLbl>
+  <dgm:styleLbl name="callout">
+    <dgm:fillClrLst meth="repeat">
+      <a:schemeClr val="accent1"/>
+    </dgm:fillClrLst>
+    <dgm:linClrLst meth="repeat">
+      <a:schemeClr val="accent1">
+        <a:tint val="50000"/>
+      </a:schemeClr>
+    </dgm:linClrLst>
+    <dgm:effectClrLst/>
+    <dgm:txLinClrLst/>
+    <dgm:txFillClrLst meth="repeat">
+      <a:schemeClr val="tx1"/>
+    </dgm:txFillClrLst>
+    <dgm:txEffectClrLst/>
+  </dgm:styleLbl>
+  <dgm:styleLbl name="asst0">
+    <dgm:fillClrLst meth="repeat">
+      <a:schemeClr val="accent1"/>
+    </dgm:fillClrLst>
+    <dgm:linClrLst meth="repeat">
+      <a:schemeClr val="lt1"/>
+    </dgm:linClrLst>
+    <dgm:effectClrLst/>
+    <dgm:txLinClrLst/>
+    <dgm:txFillClrLst/>
+    <dgm:txEffectClrLst/>
+  </dgm:styleLbl>
+  <dgm:styleLbl name="asst1">
+    <dgm:fillClrLst meth="repeat">
+      <a:schemeClr val="accent1"/>
+    </dgm:fillClrLst>
+    <dgm:linClrLst meth="repeat">
+      <a:schemeClr val="lt1"/>
+    </dgm:linClrLst>
+    <dgm:effectClrLst/>
+    <dgm:txLinClrLst/>
+    <dgm:txFillClrLst/>
+    <dgm:txEffectClrLst/>
+  </dgm:styleLbl>
+  <dgm:styleLbl name="asst2">
+    <dgm:fillClrLst meth="repeat">
+      <a:schemeClr val="accent1"/>
+    </dgm:fillClrLst>
+    <dgm:linClrLst meth="repeat">
+      <a:schemeClr val="lt1"/>
+    </dgm:linClrLst>
+    <dgm:effectClrLst/>
+    <dgm:txLinClrLst/>
+    <dgm:txFillClrLst/>
+    <dgm:txEffectClrLst/>
+  </dgm:styleLbl>
+  <dgm:styleLbl name="asst3">
+    <dgm:fillClrLst meth="repeat">
+      <a:schemeClr val="accent1"/>
+    </dgm:fillClrLst>
+    <dgm:linClrLst meth="repeat">
+      <a:schemeClr val="lt1"/>
+    </dgm:linClrLst>
+    <dgm:effectClrLst/>
+    <dgm:txLinClrLst/>
+    <dgm:txFillClrLst/>
+    <dgm:txEffectClrLst/>
+  </dgm:styleLbl>
+  <dgm:styleLbl name="asst4">
+    <dgm:fillClrLst meth="repeat">
+      <a:schemeClr val="accent1"/>
+    </dgm:fillClrLst>
+    <dgm:linClrLst meth="repeat">
+      <a:schemeClr val="lt1"/>
+    </dgm:linClrLst>
+    <dgm:effectClrLst/>
+    <dgm:txLinClrLst/>
+    <dgm:txFillClrLst/>
+    <dgm:txEffectClrLst/>
+  </dgm:styleLbl>
+  <dgm:styleLbl name="parChTrans2D1">
+    <dgm:fillClrLst meth="repeat">
+      <a:schemeClr val="accent1">
+        <a:tint val="60000"/>
+      </a:schemeClr>
+    </dgm:fillClrLst>
+    <dgm:linClrLst meth="repeat">
+      <a:schemeClr val="accent1">
+        <a:tint val="60000"/>
+      </a:schemeClr>
+    </dgm:linClrLst>
+    <dgm:effectClrLst/>
+    <dgm:txLinClrLst/>
+    <dgm:txFillClrLst meth="repeat">
+      <a:schemeClr val="lt1"/>
+    </dgm:txFillClrLst>
+    <dgm:txEffectClrLst/>
+  </dgm:styleLbl>
+  <dgm:styleLbl name="parChTrans2D2">
+    <dgm:fillClrLst meth="repeat">
+      <a:schemeClr val="accent1"/>
+    </dgm:fillClrLst>
+    <dgm:linClrLst meth="repeat">
+      <a:schemeClr val="accent1"/>
+    </dgm:linClrLst>
+    <dgm:effectClrLst/>
+    <dgm:txLinClrLst/>
+    <dgm:txFillClrLst meth="repeat">
+      <a:schemeClr val="lt1"/>
+    </dgm:txFillClrLst>
+    <dgm:txEffectClrLst/>
+  </dgm:styleLbl>
+  <dgm:styleLbl name="parChTrans2D3">
+    <dgm:fillClrLst meth="repeat">
+      <a:schemeClr val="accent1"/>
+    </dgm:fillClrLst>
+    <dgm:linClrLst meth="repeat">
+      <a:schemeClr val="accent1"/>
+    </dgm:linClrLst>
+    <dgm:effectClrLst/>
+    <dgm:txLinClrLst/>
+    <dgm:txFillClrLst meth="repeat">
+      <a:schemeClr val="lt1"/>
+    </dgm:txFillClrLst>
+    <dgm:txEffectClrLst/>
+  </dgm:styleLbl>
+  <dgm:styleLbl name="parChTrans2D4">
+    <dgm:fillClrLst meth="repeat">
+      <a:schemeClr val="accent1"/>
+    </dgm:fillClrLst>
+    <dgm:linClrLst meth="repeat">
+      <a:schemeClr val="accent1"/>
+    </dgm:linClrLst>
+    <dgm:effectClrLst/>
+    <dgm:txLinClrLst/>
+    <dgm:txFillClrLst meth="repeat">
+      <a:schemeClr val="lt1"/>
+    </dgm:txFillClrLst>
+    <dgm:txEffectClrLst/>
+  </dgm:styleLbl>
+  <dgm:styleLbl name="parChTrans1D1">
+    <dgm:fillClrLst meth="repeat">
+      <a:schemeClr val="accent1"/>
+    </dgm:fillClrLst>
+    <dgm:linClrLst meth="repeat">
+      <a:schemeClr val="accent1">
+        <a:shade val="60000"/>
+      </a:schemeClr>
+    </dgm:linClrLst>
+    <dgm:effectClrLst/>
+    <dgm:txLinClrLst/>
+    <dgm:txFillClrLst meth="repeat">
+      <a:schemeClr val="tx1"/>
+    </dgm:txFillClrLst>
+    <dgm:txEffectClrLst/>
+  </dgm:styleLbl>
+  <dgm:styleLbl name="parChTrans1D2">
+    <dgm:fillClrLst meth="repeat">
+      <a:schemeClr val="accent1"/>
+    </dgm:fillClrLst>
+    <dgm:linClrLst meth="repeat">
+      <a:schemeClr val="accent1">
+        <a:shade val="60000"/>
+      </a:schemeClr>
+    </dgm:linClrLst>
+    <dgm:effectClrLst/>
+    <dgm:txLinClrLst/>
+    <dgm:txFillClrLst meth="repeat">
+      <a:schemeClr val="tx1"/>
+    </dgm:txFillClrLst>
+    <dgm:txEffectClrLst/>
+  </dgm:styleLbl>
+  <dgm:styleLbl name="parChTrans1D3">
+    <dgm:fillClrLst meth="repeat">
+      <a:schemeClr val="accent1"/>
+    </dgm:fillClrLst>
+    <dgm:linClrLst meth="repeat">
+      <a:schemeClr val="accent1">
+        <a:shade val="80000"/>
+      </a:schemeClr>
+    </dgm:linClrLst>
+    <dgm:effectClrLst/>
+    <dgm:txLinClrLst/>
+    <dgm:txFillClrLst meth="repeat">
+      <a:schemeClr val="tx1"/>
+    </dgm:txFillClrLst>
+    <dgm:txEffectClrLst/>
+  </dgm:styleLbl>
+  <dgm:styleLbl name="parChTrans1D4">
+    <dgm:fillClrLst meth="repeat">
+      <a:schemeClr val="accent1"/>
+    </dgm:fillClrLst>
+    <dgm:linClrLst meth="repeat">
+      <a:schemeClr val="accent1">
+        <a:shade val="80000"/>
+      </a:schemeClr>
+    </dgm:linClrLst>
+    <dgm:effectClrLst/>
+    <dgm:txLinClrLst/>
+    <dgm:txFillClrLst meth="repeat">
+      <a:schemeClr val="tx1"/>
+    </dgm:txFillClrLst>
+    <dgm:txEffectClrLst/>
+  </dgm:styleLbl>
+  <dgm:styleLbl name="fgAcc1">
+    <dgm:fillClrLst meth="repeat">
+      <a:schemeClr val="lt1">
+        <a:alpha val="90000"/>
+      </a:schemeClr>
+    </dgm:fillClrLst>
+    <dgm:linClrLst meth="repeat">
+      <a:schemeClr val="accent1"/>
+    </dgm:linClrLst>
+    <dgm:effectClrLst/>
+    <dgm:txLinClrLst/>
+    <dgm:txFillClrLst meth="repeat">
+      <a:schemeClr val="dk1"/>
+    </dgm:txFillClrLst>
+    <dgm:txEffectClrLst/>
+  </dgm:styleLbl>
+  <dgm:styleLbl name="conFgAcc1">
+    <dgm:fillClrLst meth="repeat">
+      <a:schemeClr val="lt1">
+        <a:alpha val="90000"/>
+      </a:schemeClr>
+    </dgm:fillClrLst>
+    <dgm:linClrLst meth="repeat">
+      <a:schemeClr val="accent1"/>
+    </dgm:linClrLst>
+    <dgm:effectClrLst/>
+    <dgm:txLinClrLst/>
+    <dgm:txFillClrLst meth="repeat">
+      <a:schemeClr val="dk1"/>
+    </dgm:txFillClrLst>
+    <dgm:txEffectClrLst/>
+  </dgm:styleLbl>
+  <dgm:styleLbl name="alignAcc1">
+    <dgm:fillClrLst meth="repeat">
+      <a:schemeClr val="lt1">
+        <a:alpha val="90000"/>
+      </a:schemeClr>
+    </dgm:fillClrLst>
+    <dgm:linClrLst meth="repeat">
+      <a:schemeClr val="accent1"/>
+    </dgm:linClrLst>
+    <dgm:effectClrLst/>
+    <dgm:txLinClrLst/>
+    <dgm:txFillClrLst meth="repeat">
+      <a:schemeClr val="dk1"/>
+    </dgm:txFillClrLst>
+    <dgm:txEffectClrLst/>
+  </dgm:styleLbl>
+  <dgm:styleLbl name="trAlignAcc1">
+    <dgm:fillClrLst meth="repeat">
+      <a:schemeClr val="lt1">
+        <a:alpha val="40000"/>
+      </a:schemeClr>
+    </dgm:fillClrLst>
+    <dgm:linClrLst meth="repeat">
+      <a:schemeClr val="accent1"/>
+    </dgm:linClrLst>
+    <dgm:effectClrLst/>
+    <dgm:txLinClrLst/>
+    <dgm:txFillClrLst meth="repeat">
+      <a:schemeClr val="dk1"/>
+    </dgm:txFillClrLst>
+    <dgm:txEffectClrLst/>
+  </dgm:styleLbl>
+  <dgm:styleLbl name="bgAcc1">
+    <dgm:fillClrLst meth="repeat">
+      <a:schemeClr val="lt1">
+        <a:alpha val="90000"/>
+      </a:schemeClr>
+    </dgm:fillClrLst>
+    <dgm:linClrLst meth="repeat">
+      <a:schemeClr val="accent1"/>
+    </dgm:linClrLst>
+    <dgm:effectClrLst/>
+    <dgm:txLinClrLst/>
+    <dgm:txFillClrLst meth="repeat">
+      <a:schemeClr val="dk1"/>
+    </dgm:txFillClrLst>
+    <dgm:txEffectClrLst/>
+  </dgm:styleLbl>
+  <dgm:styleLbl name="solidFgAcc1">
+    <dgm:fillClrLst meth="repeat">
+      <a:schemeClr val="lt1"/>
+    </dgm:fillClrLst>
+    <dgm:linClrLst meth="repeat">
+      <a:schemeClr val="accent1"/>
+    </dgm:linClrLst>
+    <dgm:effectClrLst/>
+    <dgm:txLinClrLst/>
+    <dgm:txFillClrLst meth="repeat">
+      <a:schemeClr val="dk1"/>
+    </dgm:txFillClrLst>
+    <dgm:txEffectClrLst/>
+  </dgm:styleLbl>
+  <dgm:styleLbl name="solidAlignAcc1">
+    <dgm:fillClrLst meth="repeat">
+      <a:schemeClr val="lt1"/>
+    </dgm:fillClrLst>
+    <dgm:linClrLst meth="repeat">
+      <a:schemeClr val="accent1"/>
+    </dgm:linClrLst>
+    <dgm:effectClrLst/>
+    <dgm:txLinClrLst/>
+    <dgm:txFillClrLst meth="repeat">
+      <a:schemeClr val="dk1"/>
+    </dgm:txFillClrLst>
+    <dgm:txEffectClrLst/>
+  </dgm:styleLbl>
+  <dgm:styleLbl name="solidBgAcc1">
+    <dgm:fillClrLst meth="repeat">
+      <a:schemeClr val="lt1"/>
+    </dgm:fillClrLst>
+    <dgm:linClrLst meth="repeat">
+      <a:schemeClr val="accent1"/>
+    </dgm:linClrLst>
+    <dgm:effectClrLst/>
+    <dgm:txLinClrLst/>
+    <dgm:txFillClrLst meth="repeat">
+      <a:schemeClr val="dk1"/>
+    </dgm:txFillClrLst>
+    <dgm:txEffectClrLst/>
+  </dgm:styleLbl>
+  <dgm:styleLbl name="fgAccFollowNode1">
+    <dgm:fillClrLst meth="repeat">
+      <a:schemeClr val="accent1">
+        <a:alpha val="90000"/>
+        <a:tint val="40000"/>
+      </a:schemeClr>
+    </dgm:fillClrLst>
+    <dgm:linClrLst meth="repeat">
+      <a:schemeClr val="accent1">
+        <a:alpha val="90000"/>
+        <a:tint val="40000"/>
+      </a:schemeClr>
+    </dgm:linClrLst>
+    <dgm:effectClrLst/>
+    <dgm:txLinClrLst/>
+    <dgm:txFillClrLst meth="repeat">
+      <a:schemeClr val="dk1"/>
+    </dgm:txFillClrLst>
+    <dgm:txEffectClrLst/>
+  </dgm:styleLbl>
+  <dgm:styleLbl name="alignAccFollowNode1">
+    <dgm:fillClrLst meth="repeat">
+      <a:schemeClr val="accent1">
+        <a:alpha val="90000"/>
+        <a:tint val="40000"/>
+      </a:schemeClr>
+    </dgm:fillClrLst>
+    <dgm:linClrLst meth="repeat">
+      <a:schemeClr val="accent1">
+        <a:alpha val="90000"/>
+        <a:tint val="40000"/>
+      </a:schemeClr>
+    </dgm:linClrLst>
+    <dgm:effectClrLst/>
+    <dgm:txLinClrLst/>
+    <dgm:txFillClrLst meth="repeat">
+      <a:schemeClr val="dk1"/>
+    </dgm:txFillClrLst>
+    <dgm:txEffectClrLst/>
+  </dgm:styleLbl>
+  <dgm:styleLbl name="bgAccFollowNode1">
+    <dgm:fillClrLst meth="repeat">
+      <a:schemeClr val="accent1">
+        <a:alpha val="90000"/>
+        <a:tint val="40000"/>
+      </a:schemeClr>
+    </dgm:fillClrLst>
+    <dgm:linClrLst meth="repeat">
+      <a:schemeClr val="accent1">
+        <a:alpha val="90000"/>
+        <a:tint val="40000"/>
+      </a:schemeClr>
+    </dgm:linClrLst>
+    <dgm:effectClrLst/>
+    <dgm:txLinClrLst/>
+    <dgm:txFillClrLst meth="repeat">
+      <a:schemeClr val="dk1"/>
+    </dgm:txFillClrLst>
+    <dgm:txEffectClrLst/>
+  </dgm:styleLbl>
+  <dgm:styleLbl name="fgAcc0">
+    <dgm:fillClrLst meth="repeat">
+      <a:schemeClr val="lt1">
+        <a:alpha val="90000"/>
+      </a:schemeClr>
+    </dgm:fillClrLst>
+    <dgm:linClrLst meth="repeat">
+      <a:schemeClr val="accent1"/>
+    </dgm:linClrLst>
+    <dgm:effectClrLst/>
+    <dgm:txLinClrLst/>
+    <dgm:txFillClrLst meth="repeat">
+      <a:schemeClr val="dk1"/>
+    </dgm:txFillClrLst>
+    <dgm:txEffectClrLst/>
+  </dgm:styleLbl>
+  <dgm:styleLbl name="fgAcc2">
+    <dgm:fillClrLst meth="repeat">
+      <a:schemeClr val="lt1">
+        <a:alpha val="90000"/>
+      </a:schemeClr>
+    </dgm:fillClrLst>
+    <dgm:linClrLst meth="repeat">
+      <a:schemeClr val="accent1"/>
+    </dgm:linClrLst>
+    <dgm:effectClrLst/>
+    <dgm:txLinClrLst/>
+    <dgm:txFillClrLst meth="repeat">
+      <a:schemeClr val="dk1"/>
+    </dgm:txFillClrLst>
+    <dgm:txEffectClrLst/>
+  </dgm:styleLbl>
+  <dgm:styleLbl name="fgAcc3">
+    <dgm:fillClrLst meth="repeat">
+      <a:schemeClr val="lt1">
+        <a:alpha val="90000"/>
+      </a:schemeClr>
+    </dgm:fillClrLst>
+    <dgm:linClrLst meth="repeat">
+      <a:schemeClr val="accent1"/>
+    </dgm:linClrLst>
+    <dgm:effectClrLst/>
+    <dgm:txLinClrLst/>
+    <dgm:txFillClrLst meth="repeat">
+      <a:schemeClr val="dk1"/>
+    </dgm:txFillClrLst>
+    <dgm:txEffectClrLst/>
+  </dgm:styleLbl>
+  <dgm:styleLbl name="fgAcc4">
+    <dgm:fillClrLst meth="repeat">
+      <a:schemeClr val="lt1">
+        <a:alpha val="90000"/>
+      </a:schemeClr>
+    </dgm:fillClrLst>
+    <dgm:linClrLst meth="repeat">
+      <a:schemeClr val="accent1"/>
+    </dgm:linClrLst>
+    <dgm:effectClrLst/>
+    <dgm:txLinClrLst/>
+    <dgm:txFillClrLst meth="repeat">
+      <a:schemeClr val="dk1"/>
+    </dgm:txFillClrLst>
+    <dgm:txEffectClrLst/>
+  </dgm:styleLbl>
+  <dgm:styleLbl name="bgShp">
+    <dgm:fillClrLst meth="repeat">
+      <a:schemeClr val="accent1">
+        <a:tint val="40000"/>
+      </a:schemeClr>
+    </dgm:fillClrLst>
+    <dgm:linClrLst meth="repeat">
+      <a:schemeClr val="accent1"/>
+    </dgm:linClrLst>
+    <dgm:effectClrLst/>
+    <dgm:txLinClrLst/>
+    <dgm:txFillClrLst meth="repeat">
+      <a:schemeClr val="dk1"/>
+    </dgm:txFillClrLst>
+    <dgm:txEffectClrLst/>
+  </dgm:styleLbl>
+  <dgm:styleLbl name="dkBgShp">
+    <dgm:fillClrLst meth="repeat">
+      <a:schemeClr val="accent1">
+        <a:shade val="80000"/>
+      </a:schemeClr>
+    </dgm:fillClrLst>
+    <dgm:linClrLst meth="repeat">
+      <a:schemeClr val="accent1"/>
+    </dgm:linClrLst>
+    <dgm:effectClrLst/>
+    <dgm:txLinClrLst/>
+    <dgm:txFillClrLst meth="repeat">
+      <a:schemeClr val="lt1"/>
+    </dgm:txFillClrLst>
+    <dgm:txEffectClrLst/>
+  </dgm:styleLbl>
+  <dgm:styleLbl name="trBgShp">
+    <dgm:fillClrLst meth="repeat">
+      <a:schemeClr val="accent1">
+        <a:tint val="50000"/>
+        <a:alpha val="40000"/>
+      </a:schemeClr>
+    </dgm:fillClrLst>
+    <dgm:linClrLst meth="repeat">
+      <a:schemeClr val="accent1"/>
+    </dgm:linClrLst>
+    <dgm:effectClrLst/>
+    <dgm:txLinClrLst/>
+    <dgm:txFillClrLst meth="repeat">
+      <a:schemeClr val="lt1"/>
+    </dgm:txFillClrLst>
+    <dgm:txEffectClrLst/>
+  </dgm:styleLbl>
+  <dgm:styleLbl name="fgShp">
+    <dgm:fillClrLst meth="repeat">
+      <a:schemeClr val="accent1">
+        <a:tint val="60000"/>
+      </a:schemeClr>
+    </dgm:fillClrLst>
+    <dgm:linClrLst meth="repeat">
+      <a:schemeClr val="lt1"/>
+    </dgm:linClrLst>
+    <dgm:effectClrLst/>
+    <dgm:txLinClrLst/>
+    <dgm:txFillClrLst meth="repeat">
+      <a:schemeClr val="dk1"/>
+    </dgm:txFillClrLst>
+    <dgm:txEffectClrLst/>
+  </dgm:styleLbl>
+  <dgm:styleLbl name="revTx">
+    <dgm:fillClrLst meth="repeat">
+      <a:schemeClr val="lt1">
+        <a:alpha val="0"/>
+      </a:schemeClr>
+    </dgm:fillClrLst>
+    <dgm:linClrLst meth="repeat">
+      <a:schemeClr val="dk1">
+        <a:alpha val="0"/>
+      </a:schemeClr>
+    </dgm:linClrLst>
+    <dgm:effectClrLst/>
+    <dgm:txLinClrLst/>
+    <dgm:txFillClrLst meth="repeat">
+      <a:schemeClr val="tx1"/>
+    </dgm:txFillClrLst>
+    <dgm:txEffectClrLst/>
+  </dgm:styleLbl>
+</dgm:colorsDef>
+</file>
+
 <file path=ppt/diagrams/data1.xml><?xml version="1.0" encoding="utf-8"?>
+<dgm:dataModel xmlns:dgm="http://schemas.openxmlformats.org/drawingml/2006/diagram" xmlns:a="http://schemas.openxmlformats.org/drawingml/2006/main">
+  <dgm:ptLst>
+    <dgm:pt modelId="{1326A606-F04F-41DE-B194-B0B3E8729E52}" type="doc">
+      <dgm:prSet loTypeId="urn:microsoft.com/office/officeart/2005/8/layout/target2" loCatId="relationship" qsTypeId="urn:microsoft.com/office/officeart/2005/8/quickstyle/simple1" qsCatId="simple" csTypeId="urn:microsoft.com/office/officeart/2005/8/colors/accent1_2" csCatId="accent1" phldr="1"/>
+      <dgm:spPr/>
+      <dgm:t>
+        <a:bodyPr/>
+        <a:lstStyle/>
+        <a:p>
+          <a:endParaRPr lang="en-US"/>
+        </a:p>
+      </dgm:t>
+    </dgm:pt>
+    <dgm:pt modelId="{FA99B611-A551-41AB-AC76-7500AA9192D8}">
+      <dgm:prSet phldrT="[Text]"/>
+      <dgm:spPr>
+        <a:solidFill>
+          <a:schemeClr val="accent1"/>
+        </a:solidFill>
+      </dgm:spPr>
+      <dgm:t>
+        <a:bodyPr/>
+        <a:lstStyle/>
+        <a:p>
+          <a:r>
+            <a:rPr lang="en-US" dirty="0" smtClean="0"/>
+            <a:t>Driver license</a:t>
+          </a:r>
+          <a:endParaRPr lang="en-US" dirty="0"/>
+        </a:p>
+      </dgm:t>
+    </dgm:pt>
+    <dgm:pt modelId="{A3F065C7-CD44-4EF7-85BC-FCE5E8E0D760}" type="parTrans" cxnId="{A6704B9C-0390-4359-BE60-0BFB1BCEBD43}">
+      <dgm:prSet/>
+      <dgm:spPr/>
+      <dgm:t>
+        <a:bodyPr/>
+        <a:lstStyle/>
+        <a:p>
+          <a:endParaRPr lang="en-US"/>
+        </a:p>
+      </dgm:t>
+    </dgm:pt>
+    <dgm:pt modelId="{7D91F9DE-2B3F-4E9C-97B7-CEB0DDF143C0}" type="sibTrans" cxnId="{A6704B9C-0390-4359-BE60-0BFB1BCEBD43}">
+      <dgm:prSet/>
+      <dgm:spPr/>
+      <dgm:t>
+        <a:bodyPr/>
+        <a:lstStyle/>
+        <a:p>
+          <a:endParaRPr lang="en-US"/>
+        </a:p>
+      </dgm:t>
+    </dgm:pt>
+    <dgm:pt modelId="{24C0E99D-B756-4ACA-8E4A-64A58FE6ABA4}">
+      <dgm:prSet phldrT="[Text]"/>
+      <dgm:spPr>
+        <a:solidFill>
+          <a:schemeClr val="accent1">
+            <a:lumMod val="60000"/>
+            <a:lumOff val="40000"/>
+          </a:schemeClr>
+        </a:solidFill>
+      </dgm:spPr>
+      <dgm:t>
+        <a:bodyPr/>
+        <a:lstStyle/>
+        <a:p>
+          <a:r>
+            <a:rPr lang="en-US" dirty="0" smtClean="0"/>
+            <a:t>Billy Smith</a:t>
+          </a:r>
+          <a:endParaRPr lang="en-US" dirty="0"/>
+        </a:p>
+      </dgm:t>
+    </dgm:pt>
+    <dgm:pt modelId="{5104E7DC-4459-46C2-8AC8-49EAD166D60B}" type="parTrans" cxnId="{74026BC3-3CD7-4AF9-B183-41A65D865B49}">
+      <dgm:prSet/>
+      <dgm:spPr/>
+      <dgm:t>
+        <a:bodyPr/>
+        <a:lstStyle/>
+        <a:p>
+          <a:endParaRPr lang="en-US"/>
+        </a:p>
+      </dgm:t>
+    </dgm:pt>
+    <dgm:pt modelId="{FB555719-6D73-4E05-ABAD-E791B6664E1A}" type="sibTrans" cxnId="{74026BC3-3CD7-4AF9-B183-41A65D865B49}">
+      <dgm:prSet/>
+      <dgm:spPr/>
+      <dgm:t>
+        <a:bodyPr/>
+        <a:lstStyle/>
+        <a:p>
+          <a:endParaRPr lang="en-US"/>
+        </a:p>
+      </dgm:t>
+    </dgm:pt>
+    <dgm:pt modelId="{0A8DA2B3-F51B-4AE4-82FF-7B7C479AFB44}">
+      <dgm:prSet phldrT="[Text]"/>
+      <dgm:spPr/>
+      <dgm:t>
+        <a:bodyPr/>
+        <a:lstStyle/>
+        <a:p>
+          <a:r>
+            <a:rPr lang="en-US" dirty="0" smtClean="0"/>
+            <a:t>19840526-4582</a:t>
+          </a:r>
+          <a:endParaRPr lang="en-US" dirty="0"/>
+        </a:p>
+      </dgm:t>
+    </dgm:pt>
+    <dgm:pt modelId="{13B33BC6-DE80-49FF-BEA2-93174B62B04B}" type="parTrans" cxnId="{B96A2DE8-E8D1-4CA1-A8B2-3BB9847C6188}">
+      <dgm:prSet/>
+      <dgm:spPr/>
+      <dgm:t>
+        <a:bodyPr/>
+        <a:lstStyle/>
+        <a:p>
+          <a:endParaRPr lang="en-US"/>
+        </a:p>
+      </dgm:t>
+    </dgm:pt>
+    <dgm:pt modelId="{3975B94B-1592-4050-A53B-9661937C22E2}" type="sibTrans" cxnId="{B96A2DE8-E8D1-4CA1-A8B2-3BB9847C6188}">
+      <dgm:prSet/>
+      <dgm:spPr/>
+      <dgm:t>
+        <a:bodyPr/>
+        <a:lstStyle/>
+        <a:p>
+          <a:endParaRPr lang="en-US"/>
+        </a:p>
+      </dgm:t>
+    </dgm:pt>
+    <dgm:pt modelId="{FF4A56C4-A0F8-4E31-9A29-BCA3D7589DA9}">
+      <dgm:prSet phldrT="[Text]"/>
+      <dgm:spPr/>
+      <dgm:t>
+        <a:bodyPr/>
+        <a:lstStyle/>
+        <a:p>
+          <a:r>
+            <a:rPr lang="en-US" dirty="0" smtClean="0"/>
+            <a:t>Sweden</a:t>
+          </a:r>
+          <a:endParaRPr lang="en-US" dirty="0"/>
+        </a:p>
+      </dgm:t>
+    </dgm:pt>
+    <dgm:pt modelId="{9787F62D-DF05-4E43-AC39-17D9363C09B7}" type="parTrans" cxnId="{8DC27C54-9591-46ED-A477-4105B1186D38}">
+      <dgm:prSet/>
+      <dgm:spPr/>
+      <dgm:t>
+        <a:bodyPr/>
+        <a:lstStyle/>
+        <a:p>
+          <a:endParaRPr lang="en-US"/>
+        </a:p>
+      </dgm:t>
+    </dgm:pt>
+    <dgm:pt modelId="{F2F1F81B-0522-4C5A-A995-2E5F80018D45}" type="sibTrans" cxnId="{8DC27C54-9591-46ED-A477-4105B1186D38}">
+      <dgm:prSet/>
+      <dgm:spPr/>
+      <dgm:t>
+        <a:bodyPr/>
+        <a:lstStyle/>
+        <a:p>
+          <a:endParaRPr lang="en-US"/>
+        </a:p>
+      </dgm:t>
+    </dgm:pt>
+    <dgm:pt modelId="{C72CDDFF-B2F8-4FD3-A2DE-D6311CED51A5}">
+      <dgm:prSet phldrT="[Text]"/>
+      <dgm:spPr>
+        <a:solidFill>
+          <a:schemeClr val="accent1">
+            <a:lumMod val="60000"/>
+            <a:lumOff val="40000"/>
+          </a:schemeClr>
+        </a:solidFill>
+      </dgm:spPr>
+      <dgm:t>
+        <a:bodyPr/>
+        <a:lstStyle/>
+        <a:p>
+          <a:r>
+            <a:rPr lang="en-US" dirty="0" smtClean="0"/>
+            <a:t>Vehicle Class</a:t>
+          </a:r>
+          <a:r>
+            <a:rPr lang="en-US" dirty="0" smtClean="0"/>
+            <a:t>	</a:t>
+          </a:r>
+          <a:endParaRPr lang="en-US" dirty="0"/>
+        </a:p>
+      </dgm:t>
+    </dgm:pt>
+    <dgm:pt modelId="{CF4D6D04-84C5-4B4D-BF8A-500B8C0A5800}" type="parTrans" cxnId="{A3B0AC0E-DA19-4CA8-9327-49BA4052CA4D}">
+      <dgm:prSet/>
+      <dgm:spPr/>
+      <dgm:t>
+        <a:bodyPr/>
+        <a:lstStyle/>
+        <a:p>
+          <a:endParaRPr lang="en-US"/>
+        </a:p>
+      </dgm:t>
+    </dgm:pt>
+    <dgm:pt modelId="{F3AFECBC-59B2-4BE5-99EB-F5C6BA3D136C}" type="sibTrans" cxnId="{A3B0AC0E-DA19-4CA8-9327-49BA4052CA4D}">
+      <dgm:prSet/>
+      <dgm:spPr/>
+      <dgm:t>
+        <a:bodyPr/>
+        <a:lstStyle/>
+        <a:p>
+          <a:endParaRPr lang="en-US"/>
+        </a:p>
+      </dgm:t>
+    </dgm:pt>
+    <dgm:pt modelId="{CA1305B4-CDCF-4CDE-ACC5-D7591D1AD0D6}">
+      <dgm:prSet phldrT="[Text]"/>
+      <dgm:spPr/>
+      <dgm:t>
+        <a:bodyPr/>
+        <a:lstStyle/>
+        <a:p>
+          <a:r>
+            <a:rPr lang="en-US" dirty="0" smtClean="0"/>
+            <a:t>B</a:t>
+          </a:r>
+          <a:endParaRPr lang="en-US" dirty="0"/>
+        </a:p>
+      </dgm:t>
+    </dgm:pt>
+    <dgm:pt modelId="{046E0A2B-6C8F-4F77-A8CB-3D1ED74350F6}" type="parTrans" cxnId="{8020A179-2450-4ACB-BB23-D1D8C1558126}">
+      <dgm:prSet/>
+      <dgm:spPr/>
+      <dgm:t>
+        <a:bodyPr/>
+        <a:lstStyle/>
+        <a:p>
+          <a:endParaRPr lang="en-US"/>
+        </a:p>
+      </dgm:t>
+    </dgm:pt>
+    <dgm:pt modelId="{B4C2F447-BDF0-4816-834B-459DA1DDA286}" type="sibTrans" cxnId="{8020A179-2450-4ACB-BB23-D1D8C1558126}">
+      <dgm:prSet/>
+      <dgm:spPr/>
+      <dgm:t>
+        <a:bodyPr/>
+        <a:lstStyle/>
+        <a:p>
+          <a:endParaRPr lang="en-US"/>
+        </a:p>
+      </dgm:t>
+    </dgm:pt>
+    <dgm:pt modelId="{30A1C49C-A674-41A2-93C0-5E55DCAE8BD7}">
+      <dgm:prSet phldrT="[Text]"/>
+      <dgm:spPr/>
+      <dgm:t>
+        <a:bodyPr/>
+        <a:lstStyle/>
+        <a:p>
+          <a:r>
+            <a:rPr lang="en-US" dirty="0" smtClean="0"/>
+            <a:t>C</a:t>
+          </a:r>
+          <a:endParaRPr lang="en-US" dirty="0"/>
+        </a:p>
+      </dgm:t>
+    </dgm:pt>
+    <dgm:pt modelId="{C10B39AB-1069-492A-B6D1-8ABFE5F230AE}" type="parTrans" cxnId="{6CB07256-391E-4491-9818-B8AA619131F3}">
+      <dgm:prSet/>
+      <dgm:spPr/>
+      <dgm:t>
+        <a:bodyPr/>
+        <a:lstStyle/>
+        <a:p>
+          <a:endParaRPr lang="en-US"/>
+        </a:p>
+      </dgm:t>
+    </dgm:pt>
+    <dgm:pt modelId="{648A9D4F-D380-4563-8E78-F3D325C947C6}" type="sibTrans" cxnId="{6CB07256-391E-4491-9818-B8AA619131F3}">
+      <dgm:prSet/>
+      <dgm:spPr/>
+      <dgm:t>
+        <a:bodyPr/>
+        <a:lstStyle/>
+        <a:p>
+          <a:endParaRPr lang="en-US"/>
+        </a:p>
+      </dgm:t>
+    </dgm:pt>
+    <dgm:pt modelId="{37AF2D21-E0BA-4ECE-A23D-A9C60E2056BC}" type="pres">
+      <dgm:prSet presAssocID="{1326A606-F04F-41DE-B194-B0B3E8729E52}" presName="Name0" presStyleCnt="0">
+        <dgm:presLayoutVars>
+          <dgm:chMax val="3"/>
+          <dgm:chPref val="1"/>
+          <dgm:dir/>
+          <dgm:animLvl val="lvl"/>
+          <dgm:resizeHandles/>
+        </dgm:presLayoutVars>
+      </dgm:prSet>
+      <dgm:spPr/>
+      <dgm:t>
+        <a:bodyPr/>
+        <a:lstStyle/>
+        <a:p>
+          <a:endParaRPr lang="en-US"/>
+        </a:p>
+      </dgm:t>
+    </dgm:pt>
+    <dgm:pt modelId="{AF0BF6B3-B3AE-49EC-AD9B-A4414360DBAE}" type="pres">
+      <dgm:prSet presAssocID="{1326A606-F04F-41DE-B194-B0B3E8729E52}" presName="outerBox" presStyleCnt="0"/>
+      <dgm:spPr/>
+    </dgm:pt>
+    <dgm:pt modelId="{5C1492DB-A047-40E8-87EA-AE2F2AE57E71}" type="pres">
+      <dgm:prSet presAssocID="{1326A606-F04F-41DE-B194-B0B3E8729E52}" presName="outerBoxParent" presStyleLbl="node1" presStyleIdx="0" presStyleCnt="3" custLinFactNeighborY="-2857"/>
+      <dgm:spPr/>
+      <dgm:t>
+        <a:bodyPr/>
+        <a:lstStyle/>
+        <a:p>
+          <a:endParaRPr lang="en-US"/>
+        </a:p>
+      </dgm:t>
+    </dgm:pt>
+    <dgm:pt modelId="{3504C505-E6E4-4B48-97B9-FFC1E4CD866F}" type="pres">
+      <dgm:prSet presAssocID="{1326A606-F04F-41DE-B194-B0B3E8729E52}" presName="outerBoxChildren" presStyleCnt="0"/>
+      <dgm:spPr/>
+    </dgm:pt>
+    <dgm:pt modelId="{029CB799-E6FC-487E-A13B-127521A0E94B}" type="pres">
+      <dgm:prSet presAssocID="{1326A606-F04F-41DE-B194-B0B3E8729E52}" presName="middleBox" presStyleCnt="0"/>
+      <dgm:spPr/>
+    </dgm:pt>
+    <dgm:pt modelId="{92D3A570-6AC8-4C22-88D8-0D8CE6725BD1}" type="pres">
+      <dgm:prSet presAssocID="{1326A606-F04F-41DE-B194-B0B3E8729E52}" presName="middleBoxParent" presStyleLbl="node1" presStyleIdx="1" presStyleCnt="3"/>
+      <dgm:spPr/>
+      <dgm:t>
+        <a:bodyPr/>
+        <a:lstStyle/>
+        <a:p>
+          <a:endParaRPr lang="en-US"/>
+        </a:p>
+      </dgm:t>
+    </dgm:pt>
+    <dgm:pt modelId="{63B3B362-21EC-4834-BE2A-C82CE6E488B8}" type="pres">
+      <dgm:prSet presAssocID="{1326A606-F04F-41DE-B194-B0B3E8729E52}" presName="middleBoxChildren" presStyleCnt="0"/>
+      <dgm:spPr/>
+    </dgm:pt>
+    <dgm:pt modelId="{8FD3B720-E661-4BEA-BC45-2D58345CE72A}" type="pres">
+      <dgm:prSet presAssocID="{0A8DA2B3-F51B-4AE4-82FF-7B7C479AFB44}" presName="mChild" presStyleLbl="fgAcc1" presStyleIdx="0" presStyleCnt="4">
+        <dgm:presLayoutVars>
+          <dgm:bulletEnabled val="1"/>
+        </dgm:presLayoutVars>
+      </dgm:prSet>
+      <dgm:spPr/>
+      <dgm:t>
+        <a:bodyPr/>
+        <a:lstStyle/>
+        <a:p>
+          <a:endParaRPr lang="en-US"/>
+        </a:p>
+      </dgm:t>
+    </dgm:pt>
+    <dgm:pt modelId="{98E3C3FF-D1DD-46EC-AB7B-C6766F784C85}" type="pres">
+      <dgm:prSet presAssocID="{3975B94B-1592-4050-A53B-9661937C22E2}" presName="middleSibTrans" presStyleCnt="0"/>
+      <dgm:spPr/>
+    </dgm:pt>
+    <dgm:pt modelId="{1A898DBA-02E1-4120-88A8-C6670300E520}" type="pres">
+      <dgm:prSet presAssocID="{FF4A56C4-A0F8-4E31-9A29-BCA3D7589DA9}" presName="mChild" presStyleLbl="fgAcc1" presStyleIdx="1" presStyleCnt="4">
+        <dgm:presLayoutVars>
+          <dgm:bulletEnabled val="1"/>
+        </dgm:presLayoutVars>
+      </dgm:prSet>
+      <dgm:spPr/>
+      <dgm:t>
+        <a:bodyPr/>
+        <a:lstStyle/>
+        <a:p>
+          <a:endParaRPr lang="en-US"/>
+        </a:p>
+      </dgm:t>
+    </dgm:pt>
+    <dgm:pt modelId="{664BA7F2-3821-4683-B6B2-6FF0D312608B}" type="pres">
+      <dgm:prSet presAssocID="{1326A606-F04F-41DE-B194-B0B3E8729E52}" presName="centerBox" presStyleCnt="0"/>
+      <dgm:spPr/>
+    </dgm:pt>
+    <dgm:pt modelId="{51D1C1AF-F7C6-4E82-BA71-89573B028627}" type="pres">
+      <dgm:prSet presAssocID="{1326A606-F04F-41DE-B194-B0B3E8729E52}" presName="centerBoxParent" presStyleLbl="node1" presStyleIdx="2" presStyleCnt="3"/>
+      <dgm:spPr/>
+      <dgm:t>
+        <a:bodyPr/>
+        <a:lstStyle/>
+        <a:p>
+          <a:endParaRPr lang="en-US"/>
+        </a:p>
+      </dgm:t>
+    </dgm:pt>
+    <dgm:pt modelId="{2D03DE8C-5202-475C-9D96-C73862DEB8F0}" type="pres">
+      <dgm:prSet presAssocID="{1326A606-F04F-41DE-B194-B0B3E8729E52}" presName="centerBoxChildren" presStyleCnt="0"/>
+      <dgm:spPr/>
+    </dgm:pt>
+    <dgm:pt modelId="{0E08C7E7-90F7-4D4F-81A5-600C00B7EC4F}" type="pres">
+      <dgm:prSet presAssocID="{CA1305B4-CDCF-4CDE-ACC5-D7591D1AD0D6}" presName="cChild" presStyleLbl="fgAcc1" presStyleIdx="2" presStyleCnt="4">
+        <dgm:presLayoutVars>
+          <dgm:bulletEnabled val="1"/>
+        </dgm:presLayoutVars>
+      </dgm:prSet>
+      <dgm:spPr/>
+      <dgm:t>
+        <a:bodyPr/>
+        <a:lstStyle/>
+        <a:p>
+          <a:endParaRPr lang="en-US"/>
+        </a:p>
+      </dgm:t>
+    </dgm:pt>
+    <dgm:pt modelId="{0BE50651-FF18-4A91-95D9-B2EAC008CF04}" type="pres">
+      <dgm:prSet presAssocID="{B4C2F447-BDF0-4816-834B-459DA1DDA286}" presName="centerSibTrans" presStyleCnt="0"/>
+      <dgm:spPr/>
+    </dgm:pt>
+    <dgm:pt modelId="{110DCB41-0228-4AB0-A388-D5A5661E2EEA}" type="pres">
+      <dgm:prSet presAssocID="{30A1C49C-A674-41A2-93C0-5E55DCAE8BD7}" presName="cChild" presStyleLbl="fgAcc1" presStyleIdx="3" presStyleCnt="4">
+        <dgm:presLayoutVars>
+          <dgm:bulletEnabled val="1"/>
+        </dgm:presLayoutVars>
+      </dgm:prSet>
+      <dgm:spPr/>
+      <dgm:t>
+        <a:bodyPr/>
+        <a:lstStyle/>
+        <a:p>
+          <a:endParaRPr lang="en-US"/>
+        </a:p>
+      </dgm:t>
+    </dgm:pt>
+  </dgm:ptLst>
+  <dgm:cxnLst>
+    <dgm:cxn modelId="{8DC27C54-9591-46ED-A477-4105B1186D38}" srcId="{24C0E99D-B756-4ACA-8E4A-64A58FE6ABA4}" destId="{FF4A56C4-A0F8-4E31-9A29-BCA3D7589DA9}" srcOrd="1" destOrd="0" parTransId="{9787F62D-DF05-4E43-AC39-17D9363C09B7}" sibTransId="{F2F1F81B-0522-4C5A-A995-2E5F80018D45}"/>
+    <dgm:cxn modelId="{38467C4C-570A-4EF1-BB82-B929FB8A14F2}" type="presOf" srcId="{30A1C49C-A674-41A2-93C0-5E55DCAE8BD7}" destId="{110DCB41-0228-4AB0-A388-D5A5661E2EEA}" srcOrd="0" destOrd="0" presId="urn:microsoft.com/office/officeart/2005/8/layout/target2"/>
+    <dgm:cxn modelId="{640F3FB6-3257-44FD-B703-9411CA7F59A1}" type="presOf" srcId="{24C0E99D-B756-4ACA-8E4A-64A58FE6ABA4}" destId="{92D3A570-6AC8-4C22-88D8-0D8CE6725BD1}" srcOrd="0" destOrd="0" presId="urn:microsoft.com/office/officeart/2005/8/layout/target2"/>
+    <dgm:cxn modelId="{6C2BAA06-AB59-46DA-8D4B-7C12559B8133}" type="presOf" srcId="{0A8DA2B3-F51B-4AE4-82FF-7B7C479AFB44}" destId="{8FD3B720-E661-4BEA-BC45-2D58345CE72A}" srcOrd="0" destOrd="0" presId="urn:microsoft.com/office/officeart/2005/8/layout/target2"/>
+    <dgm:cxn modelId="{74026BC3-3CD7-4AF9-B183-41A65D865B49}" srcId="{1326A606-F04F-41DE-B194-B0B3E8729E52}" destId="{24C0E99D-B756-4ACA-8E4A-64A58FE6ABA4}" srcOrd="1" destOrd="0" parTransId="{5104E7DC-4459-46C2-8AC8-49EAD166D60B}" sibTransId="{FB555719-6D73-4E05-ABAD-E791B6664E1A}"/>
+    <dgm:cxn modelId="{55B2CC7E-3B0F-4789-A4AA-3FA5587AECE2}" type="presOf" srcId="{FF4A56C4-A0F8-4E31-9A29-BCA3D7589DA9}" destId="{1A898DBA-02E1-4120-88A8-C6670300E520}" srcOrd="0" destOrd="0" presId="urn:microsoft.com/office/officeart/2005/8/layout/target2"/>
+    <dgm:cxn modelId="{A3B0AC0E-DA19-4CA8-9327-49BA4052CA4D}" srcId="{1326A606-F04F-41DE-B194-B0B3E8729E52}" destId="{C72CDDFF-B2F8-4FD3-A2DE-D6311CED51A5}" srcOrd="2" destOrd="0" parTransId="{CF4D6D04-84C5-4B4D-BF8A-500B8C0A5800}" sibTransId="{F3AFECBC-59B2-4BE5-99EB-F5C6BA3D136C}"/>
+    <dgm:cxn modelId="{D85C644B-87C8-485F-BF6A-9785FDAAC544}" type="presOf" srcId="{C72CDDFF-B2F8-4FD3-A2DE-D6311CED51A5}" destId="{51D1C1AF-F7C6-4E82-BA71-89573B028627}" srcOrd="0" destOrd="0" presId="urn:microsoft.com/office/officeart/2005/8/layout/target2"/>
+    <dgm:cxn modelId="{8020A179-2450-4ACB-BB23-D1D8C1558126}" srcId="{C72CDDFF-B2F8-4FD3-A2DE-D6311CED51A5}" destId="{CA1305B4-CDCF-4CDE-ACC5-D7591D1AD0D6}" srcOrd="0" destOrd="0" parTransId="{046E0A2B-6C8F-4F77-A8CB-3D1ED74350F6}" sibTransId="{B4C2F447-BDF0-4816-834B-459DA1DDA286}"/>
+    <dgm:cxn modelId="{3AC6FF4B-0D59-44B9-8C45-BAA8208D623E}" type="presOf" srcId="{FA99B611-A551-41AB-AC76-7500AA9192D8}" destId="{5C1492DB-A047-40E8-87EA-AE2F2AE57E71}" srcOrd="0" destOrd="0" presId="urn:microsoft.com/office/officeart/2005/8/layout/target2"/>
+    <dgm:cxn modelId="{16BBD78D-5722-424A-AE3D-B5F90DFA4740}" type="presOf" srcId="{CA1305B4-CDCF-4CDE-ACC5-D7591D1AD0D6}" destId="{0E08C7E7-90F7-4D4F-81A5-600C00B7EC4F}" srcOrd="0" destOrd="0" presId="urn:microsoft.com/office/officeart/2005/8/layout/target2"/>
+    <dgm:cxn modelId="{A6704B9C-0390-4359-BE60-0BFB1BCEBD43}" srcId="{1326A606-F04F-41DE-B194-B0B3E8729E52}" destId="{FA99B611-A551-41AB-AC76-7500AA9192D8}" srcOrd="0" destOrd="0" parTransId="{A3F065C7-CD44-4EF7-85BC-FCE5E8E0D760}" sibTransId="{7D91F9DE-2B3F-4E9C-97B7-CEB0DDF143C0}"/>
+    <dgm:cxn modelId="{B96A2DE8-E8D1-4CA1-A8B2-3BB9847C6188}" srcId="{24C0E99D-B756-4ACA-8E4A-64A58FE6ABA4}" destId="{0A8DA2B3-F51B-4AE4-82FF-7B7C479AFB44}" srcOrd="0" destOrd="0" parTransId="{13B33BC6-DE80-49FF-BEA2-93174B62B04B}" sibTransId="{3975B94B-1592-4050-A53B-9661937C22E2}"/>
+    <dgm:cxn modelId="{41FA067B-69A1-4476-BA28-583E2D2FA3F6}" type="presOf" srcId="{1326A606-F04F-41DE-B194-B0B3E8729E52}" destId="{37AF2D21-E0BA-4ECE-A23D-A9C60E2056BC}" srcOrd="0" destOrd="0" presId="urn:microsoft.com/office/officeart/2005/8/layout/target2"/>
+    <dgm:cxn modelId="{6CB07256-391E-4491-9818-B8AA619131F3}" srcId="{C72CDDFF-B2F8-4FD3-A2DE-D6311CED51A5}" destId="{30A1C49C-A674-41A2-93C0-5E55DCAE8BD7}" srcOrd="1" destOrd="0" parTransId="{C10B39AB-1069-492A-B6D1-8ABFE5F230AE}" sibTransId="{648A9D4F-D380-4563-8E78-F3D325C947C6}"/>
+    <dgm:cxn modelId="{04282268-EC2B-4828-B69D-7A0246A66137}" type="presParOf" srcId="{37AF2D21-E0BA-4ECE-A23D-A9C60E2056BC}" destId="{AF0BF6B3-B3AE-49EC-AD9B-A4414360DBAE}" srcOrd="0" destOrd="0" presId="urn:microsoft.com/office/officeart/2005/8/layout/target2"/>
+    <dgm:cxn modelId="{BDDCCAD5-FED7-437B-959E-21475DF3E279}" type="presParOf" srcId="{AF0BF6B3-B3AE-49EC-AD9B-A4414360DBAE}" destId="{5C1492DB-A047-40E8-87EA-AE2F2AE57E71}" srcOrd="0" destOrd="0" presId="urn:microsoft.com/office/officeart/2005/8/layout/target2"/>
+    <dgm:cxn modelId="{ED3AA968-CDF6-41A4-8210-75AAD138DB0F}" type="presParOf" srcId="{AF0BF6B3-B3AE-49EC-AD9B-A4414360DBAE}" destId="{3504C505-E6E4-4B48-97B9-FFC1E4CD866F}" srcOrd="1" destOrd="0" presId="urn:microsoft.com/office/officeart/2005/8/layout/target2"/>
+    <dgm:cxn modelId="{5259978C-4242-4B39-8882-415C3CA4525B}" type="presParOf" srcId="{37AF2D21-E0BA-4ECE-A23D-A9C60E2056BC}" destId="{029CB799-E6FC-487E-A13B-127521A0E94B}" srcOrd="1" destOrd="0" presId="urn:microsoft.com/office/officeart/2005/8/layout/target2"/>
+    <dgm:cxn modelId="{807D2674-9F66-470D-98B7-7F2B161FC6DA}" type="presParOf" srcId="{029CB799-E6FC-487E-A13B-127521A0E94B}" destId="{92D3A570-6AC8-4C22-88D8-0D8CE6725BD1}" srcOrd="0" destOrd="0" presId="urn:microsoft.com/office/officeart/2005/8/layout/target2"/>
+    <dgm:cxn modelId="{E0AB80C2-4AD3-4C13-99F9-E9A2F19D813D}" type="presParOf" srcId="{029CB799-E6FC-487E-A13B-127521A0E94B}" destId="{63B3B362-21EC-4834-BE2A-C82CE6E488B8}" srcOrd="1" destOrd="0" presId="urn:microsoft.com/office/officeart/2005/8/layout/target2"/>
+    <dgm:cxn modelId="{D0699A73-5BB0-48DD-A872-604B342AA335}" type="presParOf" srcId="{63B3B362-21EC-4834-BE2A-C82CE6E488B8}" destId="{8FD3B720-E661-4BEA-BC45-2D58345CE72A}" srcOrd="0" destOrd="0" presId="urn:microsoft.com/office/officeart/2005/8/layout/target2"/>
+    <dgm:cxn modelId="{EFD909D5-833D-4DA8-B200-78EE70A1D487}" type="presParOf" srcId="{63B3B362-21EC-4834-BE2A-C82CE6E488B8}" destId="{98E3C3FF-D1DD-46EC-AB7B-C6766F784C85}" srcOrd="1" destOrd="0" presId="urn:microsoft.com/office/officeart/2005/8/layout/target2"/>
+    <dgm:cxn modelId="{3D1E87AF-60C7-45BC-B652-D400A8F25ABB}" type="presParOf" srcId="{63B3B362-21EC-4834-BE2A-C82CE6E488B8}" destId="{1A898DBA-02E1-4120-88A8-C6670300E520}" srcOrd="2" destOrd="0" presId="urn:microsoft.com/office/officeart/2005/8/layout/target2"/>
+    <dgm:cxn modelId="{02764A1E-1DB0-4027-A5F9-50C29B1DD659}" type="presParOf" srcId="{37AF2D21-E0BA-4ECE-A23D-A9C60E2056BC}" destId="{664BA7F2-3821-4683-B6B2-6FF0D312608B}" srcOrd="2" destOrd="0" presId="urn:microsoft.com/office/officeart/2005/8/layout/target2"/>
+    <dgm:cxn modelId="{3989BEF2-5399-40AE-AED1-3DBFF8ED06A1}" type="presParOf" srcId="{664BA7F2-3821-4683-B6B2-6FF0D312608B}" destId="{51D1C1AF-F7C6-4E82-BA71-89573B028627}" srcOrd="0" destOrd="0" presId="urn:microsoft.com/office/officeart/2005/8/layout/target2"/>
+    <dgm:cxn modelId="{686A4691-6399-4455-BD1E-86A5C01F1411}" type="presParOf" srcId="{664BA7F2-3821-4683-B6B2-6FF0D312608B}" destId="{2D03DE8C-5202-475C-9D96-C73862DEB8F0}" srcOrd="1" destOrd="0" presId="urn:microsoft.com/office/officeart/2005/8/layout/target2"/>
+    <dgm:cxn modelId="{AFB28401-5A16-4148-964A-2F975E750567}" type="presParOf" srcId="{2D03DE8C-5202-475C-9D96-C73862DEB8F0}" destId="{0E08C7E7-90F7-4D4F-81A5-600C00B7EC4F}" srcOrd="0" destOrd="0" presId="urn:microsoft.com/office/officeart/2005/8/layout/target2"/>
+    <dgm:cxn modelId="{60085F0E-2ED2-4E31-9B0B-E5DDB1EEFDFA}" type="presParOf" srcId="{2D03DE8C-5202-475C-9D96-C73862DEB8F0}" destId="{0BE50651-FF18-4A91-95D9-B2EAC008CF04}" srcOrd="1" destOrd="0" presId="urn:microsoft.com/office/officeart/2005/8/layout/target2"/>
+    <dgm:cxn modelId="{34A4CC39-61AE-456A-A55F-EF8A4DFA9E1C}" type="presParOf" srcId="{2D03DE8C-5202-475C-9D96-C73862DEB8F0}" destId="{110DCB41-0228-4AB0-A388-D5A5661E2EEA}" srcOrd="2" destOrd="0" presId="urn:microsoft.com/office/officeart/2005/8/layout/target2"/>
+  </dgm:cxnLst>
+  <dgm:bg/>
+  <dgm:whole/>
+  <dgm:extLst>
+    <a:ext uri="http://schemas.microsoft.com/office/drawing/2008/diagram">
+      <dsp:dataModelExt xmlns:dsp="http://schemas.microsoft.com/office/drawing/2008/diagram" relId="rId6" minVer="http://schemas.openxmlformats.org/drawingml/2006/diagram"/>
+    </a:ext>
+  </dgm:extLst>
+</dgm:dataModel>
+</file>
+
+<file path=ppt/diagrams/data2.xml><?xml version="1.0" encoding="utf-8"?>
 <dgm:dataModel xmlns:dgm="http://schemas.openxmlformats.org/drawingml/2006/diagram" xmlns:a="http://schemas.openxmlformats.org/drawingml/2006/main">
   <dgm:ptLst>
     <dgm:pt modelId="{1F8C6969-57BC-422B-A7D8-CEB736D20A22}" type="doc">
@@ -5576,7 +6805,7 @@
       </dgm:t>
     </dgm:pt>
     <dgm:pt modelId="{082C1469-7809-41E5-B99E-9BA48C43295F}" type="pres">
-      <dgm:prSet presAssocID="{7E829DBF-11EB-4D72-AD4A-9FFEFE4340A9}" presName="entireBox" presStyleLbl="node1" presStyleIdx="0" presStyleCnt="1" custLinFactNeighborX="10000" custLinFactNeighborY="-6250"/>
+      <dgm:prSet presAssocID="{7E829DBF-11EB-4D72-AD4A-9FFEFE4340A9}" presName="entireBox" presStyleLbl="node1" presStyleIdx="0" presStyleCnt="1" custLinFactNeighborY="-4514"/>
       <dgm:spPr/>
       <dgm:t>
         <a:bodyPr/>
@@ -5665,11 +6894,11 @@
 </dgm:dataModel>
 </file>
 
-<file path=ppt/diagrams/data2.xml><?xml version="1.0" encoding="utf-8"?>
+<file path=ppt/diagrams/data3.xml><?xml version="1.0" encoding="utf-8"?>
 <dgm:dataModel xmlns:dgm="http://schemas.openxmlformats.org/drawingml/2006/diagram" xmlns:a="http://schemas.openxmlformats.org/drawingml/2006/main">
   <dgm:ptLst>
-    <dgm:pt modelId="{1F8C6969-57BC-422B-A7D8-CEB736D20A22}" type="doc">
-      <dgm:prSet loTypeId="urn:microsoft.com/office/officeart/2005/8/layout/process4" loCatId="list" qsTypeId="urn:microsoft.com/office/officeart/2005/8/quickstyle/simple1" qsCatId="simple" csTypeId="urn:microsoft.com/office/officeart/2005/8/colors/accent1_2" csCatId="accent1" phldr="1"/>
+    <dgm:pt modelId="{1326A606-F04F-41DE-B194-B0B3E8729E52}" type="doc">
+      <dgm:prSet loTypeId="urn:microsoft.com/office/officeart/2005/8/layout/target2" loCatId="relationship" qsTypeId="urn:microsoft.com/office/officeart/2005/8/quickstyle/simple1" qsCatId="simple" csTypeId="urn:microsoft.com/office/officeart/2005/8/colors/accent1_2" csCatId="accent1" phldr="1"/>
       <dgm:spPr/>
       <dgm:t>
         <a:bodyPr/>
@@ -5679,22 +6908,30 @@
         </a:p>
       </dgm:t>
     </dgm:pt>
-    <dgm:pt modelId="{B5777570-94A7-4320-B723-D6A66C313179}">
-      <dgm:prSet phldrT="[Text]" custT="1"/>
-      <dgm:spPr/>
+    <dgm:pt modelId="{FA99B611-A551-41AB-AC76-7500AA9192D8}">
+      <dgm:prSet phldrT="[Text]"/>
+      <dgm:spPr>
+        <a:solidFill>
+          <a:schemeClr val="accent1"/>
+        </a:solidFill>
+      </dgm:spPr>
       <dgm:t>
         <a:bodyPr/>
         <a:lstStyle/>
         <a:p>
           <a:r>
-            <a:rPr lang="en-US" sz="1200" dirty="0" smtClean="0"/>
-            <a:t>Government</a:t>
+            <a:rPr lang="en-US" b="0" dirty="0" smtClean="0"/>
+            <a:t>Driver license                                       </a:t>
           </a:r>
-          <a:endParaRPr lang="en-US" sz="1200" dirty="0"/>
+          <a:r>
+            <a:rPr lang="en-US" dirty="0" smtClean="0"/>
+            <a:t>Transport Agency</a:t>
+          </a:r>
+          <a:endParaRPr lang="en-US" dirty="0"/>
         </a:p>
       </dgm:t>
     </dgm:pt>
-    <dgm:pt modelId="{B9F1CB2A-7DCC-459F-86B0-4E34DD104B92}" type="parTrans" cxnId="{D559203D-4470-4F22-831F-CC50AFA8D35B}">
+    <dgm:pt modelId="{A3F065C7-CD44-4EF7-85BC-FCE5E8E0D760}" type="parTrans" cxnId="{A6704B9C-0390-4359-BE60-0BFB1BCEBD43}">
       <dgm:prSet/>
       <dgm:spPr/>
       <dgm:t>
@@ -5705,7 +6942,7 @@
         </a:p>
       </dgm:t>
     </dgm:pt>
-    <dgm:pt modelId="{3058B941-7B65-4F0E-A84D-2774EB2CD7C4}" type="sibTrans" cxnId="{D559203D-4470-4F22-831F-CC50AFA8D35B}">
+    <dgm:pt modelId="{7D91F9DE-2B3F-4E9C-97B7-CEB0DDF143C0}" type="sibTrans" cxnId="{A6704B9C-0390-4359-BE60-0BFB1BCEBD43}">
       <dgm:prSet/>
       <dgm:spPr/>
       <dgm:t>
@@ -5716,21 +6953,29 @@
         </a:p>
       </dgm:t>
     </dgm:pt>
-    <dgm:pt modelId="{84380697-93A1-4717-937D-A583453B6A3A}">
-      <dgm:prSet phldrT="[Text]" custT="1"/>
-      <dgm:spPr/>
+    <dgm:pt modelId="{24C0E99D-B756-4ACA-8E4A-64A58FE6ABA4}">
+      <dgm:prSet phldrT="[Text]"/>
+      <dgm:spPr>
+        <a:solidFill>
+          <a:schemeClr val="accent1">
+            <a:lumMod val="60000"/>
+            <a:lumOff val="40000"/>
+          </a:schemeClr>
+        </a:solidFill>
+      </dgm:spPr>
       <dgm:t>
         <a:bodyPr/>
         <a:lstStyle/>
         <a:p>
           <a:r>
-            <a:rPr lang="en-US" sz="1600" dirty="0" smtClean="0"/>
-            <a:t>Social Security Number</a:t>
+            <a:rPr lang="en-US" dirty="0" smtClean="0"/>
+            <a:t>Name: Billy Smith</a:t>
           </a:r>
+          <a:endParaRPr lang="en-US" dirty="0"/>
         </a:p>
       </dgm:t>
     </dgm:pt>
-    <dgm:pt modelId="{C9BAA796-0BEA-4615-AA5E-2BE19FDBE6A2}" type="parTrans" cxnId="{B0BEBB14-4FA9-4D62-948B-0BA3F59D42C5}">
+    <dgm:pt modelId="{5104E7DC-4459-46C2-8AC8-49EAD166D60B}" type="parTrans" cxnId="{74026BC3-3CD7-4AF9-B183-41A65D865B49}">
       <dgm:prSet/>
       <dgm:spPr/>
       <dgm:t>
@@ -5741,7 +6986,7 @@
         </a:p>
       </dgm:t>
     </dgm:pt>
-    <dgm:pt modelId="{4A909D9C-235E-4B5F-9214-778AACB66D6F}" type="sibTrans" cxnId="{B0BEBB14-4FA9-4D62-948B-0BA3F59D42C5}">
+    <dgm:pt modelId="{FB555719-6D73-4E05-ABAD-E791B6664E1A}" type="sibTrans" cxnId="{74026BC3-3CD7-4AF9-B183-41A65D865B49}">
       <dgm:prSet/>
       <dgm:spPr/>
       <dgm:t>
@@ -5752,21 +6997,22 @@
         </a:p>
       </dgm:t>
     </dgm:pt>
-    <dgm:pt modelId="{53E479E8-975F-4705-83A5-4755CEAB668E}">
-      <dgm:prSet phldrT="[Text]" custT="1"/>
+    <dgm:pt modelId="{0A8DA2B3-F51B-4AE4-82FF-7B7C479AFB44}">
+      <dgm:prSet phldrT="[Text]"/>
       <dgm:spPr/>
       <dgm:t>
         <a:bodyPr/>
         <a:lstStyle/>
         <a:p>
           <a:r>
-            <a:rPr lang="en-US" sz="1600" dirty="0" smtClean="0"/>
-            <a:t>860228-4792</a:t>
+            <a:rPr lang="en-US" dirty="0" smtClean="0"/>
+            <a:t>19840526-4582</a:t>
           </a:r>
+          <a:endParaRPr lang="en-US" dirty="0"/>
         </a:p>
       </dgm:t>
     </dgm:pt>
-    <dgm:pt modelId="{94A7142F-E62F-4C8D-87C6-97A92D059A94}" type="parTrans" cxnId="{39079DED-A848-4F98-B223-0886EF93E3FA}">
+    <dgm:pt modelId="{13B33BC6-DE80-49FF-BEA2-93174B62B04B}" type="parTrans" cxnId="{B96A2DE8-E8D1-4CA1-A8B2-3BB9847C6188}">
       <dgm:prSet/>
       <dgm:spPr/>
       <dgm:t>
@@ -5777,7 +7023,7 @@
         </a:p>
       </dgm:t>
     </dgm:pt>
-    <dgm:pt modelId="{1ED6F0FB-2C58-4525-8AD7-FA2CACFC61EB}" type="sibTrans" cxnId="{39079DED-A848-4F98-B223-0886EF93E3FA}">
+    <dgm:pt modelId="{3975B94B-1592-4050-A53B-9661937C22E2}" type="sibTrans" cxnId="{B96A2DE8-E8D1-4CA1-A8B2-3BB9847C6188}">
       <dgm:prSet/>
       <dgm:spPr/>
       <dgm:t>
@@ -5788,7 +7034,7 @@
         </a:p>
       </dgm:t>
     </dgm:pt>
-    <dgm:pt modelId="{7E829DBF-11EB-4D72-AD4A-9FFEFE4340A9}">
+    <dgm:pt modelId="{FF4A56C4-A0F8-4E31-9A29-BCA3D7589DA9}">
       <dgm:prSet phldrT="[Text]"/>
       <dgm:spPr/>
       <dgm:t>
@@ -5797,13 +7043,13 @@
         <a:p>
           <a:r>
             <a:rPr lang="en-US" dirty="0" smtClean="0"/>
-            <a:t>Claim</a:t>
+            <a:t>Sweden</a:t>
           </a:r>
           <a:endParaRPr lang="en-US" dirty="0"/>
         </a:p>
       </dgm:t>
     </dgm:pt>
-    <dgm:pt modelId="{48762A67-82F8-401B-A9A5-4615EBFB853F}" type="sibTrans" cxnId="{A13A4508-9D1D-4EA7-92B5-7D7B353A0321}">
+    <dgm:pt modelId="{9787F62D-DF05-4E43-AC39-17D9363C09B7}" type="parTrans" cxnId="{8DC27C54-9591-46ED-A477-4105B1186D38}">
       <dgm:prSet/>
       <dgm:spPr/>
       <dgm:t>
@@ -5814,7 +7060,7 @@
         </a:p>
       </dgm:t>
     </dgm:pt>
-    <dgm:pt modelId="{B79A9084-4702-49D3-9B1F-C522F5B6A9D5}" type="parTrans" cxnId="{A13A4508-9D1D-4EA7-92B5-7D7B353A0321}">
+    <dgm:pt modelId="{F2F1F81B-0522-4C5A-A995-2E5F80018D45}" type="sibTrans" cxnId="{8DC27C54-9591-46ED-A477-4105B1186D38}">
       <dgm:prSet/>
       <dgm:spPr/>
       <dgm:t>
@@ -5825,12 +7071,132 @@
         </a:p>
       </dgm:t>
     </dgm:pt>
-    <dgm:pt modelId="{190BD860-8DD3-474B-98D0-B37BA6B8475C}" type="pres">
-      <dgm:prSet presAssocID="{1F8C6969-57BC-422B-A7D8-CEB736D20A22}" presName="Name0" presStyleCnt="0">
+    <dgm:pt modelId="{C72CDDFF-B2F8-4FD3-A2DE-D6311CED51A5}">
+      <dgm:prSet phldrT="[Text]"/>
+      <dgm:spPr>
+        <a:solidFill>
+          <a:schemeClr val="accent1">
+            <a:lumMod val="60000"/>
+            <a:lumOff val="40000"/>
+          </a:schemeClr>
+        </a:solidFill>
+      </dgm:spPr>
+      <dgm:t>
+        <a:bodyPr/>
+        <a:lstStyle/>
+        <a:p>
+          <a:r>
+            <a:rPr lang="en-US" dirty="0" smtClean="0"/>
+            <a:t>Class	</a:t>
+          </a:r>
+          <a:endParaRPr lang="en-US" dirty="0"/>
+        </a:p>
+      </dgm:t>
+    </dgm:pt>
+    <dgm:pt modelId="{CF4D6D04-84C5-4B4D-BF8A-500B8C0A5800}" type="parTrans" cxnId="{A3B0AC0E-DA19-4CA8-9327-49BA4052CA4D}">
+      <dgm:prSet/>
+      <dgm:spPr/>
+      <dgm:t>
+        <a:bodyPr/>
+        <a:lstStyle/>
+        <a:p>
+          <a:endParaRPr lang="en-US"/>
+        </a:p>
+      </dgm:t>
+    </dgm:pt>
+    <dgm:pt modelId="{F3AFECBC-59B2-4BE5-99EB-F5C6BA3D136C}" type="sibTrans" cxnId="{A3B0AC0E-DA19-4CA8-9327-49BA4052CA4D}">
+      <dgm:prSet/>
+      <dgm:spPr/>
+      <dgm:t>
+        <a:bodyPr/>
+        <a:lstStyle/>
+        <a:p>
+          <a:endParaRPr lang="en-US"/>
+        </a:p>
+      </dgm:t>
+    </dgm:pt>
+    <dgm:pt modelId="{CA1305B4-CDCF-4CDE-ACC5-D7591D1AD0D6}">
+      <dgm:prSet phldrT="[Text]"/>
+      <dgm:spPr/>
+      <dgm:t>
+        <a:bodyPr/>
+        <a:lstStyle/>
+        <a:p>
+          <a:r>
+            <a:rPr lang="en-US" dirty="0" smtClean="0"/>
+            <a:t>B</a:t>
+          </a:r>
+          <a:endParaRPr lang="en-US" dirty="0"/>
+        </a:p>
+      </dgm:t>
+    </dgm:pt>
+    <dgm:pt modelId="{046E0A2B-6C8F-4F77-A8CB-3D1ED74350F6}" type="parTrans" cxnId="{8020A179-2450-4ACB-BB23-D1D8C1558126}">
+      <dgm:prSet/>
+      <dgm:spPr/>
+      <dgm:t>
+        <a:bodyPr/>
+        <a:lstStyle/>
+        <a:p>
+          <a:endParaRPr lang="en-US"/>
+        </a:p>
+      </dgm:t>
+    </dgm:pt>
+    <dgm:pt modelId="{B4C2F447-BDF0-4816-834B-459DA1DDA286}" type="sibTrans" cxnId="{8020A179-2450-4ACB-BB23-D1D8C1558126}">
+      <dgm:prSet/>
+      <dgm:spPr/>
+      <dgm:t>
+        <a:bodyPr/>
+        <a:lstStyle/>
+        <a:p>
+          <a:endParaRPr lang="en-US"/>
+        </a:p>
+      </dgm:t>
+    </dgm:pt>
+    <dgm:pt modelId="{30A1C49C-A674-41A2-93C0-5E55DCAE8BD7}">
+      <dgm:prSet phldrT="[Text]"/>
+      <dgm:spPr/>
+      <dgm:t>
+        <a:bodyPr/>
+        <a:lstStyle/>
+        <a:p>
+          <a:r>
+            <a:rPr lang="en-US" dirty="0" smtClean="0"/>
+            <a:t>C</a:t>
+          </a:r>
+          <a:endParaRPr lang="en-US" dirty="0"/>
+        </a:p>
+      </dgm:t>
+    </dgm:pt>
+    <dgm:pt modelId="{C10B39AB-1069-492A-B6D1-8ABFE5F230AE}" type="parTrans" cxnId="{6CB07256-391E-4491-9818-B8AA619131F3}">
+      <dgm:prSet/>
+      <dgm:spPr/>
+      <dgm:t>
+        <a:bodyPr/>
+        <a:lstStyle/>
+        <a:p>
+          <a:endParaRPr lang="en-US"/>
+        </a:p>
+      </dgm:t>
+    </dgm:pt>
+    <dgm:pt modelId="{648A9D4F-D380-4563-8E78-F3D325C947C6}" type="sibTrans" cxnId="{6CB07256-391E-4491-9818-B8AA619131F3}">
+      <dgm:prSet/>
+      <dgm:spPr/>
+      <dgm:t>
+        <a:bodyPr/>
+        <a:lstStyle/>
+        <a:p>
+          <a:endParaRPr lang="en-US"/>
+        </a:p>
+      </dgm:t>
+    </dgm:pt>
+    <dgm:pt modelId="{37AF2D21-E0BA-4ECE-A23D-A9C60E2056BC}" type="pres">
+      <dgm:prSet presAssocID="{1326A606-F04F-41DE-B194-B0B3E8729E52}" presName="Name0" presStyleCnt="0">
         <dgm:presLayoutVars>
+          <dgm:chMax val="3"/>
+          <dgm:chPref val="1"/>
           <dgm:dir/>
           <dgm:animLvl val="lvl"/>
-          <dgm:resizeHandles val="exact"/>
+          <dgm:resizeHandles/>
         </dgm:presLayoutVars>
       </dgm:prSet>
       <dgm:spPr/>
@@ -5842,12 +7208,12 @@
         </a:p>
       </dgm:t>
     </dgm:pt>
-    <dgm:pt modelId="{A8C224A2-AA2C-4437-94AF-8BB1AD7BFE17}" type="pres">
-      <dgm:prSet presAssocID="{7E829DBF-11EB-4D72-AD4A-9FFEFE4340A9}" presName="boxAndChildren" presStyleCnt="0"/>
+    <dgm:pt modelId="{AF0BF6B3-B3AE-49EC-AD9B-A4414360DBAE}" type="pres">
+      <dgm:prSet presAssocID="{1326A606-F04F-41DE-B194-B0B3E8729E52}" presName="outerBox" presStyleCnt="0"/>
       <dgm:spPr/>
     </dgm:pt>
-    <dgm:pt modelId="{4C771A66-447A-40E9-AFD2-909B3A45C9E6}" type="pres">
-      <dgm:prSet presAssocID="{7E829DBF-11EB-4D72-AD4A-9FFEFE4340A9}" presName="parentTextBox" presStyleLbl="node1" presStyleIdx="0" presStyleCnt="1"/>
+    <dgm:pt modelId="{5C1492DB-A047-40E8-87EA-AE2F2AE57E71}" type="pres">
+      <dgm:prSet presAssocID="{1326A606-F04F-41DE-B194-B0B3E8729E52}" presName="outerBoxParent" presStyleLbl="node1" presStyleIdx="0" presStyleCnt="3" custLinFactNeighborX="-1790"/>
       <dgm:spPr/>
       <dgm:t>
         <a:bodyPr/>
@@ -5857,9 +7223,21 @@
         </a:p>
       </dgm:t>
     </dgm:pt>
-    <dgm:pt modelId="{082C1469-7809-41E5-B99E-9BA48C43295F}" type="pres">
-      <dgm:prSet presAssocID="{7E829DBF-11EB-4D72-AD4A-9FFEFE4340A9}" presName="entireBox" presStyleLbl="node1" presStyleIdx="0" presStyleCnt="1" custLinFactNeighborY="2852"/>
+    <dgm:pt modelId="{3504C505-E6E4-4B48-97B9-FFC1E4CD866F}" type="pres">
+      <dgm:prSet presAssocID="{1326A606-F04F-41DE-B194-B0B3E8729E52}" presName="outerBoxChildren" presStyleCnt="0"/>
       <dgm:spPr/>
+    </dgm:pt>
+    <dgm:pt modelId="{029CB799-E6FC-487E-A13B-127521A0E94B}" type="pres">
+      <dgm:prSet presAssocID="{1326A606-F04F-41DE-B194-B0B3E8729E52}" presName="middleBox" presStyleCnt="0"/>
+      <dgm:spPr/>
+    </dgm:pt>
+    <dgm:pt modelId="{92D3A570-6AC8-4C22-88D8-0D8CE6725BD1}" type="pres">
+      <dgm:prSet presAssocID="{1326A606-F04F-41DE-B194-B0B3E8729E52}" presName="middleBoxParent" presStyleLbl="node1" presStyleIdx="1" presStyleCnt="3"/>
+      <dgm:spPr>
+        <a:solidFill>
+          <a:schemeClr val="accent1"/>
+        </a:solidFill>
+      </dgm:spPr>
       <dgm:t>
         <a:bodyPr/>
         <a:lstStyle/>
@@ -5868,12 +7246,12 @@
         </a:p>
       </dgm:t>
     </dgm:pt>
-    <dgm:pt modelId="{20630852-F7AC-4C9B-BACB-E5CA7A64DD6A}" type="pres">
-      <dgm:prSet presAssocID="{7E829DBF-11EB-4D72-AD4A-9FFEFE4340A9}" presName="descendantBox" presStyleCnt="0"/>
+    <dgm:pt modelId="{63B3B362-21EC-4834-BE2A-C82CE6E488B8}" type="pres">
+      <dgm:prSet presAssocID="{1326A606-F04F-41DE-B194-B0B3E8729E52}" presName="middleBoxChildren" presStyleCnt="0"/>
       <dgm:spPr/>
     </dgm:pt>
-    <dgm:pt modelId="{9CD6F3CA-B3FC-45CD-AFE8-83034A1E12CA}" type="pres">
-      <dgm:prSet presAssocID="{B5777570-94A7-4320-B723-D6A66C313179}" presName="childTextBox" presStyleLbl="fgAccFollowNode1" presStyleIdx="0" presStyleCnt="3">
+    <dgm:pt modelId="{8FD3B720-E661-4BEA-BC45-2D58345CE72A}" type="pres">
+      <dgm:prSet presAssocID="{0A8DA2B3-F51B-4AE4-82FF-7B7C479AFB44}" presName="mChild" presStyleLbl="fgAcc1" presStyleIdx="0" presStyleCnt="4">
         <dgm:presLayoutVars>
           <dgm:bulletEnabled val="1"/>
         </dgm:presLayoutVars>
@@ -5887,8 +7265,12 @@
         </a:p>
       </dgm:t>
     </dgm:pt>
-    <dgm:pt modelId="{1F7BECB4-76D7-4619-97E8-90E69CEEB64A}" type="pres">
-      <dgm:prSet presAssocID="{84380697-93A1-4717-937D-A583453B6A3A}" presName="childTextBox" presStyleLbl="fgAccFollowNode1" presStyleIdx="1" presStyleCnt="3">
+    <dgm:pt modelId="{98E3C3FF-D1DD-46EC-AB7B-C6766F784C85}" type="pres">
+      <dgm:prSet presAssocID="{3975B94B-1592-4050-A53B-9661937C22E2}" presName="middleSibTrans" presStyleCnt="0"/>
+      <dgm:spPr/>
+    </dgm:pt>
+    <dgm:pt modelId="{1A898DBA-02E1-4120-88A8-C6670300E520}" type="pres">
+      <dgm:prSet presAssocID="{FF4A56C4-A0F8-4E31-9A29-BCA3D7589DA9}" presName="mChild" presStyleLbl="fgAcc1" presStyleIdx="1" presStyleCnt="4">
         <dgm:presLayoutVars>
           <dgm:bulletEnabled val="1"/>
         </dgm:presLayoutVars>
@@ -5902,8 +7284,46 @@
         </a:p>
       </dgm:t>
     </dgm:pt>
-    <dgm:pt modelId="{15CB6101-9D66-43DB-9447-0F2A9C6FB0A0}" type="pres">
-      <dgm:prSet presAssocID="{53E479E8-975F-4705-83A5-4755CEAB668E}" presName="childTextBox" presStyleLbl="fgAccFollowNode1" presStyleIdx="2" presStyleCnt="3">
+    <dgm:pt modelId="{664BA7F2-3821-4683-B6B2-6FF0D312608B}" type="pres">
+      <dgm:prSet presAssocID="{1326A606-F04F-41DE-B194-B0B3E8729E52}" presName="centerBox" presStyleCnt="0"/>
+      <dgm:spPr/>
+    </dgm:pt>
+    <dgm:pt modelId="{51D1C1AF-F7C6-4E82-BA71-89573B028627}" type="pres">
+      <dgm:prSet presAssocID="{1326A606-F04F-41DE-B194-B0B3E8729E52}" presName="centerBoxParent" presStyleLbl="node1" presStyleIdx="2" presStyleCnt="3"/>
+      <dgm:spPr/>
+      <dgm:t>
+        <a:bodyPr/>
+        <a:lstStyle/>
+        <a:p>
+          <a:endParaRPr lang="en-US"/>
+        </a:p>
+      </dgm:t>
+    </dgm:pt>
+    <dgm:pt modelId="{2D03DE8C-5202-475C-9D96-C73862DEB8F0}" type="pres">
+      <dgm:prSet presAssocID="{1326A606-F04F-41DE-B194-B0B3E8729E52}" presName="centerBoxChildren" presStyleCnt="0"/>
+      <dgm:spPr/>
+    </dgm:pt>
+    <dgm:pt modelId="{0E08C7E7-90F7-4D4F-81A5-600C00B7EC4F}" type="pres">
+      <dgm:prSet presAssocID="{CA1305B4-CDCF-4CDE-ACC5-D7591D1AD0D6}" presName="cChild" presStyleLbl="fgAcc1" presStyleIdx="2" presStyleCnt="4">
+        <dgm:presLayoutVars>
+          <dgm:bulletEnabled val="1"/>
+        </dgm:presLayoutVars>
+      </dgm:prSet>
+      <dgm:spPr/>
+      <dgm:t>
+        <a:bodyPr/>
+        <a:lstStyle/>
+        <a:p>
+          <a:endParaRPr lang="en-US"/>
+        </a:p>
+      </dgm:t>
+    </dgm:pt>
+    <dgm:pt modelId="{0BE50651-FF18-4A91-95D9-B2EAC008CF04}" type="pres">
+      <dgm:prSet presAssocID="{B4C2F447-BDF0-4816-834B-459DA1DDA286}" presName="centerSibTrans" presStyleCnt="0"/>
+      <dgm:spPr/>
+    </dgm:pt>
+    <dgm:pt modelId="{110DCB41-0228-4AB0-A388-D5A5661E2EEA}" type="pres">
+      <dgm:prSet presAssocID="{30A1C49C-A674-41A2-93C0-5E55DCAE8BD7}" presName="cChild" presStyleLbl="fgAcc1" presStyleIdx="3" presStyleCnt="4">
         <dgm:presLayoutVars>
           <dgm:bulletEnabled val="1"/>
         </dgm:presLayoutVars>
@@ -5919,23 +7339,36 @@
     </dgm:pt>
   </dgm:ptLst>
   <dgm:cxnLst>
-    <dgm:cxn modelId="{B5540D3B-AA7B-47BB-A3CE-6F55EABFDF35}" type="presOf" srcId="{84380697-93A1-4717-937D-A583453B6A3A}" destId="{1F7BECB4-76D7-4619-97E8-90E69CEEB64A}" srcOrd="0" destOrd="0" presId="urn:microsoft.com/office/officeart/2005/8/layout/process4"/>
-    <dgm:cxn modelId="{D559203D-4470-4F22-831F-CC50AFA8D35B}" srcId="{7E829DBF-11EB-4D72-AD4A-9FFEFE4340A9}" destId="{B5777570-94A7-4320-B723-D6A66C313179}" srcOrd="0" destOrd="0" parTransId="{B9F1CB2A-7DCC-459F-86B0-4E34DD104B92}" sibTransId="{3058B941-7B65-4F0E-A84D-2774EB2CD7C4}"/>
-    <dgm:cxn modelId="{CF0B8744-2D7D-4C91-A936-545EA7DF304D}" type="presOf" srcId="{B5777570-94A7-4320-B723-D6A66C313179}" destId="{9CD6F3CA-B3FC-45CD-AFE8-83034A1E12CA}" srcOrd="0" destOrd="0" presId="urn:microsoft.com/office/officeart/2005/8/layout/process4"/>
-    <dgm:cxn modelId="{423B5C52-4BB1-47C7-9CFB-5372EF1ED0B3}" type="presOf" srcId="{53E479E8-975F-4705-83A5-4755CEAB668E}" destId="{15CB6101-9D66-43DB-9447-0F2A9C6FB0A0}" srcOrd="0" destOrd="0" presId="urn:microsoft.com/office/officeart/2005/8/layout/process4"/>
-    <dgm:cxn modelId="{A13A4508-9D1D-4EA7-92B5-7D7B353A0321}" srcId="{1F8C6969-57BC-422B-A7D8-CEB736D20A22}" destId="{7E829DBF-11EB-4D72-AD4A-9FFEFE4340A9}" srcOrd="0" destOrd="0" parTransId="{B79A9084-4702-49D3-9B1F-C522F5B6A9D5}" sibTransId="{48762A67-82F8-401B-A9A5-4615EBFB853F}"/>
-    <dgm:cxn modelId="{39079DED-A848-4F98-B223-0886EF93E3FA}" srcId="{7E829DBF-11EB-4D72-AD4A-9FFEFE4340A9}" destId="{53E479E8-975F-4705-83A5-4755CEAB668E}" srcOrd="2" destOrd="0" parTransId="{94A7142F-E62F-4C8D-87C6-97A92D059A94}" sibTransId="{1ED6F0FB-2C58-4525-8AD7-FA2CACFC61EB}"/>
-    <dgm:cxn modelId="{B99E2AE6-C7B4-44DC-A4B7-E9095ED43E69}" type="presOf" srcId="{1F8C6969-57BC-422B-A7D8-CEB736D20A22}" destId="{190BD860-8DD3-474B-98D0-B37BA6B8475C}" srcOrd="0" destOrd="0" presId="urn:microsoft.com/office/officeart/2005/8/layout/process4"/>
-    <dgm:cxn modelId="{B0BEBB14-4FA9-4D62-948B-0BA3F59D42C5}" srcId="{7E829DBF-11EB-4D72-AD4A-9FFEFE4340A9}" destId="{84380697-93A1-4717-937D-A583453B6A3A}" srcOrd="1" destOrd="0" parTransId="{C9BAA796-0BEA-4615-AA5E-2BE19FDBE6A2}" sibTransId="{4A909D9C-235E-4B5F-9214-778AACB66D6F}"/>
-    <dgm:cxn modelId="{0D1EB22D-4B30-405F-9623-29FEA568C41E}" type="presOf" srcId="{7E829DBF-11EB-4D72-AD4A-9FFEFE4340A9}" destId="{4C771A66-447A-40E9-AFD2-909B3A45C9E6}" srcOrd="0" destOrd="0" presId="urn:microsoft.com/office/officeart/2005/8/layout/process4"/>
-    <dgm:cxn modelId="{98E42384-81AD-4FCA-87CC-18237B002BF1}" type="presOf" srcId="{7E829DBF-11EB-4D72-AD4A-9FFEFE4340A9}" destId="{082C1469-7809-41E5-B99E-9BA48C43295F}" srcOrd="1" destOrd="0" presId="urn:microsoft.com/office/officeart/2005/8/layout/process4"/>
-    <dgm:cxn modelId="{B66B039B-E1EA-4838-A266-09139C8ACBAD}" type="presParOf" srcId="{190BD860-8DD3-474B-98D0-B37BA6B8475C}" destId="{A8C224A2-AA2C-4437-94AF-8BB1AD7BFE17}" srcOrd="0" destOrd="0" presId="urn:microsoft.com/office/officeart/2005/8/layout/process4"/>
-    <dgm:cxn modelId="{6F84D19A-0993-48B7-A4BA-74CEE765A761}" type="presParOf" srcId="{A8C224A2-AA2C-4437-94AF-8BB1AD7BFE17}" destId="{4C771A66-447A-40E9-AFD2-909B3A45C9E6}" srcOrd="0" destOrd="0" presId="urn:microsoft.com/office/officeart/2005/8/layout/process4"/>
-    <dgm:cxn modelId="{07E807E6-E6A8-41D0-9DDC-180643ECF5FB}" type="presParOf" srcId="{A8C224A2-AA2C-4437-94AF-8BB1AD7BFE17}" destId="{082C1469-7809-41E5-B99E-9BA48C43295F}" srcOrd="1" destOrd="0" presId="urn:microsoft.com/office/officeart/2005/8/layout/process4"/>
-    <dgm:cxn modelId="{CACA4DC8-9B9E-4685-AFF8-F7959912B715}" type="presParOf" srcId="{A8C224A2-AA2C-4437-94AF-8BB1AD7BFE17}" destId="{20630852-F7AC-4C9B-BACB-E5CA7A64DD6A}" srcOrd="2" destOrd="0" presId="urn:microsoft.com/office/officeart/2005/8/layout/process4"/>
-    <dgm:cxn modelId="{AD42DD85-83D0-464E-9A5F-448F65A34252}" type="presParOf" srcId="{20630852-F7AC-4C9B-BACB-E5CA7A64DD6A}" destId="{9CD6F3CA-B3FC-45CD-AFE8-83034A1E12CA}" srcOrd="0" destOrd="0" presId="urn:microsoft.com/office/officeart/2005/8/layout/process4"/>
-    <dgm:cxn modelId="{FDB2A14C-AB98-4EAE-AC75-03FDB3F80F5D}" type="presParOf" srcId="{20630852-F7AC-4C9B-BACB-E5CA7A64DD6A}" destId="{1F7BECB4-76D7-4619-97E8-90E69CEEB64A}" srcOrd="1" destOrd="0" presId="urn:microsoft.com/office/officeart/2005/8/layout/process4"/>
-    <dgm:cxn modelId="{A571FA05-D344-4C0E-B992-BFFB85C92A2F}" type="presParOf" srcId="{20630852-F7AC-4C9B-BACB-E5CA7A64DD6A}" destId="{15CB6101-9D66-43DB-9447-0F2A9C6FB0A0}" srcOrd="2" destOrd="0" presId="urn:microsoft.com/office/officeart/2005/8/layout/process4"/>
+    <dgm:cxn modelId="{8DC27C54-9591-46ED-A477-4105B1186D38}" srcId="{24C0E99D-B756-4ACA-8E4A-64A58FE6ABA4}" destId="{FF4A56C4-A0F8-4E31-9A29-BCA3D7589DA9}" srcOrd="1" destOrd="0" parTransId="{9787F62D-DF05-4E43-AC39-17D9363C09B7}" sibTransId="{F2F1F81B-0522-4C5A-A995-2E5F80018D45}"/>
+    <dgm:cxn modelId="{C85ECDD7-251E-4012-88F9-26E248701FC2}" type="presOf" srcId="{C72CDDFF-B2F8-4FD3-A2DE-D6311CED51A5}" destId="{51D1C1AF-F7C6-4E82-BA71-89573B028627}" srcOrd="0" destOrd="0" presId="urn:microsoft.com/office/officeart/2005/8/layout/target2"/>
+    <dgm:cxn modelId="{40575A82-7691-439B-B8A3-9D09DB1693A0}" type="presOf" srcId="{FA99B611-A551-41AB-AC76-7500AA9192D8}" destId="{5C1492DB-A047-40E8-87EA-AE2F2AE57E71}" srcOrd="0" destOrd="0" presId="urn:microsoft.com/office/officeart/2005/8/layout/target2"/>
+    <dgm:cxn modelId="{74026BC3-3CD7-4AF9-B183-41A65D865B49}" srcId="{1326A606-F04F-41DE-B194-B0B3E8729E52}" destId="{24C0E99D-B756-4ACA-8E4A-64A58FE6ABA4}" srcOrd="1" destOrd="0" parTransId="{5104E7DC-4459-46C2-8AC8-49EAD166D60B}" sibTransId="{FB555719-6D73-4E05-ABAD-E791B6664E1A}"/>
+    <dgm:cxn modelId="{D2515CAC-A6D8-4DED-BFEA-75508C4C7AFF}" type="presOf" srcId="{30A1C49C-A674-41A2-93C0-5E55DCAE8BD7}" destId="{110DCB41-0228-4AB0-A388-D5A5661E2EEA}" srcOrd="0" destOrd="0" presId="urn:microsoft.com/office/officeart/2005/8/layout/target2"/>
+    <dgm:cxn modelId="{A3B0AC0E-DA19-4CA8-9327-49BA4052CA4D}" srcId="{1326A606-F04F-41DE-B194-B0B3E8729E52}" destId="{C72CDDFF-B2F8-4FD3-A2DE-D6311CED51A5}" srcOrd="2" destOrd="0" parTransId="{CF4D6D04-84C5-4B4D-BF8A-500B8C0A5800}" sibTransId="{F3AFECBC-59B2-4BE5-99EB-F5C6BA3D136C}"/>
+    <dgm:cxn modelId="{AA522D6D-BC51-4C77-BE88-700053D8075F}" type="presOf" srcId="{CA1305B4-CDCF-4CDE-ACC5-D7591D1AD0D6}" destId="{0E08C7E7-90F7-4D4F-81A5-600C00B7EC4F}" srcOrd="0" destOrd="0" presId="urn:microsoft.com/office/officeart/2005/8/layout/target2"/>
+    <dgm:cxn modelId="{8020A179-2450-4ACB-BB23-D1D8C1558126}" srcId="{C72CDDFF-B2F8-4FD3-A2DE-D6311CED51A5}" destId="{CA1305B4-CDCF-4CDE-ACC5-D7591D1AD0D6}" srcOrd="0" destOrd="0" parTransId="{046E0A2B-6C8F-4F77-A8CB-3D1ED74350F6}" sibTransId="{B4C2F447-BDF0-4816-834B-459DA1DDA286}"/>
+    <dgm:cxn modelId="{A6704B9C-0390-4359-BE60-0BFB1BCEBD43}" srcId="{1326A606-F04F-41DE-B194-B0B3E8729E52}" destId="{FA99B611-A551-41AB-AC76-7500AA9192D8}" srcOrd="0" destOrd="0" parTransId="{A3F065C7-CD44-4EF7-85BC-FCE5E8E0D760}" sibTransId="{7D91F9DE-2B3F-4E9C-97B7-CEB0DDF143C0}"/>
+    <dgm:cxn modelId="{16E5EE43-A927-4025-92D8-E37615B1193C}" type="presOf" srcId="{FF4A56C4-A0F8-4E31-9A29-BCA3D7589DA9}" destId="{1A898DBA-02E1-4120-88A8-C6670300E520}" srcOrd="0" destOrd="0" presId="urn:microsoft.com/office/officeart/2005/8/layout/target2"/>
+    <dgm:cxn modelId="{B96A2DE8-E8D1-4CA1-A8B2-3BB9847C6188}" srcId="{24C0E99D-B756-4ACA-8E4A-64A58FE6ABA4}" destId="{0A8DA2B3-F51B-4AE4-82FF-7B7C479AFB44}" srcOrd="0" destOrd="0" parTransId="{13B33BC6-DE80-49FF-BEA2-93174B62B04B}" sibTransId="{3975B94B-1592-4050-A53B-9661937C22E2}"/>
+    <dgm:cxn modelId="{B7C2F4B0-2B83-4A44-B9A6-A4D441FA2750}" type="presOf" srcId="{1326A606-F04F-41DE-B194-B0B3E8729E52}" destId="{37AF2D21-E0BA-4ECE-A23D-A9C60E2056BC}" srcOrd="0" destOrd="0" presId="urn:microsoft.com/office/officeart/2005/8/layout/target2"/>
+    <dgm:cxn modelId="{B9A8AF7A-219F-42F7-A1C3-5698895E1D26}" type="presOf" srcId="{24C0E99D-B756-4ACA-8E4A-64A58FE6ABA4}" destId="{92D3A570-6AC8-4C22-88D8-0D8CE6725BD1}" srcOrd="0" destOrd="0" presId="urn:microsoft.com/office/officeart/2005/8/layout/target2"/>
+    <dgm:cxn modelId="{EC72B3F1-D47E-4DC5-8BB9-A43427C5FD6C}" type="presOf" srcId="{0A8DA2B3-F51B-4AE4-82FF-7B7C479AFB44}" destId="{8FD3B720-E661-4BEA-BC45-2D58345CE72A}" srcOrd="0" destOrd="0" presId="urn:microsoft.com/office/officeart/2005/8/layout/target2"/>
+    <dgm:cxn modelId="{6CB07256-391E-4491-9818-B8AA619131F3}" srcId="{C72CDDFF-B2F8-4FD3-A2DE-D6311CED51A5}" destId="{30A1C49C-A674-41A2-93C0-5E55DCAE8BD7}" srcOrd="1" destOrd="0" parTransId="{C10B39AB-1069-492A-B6D1-8ABFE5F230AE}" sibTransId="{648A9D4F-D380-4563-8E78-F3D325C947C6}"/>
+    <dgm:cxn modelId="{74C9F5DF-D7C9-4CF1-A00C-90C1C2719FAE}" type="presParOf" srcId="{37AF2D21-E0BA-4ECE-A23D-A9C60E2056BC}" destId="{AF0BF6B3-B3AE-49EC-AD9B-A4414360DBAE}" srcOrd="0" destOrd="0" presId="urn:microsoft.com/office/officeart/2005/8/layout/target2"/>
+    <dgm:cxn modelId="{B7D2B7A5-4FEE-4B77-AAA7-06FF797911A2}" type="presParOf" srcId="{AF0BF6B3-B3AE-49EC-AD9B-A4414360DBAE}" destId="{5C1492DB-A047-40E8-87EA-AE2F2AE57E71}" srcOrd="0" destOrd="0" presId="urn:microsoft.com/office/officeart/2005/8/layout/target2"/>
+    <dgm:cxn modelId="{8924F751-8AD8-4932-B5BE-13124AC1C0ED}" type="presParOf" srcId="{AF0BF6B3-B3AE-49EC-AD9B-A4414360DBAE}" destId="{3504C505-E6E4-4B48-97B9-FFC1E4CD866F}" srcOrd="1" destOrd="0" presId="urn:microsoft.com/office/officeart/2005/8/layout/target2"/>
+    <dgm:cxn modelId="{8629BE35-DE01-486A-96F7-AC175FAC5DDE}" type="presParOf" srcId="{37AF2D21-E0BA-4ECE-A23D-A9C60E2056BC}" destId="{029CB799-E6FC-487E-A13B-127521A0E94B}" srcOrd="1" destOrd="0" presId="urn:microsoft.com/office/officeart/2005/8/layout/target2"/>
+    <dgm:cxn modelId="{2FEE614D-3390-4F4B-9591-9DEE7B97B7BE}" type="presParOf" srcId="{029CB799-E6FC-487E-A13B-127521A0E94B}" destId="{92D3A570-6AC8-4C22-88D8-0D8CE6725BD1}" srcOrd="0" destOrd="0" presId="urn:microsoft.com/office/officeart/2005/8/layout/target2"/>
+    <dgm:cxn modelId="{20827510-E42E-4A63-A248-BFF8D9E2383B}" type="presParOf" srcId="{029CB799-E6FC-487E-A13B-127521A0E94B}" destId="{63B3B362-21EC-4834-BE2A-C82CE6E488B8}" srcOrd="1" destOrd="0" presId="urn:microsoft.com/office/officeart/2005/8/layout/target2"/>
+    <dgm:cxn modelId="{DD44931F-B5A6-48DC-8237-FC392EDA7A30}" type="presParOf" srcId="{63B3B362-21EC-4834-BE2A-C82CE6E488B8}" destId="{8FD3B720-E661-4BEA-BC45-2D58345CE72A}" srcOrd="0" destOrd="0" presId="urn:microsoft.com/office/officeart/2005/8/layout/target2"/>
+    <dgm:cxn modelId="{A1FDB0AE-66C4-4A5B-A8A3-74AAA60F62E1}" type="presParOf" srcId="{63B3B362-21EC-4834-BE2A-C82CE6E488B8}" destId="{98E3C3FF-D1DD-46EC-AB7B-C6766F784C85}" srcOrd="1" destOrd="0" presId="urn:microsoft.com/office/officeart/2005/8/layout/target2"/>
+    <dgm:cxn modelId="{59926F5A-DB9E-4301-B3F1-EC5F78C084C3}" type="presParOf" srcId="{63B3B362-21EC-4834-BE2A-C82CE6E488B8}" destId="{1A898DBA-02E1-4120-88A8-C6670300E520}" srcOrd="2" destOrd="0" presId="urn:microsoft.com/office/officeart/2005/8/layout/target2"/>
+    <dgm:cxn modelId="{19EF3640-D436-42E3-86C3-302CCA9B5230}" type="presParOf" srcId="{37AF2D21-E0BA-4ECE-A23D-A9C60E2056BC}" destId="{664BA7F2-3821-4683-B6B2-6FF0D312608B}" srcOrd="2" destOrd="0" presId="urn:microsoft.com/office/officeart/2005/8/layout/target2"/>
+    <dgm:cxn modelId="{5625598E-88F5-49FC-9C0B-50EBB7822D32}" type="presParOf" srcId="{664BA7F2-3821-4683-B6B2-6FF0D312608B}" destId="{51D1C1AF-F7C6-4E82-BA71-89573B028627}" srcOrd="0" destOrd="0" presId="urn:microsoft.com/office/officeart/2005/8/layout/target2"/>
+    <dgm:cxn modelId="{EDBBDF2C-0AC2-4067-90D6-65B2BC297521}" type="presParOf" srcId="{664BA7F2-3821-4683-B6B2-6FF0D312608B}" destId="{2D03DE8C-5202-475C-9D96-C73862DEB8F0}" srcOrd="1" destOrd="0" presId="urn:microsoft.com/office/officeart/2005/8/layout/target2"/>
+    <dgm:cxn modelId="{A58D0DB9-1AE5-4602-8B36-5BD3DA988577}" type="presParOf" srcId="{2D03DE8C-5202-475C-9D96-C73862DEB8F0}" destId="{0E08C7E7-90F7-4D4F-81A5-600C00B7EC4F}" srcOrd="0" destOrd="0" presId="urn:microsoft.com/office/officeart/2005/8/layout/target2"/>
+    <dgm:cxn modelId="{787EA3AE-E698-49AB-B8E5-BAF7BB602C24}" type="presParOf" srcId="{2D03DE8C-5202-475C-9D96-C73862DEB8F0}" destId="{0BE50651-FF18-4A91-95D9-B2EAC008CF04}" srcOrd="1" destOrd="0" presId="urn:microsoft.com/office/officeart/2005/8/layout/target2"/>
+    <dgm:cxn modelId="{A4B1155F-8E2B-4B3C-9829-434F68408B12}" type="presParOf" srcId="{2D03DE8C-5202-475C-9D96-C73862DEB8F0}" destId="{110DCB41-0228-4AB0-A388-D5A5661E2EEA}" srcOrd="2" destOrd="0" presId="urn:microsoft.com/office/officeart/2005/8/layout/target2"/>
   </dgm:cxnLst>
   <dgm:bg/>
   <dgm:whole/>
@@ -5947,11 +7380,11 @@
 </dgm:dataModel>
 </file>
 
-<file path=ppt/diagrams/data3.xml><?xml version="1.0" encoding="utf-8"?>
+<file path=ppt/diagrams/data4.xml><?xml version="1.0" encoding="utf-8"?>
 <dgm:dataModel xmlns:dgm="http://schemas.openxmlformats.org/drawingml/2006/diagram" xmlns:a="http://schemas.openxmlformats.org/drawingml/2006/main">
   <dgm:ptLst>
-    <dgm:pt modelId="{1F8C6969-57BC-422B-A7D8-CEB736D20A22}" type="doc">
-      <dgm:prSet loTypeId="urn:microsoft.com/office/officeart/2005/8/layout/process4" loCatId="list" qsTypeId="urn:microsoft.com/office/officeart/2005/8/quickstyle/simple1" qsCatId="simple" csTypeId="urn:microsoft.com/office/officeart/2005/8/colors/accent1_2" csCatId="accent1" phldr="1"/>
+    <dgm:pt modelId="{1326A606-F04F-41DE-B194-B0B3E8729E52}" type="doc">
+      <dgm:prSet loTypeId="urn:microsoft.com/office/officeart/2005/8/layout/target2" loCatId="relationship" qsTypeId="urn:microsoft.com/office/officeart/2005/8/quickstyle/simple1" qsCatId="simple" csTypeId="urn:microsoft.com/office/officeart/2005/8/colors/accent1_2" csCatId="accent1" phldr="1"/>
       <dgm:spPr/>
       <dgm:t>
         <a:bodyPr/>
@@ -5961,22 +7394,26 @@
         </a:p>
       </dgm:t>
     </dgm:pt>
-    <dgm:pt modelId="{B5777570-94A7-4320-B723-D6A66C313179}">
-      <dgm:prSet phldrT="[Text]" custT="1"/>
-      <dgm:spPr/>
+    <dgm:pt modelId="{FA99B611-A551-41AB-AC76-7500AA9192D8}">
+      <dgm:prSet phldrT="[Text]"/>
+      <dgm:spPr>
+        <a:solidFill>
+          <a:schemeClr val="accent1"/>
+        </a:solidFill>
+      </dgm:spPr>
       <dgm:t>
         <a:bodyPr/>
         <a:lstStyle/>
         <a:p>
           <a:r>
-            <a:rPr lang="en-US" sz="1200" dirty="0" smtClean="0"/>
-            <a:t>Associate</a:t>
+            <a:rPr lang="en-US" dirty="0" smtClean="0"/>
+            <a:t>Access card                                                   Company Ltd</a:t>
           </a:r>
-          <a:endParaRPr lang="en-US" sz="1200" dirty="0"/>
+          <a:endParaRPr lang="en-US" dirty="0"/>
         </a:p>
       </dgm:t>
     </dgm:pt>
-    <dgm:pt modelId="{B9F1CB2A-7DCC-459F-86B0-4E34DD104B92}" type="parTrans" cxnId="{D559203D-4470-4F22-831F-CC50AFA8D35B}">
+    <dgm:pt modelId="{A3F065C7-CD44-4EF7-85BC-FCE5E8E0D760}" type="parTrans" cxnId="{A6704B9C-0390-4359-BE60-0BFB1BCEBD43}">
       <dgm:prSet/>
       <dgm:spPr/>
       <dgm:t>
@@ -5987,7 +7424,7 @@
         </a:p>
       </dgm:t>
     </dgm:pt>
-    <dgm:pt modelId="{3058B941-7B65-4F0E-A84D-2774EB2CD7C4}" type="sibTrans" cxnId="{D559203D-4470-4F22-831F-CC50AFA8D35B}">
+    <dgm:pt modelId="{7D91F9DE-2B3F-4E9C-97B7-CEB0DDF143C0}" type="sibTrans" cxnId="{A6704B9C-0390-4359-BE60-0BFB1BCEBD43}">
       <dgm:prSet/>
       <dgm:spPr/>
       <dgm:t>
@@ -5998,21 +7435,29 @@
         </a:p>
       </dgm:t>
     </dgm:pt>
-    <dgm:pt modelId="{84380697-93A1-4717-937D-A583453B6A3A}">
+    <dgm:pt modelId="{24C0E99D-B756-4ACA-8E4A-64A58FE6ABA4}">
       <dgm:prSet phldrT="[Text]"/>
-      <dgm:spPr/>
+      <dgm:spPr>
+        <a:solidFill>
+          <a:schemeClr val="accent1">
+            <a:lumMod val="60000"/>
+            <a:lumOff val="40000"/>
+          </a:schemeClr>
+        </a:solidFill>
+      </dgm:spPr>
       <dgm:t>
         <a:bodyPr/>
         <a:lstStyle/>
         <a:p>
           <a:r>
             <a:rPr lang="en-US" dirty="0" smtClean="0"/>
-            <a:t>Social Security Number</a:t>
+            <a:t>Name: Billy Smith</a:t>
           </a:r>
+          <a:endParaRPr lang="en-US" dirty="0"/>
         </a:p>
       </dgm:t>
     </dgm:pt>
-    <dgm:pt modelId="{C9BAA796-0BEA-4615-AA5E-2BE19FDBE6A2}" type="parTrans" cxnId="{B0BEBB14-4FA9-4D62-948B-0BA3F59D42C5}">
+    <dgm:pt modelId="{5104E7DC-4459-46C2-8AC8-49EAD166D60B}" type="parTrans" cxnId="{74026BC3-3CD7-4AF9-B183-41A65D865B49}">
       <dgm:prSet/>
       <dgm:spPr/>
       <dgm:t>
@@ -6023,7 +7468,7 @@
         </a:p>
       </dgm:t>
     </dgm:pt>
-    <dgm:pt modelId="{4A909D9C-235E-4B5F-9214-778AACB66D6F}" type="sibTrans" cxnId="{B0BEBB14-4FA9-4D62-948B-0BA3F59D42C5}">
+    <dgm:pt modelId="{FB555719-6D73-4E05-ABAD-E791B6664E1A}" type="sibTrans" cxnId="{74026BC3-3CD7-4AF9-B183-41A65D865B49}">
       <dgm:prSet/>
       <dgm:spPr/>
       <dgm:t>
@@ -6034,21 +7479,29 @@
         </a:p>
       </dgm:t>
     </dgm:pt>
-    <dgm:pt modelId="{53E479E8-975F-4705-83A5-4755CEAB668E}">
+    <dgm:pt modelId="{C72CDDFF-B2F8-4FD3-A2DE-D6311CED51A5}">
       <dgm:prSet phldrT="[Text]"/>
-      <dgm:spPr/>
+      <dgm:spPr>
+        <a:solidFill>
+          <a:schemeClr val="accent1">
+            <a:lumMod val="60000"/>
+            <a:lumOff val="40000"/>
+          </a:schemeClr>
+        </a:solidFill>
+      </dgm:spPr>
       <dgm:t>
         <a:bodyPr/>
         <a:lstStyle/>
         <a:p>
           <a:r>
             <a:rPr lang="en-US" dirty="0" smtClean="0"/>
-            <a:t>840228-4792</a:t>
+            <a:t>Employee	</a:t>
           </a:r>
+          <a:endParaRPr lang="en-US" dirty="0"/>
         </a:p>
       </dgm:t>
     </dgm:pt>
-    <dgm:pt modelId="{94A7142F-E62F-4C8D-87C6-97A92D059A94}" type="parTrans" cxnId="{39079DED-A848-4F98-B223-0886EF93E3FA}">
+    <dgm:pt modelId="{CF4D6D04-84C5-4B4D-BF8A-500B8C0A5800}" type="parTrans" cxnId="{A3B0AC0E-DA19-4CA8-9327-49BA4052CA4D}">
       <dgm:prSet/>
       <dgm:spPr/>
       <dgm:t>
@@ -6059,7 +7512,7 @@
         </a:p>
       </dgm:t>
     </dgm:pt>
-    <dgm:pt modelId="{1ED6F0FB-2C58-4525-8AD7-FA2CACFC61EB}" type="sibTrans" cxnId="{39079DED-A848-4F98-B223-0886EF93E3FA}">
+    <dgm:pt modelId="{F3AFECBC-59B2-4BE5-99EB-F5C6BA3D136C}" type="sibTrans" cxnId="{A3B0AC0E-DA19-4CA8-9327-49BA4052CA4D}">
       <dgm:prSet/>
       <dgm:spPr/>
       <dgm:t>
@@ -6070,7 +7523,7 @@
         </a:p>
       </dgm:t>
     </dgm:pt>
-    <dgm:pt modelId="{7E829DBF-11EB-4D72-AD4A-9FFEFE4340A9}">
+    <dgm:pt modelId="{30A1C49C-A674-41A2-93C0-5E55DCAE8BD7}">
       <dgm:prSet phldrT="[Text]"/>
       <dgm:spPr/>
       <dgm:t>
@@ -6079,13 +7532,13 @@
         <a:p>
           <a:r>
             <a:rPr lang="en-US" dirty="0" smtClean="0"/>
-            <a:t>Claim</a:t>
+            <a:t>5378-4</a:t>
           </a:r>
           <a:endParaRPr lang="en-US" dirty="0"/>
         </a:p>
       </dgm:t>
     </dgm:pt>
-    <dgm:pt modelId="{48762A67-82F8-401B-A9A5-4615EBFB853F}" type="sibTrans" cxnId="{A13A4508-9D1D-4EA7-92B5-7D7B353A0321}">
+    <dgm:pt modelId="{648A9D4F-D380-4563-8E78-F3D325C947C6}" type="sibTrans" cxnId="{6CB07256-391E-4491-9818-B8AA619131F3}">
       <dgm:prSet/>
       <dgm:spPr/>
       <dgm:t>
@@ -6096,7 +7549,7 @@
         </a:p>
       </dgm:t>
     </dgm:pt>
-    <dgm:pt modelId="{B79A9084-4702-49D3-9B1F-C522F5B6A9D5}" type="parTrans" cxnId="{A13A4508-9D1D-4EA7-92B5-7D7B353A0321}">
+    <dgm:pt modelId="{C10B39AB-1069-492A-B6D1-8ABFE5F230AE}" type="parTrans" cxnId="{6CB07256-391E-4491-9818-B8AA619131F3}">
       <dgm:prSet/>
       <dgm:spPr/>
       <dgm:t>
@@ -6107,12 +7560,14 @@
         </a:p>
       </dgm:t>
     </dgm:pt>
-    <dgm:pt modelId="{190BD860-8DD3-474B-98D0-B37BA6B8475C}" type="pres">
-      <dgm:prSet presAssocID="{1F8C6969-57BC-422B-A7D8-CEB736D20A22}" presName="Name0" presStyleCnt="0">
+    <dgm:pt modelId="{37AF2D21-E0BA-4ECE-A23D-A9C60E2056BC}" type="pres">
+      <dgm:prSet presAssocID="{1326A606-F04F-41DE-B194-B0B3E8729E52}" presName="Name0" presStyleCnt="0">
         <dgm:presLayoutVars>
+          <dgm:chMax val="3"/>
+          <dgm:chPref val="1"/>
           <dgm:dir/>
           <dgm:animLvl val="lvl"/>
-          <dgm:resizeHandles val="exact"/>
+          <dgm:resizeHandles/>
         </dgm:presLayoutVars>
       </dgm:prSet>
       <dgm:spPr/>
@@ -6124,12 +7579,12 @@
         </a:p>
       </dgm:t>
     </dgm:pt>
-    <dgm:pt modelId="{A8C224A2-AA2C-4437-94AF-8BB1AD7BFE17}" type="pres">
-      <dgm:prSet presAssocID="{7E829DBF-11EB-4D72-AD4A-9FFEFE4340A9}" presName="boxAndChildren" presStyleCnt="0"/>
+    <dgm:pt modelId="{AF0BF6B3-B3AE-49EC-AD9B-A4414360DBAE}" type="pres">
+      <dgm:prSet presAssocID="{1326A606-F04F-41DE-B194-B0B3E8729E52}" presName="outerBox" presStyleCnt="0"/>
       <dgm:spPr/>
     </dgm:pt>
-    <dgm:pt modelId="{4C771A66-447A-40E9-AFD2-909B3A45C9E6}" type="pres">
-      <dgm:prSet presAssocID="{7E829DBF-11EB-4D72-AD4A-9FFEFE4340A9}" presName="parentTextBox" presStyleLbl="node1" presStyleIdx="0" presStyleCnt="1"/>
+    <dgm:pt modelId="{5C1492DB-A047-40E8-87EA-AE2F2AE57E71}" type="pres">
+      <dgm:prSet presAssocID="{1326A606-F04F-41DE-B194-B0B3E8729E52}" presName="outerBoxParent" presStyleLbl="node1" presStyleIdx="0" presStyleCnt="3" custLinFactNeighborX="-1790"/>
       <dgm:spPr/>
       <dgm:t>
         <a:bodyPr/>
@@ -6139,8 +7594,39 @@
         </a:p>
       </dgm:t>
     </dgm:pt>
-    <dgm:pt modelId="{082C1469-7809-41E5-B99E-9BA48C43295F}" type="pres">
-      <dgm:prSet presAssocID="{7E829DBF-11EB-4D72-AD4A-9FFEFE4340A9}" presName="entireBox" presStyleLbl="node1" presStyleIdx="0" presStyleCnt="1" custLinFactNeighborX="2273"/>
+    <dgm:pt modelId="{3504C505-E6E4-4B48-97B9-FFC1E4CD866F}" type="pres">
+      <dgm:prSet presAssocID="{1326A606-F04F-41DE-B194-B0B3E8729E52}" presName="outerBoxChildren" presStyleCnt="0"/>
+      <dgm:spPr/>
+    </dgm:pt>
+    <dgm:pt modelId="{029CB799-E6FC-487E-A13B-127521A0E94B}" type="pres">
+      <dgm:prSet presAssocID="{1326A606-F04F-41DE-B194-B0B3E8729E52}" presName="middleBox" presStyleCnt="0"/>
+      <dgm:spPr/>
+    </dgm:pt>
+    <dgm:pt modelId="{92D3A570-6AC8-4C22-88D8-0D8CE6725BD1}" type="pres">
+      <dgm:prSet presAssocID="{1326A606-F04F-41DE-B194-B0B3E8729E52}" presName="middleBoxParent" presStyleLbl="node1" presStyleIdx="1" presStyleCnt="3"/>
+      <dgm:spPr>
+        <a:solidFill>
+          <a:schemeClr val="accent1"/>
+        </a:solidFill>
+      </dgm:spPr>
+      <dgm:t>
+        <a:bodyPr/>
+        <a:lstStyle/>
+        <a:p>
+          <a:endParaRPr lang="en-US"/>
+        </a:p>
+      </dgm:t>
+    </dgm:pt>
+    <dgm:pt modelId="{63B3B362-21EC-4834-BE2A-C82CE6E488B8}" type="pres">
+      <dgm:prSet presAssocID="{1326A606-F04F-41DE-B194-B0B3E8729E52}" presName="middleBoxChildren" presStyleCnt="0"/>
+      <dgm:spPr/>
+    </dgm:pt>
+    <dgm:pt modelId="{664BA7F2-3821-4683-B6B2-6FF0D312608B}" type="pres">
+      <dgm:prSet presAssocID="{1326A606-F04F-41DE-B194-B0B3E8729E52}" presName="centerBox" presStyleCnt="0"/>
+      <dgm:spPr/>
+    </dgm:pt>
+    <dgm:pt modelId="{51D1C1AF-F7C6-4E82-BA71-89573B028627}" type="pres">
+      <dgm:prSet presAssocID="{1326A606-F04F-41DE-B194-B0B3E8729E52}" presName="centerBoxParent" presStyleLbl="node1" presStyleIdx="2" presStyleCnt="3"/>
       <dgm:spPr/>
       <dgm:t>
         <a:bodyPr/>
@@ -6150,42 +7636,12 @@
         </a:p>
       </dgm:t>
     </dgm:pt>
-    <dgm:pt modelId="{20630852-F7AC-4C9B-BACB-E5CA7A64DD6A}" type="pres">
-      <dgm:prSet presAssocID="{7E829DBF-11EB-4D72-AD4A-9FFEFE4340A9}" presName="descendantBox" presStyleCnt="0"/>
+    <dgm:pt modelId="{2D03DE8C-5202-475C-9D96-C73862DEB8F0}" type="pres">
+      <dgm:prSet presAssocID="{1326A606-F04F-41DE-B194-B0B3E8729E52}" presName="centerBoxChildren" presStyleCnt="0"/>
       <dgm:spPr/>
     </dgm:pt>
-    <dgm:pt modelId="{9CD6F3CA-B3FC-45CD-AFE8-83034A1E12CA}" type="pres">
-      <dgm:prSet presAssocID="{B5777570-94A7-4320-B723-D6A66C313179}" presName="childTextBox" presStyleLbl="fgAccFollowNode1" presStyleIdx="0" presStyleCnt="3">
-        <dgm:presLayoutVars>
-          <dgm:bulletEnabled val="1"/>
-        </dgm:presLayoutVars>
-      </dgm:prSet>
-      <dgm:spPr/>
-      <dgm:t>
-        <a:bodyPr/>
-        <a:lstStyle/>
-        <a:p>
-          <a:endParaRPr lang="en-US"/>
-        </a:p>
-      </dgm:t>
-    </dgm:pt>
-    <dgm:pt modelId="{1F7BECB4-76D7-4619-97E8-90E69CEEB64A}" type="pres">
-      <dgm:prSet presAssocID="{84380697-93A1-4717-937D-A583453B6A3A}" presName="childTextBox" presStyleLbl="fgAccFollowNode1" presStyleIdx="1" presStyleCnt="3">
-        <dgm:presLayoutVars>
-          <dgm:bulletEnabled val="1"/>
-        </dgm:presLayoutVars>
-      </dgm:prSet>
-      <dgm:spPr/>
-      <dgm:t>
-        <a:bodyPr/>
-        <a:lstStyle/>
-        <a:p>
-          <a:endParaRPr lang="en-US"/>
-        </a:p>
-      </dgm:t>
-    </dgm:pt>
-    <dgm:pt modelId="{15CB6101-9D66-43DB-9447-0F2A9C6FB0A0}" type="pres">
-      <dgm:prSet presAssocID="{53E479E8-975F-4705-83A5-4755CEAB668E}" presName="childTextBox" presStyleLbl="fgAccFollowNode1" presStyleIdx="2" presStyleCnt="3">
+    <dgm:pt modelId="{110DCB41-0228-4AB0-A388-D5A5661E2EEA}" type="pres">
+      <dgm:prSet presAssocID="{30A1C49C-A674-41A2-93C0-5E55DCAE8BD7}" presName="cChild" presStyleLbl="fgAcc1" presStyleIdx="0" presStyleCnt="1">
         <dgm:presLayoutVars>
           <dgm:bulletEnabled val="1"/>
         </dgm:presLayoutVars>
@@ -6201,23 +7657,25 @@
     </dgm:pt>
   </dgm:ptLst>
   <dgm:cxnLst>
-    <dgm:cxn modelId="{30C51928-7838-444E-9285-7558BF7ACE84}" type="presOf" srcId="{7E829DBF-11EB-4D72-AD4A-9FFEFE4340A9}" destId="{082C1469-7809-41E5-B99E-9BA48C43295F}" srcOrd="1" destOrd="0" presId="urn:microsoft.com/office/officeart/2005/8/layout/process4"/>
-    <dgm:cxn modelId="{E2EC0447-E03E-4058-8F7D-89B32955CA77}" type="presOf" srcId="{1F8C6969-57BC-422B-A7D8-CEB736D20A22}" destId="{190BD860-8DD3-474B-98D0-B37BA6B8475C}" srcOrd="0" destOrd="0" presId="urn:microsoft.com/office/officeart/2005/8/layout/process4"/>
-    <dgm:cxn modelId="{6E5FE0C9-B74E-4757-91C7-9C5AEBE2BD73}" type="presOf" srcId="{B5777570-94A7-4320-B723-D6A66C313179}" destId="{9CD6F3CA-B3FC-45CD-AFE8-83034A1E12CA}" srcOrd="0" destOrd="0" presId="urn:microsoft.com/office/officeart/2005/8/layout/process4"/>
-    <dgm:cxn modelId="{9FD52A1F-6F8D-4CDE-83EB-0A8CB00AFD95}" type="presOf" srcId="{7E829DBF-11EB-4D72-AD4A-9FFEFE4340A9}" destId="{4C771A66-447A-40E9-AFD2-909B3A45C9E6}" srcOrd="0" destOrd="0" presId="urn:microsoft.com/office/officeart/2005/8/layout/process4"/>
-    <dgm:cxn modelId="{D559203D-4470-4F22-831F-CC50AFA8D35B}" srcId="{7E829DBF-11EB-4D72-AD4A-9FFEFE4340A9}" destId="{B5777570-94A7-4320-B723-D6A66C313179}" srcOrd="0" destOrd="0" parTransId="{B9F1CB2A-7DCC-459F-86B0-4E34DD104B92}" sibTransId="{3058B941-7B65-4F0E-A84D-2774EB2CD7C4}"/>
-    <dgm:cxn modelId="{7A66B0DC-8B02-4030-BE07-BB8F945107A5}" type="presOf" srcId="{84380697-93A1-4717-937D-A583453B6A3A}" destId="{1F7BECB4-76D7-4619-97E8-90E69CEEB64A}" srcOrd="0" destOrd="0" presId="urn:microsoft.com/office/officeart/2005/8/layout/process4"/>
-    <dgm:cxn modelId="{A13A4508-9D1D-4EA7-92B5-7D7B353A0321}" srcId="{1F8C6969-57BC-422B-A7D8-CEB736D20A22}" destId="{7E829DBF-11EB-4D72-AD4A-9FFEFE4340A9}" srcOrd="0" destOrd="0" parTransId="{B79A9084-4702-49D3-9B1F-C522F5B6A9D5}" sibTransId="{48762A67-82F8-401B-A9A5-4615EBFB853F}"/>
-    <dgm:cxn modelId="{39079DED-A848-4F98-B223-0886EF93E3FA}" srcId="{7E829DBF-11EB-4D72-AD4A-9FFEFE4340A9}" destId="{53E479E8-975F-4705-83A5-4755CEAB668E}" srcOrd="2" destOrd="0" parTransId="{94A7142F-E62F-4C8D-87C6-97A92D059A94}" sibTransId="{1ED6F0FB-2C58-4525-8AD7-FA2CACFC61EB}"/>
-    <dgm:cxn modelId="{A9771884-1E64-44B0-B789-DED5545FEB15}" type="presOf" srcId="{53E479E8-975F-4705-83A5-4755CEAB668E}" destId="{15CB6101-9D66-43DB-9447-0F2A9C6FB0A0}" srcOrd="0" destOrd="0" presId="urn:microsoft.com/office/officeart/2005/8/layout/process4"/>
-    <dgm:cxn modelId="{B0BEBB14-4FA9-4D62-948B-0BA3F59D42C5}" srcId="{7E829DBF-11EB-4D72-AD4A-9FFEFE4340A9}" destId="{84380697-93A1-4717-937D-A583453B6A3A}" srcOrd="1" destOrd="0" parTransId="{C9BAA796-0BEA-4615-AA5E-2BE19FDBE6A2}" sibTransId="{4A909D9C-235E-4B5F-9214-778AACB66D6F}"/>
-    <dgm:cxn modelId="{8568C74C-0799-4E72-8861-71A34D1C145C}" type="presParOf" srcId="{190BD860-8DD3-474B-98D0-B37BA6B8475C}" destId="{A8C224A2-AA2C-4437-94AF-8BB1AD7BFE17}" srcOrd="0" destOrd="0" presId="urn:microsoft.com/office/officeart/2005/8/layout/process4"/>
-    <dgm:cxn modelId="{18C8D724-B892-48E7-B81B-776B0C775422}" type="presParOf" srcId="{A8C224A2-AA2C-4437-94AF-8BB1AD7BFE17}" destId="{4C771A66-447A-40E9-AFD2-909B3A45C9E6}" srcOrd="0" destOrd="0" presId="urn:microsoft.com/office/officeart/2005/8/layout/process4"/>
-    <dgm:cxn modelId="{BE560920-34C8-485A-A826-5545E940A733}" type="presParOf" srcId="{A8C224A2-AA2C-4437-94AF-8BB1AD7BFE17}" destId="{082C1469-7809-41E5-B99E-9BA48C43295F}" srcOrd="1" destOrd="0" presId="urn:microsoft.com/office/officeart/2005/8/layout/process4"/>
-    <dgm:cxn modelId="{DB3F8F75-3F1C-43DA-9A95-9D30F6C7C335}" type="presParOf" srcId="{A8C224A2-AA2C-4437-94AF-8BB1AD7BFE17}" destId="{20630852-F7AC-4C9B-BACB-E5CA7A64DD6A}" srcOrd="2" destOrd="0" presId="urn:microsoft.com/office/officeart/2005/8/layout/process4"/>
-    <dgm:cxn modelId="{E10210D2-5D81-4A40-B56E-E7A71FF7715C}" type="presParOf" srcId="{20630852-F7AC-4C9B-BACB-E5CA7A64DD6A}" destId="{9CD6F3CA-B3FC-45CD-AFE8-83034A1E12CA}" srcOrd="0" destOrd="0" presId="urn:microsoft.com/office/officeart/2005/8/layout/process4"/>
-    <dgm:cxn modelId="{FECC6592-366C-46F1-BEE7-5372D33DDBE5}" type="presParOf" srcId="{20630852-F7AC-4C9B-BACB-E5CA7A64DD6A}" destId="{1F7BECB4-76D7-4619-97E8-90E69CEEB64A}" srcOrd="1" destOrd="0" presId="urn:microsoft.com/office/officeart/2005/8/layout/process4"/>
-    <dgm:cxn modelId="{ACBD5406-957D-4C02-A4A6-80758BCE99DA}" type="presParOf" srcId="{20630852-F7AC-4C9B-BACB-E5CA7A64DD6A}" destId="{15CB6101-9D66-43DB-9447-0F2A9C6FB0A0}" srcOrd="2" destOrd="0" presId="urn:microsoft.com/office/officeart/2005/8/layout/process4"/>
+    <dgm:cxn modelId="{74026BC3-3CD7-4AF9-B183-41A65D865B49}" srcId="{1326A606-F04F-41DE-B194-B0B3E8729E52}" destId="{24C0E99D-B756-4ACA-8E4A-64A58FE6ABA4}" srcOrd="1" destOrd="0" parTransId="{5104E7DC-4459-46C2-8AC8-49EAD166D60B}" sibTransId="{FB555719-6D73-4E05-ABAD-E791B6664E1A}"/>
+    <dgm:cxn modelId="{DB83AF28-A5A1-4989-BE35-525366521EA4}" type="presOf" srcId="{30A1C49C-A674-41A2-93C0-5E55DCAE8BD7}" destId="{110DCB41-0228-4AB0-A388-D5A5661E2EEA}" srcOrd="0" destOrd="0" presId="urn:microsoft.com/office/officeart/2005/8/layout/target2"/>
+    <dgm:cxn modelId="{E13B8C0E-7B0D-406D-9B4B-535DE5F19C01}" type="presOf" srcId="{FA99B611-A551-41AB-AC76-7500AA9192D8}" destId="{5C1492DB-A047-40E8-87EA-AE2F2AE57E71}" srcOrd="0" destOrd="0" presId="urn:microsoft.com/office/officeart/2005/8/layout/target2"/>
+    <dgm:cxn modelId="{35F3D22E-85C5-4C56-A0EF-D417F52A2D79}" type="presOf" srcId="{1326A606-F04F-41DE-B194-B0B3E8729E52}" destId="{37AF2D21-E0BA-4ECE-A23D-A9C60E2056BC}" srcOrd="0" destOrd="0" presId="urn:microsoft.com/office/officeart/2005/8/layout/target2"/>
+    <dgm:cxn modelId="{A6704B9C-0390-4359-BE60-0BFB1BCEBD43}" srcId="{1326A606-F04F-41DE-B194-B0B3E8729E52}" destId="{FA99B611-A551-41AB-AC76-7500AA9192D8}" srcOrd="0" destOrd="0" parTransId="{A3F065C7-CD44-4EF7-85BC-FCE5E8E0D760}" sibTransId="{7D91F9DE-2B3F-4E9C-97B7-CEB0DDF143C0}"/>
+    <dgm:cxn modelId="{6CB07256-391E-4491-9818-B8AA619131F3}" srcId="{C72CDDFF-B2F8-4FD3-A2DE-D6311CED51A5}" destId="{30A1C49C-A674-41A2-93C0-5E55DCAE8BD7}" srcOrd="0" destOrd="0" parTransId="{C10B39AB-1069-492A-B6D1-8ABFE5F230AE}" sibTransId="{648A9D4F-D380-4563-8E78-F3D325C947C6}"/>
+    <dgm:cxn modelId="{5027E238-1214-44B0-9DD5-FA2B13A896B0}" type="presOf" srcId="{24C0E99D-B756-4ACA-8E4A-64A58FE6ABA4}" destId="{92D3A570-6AC8-4C22-88D8-0D8CE6725BD1}" srcOrd="0" destOrd="0" presId="urn:microsoft.com/office/officeart/2005/8/layout/target2"/>
+    <dgm:cxn modelId="{EBF49C09-EAE1-4609-B985-52378B00E50F}" type="presOf" srcId="{C72CDDFF-B2F8-4FD3-A2DE-D6311CED51A5}" destId="{51D1C1AF-F7C6-4E82-BA71-89573B028627}" srcOrd="0" destOrd="0" presId="urn:microsoft.com/office/officeart/2005/8/layout/target2"/>
+    <dgm:cxn modelId="{A3B0AC0E-DA19-4CA8-9327-49BA4052CA4D}" srcId="{1326A606-F04F-41DE-B194-B0B3E8729E52}" destId="{C72CDDFF-B2F8-4FD3-A2DE-D6311CED51A5}" srcOrd="2" destOrd="0" parTransId="{CF4D6D04-84C5-4B4D-BF8A-500B8C0A5800}" sibTransId="{F3AFECBC-59B2-4BE5-99EB-F5C6BA3D136C}"/>
+    <dgm:cxn modelId="{C8AFE2A5-BFCA-40BD-ABFA-AF3260E31F59}" type="presParOf" srcId="{37AF2D21-E0BA-4ECE-A23D-A9C60E2056BC}" destId="{AF0BF6B3-B3AE-49EC-AD9B-A4414360DBAE}" srcOrd="0" destOrd="0" presId="urn:microsoft.com/office/officeart/2005/8/layout/target2"/>
+    <dgm:cxn modelId="{8C8FB401-FA23-4E63-B198-36A004911B08}" type="presParOf" srcId="{AF0BF6B3-B3AE-49EC-AD9B-A4414360DBAE}" destId="{5C1492DB-A047-40E8-87EA-AE2F2AE57E71}" srcOrd="0" destOrd="0" presId="urn:microsoft.com/office/officeart/2005/8/layout/target2"/>
+    <dgm:cxn modelId="{719B3F78-35E6-4616-8C24-1AA310F50738}" type="presParOf" srcId="{AF0BF6B3-B3AE-49EC-AD9B-A4414360DBAE}" destId="{3504C505-E6E4-4B48-97B9-FFC1E4CD866F}" srcOrd="1" destOrd="0" presId="urn:microsoft.com/office/officeart/2005/8/layout/target2"/>
+    <dgm:cxn modelId="{54A1DD55-7CA5-46F9-8B09-0C551D49B3A2}" type="presParOf" srcId="{37AF2D21-E0BA-4ECE-A23D-A9C60E2056BC}" destId="{029CB799-E6FC-487E-A13B-127521A0E94B}" srcOrd="1" destOrd="0" presId="urn:microsoft.com/office/officeart/2005/8/layout/target2"/>
+    <dgm:cxn modelId="{1C3414FF-A321-4121-BA6D-3C7B9A641C3E}" type="presParOf" srcId="{029CB799-E6FC-487E-A13B-127521A0E94B}" destId="{92D3A570-6AC8-4C22-88D8-0D8CE6725BD1}" srcOrd="0" destOrd="0" presId="urn:microsoft.com/office/officeart/2005/8/layout/target2"/>
+    <dgm:cxn modelId="{428D686D-544F-4E81-9A80-577C00818996}" type="presParOf" srcId="{029CB799-E6FC-487E-A13B-127521A0E94B}" destId="{63B3B362-21EC-4834-BE2A-C82CE6E488B8}" srcOrd="1" destOrd="0" presId="urn:microsoft.com/office/officeart/2005/8/layout/target2"/>
+    <dgm:cxn modelId="{A8B6A6E8-2989-44D3-947D-49113894A4FC}" type="presParOf" srcId="{37AF2D21-E0BA-4ECE-A23D-A9C60E2056BC}" destId="{664BA7F2-3821-4683-B6B2-6FF0D312608B}" srcOrd="2" destOrd="0" presId="urn:microsoft.com/office/officeart/2005/8/layout/target2"/>
+    <dgm:cxn modelId="{2609112C-73B2-4FEB-A2CA-F3336988EC61}" type="presParOf" srcId="{664BA7F2-3821-4683-B6B2-6FF0D312608B}" destId="{51D1C1AF-F7C6-4E82-BA71-89573B028627}" srcOrd="0" destOrd="0" presId="urn:microsoft.com/office/officeart/2005/8/layout/target2"/>
+    <dgm:cxn modelId="{69E8295D-9BA7-4BA1-98D3-243B1C7690E0}" type="presParOf" srcId="{664BA7F2-3821-4683-B6B2-6FF0D312608B}" destId="{2D03DE8C-5202-475C-9D96-C73862DEB8F0}" srcOrd="1" destOrd="0" presId="urn:microsoft.com/office/officeart/2005/8/layout/target2"/>
+    <dgm:cxn modelId="{2BA96A54-0E77-416A-8F41-B6B9BD65E2CB}" type="presParOf" srcId="{2D03DE8C-5202-475C-9D96-C73862DEB8F0}" destId="{110DCB41-0228-4AB0-A388-D5A5661E2EEA}" srcOrd="0" destOrd="0" presId="urn:microsoft.com/office/officeart/2005/8/layout/target2"/>
   </dgm:cxnLst>
   <dgm:bg/>
   <dgm:whole/>
@@ -6229,7 +7687,7 @@
 </dgm:dataModel>
 </file>
 
-<file path=ppt/diagrams/data4.xml><?xml version="1.0" encoding="utf-8"?>
+<file path=ppt/diagrams/data5.xml><?xml version="1.0" encoding="utf-8"?>
 <dgm:dataModel xmlns:dgm="http://schemas.openxmlformats.org/drawingml/2006/diagram" xmlns:a="http://schemas.openxmlformats.org/drawingml/2006/main">
   <dgm:ptLst>
     <dgm:pt modelId="{1F8C6969-57BC-422B-A7D8-CEB736D20A22}" type="doc">
@@ -6851,7 +8309,7 @@
 </dgm:dataModel>
 </file>
 
-<file path=ppt/diagrams/data5.xml><?xml version="1.0" encoding="utf-8"?>
+<file path=ppt/diagrams/data6.xml><?xml version="1.0" encoding="utf-8"?>
 <dgm:dataModel xmlns:dgm="http://schemas.openxmlformats.org/drawingml/2006/diagram" xmlns:a="http://schemas.openxmlformats.org/drawingml/2006/main">
   <dgm:ptLst>
     <dgm:pt modelId="{1F8C6969-57BC-422B-A7D8-CEB736D20A22}" type="doc">
@@ -7073,13 +8531,13 @@
   <dgm:whole/>
   <dgm:extLst>
     <a:ext uri="http://schemas.microsoft.com/office/drawing/2008/diagram">
-      <dsp:dataModelExt xmlns:dsp="http://schemas.microsoft.com/office/drawing/2008/diagram" relId="rId6" minVer="http://schemas.openxmlformats.org/drawingml/2006/diagram"/>
+      <dsp:dataModelExt xmlns:dsp="http://schemas.microsoft.com/office/drawing/2008/diagram" relId="rId7" minVer="http://schemas.openxmlformats.org/drawingml/2006/diagram"/>
     </a:ext>
   </dgm:extLst>
 </dgm:dataModel>
 </file>
 
-<file path=ppt/diagrams/data6.xml><?xml version="1.0" encoding="utf-8"?>
+<file path=ppt/diagrams/data7.xml><?xml version="1.0" encoding="utf-8"?>
 <dgm:dataModel xmlns:dgm="http://schemas.openxmlformats.org/drawingml/2006/diagram" xmlns:a="http://schemas.openxmlformats.org/drawingml/2006/main">
   <dgm:ptLst>
     <dgm:pt modelId="{1F8C6969-57BC-422B-A7D8-CEB736D20A22}" type="doc">
@@ -7153,6 +8611,7 @@
             <a:rPr lang="en-US" dirty="0" smtClean="0"/>
             <a:t>Employee</a:t>
           </a:r>
+          <a:endParaRPr lang="en-US" dirty="0" smtClean="0"/>
         </a:p>
       </dgm:t>
     </dgm:pt>
@@ -7319,7 +8778,7 @@
 </dgm:dataModel>
 </file>
 
-<file path=ppt/diagrams/data7.xml><?xml version="1.0" encoding="utf-8"?>
+<file path=ppt/diagrams/data8.xml><?xml version="1.0" encoding="utf-8"?>
 <dgm:dataModel xmlns:dgm="http://schemas.openxmlformats.org/drawingml/2006/diagram" xmlns:a="http://schemas.openxmlformats.org/drawingml/2006/main">
   <dgm:ptLst>
     <dgm:pt modelId="{D325CE04-3DB6-403E-AA84-B1A72A2BEC6A}" type="doc">
@@ -8278,6 +9737,562 @@
       <dsp:cNvGrpSpPr/>
     </dsp:nvGrpSpPr>
     <dsp:grpSpPr/>
+    <dsp:sp modelId="{5C1492DB-A047-40E8-87EA-AE2F2AE57E71}">
+      <dsp:nvSpPr>
+        <dsp:cNvPr id="0" name=""/>
+        <dsp:cNvSpPr/>
+      </dsp:nvSpPr>
+      <dsp:spPr>
+        <a:xfrm>
+          <a:off x="0" y="0"/>
+          <a:ext cx="4023343" cy="2088232"/>
+        </a:xfrm>
+        <a:prstGeom prst="roundRect">
+          <a:avLst>
+            <a:gd name="adj" fmla="val 8500"/>
+          </a:avLst>
+        </a:prstGeom>
+        <a:solidFill>
+          <a:schemeClr val="accent1"/>
+        </a:solidFill>
+        <a:ln w="25400" cap="flat" cmpd="sng" algn="ctr">
+          <a:solidFill>
+            <a:schemeClr val="lt1">
+              <a:hueOff val="0"/>
+              <a:satOff val="0"/>
+              <a:lumOff val="0"/>
+              <a:alphaOff val="0"/>
+            </a:schemeClr>
+          </a:solidFill>
+          <a:prstDash val="solid"/>
+        </a:ln>
+        <a:effectLst/>
+      </dsp:spPr>
+      <dsp:style>
+        <a:lnRef idx="2">
+          <a:scrgbClr r="0" g="0" b="0"/>
+        </a:lnRef>
+        <a:fillRef idx="1">
+          <a:scrgbClr r="0" g="0" b="0"/>
+        </a:fillRef>
+        <a:effectRef idx="0">
+          <a:scrgbClr r="0" g="0" b="0"/>
+        </a:effectRef>
+        <a:fontRef idx="minor">
+          <a:schemeClr val="lt1"/>
+        </a:fontRef>
+      </dsp:style>
+      <dsp:txBody>
+        <a:bodyPr spcFirstLastPara="0" vert="horz" wrap="square" lIns="64770" tIns="64770" rIns="64770" bIns="1620700" numCol="1" spcCol="1270" anchor="t" anchorCtr="0">
+          <a:noAutofit/>
+        </a:bodyPr>
+        <a:lstStyle/>
+        <a:p>
+          <a:pPr lvl="0" algn="l" defTabSz="755650">
+            <a:lnSpc>
+              <a:spcPct val="90000"/>
+            </a:lnSpc>
+            <a:spcBef>
+              <a:spcPct val="0"/>
+            </a:spcBef>
+            <a:spcAft>
+              <a:spcPct val="35000"/>
+            </a:spcAft>
+          </a:pPr>
+          <a:r>
+            <a:rPr lang="en-US" sz="1700" kern="1200" dirty="0" smtClean="0"/>
+            <a:t>Driver license</a:t>
+          </a:r>
+          <a:endParaRPr lang="en-US" sz="1700" kern="1200" dirty="0"/>
+        </a:p>
+      </dsp:txBody>
+      <dsp:txXfrm>
+        <a:off x="51988" y="51988"/>
+        <a:ext cx="3919367" cy="1984256"/>
+      </dsp:txXfrm>
+    </dsp:sp>
+    <dsp:sp modelId="{92D3A570-6AC8-4C22-88D8-0D8CE6725BD1}">
+      <dsp:nvSpPr>
+        <dsp:cNvPr id="0" name=""/>
+        <dsp:cNvSpPr/>
+      </dsp:nvSpPr>
+      <dsp:spPr>
+        <a:xfrm>
+          <a:off x="100583" y="522058"/>
+          <a:ext cx="3822175" cy="1461762"/>
+        </a:xfrm>
+        <a:prstGeom prst="roundRect">
+          <a:avLst>
+            <a:gd name="adj" fmla="val 10500"/>
+          </a:avLst>
+        </a:prstGeom>
+        <a:solidFill>
+          <a:schemeClr val="accent1">
+            <a:lumMod val="60000"/>
+            <a:lumOff val="40000"/>
+          </a:schemeClr>
+        </a:solidFill>
+        <a:ln w="25400" cap="flat" cmpd="sng" algn="ctr">
+          <a:solidFill>
+            <a:schemeClr val="lt1">
+              <a:hueOff val="0"/>
+              <a:satOff val="0"/>
+              <a:lumOff val="0"/>
+              <a:alphaOff val="0"/>
+            </a:schemeClr>
+          </a:solidFill>
+          <a:prstDash val="solid"/>
+        </a:ln>
+        <a:effectLst/>
+      </dsp:spPr>
+      <dsp:style>
+        <a:lnRef idx="2">
+          <a:scrgbClr r="0" g="0" b="0"/>
+        </a:lnRef>
+        <a:fillRef idx="1">
+          <a:scrgbClr r="0" g="0" b="0"/>
+        </a:fillRef>
+        <a:effectRef idx="0">
+          <a:scrgbClr r="0" g="0" b="0"/>
+        </a:effectRef>
+        <a:fontRef idx="minor">
+          <a:schemeClr val="lt1"/>
+        </a:fontRef>
+      </dsp:style>
+      <dsp:txBody>
+        <a:bodyPr spcFirstLastPara="0" vert="horz" wrap="square" lIns="64770" tIns="64770" rIns="64770" bIns="928219" numCol="1" spcCol="1270" anchor="t" anchorCtr="0">
+          <a:noAutofit/>
+        </a:bodyPr>
+        <a:lstStyle/>
+        <a:p>
+          <a:pPr lvl="0" algn="l" defTabSz="755650">
+            <a:lnSpc>
+              <a:spcPct val="90000"/>
+            </a:lnSpc>
+            <a:spcBef>
+              <a:spcPct val="0"/>
+            </a:spcBef>
+            <a:spcAft>
+              <a:spcPct val="35000"/>
+            </a:spcAft>
+          </a:pPr>
+          <a:r>
+            <a:rPr lang="en-US" sz="1700" kern="1200" dirty="0" smtClean="0"/>
+            <a:t>Billy Smith</a:t>
+          </a:r>
+          <a:endParaRPr lang="en-US" sz="1700" kern="1200" dirty="0"/>
+        </a:p>
+      </dsp:txBody>
+      <dsp:txXfrm>
+        <a:off x="145537" y="567012"/>
+        <a:ext cx="3732267" cy="1371854"/>
+      </dsp:txXfrm>
+    </dsp:sp>
+    <dsp:sp modelId="{8FD3B720-E661-4BEA-BC45-2D58345CE72A}">
+      <dsp:nvSpPr>
+        <dsp:cNvPr id="0" name=""/>
+        <dsp:cNvSpPr/>
+      </dsp:nvSpPr>
+      <dsp:spPr>
+        <a:xfrm>
+          <a:off x="196137" y="1033674"/>
+          <a:ext cx="764435" cy="405482"/>
+        </a:xfrm>
+        <a:prstGeom prst="roundRect">
+          <a:avLst>
+            <a:gd name="adj" fmla="val 10500"/>
+          </a:avLst>
+        </a:prstGeom>
+        <a:solidFill>
+          <a:schemeClr val="lt1">
+            <a:alpha val="90000"/>
+            <a:hueOff val="0"/>
+            <a:satOff val="0"/>
+            <a:lumOff val="0"/>
+            <a:alphaOff val="0"/>
+          </a:schemeClr>
+        </a:solidFill>
+        <a:ln w="25400" cap="flat" cmpd="sng" algn="ctr">
+          <a:solidFill>
+            <a:schemeClr val="accent1">
+              <a:hueOff val="0"/>
+              <a:satOff val="0"/>
+              <a:lumOff val="0"/>
+              <a:alphaOff val="0"/>
+            </a:schemeClr>
+          </a:solidFill>
+          <a:prstDash val="solid"/>
+        </a:ln>
+        <a:effectLst/>
+      </dsp:spPr>
+      <dsp:style>
+        <a:lnRef idx="2">
+          <a:scrgbClr r="0" g="0" b="0"/>
+        </a:lnRef>
+        <a:fillRef idx="1">
+          <a:scrgbClr r="0" g="0" b="0"/>
+        </a:fillRef>
+        <a:effectRef idx="0">
+          <a:scrgbClr r="0" g="0" b="0"/>
+        </a:effectRef>
+        <a:fontRef idx="minor"/>
+      </dsp:style>
+      <dsp:txBody>
+        <a:bodyPr spcFirstLastPara="0" vert="horz" wrap="square" lIns="38100" tIns="38100" rIns="38100" bIns="38100" numCol="1" spcCol="1270" anchor="ctr" anchorCtr="0">
+          <a:noAutofit/>
+        </a:bodyPr>
+        <a:lstStyle/>
+        <a:p>
+          <a:pPr lvl="0" algn="ctr" defTabSz="444500">
+            <a:lnSpc>
+              <a:spcPct val="90000"/>
+            </a:lnSpc>
+            <a:spcBef>
+              <a:spcPct val="0"/>
+            </a:spcBef>
+            <a:spcAft>
+              <a:spcPct val="35000"/>
+            </a:spcAft>
+          </a:pPr>
+          <a:r>
+            <a:rPr lang="en-US" sz="1000" kern="1200" dirty="0" smtClean="0"/>
+            <a:t>19840526-4582</a:t>
+          </a:r>
+          <a:endParaRPr lang="en-US" sz="1000" kern="1200" dirty="0"/>
+        </a:p>
+      </dsp:txBody>
+      <dsp:txXfrm>
+        <a:off x="208607" y="1046144"/>
+        <a:ext cx="739495" cy="380542"/>
+      </dsp:txXfrm>
+    </dsp:sp>
+    <dsp:sp modelId="{1A898DBA-02E1-4120-88A8-C6670300E520}">
+      <dsp:nvSpPr>
+        <dsp:cNvPr id="0" name=""/>
+        <dsp:cNvSpPr/>
+      </dsp:nvSpPr>
+      <dsp:spPr>
+        <a:xfrm>
+          <a:off x="196137" y="1468271"/>
+          <a:ext cx="764435" cy="405482"/>
+        </a:xfrm>
+        <a:prstGeom prst="roundRect">
+          <a:avLst>
+            <a:gd name="adj" fmla="val 10500"/>
+          </a:avLst>
+        </a:prstGeom>
+        <a:solidFill>
+          <a:schemeClr val="lt1">
+            <a:alpha val="90000"/>
+            <a:hueOff val="0"/>
+            <a:satOff val="0"/>
+            <a:lumOff val="0"/>
+            <a:alphaOff val="0"/>
+          </a:schemeClr>
+        </a:solidFill>
+        <a:ln w="25400" cap="flat" cmpd="sng" algn="ctr">
+          <a:solidFill>
+            <a:schemeClr val="accent1">
+              <a:hueOff val="0"/>
+              <a:satOff val="0"/>
+              <a:lumOff val="0"/>
+              <a:alphaOff val="0"/>
+            </a:schemeClr>
+          </a:solidFill>
+          <a:prstDash val="solid"/>
+        </a:ln>
+        <a:effectLst/>
+      </dsp:spPr>
+      <dsp:style>
+        <a:lnRef idx="2">
+          <a:scrgbClr r="0" g="0" b="0"/>
+        </a:lnRef>
+        <a:fillRef idx="1">
+          <a:scrgbClr r="0" g="0" b="0"/>
+        </a:fillRef>
+        <a:effectRef idx="0">
+          <a:scrgbClr r="0" g="0" b="0"/>
+        </a:effectRef>
+        <a:fontRef idx="minor"/>
+      </dsp:style>
+      <dsp:txBody>
+        <a:bodyPr spcFirstLastPara="0" vert="horz" wrap="square" lIns="38100" tIns="38100" rIns="38100" bIns="38100" numCol="1" spcCol="1270" anchor="ctr" anchorCtr="0">
+          <a:noAutofit/>
+        </a:bodyPr>
+        <a:lstStyle/>
+        <a:p>
+          <a:pPr lvl="0" algn="ctr" defTabSz="444500">
+            <a:lnSpc>
+              <a:spcPct val="90000"/>
+            </a:lnSpc>
+            <a:spcBef>
+              <a:spcPct val="0"/>
+            </a:spcBef>
+            <a:spcAft>
+              <a:spcPct val="35000"/>
+            </a:spcAft>
+          </a:pPr>
+          <a:r>
+            <a:rPr lang="en-US" sz="1000" kern="1200" dirty="0" smtClean="0"/>
+            <a:t>Sweden</a:t>
+          </a:r>
+          <a:endParaRPr lang="en-US" sz="1000" kern="1200" dirty="0"/>
+        </a:p>
+      </dsp:txBody>
+      <dsp:txXfrm>
+        <a:off x="208607" y="1480741"/>
+        <a:ext cx="739495" cy="380542"/>
+      </dsp:txXfrm>
+    </dsp:sp>
+    <dsp:sp modelId="{51D1C1AF-F7C6-4E82-BA71-89573B028627}">
+      <dsp:nvSpPr>
+        <dsp:cNvPr id="0" name=""/>
+        <dsp:cNvSpPr/>
+      </dsp:nvSpPr>
+      <dsp:spPr>
+        <a:xfrm>
+          <a:off x="1046069" y="1044116"/>
+          <a:ext cx="2776106" cy="835292"/>
+        </a:xfrm>
+        <a:prstGeom prst="roundRect">
+          <a:avLst>
+            <a:gd name="adj" fmla="val 10500"/>
+          </a:avLst>
+        </a:prstGeom>
+        <a:solidFill>
+          <a:schemeClr val="accent1">
+            <a:lumMod val="60000"/>
+            <a:lumOff val="40000"/>
+          </a:schemeClr>
+        </a:solidFill>
+        <a:ln w="25400" cap="flat" cmpd="sng" algn="ctr">
+          <a:solidFill>
+            <a:schemeClr val="lt1">
+              <a:hueOff val="0"/>
+              <a:satOff val="0"/>
+              <a:lumOff val="0"/>
+              <a:alphaOff val="0"/>
+            </a:schemeClr>
+          </a:solidFill>
+          <a:prstDash val="solid"/>
+        </a:ln>
+        <a:effectLst/>
+      </dsp:spPr>
+      <dsp:style>
+        <a:lnRef idx="2">
+          <a:scrgbClr r="0" g="0" b="0"/>
+        </a:lnRef>
+        <a:fillRef idx="1">
+          <a:scrgbClr r="0" g="0" b="0"/>
+        </a:fillRef>
+        <a:effectRef idx="0">
+          <a:scrgbClr r="0" g="0" b="0"/>
+        </a:effectRef>
+        <a:fontRef idx="minor">
+          <a:schemeClr val="lt1"/>
+        </a:fontRef>
+      </dsp:style>
+      <dsp:txBody>
+        <a:bodyPr spcFirstLastPara="0" vert="horz" wrap="square" lIns="64770" tIns="64770" rIns="64770" bIns="471476" numCol="1" spcCol="1270" anchor="t" anchorCtr="0">
+          <a:noAutofit/>
+        </a:bodyPr>
+        <a:lstStyle/>
+        <a:p>
+          <a:pPr lvl="0" algn="l" defTabSz="755650">
+            <a:lnSpc>
+              <a:spcPct val="90000"/>
+            </a:lnSpc>
+            <a:spcBef>
+              <a:spcPct val="0"/>
+            </a:spcBef>
+            <a:spcAft>
+              <a:spcPct val="35000"/>
+            </a:spcAft>
+          </a:pPr>
+          <a:r>
+            <a:rPr lang="en-US" sz="1700" kern="1200" dirty="0" smtClean="0"/>
+            <a:t>Vehicle Class</a:t>
+          </a:r>
+          <a:r>
+            <a:rPr lang="en-US" sz="1700" kern="1200" dirty="0" smtClean="0"/>
+            <a:t>	</a:t>
+          </a:r>
+          <a:endParaRPr lang="en-US" sz="1700" kern="1200" dirty="0"/>
+        </a:p>
+      </dsp:txBody>
+      <dsp:txXfrm>
+        <a:off x="1071757" y="1069804"/>
+        <a:ext cx="2724730" cy="783916"/>
+      </dsp:txXfrm>
+    </dsp:sp>
+    <dsp:sp modelId="{0E08C7E7-90F7-4D4F-81A5-600C00B7EC4F}">
+      <dsp:nvSpPr>
+        <dsp:cNvPr id="0" name=""/>
+        <dsp:cNvSpPr/>
+      </dsp:nvSpPr>
+      <dsp:spPr>
+        <a:xfrm>
+          <a:off x="1115471" y="1419997"/>
+          <a:ext cx="1303197" cy="375881"/>
+        </a:xfrm>
+        <a:prstGeom prst="roundRect">
+          <a:avLst>
+            <a:gd name="adj" fmla="val 10500"/>
+          </a:avLst>
+        </a:prstGeom>
+        <a:solidFill>
+          <a:schemeClr val="lt1">
+            <a:alpha val="90000"/>
+            <a:hueOff val="0"/>
+            <a:satOff val="0"/>
+            <a:lumOff val="0"/>
+            <a:alphaOff val="0"/>
+          </a:schemeClr>
+        </a:solidFill>
+        <a:ln w="25400" cap="flat" cmpd="sng" algn="ctr">
+          <a:solidFill>
+            <a:schemeClr val="accent1">
+              <a:hueOff val="0"/>
+              <a:satOff val="0"/>
+              <a:lumOff val="0"/>
+              <a:alphaOff val="0"/>
+            </a:schemeClr>
+          </a:solidFill>
+          <a:prstDash val="solid"/>
+        </a:ln>
+        <a:effectLst/>
+      </dsp:spPr>
+      <dsp:style>
+        <a:lnRef idx="2">
+          <a:scrgbClr r="0" g="0" b="0"/>
+        </a:lnRef>
+        <a:fillRef idx="1">
+          <a:scrgbClr r="0" g="0" b="0"/>
+        </a:fillRef>
+        <a:effectRef idx="0">
+          <a:scrgbClr r="0" g="0" b="0"/>
+        </a:effectRef>
+        <a:fontRef idx="minor"/>
+      </dsp:style>
+      <dsp:txBody>
+        <a:bodyPr spcFirstLastPara="0" vert="horz" wrap="square" lIns="38100" tIns="38100" rIns="38100" bIns="38100" numCol="1" spcCol="1270" anchor="ctr" anchorCtr="0">
+          <a:noAutofit/>
+        </a:bodyPr>
+        <a:lstStyle/>
+        <a:p>
+          <a:pPr lvl="0" algn="ctr" defTabSz="444500">
+            <a:lnSpc>
+              <a:spcPct val="90000"/>
+            </a:lnSpc>
+            <a:spcBef>
+              <a:spcPct val="0"/>
+            </a:spcBef>
+            <a:spcAft>
+              <a:spcPct val="35000"/>
+            </a:spcAft>
+          </a:pPr>
+          <a:r>
+            <a:rPr lang="en-US" sz="1000" kern="1200" dirty="0" smtClean="0"/>
+            <a:t>B</a:t>
+          </a:r>
+          <a:endParaRPr lang="en-US" sz="1000" kern="1200" dirty="0"/>
+        </a:p>
+      </dsp:txBody>
+      <dsp:txXfrm>
+        <a:off x="1127031" y="1431557"/>
+        <a:ext cx="1280077" cy="352761"/>
+      </dsp:txXfrm>
+    </dsp:sp>
+    <dsp:sp modelId="{110DCB41-0228-4AB0-A388-D5A5661E2EEA}">
+      <dsp:nvSpPr>
+        <dsp:cNvPr id="0" name=""/>
+        <dsp:cNvSpPr/>
+      </dsp:nvSpPr>
+      <dsp:spPr>
+        <a:xfrm>
+          <a:off x="2448491" y="1419997"/>
+          <a:ext cx="1303197" cy="375881"/>
+        </a:xfrm>
+        <a:prstGeom prst="roundRect">
+          <a:avLst>
+            <a:gd name="adj" fmla="val 10500"/>
+          </a:avLst>
+        </a:prstGeom>
+        <a:solidFill>
+          <a:schemeClr val="lt1">
+            <a:alpha val="90000"/>
+            <a:hueOff val="0"/>
+            <a:satOff val="0"/>
+            <a:lumOff val="0"/>
+            <a:alphaOff val="0"/>
+          </a:schemeClr>
+        </a:solidFill>
+        <a:ln w="25400" cap="flat" cmpd="sng" algn="ctr">
+          <a:solidFill>
+            <a:schemeClr val="accent1">
+              <a:hueOff val="0"/>
+              <a:satOff val="0"/>
+              <a:lumOff val="0"/>
+              <a:alphaOff val="0"/>
+            </a:schemeClr>
+          </a:solidFill>
+          <a:prstDash val="solid"/>
+        </a:ln>
+        <a:effectLst/>
+      </dsp:spPr>
+      <dsp:style>
+        <a:lnRef idx="2">
+          <a:scrgbClr r="0" g="0" b="0"/>
+        </a:lnRef>
+        <a:fillRef idx="1">
+          <a:scrgbClr r="0" g="0" b="0"/>
+        </a:fillRef>
+        <a:effectRef idx="0">
+          <a:scrgbClr r="0" g="0" b="0"/>
+        </a:effectRef>
+        <a:fontRef idx="minor"/>
+      </dsp:style>
+      <dsp:txBody>
+        <a:bodyPr spcFirstLastPara="0" vert="horz" wrap="square" lIns="38100" tIns="38100" rIns="38100" bIns="38100" numCol="1" spcCol="1270" anchor="ctr" anchorCtr="0">
+          <a:noAutofit/>
+        </a:bodyPr>
+        <a:lstStyle/>
+        <a:p>
+          <a:pPr lvl="0" algn="ctr" defTabSz="444500">
+            <a:lnSpc>
+              <a:spcPct val="90000"/>
+            </a:lnSpc>
+            <a:spcBef>
+              <a:spcPct val="0"/>
+            </a:spcBef>
+            <a:spcAft>
+              <a:spcPct val="35000"/>
+            </a:spcAft>
+          </a:pPr>
+          <a:r>
+            <a:rPr lang="en-US" sz="1000" kern="1200" dirty="0" smtClean="0"/>
+            <a:t>C</a:t>
+          </a:r>
+          <a:endParaRPr lang="en-US" sz="1000" kern="1200" dirty="0"/>
+        </a:p>
+      </dsp:txBody>
+      <dsp:txXfrm>
+        <a:off x="2460051" y="1431557"/>
+        <a:ext cx="1280077" cy="352761"/>
+      </dsp:txXfrm>
+    </dsp:sp>
+  </dsp:spTree>
+</dsp:drawing>
+</file>
+
+<file path=ppt/diagrams/drawing2.xml><?xml version="1.0" encoding="utf-8"?>
+<dsp:drawing xmlns:dgm="http://schemas.openxmlformats.org/drawingml/2006/diagram" xmlns:dsp="http://schemas.microsoft.com/office/drawing/2008/diagram" xmlns:a="http://schemas.openxmlformats.org/drawingml/2006/main">
+  <dsp:spTree>
+    <dsp:nvGrpSpPr>
+      <dsp:cNvPr id="0" name=""/>
+      <dsp:cNvGrpSpPr/>
+    </dsp:nvGrpSpPr>
+    <dsp:grpSpPr/>
     <dsp:sp modelId="{082C1469-7809-41E5-B99E-9BA48C43295F}">
       <dsp:nvSpPr>
         <dsp:cNvPr id="0" name=""/>
@@ -8594,7 +10609,7 @@
 </dsp:drawing>
 </file>
 
-<file path=ppt/diagrams/drawing2.xml><?xml version="1.0" encoding="utf-8"?>
+<file path=ppt/diagrams/drawing3.xml><?xml version="1.0" encoding="utf-8"?>
 <dsp:drawing xmlns:dgm="http://schemas.openxmlformats.org/drawingml/2006/diagram" xmlns:dsp="http://schemas.microsoft.com/office/drawing/2008/diagram" xmlns:a="http://schemas.openxmlformats.org/drawingml/2006/main">
   <dsp:spTree>
     <dsp:nvGrpSpPr>
@@ -8602,7 +10617,7 @@
       <dsp:cNvGrpSpPr/>
     </dsp:nvGrpSpPr>
     <dsp:grpSpPr/>
-    <dsp:sp modelId="{082C1469-7809-41E5-B99E-9BA48C43295F}">
+    <dsp:sp modelId="{5C1492DB-A047-40E8-87EA-AE2F2AE57E71}">
       <dsp:nvSpPr>
         <dsp:cNvPr id="0" name=""/>
         <dsp:cNvSpPr/>
@@ -8610,17 +10625,325 @@
       <dsp:spPr>
         <a:xfrm>
           <a:off x="0" y="0"/>
-          <a:ext cx="2925187" cy="1872207"/>
+          <a:ext cx="3456384" cy="1512168"/>
         </a:xfrm>
-        <a:prstGeom prst="rect">
-          <a:avLst/>
+        <a:prstGeom prst="roundRect">
+          <a:avLst>
+            <a:gd name="adj" fmla="val 8500"/>
+          </a:avLst>
         </a:prstGeom>
         <a:solidFill>
-          <a:schemeClr val="accent1">
+          <a:schemeClr val="accent1"/>
+        </a:solidFill>
+        <a:ln w="25400" cap="flat" cmpd="sng" algn="ctr">
+          <a:solidFill>
+            <a:schemeClr val="lt1">
+              <a:hueOff val="0"/>
+              <a:satOff val="0"/>
+              <a:lumOff val="0"/>
+              <a:alphaOff val="0"/>
+            </a:schemeClr>
+          </a:solidFill>
+          <a:prstDash val="solid"/>
+        </a:ln>
+        <a:effectLst/>
+      </dsp:spPr>
+      <dsp:style>
+        <a:lnRef idx="2">
+          <a:scrgbClr r="0" g="0" b="0"/>
+        </a:lnRef>
+        <a:fillRef idx="1">
+          <a:scrgbClr r="0" g="0" b="0"/>
+        </a:fillRef>
+        <a:effectRef idx="0">
+          <a:scrgbClr r="0" g="0" b="0"/>
+        </a:effectRef>
+        <a:fontRef idx="minor">
+          <a:schemeClr val="lt1"/>
+        </a:fontRef>
+      </dsp:style>
+      <dsp:txBody>
+        <a:bodyPr spcFirstLastPara="0" vert="horz" wrap="square" lIns="45720" tIns="45720" rIns="45720" bIns="1173610" numCol="1" spcCol="1270" anchor="t" anchorCtr="0">
+          <a:noAutofit/>
+        </a:bodyPr>
+        <a:lstStyle/>
+        <a:p>
+          <a:pPr lvl="0" algn="l" defTabSz="533400">
+            <a:lnSpc>
+              <a:spcPct val="90000"/>
+            </a:lnSpc>
+            <a:spcBef>
+              <a:spcPct val="0"/>
+            </a:spcBef>
+            <a:spcAft>
+              <a:spcPct val="35000"/>
+            </a:spcAft>
+          </a:pPr>
+          <a:r>
+            <a:rPr lang="en-US" sz="1200" b="0" kern="1200" dirty="0" smtClean="0"/>
+            <a:t>Driver license                                       </a:t>
+          </a:r>
+          <a:r>
+            <a:rPr lang="en-US" sz="1200" kern="1200" dirty="0" smtClean="0"/>
+            <a:t>Transport Agency</a:t>
+          </a:r>
+          <a:endParaRPr lang="en-US" sz="1200" kern="1200" dirty="0"/>
+        </a:p>
+      </dsp:txBody>
+      <dsp:txXfrm>
+        <a:off x="37646" y="37646"/>
+        <a:ext cx="3381092" cy="1436876"/>
+      </dsp:txXfrm>
+    </dsp:sp>
+    <dsp:sp modelId="{92D3A570-6AC8-4C22-88D8-0D8CE6725BD1}">
+      <dsp:nvSpPr>
+        <dsp:cNvPr id="0" name=""/>
+        <dsp:cNvSpPr/>
+      </dsp:nvSpPr>
+      <dsp:spPr>
+        <a:xfrm>
+          <a:off x="86409" y="378042"/>
+          <a:ext cx="3283564" cy="1058517"/>
+        </a:xfrm>
+        <a:prstGeom prst="roundRect">
+          <a:avLst>
+            <a:gd name="adj" fmla="val 10500"/>
+          </a:avLst>
+        </a:prstGeom>
+        <a:solidFill>
+          <a:schemeClr val="accent1"/>
+        </a:solidFill>
+        <a:ln w="25400" cap="flat" cmpd="sng" algn="ctr">
+          <a:solidFill>
+            <a:schemeClr val="lt1">
+              <a:hueOff val="0"/>
+              <a:satOff val="0"/>
+              <a:lumOff val="0"/>
+              <a:alphaOff val="0"/>
+            </a:schemeClr>
+          </a:solidFill>
+          <a:prstDash val="solid"/>
+        </a:ln>
+        <a:effectLst/>
+      </dsp:spPr>
+      <dsp:style>
+        <a:lnRef idx="2">
+          <a:scrgbClr r="0" g="0" b="0"/>
+        </a:lnRef>
+        <a:fillRef idx="1">
+          <a:scrgbClr r="0" g="0" b="0"/>
+        </a:fillRef>
+        <a:effectRef idx="0">
+          <a:scrgbClr r="0" g="0" b="0"/>
+        </a:effectRef>
+        <a:fontRef idx="minor">
+          <a:schemeClr val="lt1"/>
+        </a:fontRef>
+      </dsp:style>
+      <dsp:txBody>
+        <a:bodyPr spcFirstLastPara="0" vert="horz" wrap="square" lIns="45720" tIns="45720" rIns="45720" bIns="672159" numCol="1" spcCol="1270" anchor="t" anchorCtr="0">
+          <a:noAutofit/>
+        </a:bodyPr>
+        <a:lstStyle/>
+        <a:p>
+          <a:pPr lvl="0" algn="l" defTabSz="533400">
+            <a:lnSpc>
+              <a:spcPct val="90000"/>
+            </a:lnSpc>
+            <a:spcBef>
+              <a:spcPct val="0"/>
+            </a:spcBef>
+            <a:spcAft>
+              <a:spcPct val="35000"/>
+            </a:spcAft>
+          </a:pPr>
+          <a:r>
+            <a:rPr lang="en-US" sz="1200" kern="1200" dirty="0" smtClean="0"/>
+            <a:t>Name: Billy Smith</a:t>
+          </a:r>
+          <a:endParaRPr lang="en-US" sz="1200" kern="1200" dirty="0"/>
+        </a:p>
+      </dsp:txBody>
+      <dsp:txXfrm>
+        <a:off x="118962" y="410595"/>
+        <a:ext cx="3218458" cy="993411"/>
+      </dsp:txXfrm>
+    </dsp:sp>
+    <dsp:sp modelId="{8FD3B720-E661-4BEA-BC45-2D58345CE72A}">
+      <dsp:nvSpPr>
+        <dsp:cNvPr id="0" name=""/>
+        <dsp:cNvSpPr/>
+      </dsp:nvSpPr>
+      <dsp:spPr>
+        <a:xfrm>
+          <a:off x="168498" y="748523"/>
+          <a:ext cx="656712" cy="291841"/>
+        </a:xfrm>
+        <a:prstGeom prst="roundRect">
+          <a:avLst>
+            <a:gd name="adj" fmla="val 10500"/>
+          </a:avLst>
+        </a:prstGeom>
+        <a:solidFill>
+          <a:schemeClr val="lt1">
+            <a:alpha val="90000"/>
             <a:hueOff val="0"/>
             <a:satOff val="0"/>
             <a:lumOff val="0"/>
             <a:alphaOff val="0"/>
+          </a:schemeClr>
+        </a:solidFill>
+        <a:ln w="25400" cap="flat" cmpd="sng" algn="ctr">
+          <a:solidFill>
+            <a:schemeClr val="accent1">
+              <a:hueOff val="0"/>
+              <a:satOff val="0"/>
+              <a:lumOff val="0"/>
+              <a:alphaOff val="0"/>
+            </a:schemeClr>
+          </a:solidFill>
+          <a:prstDash val="solid"/>
+        </a:ln>
+        <a:effectLst/>
+      </dsp:spPr>
+      <dsp:style>
+        <a:lnRef idx="2">
+          <a:scrgbClr r="0" g="0" b="0"/>
+        </a:lnRef>
+        <a:fillRef idx="1">
+          <a:scrgbClr r="0" g="0" b="0"/>
+        </a:fillRef>
+        <a:effectRef idx="0">
+          <a:scrgbClr r="0" g="0" b="0"/>
+        </a:effectRef>
+        <a:fontRef idx="minor"/>
+      </dsp:style>
+      <dsp:txBody>
+        <a:bodyPr spcFirstLastPara="0" vert="horz" wrap="square" lIns="26670" tIns="26670" rIns="26670" bIns="26670" numCol="1" spcCol="1270" anchor="ctr" anchorCtr="0">
+          <a:noAutofit/>
+        </a:bodyPr>
+        <a:lstStyle/>
+        <a:p>
+          <a:pPr lvl="0" algn="ctr" defTabSz="311150">
+            <a:lnSpc>
+              <a:spcPct val="90000"/>
+            </a:lnSpc>
+            <a:spcBef>
+              <a:spcPct val="0"/>
+            </a:spcBef>
+            <a:spcAft>
+              <a:spcPct val="35000"/>
+            </a:spcAft>
+          </a:pPr>
+          <a:r>
+            <a:rPr lang="en-US" sz="700" kern="1200" dirty="0" smtClean="0"/>
+            <a:t>19840526-4582</a:t>
+          </a:r>
+          <a:endParaRPr lang="en-US" sz="700" kern="1200" dirty="0"/>
+        </a:p>
+      </dsp:txBody>
+      <dsp:txXfrm>
+        <a:off x="177473" y="757498"/>
+        <a:ext cx="638762" cy="273891"/>
+      </dsp:txXfrm>
+    </dsp:sp>
+    <dsp:sp modelId="{1A898DBA-02E1-4120-88A8-C6670300E520}">
+      <dsp:nvSpPr>
+        <dsp:cNvPr id="0" name=""/>
+        <dsp:cNvSpPr/>
+      </dsp:nvSpPr>
+      <dsp:spPr>
+        <a:xfrm>
+          <a:off x="168498" y="1065224"/>
+          <a:ext cx="656712" cy="291841"/>
+        </a:xfrm>
+        <a:prstGeom prst="roundRect">
+          <a:avLst>
+            <a:gd name="adj" fmla="val 10500"/>
+          </a:avLst>
+        </a:prstGeom>
+        <a:solidFill>
+          <a:schemeClr val="lt1">
+            <a:alpha val="90000"/>
+            <a:hueOff val="0"/>
+            <a:satOff val="0"/>
+            <a:lumOff val="0"/>
+            <a:alphaOff val="0"/>
+          </a:schemeClr>
+        </a:solidFill>
+        <a:ln w="25400" cap="flat" cmpd="sng" algn="ctr">
+          <a:solidFill>
+            <a:schemeClr val="accent1">
+              <a:hueOff val="0"/>
+              <a:satOff val="0"/>
+              <a:lumOff val="0"/>
+              <a:alphaOff val="0"/>
+            </a:schemeClr>
+          </a:solidFill>
+          <a:prstDash val="solid"/>
+        </a:ln>
+        <a:effectLst/>
+      </dsp:spPr>
+      <dsp:style>
+        <a:lnRef idx="2">
+          <a:scrgbClr r="0" g="0" b="0"/>
+        </a:lnRef>
+        <a:fillRef idx="1">
+          <a:scrgbClr r="0" g="0" b="0"/>
+        </a:fillRef>
+        <a:effectRef idx="0">
+          <a:scrgbClr r="0" g="0" b="0"/>
+        </a:effectRef>
+        <a:fontRef idx="minor"/>
+      </dsp:style>
+      <dsp:txBody>
+        <a:bodyPr spcFirstLastPara="0" vert="horz" wrap="square" lIns="26670" tIns="26670" rIns="26670" bIns="26670" numCol="1" spcCol="1270" anchor="ctr" anchorCtr="0">
+          <a:noAutofit/>
+        </a:bodyPr>
+        <a:lstStyle/>
+        <a:p>
+          <a:pPr lvl="0" algn="ctr" defTabSz="311150">
+            <a:lnSpc>
+              <a:spcPct val="90000"/>
+            </a:lnSpc>
+            <a:spcBef>
+              <a:spcPct val="0"/>
+            </a:spcBef>
+            <a:spcAft>
+              <a:spcPct val="35000"/>
+            </a:spcAft>
+          </a:pPr>
+          <a:r>
+            <a:rPr lang="en-US" sz="700" kern="1200" dirty="0" smtClean="0"/>
+            <a:t>Sweden</a:t>
+          </a:r>
+          <a:endParaRPr lang="en-US" sz="700" kern="1200" dirty="0"/>
+        </a:p>
+      </dsp:txBody>
+      <dsp:txXfrm>
+        <a:off x="177473" y="1074199"/>
+        <a:ext cx="638762" cy="273891"/>
+      </dsp:txXfrm>
+    </dsp:sp>
+    <dsp:sp modelId="{51D1C1AF-F7C6-4E82-BA71-89573B028627}">
+      <dsp:nvSpPr>
+        <dsp:cNvPr id="0" name=""/>
+        <dsp:cNvSpPr/>
+      </dsp:nvSpPr>
+      <dsp:spPr>
+        <a:xfrm>
+          <a:off x="898659" y="756084"/>
+          <a:ext cx="2384904" cy="604867"/>
+        </a:xfrm>
+        <a:prstGeom prst="roundRect">
+          <a:avLst>
+            <a:gd name="adj" fmla="val 10500"/>
+          </a:avLst>
+        </a:prstGeom>
+        <a:solidFill>
+          <a:schemeClr val="accent1">
+            <a:lumMod val="60000"/>
+            <a:lumOff val="40000"/>
           </a:schemeClr>
         </a:solidFill>
         <a:ln w="25400" cap="flat" cmpd="sng" algn="ctr">
@@ -8651,12 +10974,12 @@
         </a:fontRef>
       </dsp:style>
       <dsp:txBody>
-        <a:bodyPr spcFirstLastPara="0" vert="horz" wrap="square" lIns="248920" tIns="248920" rIns="248920" bIns="248920" numCol="1" spcCol="1270" anchor="ctr" anchorCtr="0">
+        <a:bodyPr spcFirstLastPara="0" vert="horz" wrap="square" lIns="45720" tIns="45720" rIns="45720" bIns="341414" numCol="1" spcCol="1270" anchor="t" anchorCtr="0">
           <a:noAutofit/>
         </a:bodyPr>
         <a:lstStyle/>
         <a:p>
-          <a:pPr lvl="0" algn="ctr" defTabSz="1555750">
+          <a:pPr lvl="0" algn="l" defTabSz="533400">
             <a:lnSpc>
               <a:spcPct val="90000"/>
             </a:lnSpc>
@@ -8668,34 +10991,35 @@
             </a:spcAft>
           </a:pPr>
           <a:r>
-            <a:rPr lang="en-US" sz="3500" kern="1200" dirty="0" smtClean="0"/>
-            <a:t>Claim</a:t>
+            <a:rPr lang="en-US" sz="1200" kern="1200" dirty="0" smtClean="0"/>
+            <a:t>Class	</a:t>
           </a:r>
-          <a:endParaRPr lang="en-US" sz="3500" kern="1200" dirty="0"/>
+          <a:endParaRPr lang="en-US" sz="1200" kern="1200" dirty="0"/>
         </a:p>
       </dsp:txBody>
       <dsp:txXfrm>
-        <a:off x="0" y="0"/>
-        <a:ext cx="2925187" cy="1010991"/>
+        <a:off x="917261" y="774686"/>
+        <a:ext cx="2347700" cy="567663"/>
       </dsp:txXfrm>
     </dsp:sp>
-    <dsp:sp modelId="{9CD6F3CA-B3FC-45CD-AFE8-83034A1E12CA}">
+    <dsp:sp modelId="{0E08C7E7-90F7-4D4F-81A5-600C00B7EC4F}">
       <dsp:nvSpPr>
         <dsp:cNvPr id="0" name=""/>
         <dsp:cNvSpPr/>
       </dsp:nvSpPr>
       <dsp:spPr>
         <a:xfrm>
-          <a:off x="1428" y="973547"/>
-          <a:ext cx="974110" cy="861215"/>
+          <a:off x="958282" y="1028274"/>
+          <a:ext cx="1119554" cy="272190"/>
         </a:xfrm>
-        <a:prstGeom prst="rect">
-          <a:avLst/>
+        <a:prstGeom prst="roundRect">
+          <a:avLst>
+            <a:gd name="adj" fmla="val 10500"/>
+          </a:avLst>
         </a:prstGeom>
         <a:solidFill>
-          <a:schemeClr val="accent1">
+          <a:schemeClr val="lt1">
             <a:alpha val="90000"/>
-            <a:tint val="40000"/>
             <a:hueOff val="0"/>
             <a:satOff val="0"/>
             <a:lumOff val="0"/>
@@ -8705,8 +11029,6 @@
         <a:ln w="25400" cap="flat" cmpd="sng" algn="ctr">
           <a:solidFill>
             <a:schemeClr val="accent1">
-              <a:alpha val="90000"/>
-              <a:tint val="40000"/>
               <a:hueOff val="0"/>
               <a:satOff val="0"/>
               <a:lumOff val="0"/>
@@ -8730,12 +11052,12 @@
         <a:fontRef idx="minor"/>
       </dsp:style>
       <dsp:txBody>
-        <a:bodyPr spcFirstLastPara="0" vert="horz" wrap="square" lIns="85344" tIns="15240" rIns="85344" bIns="15240" numCol="1" spcCol="1270" anchor="ctr" anchorCtr="0">
+        <a:bodyPr spcFirstLastPara="0" vert="horz" wrap="square" lIns="26670" tIns="26670" rIns="26670" bIns="26670" numCol="1" spcCol="1270" anchor="ctr" anchorCtr="0">
           <a:noAutofit/>
         </a:bodyPr>
         <a:lstStyle/>
         <a:p>
-          <a:pPr lvl="0" algn="ctr" defTabSz="533400">
+          <a:pPr lvl="0" algn="ctr" defTabSz="311150">
             <a:lnSpc>
               <a:spcPct val="90000"/>
             </a:lnSpc>
@@ -8747,34 +11069,35 @@
             </a:spcAft>
           </a:pPr>
           <a:r>
-            <a:rPr lang="en-US" sz="1200" kern="1200" dirty="0" smtClean="0"/>
-            <a:t>Government</a:t>
+            <a:rPr lang="en-US" sz="700" kern="1200" dirty="0" smtClean="0"/>
+            <a:t>B</a:t>
           </a:r>
-          <a:endParaRPr lang="en-US" sz="1200" kern="1200" dirty="0"/>
+          <a:endParaRPr lang="en-US" sz="700" kern="1200" dirty="0"/>
         </a:p>
       </dsp:txBody>
       <dsp:txXfrm>
-        <a:off x="1428" y="973547"/>
-        <a:ext cx="974110" cy="861215"/>
+        <a:off x="966653" y="1036645"/>
+        <a:ext cx="1102812" cy="255448"/>
       </dsp:txXfrm>
     </dsp:sp>
-    <dsp:sp modelId="{1F7BECB4-76D7-4619-97E8-90E69CEEB64A}">
+    <dsp:sp modelId="{110DCB41-0228-4AB0-A388-D5A5661E2EEA}">
       <dsp:nvSpPr>
         <dsp:cNvPr id="0" name=""/>
         <dsp:cNvSpPr/>
       </dsp:nvSpPr>
       <dsp:spPr>
         <a:xfrm>
-          <a:off x="975538" y="973547"/>
-          <a:ext cx="974110" cy="861215"/>
+          <a:off x="2103456" y="1028274"/>
+          <a:ext cx="1119554" cy="272190"/>
         </a:xfrm>
-        <a:prstGeom prst="rect">
-          <a:avLst/>
+        <a:prstGeom prst="roundRect">
+          <a:avLst>
+            <a:gd name="adj" fmla="val 10500"/>
+          </a:avLst>
         </a:prstGeom>
         <a:solidFill>
-          <a:schemeClr val="accent1">
+          <a:schemeClr val="lt1">
             <a:alpha val="90000"/>
-            <a:tint val="40000"/>
             <a:hueOff val="0"/>
             <a:satOff val="0"/>
             <a:lumOff val="0"/>
@@ -8784,8 +11107,6 @@
         <a:ln w="25400" cap="flat" cmpd="sng" algn="ctr">
           <a:solidFill>
             <a:schemeClr val="accent1">
-              <a:alpha val="90000"/>
-              <a:tint val="40000"/>
               <a:hueOff val="0"/>
               <a:satOff val="0"/>
               <a:lumOff val="0"/>
@@ -8809,12 +11130,12 @@
         <a:fontRef idx="minor"/>
       </dsp:style>
       <dsp:txBody>
-        <a:bodyPr spcFirstLastPara="0" vert="horz" wrap="square" lIns="113792" tIns="20320" rIns="113792" bIns="20320" numCol="1" spcCol="1270" anchor="ctr" anchorCtr="0">
+        <a:bodyPr spcFirstLastPara="0" vert="horz" wrap="square" lIns="26670" tIns="26670" rIns="26670" bIns="26670" numCol="1" spcCol="1270" anchor="ctr" anchorCtr="0">
           <a:noAutofit/>
         </a:bodyPr>
         <a:lstStyle/>
         <a:p>
-          <a:pPr lvl="0" algn="ctr" defTabSz="711200">
+          <a:pPr lvl="0" algn="ctr" defTabSz="311150">
             <a:lnSpc>
               <a:spcPct val="90000"/>
             </a:lnSpc>
@@ -8826,44 +11147,50 @@
             </a:spcAft>
           </a:pPr>
           <a:r>
-            <a:rPr lang="en-US" sz="1600" kern="1200" dirty="0" smtClean="0"/>
-            <a:t>Social Security Number</a:t>
+            <a:rPr lang="en-US" sz="700" kern="1200" dirty="0" smtClean="0"/>
+            <a:t>C</a:t>
           </a:r>
+          <a:endParaRPr lang="en-US" sz="700" kern="1200" dirty="0"/>
         </a:p>
       </dsp:txBody>
       <dsp:txXfrm>
-        <a:off x="975538" y="973547"/>
-        <a:ext cx="974110" cy="861215"/>
+        <a:off x="2111827" y="1036645"/>
+        <a:ext cx="1102812" cy="255448"/>
       </dsp:txXfrm>
     </dsp:sp>
-    <dsp:sp modelId="{15CB6101-9D66-43DB-9447-0F2A9C6FB0A0}">
+  </dsp:spTree>
+</dsp:drawing>
+</file>
+
+<file path=ppt/diagrams/drawing4.xml><?xml version="1.0" encoding="utf-8"?>
+<dsp:drawing xmlns:dgm="http://schemas.openxmlformats.org/drawingml/2006/diagram" xmlns:dsp="http://schemas.microsoft.com/office/drawing/2008/diagram" xmlns:a="http://schemas.openxmlformats.org/drawingml/2006/main">
+  <dsp:spTree>
+    <dsp:nvGrpSpPr>
+      <dsp:cNvPr id="0" name=""/>
+      <dsp:cNvGrpSpPr/>
+    </dsp:nvGrpSpPr>
+    <dsp:grpSpPr/>
+    <dsp:sp modelId="{5C1492DB-A047-40E8-87EA-AE2F2AE57E71}">
       <dsp:nvSpPr>
         <dsp:cNvPr id="0" name=""/>
         <dsp:cNvSpPr/>
       </dsp:nvSpPr>
       <dsp:spPr>
         <a:xfrm>
-          <a:off x="1949649" y="973547"/>
-          <a:ext cx="974110" cy="861215"/>
+          <a:off x="0" y="0"/>
+          <a:ext cx="3456384" cy="1512168"/>
         </a:xfrm>
-        <a:prstGeom prst="rect">
-          <a:avLst/>
+        <a:prstGeom prst="roundRect">
+          <a:avLst>
+            <a:gd name="adj" fmla="val 8500"/>
+          </a:avLst>
         </a:prstGeom>
         <a:solidFill>
-          <a:schemeClr val="accent1">
-            <a:alpha val="90000"/>
-            <a:tint val="40000"/>
-            <a:hueOff val="0"/>
-            <a:satOff val="0"/>
-            <a:lumOff val="0"/>
-            <a:alphaOff val="0"/>
-          </a:schemeClr>
+          <a:schemeClr val="accent1"/>
         </a:solidFill>
         <a:ln w="25400" cap="flat" cmpd="sng" algn="ctr">
           <a:solidFill>
-            <a:schemeClr val="accent1">
-              <a:alpha val="90000"/>
-              <a:tint val="40000"/>
+            <a:schemeClr val="lt1">
               <a:hueOff val="0"/>
               <a:satOff val="0"/>
               <a:lumOff val="0"/>
@@ -8884,15 +11211,17 @@
         <a:effectRef idx="0">
           <a:scrgbClr r="0" g="0" b="0"/>
         </a:effectRef>
-        <a:fontRef idx="minor"/>
+        <a:fontRef idx="minor">
+          <a:schemeClr val="lt1"/>
+        </a:fontRef>
       </dsp:style>
       <dsp:txBody>
-        <a:bodyPr spcFirstLastPara="0" vert="horz" wrap="square" lIns="113792" tIns="20320" rIns="113792" bIns="20320" numCol="1" spcCol="1270" anchor="ctr" anchorCtr="0">
+        <a:bodyPr spcFirstLastPara="0" vert="horz" wrap="square" lIns="45720" tIns="45720" rIns="45720" bIns="1173610" numCol="1" spcCol="1270" anchor="t" anchorCtr="0">
           <a:noAutofit/>
         </a:bodyPr>
         <a:lstStyle/>
         <a:p>
-          <a:pPr lvl="0" algn="ctr" defTabSz="711200">
+          <a:pPr lvl="0" algn="l" defTabSz="533400">
             <a:lnSpc>
               <a:spcPct val="90000"/>
             </a:lnSpc>
@@ -8904,47 +11233,110 @@
             </a:spcAft>
           </a:pPr>
           <a:r>
-            <a:rPr lang="en-US" sz="1600" kern="1200" dirty="0" smtClean="0"/>
-            <a:t>860228-4792</a:t>
+            <a:rPr lang="en-US" sz="1200" kern="1200" dirty="0" smtClean="0"/>
+            <a:t>Access card                                                   Company Ltd</a:t>
           </a:r>
+          <a:endParaRPr lang="en-US" sz="1200" kern="1200" dirty="0"/>
         </a:p>
       </dsp:txBody>
       <dsp:txXfrm>
-        <a:off x="1949649" y="973547"/>
-        <a:ext cx="974110" cy="861215"/>
+        <a:off x="37646" y="37646"/>
+        <a:ext cx="3381092" cy="1436876"/>
       </dsp:txXfrm>
     </dsp:sp>
-  </dsp:spTree>
-</dsp:drawing>
-</file>
-
-<file path=ppt/diagrams/drawing3.xml><?xml version="1.0" encoding="utf-8"?>
-<dsp:drawing xmlns:dgm="http://schemas.openxmlformats.org/drawingml/2006/diagram" xmlns:dsp="http://schemas.microsoft.com/office/drawing/2008/diagram" xmlns:a="http://schemas.openxmlformats.org/drawingml/2006/main">
-  <dsp:spTree>
-    <dsp:nvGrpSpPr>
-      <dsp:cNvPr id="0" name=""/>
-      <dsp:cNvGrpSpPr/>
-    </dsp:nvGrpSpPr>
-    <dsp:grpSpPr/>
-    <dsp:sp modelId="{082C1469-7809-41E5-B99E-9BA48C43295F}">
+    <dsp:sp modelId="{92D3A570-6AC8-4C22-88D8-0D8CE6725BD1}">
       <dsp:nvSpPr>
         <dsp:cNvPr id="0" name=""/>
         <dsp:cNvSpPr/>
       </dsp:nvSpPr>
       <dsp:spPr>
         <a:xfrm>
-          <a:off x="0" y="0"/>
-          <a:ext cx="2925186" cy="1872207"/>
+          <a:off x="86409" y="378042"/>
+          <a:ext cx="3283564" cy="1058517"/>
         </a:xfrm>
-        <a:prstGeom prst="rect">
-          <a:avLst/>
+        <a:prstGeom prst="roundRect">
+          <a:avLst>
+            <a:gd name="adj" fmla="val 10500"/>
+          </a:avLst>
+        </a:prstGeom>
+        <a:solidFill>
+          <a:schemeClr val="accent1"/>
+        </a:solidFill>
+        <a:ln w="25400" cap="flat" cmpd="sng" algn="ctr">
+          <a:solidFill>
+            <a:schemeClr val="lt1">
+              <a:hueOff val="0"/>
+              <a:satOff val="0"/>
+              <a:lumOff val="0"/>
+              <a:alphaOff val="0"/>
+            </a:schemeClr>
+          </a:solidFill>
+          <a:prstDash val="solid"/>
+        </a:ln>
+        <a:effectLst/>
+      </dsp:spPr>
+      <dsp:style>
+        <a:lnRef idx="2">
+          <a:scrgbClr r="0" g="0" b="0"/>
+        </a:lnRef>
+        <a:fillRef idx="1">
+          <a:scrgbClr r="0" g="0" b="0"/>
+        </a:fillRef>
+        <a:effectRef idx="0">
+          <a:scrgbClr r="0" g="0" b="0"/>
+        </a:effectRef>
+        <a:fontRef idx="minor">
+          <a:schemeClr val="lt1"/>
+        </a:fontRef>
+      </dsp:style>
+      <dsp:txBody>
+        <a:bodyPr spcFirstLastPara="0" vert="horz" wrap="square" lIns="45720" tIns="45720" rIns="45720" bIns="672159" numCol="1" spcCol="1270" anchor="t" anchorCtr="0">
+          <a:noAutofit/>
+        </a:bodyPr>
+        <a:lstStyle/>
+        <a:p>
+          <a:pPr lvl="0" algn="l" defTabSz="533400">
+            <a:lnSpc>
+              <a:spcPct val="90000"/>
+            </a:lnSpc>
+            <a:spcBef>
+              <a:spcPct val="0"/>
+            </a:spcBef>
+            <a:spcAft>
+              <a:spcPct val="35000"/>
+            </a:spcAft>
+          </a:pPr>
+          <a:r>
+            <a:rPr lang="en-US" sz="1200" kern="1200" dirty="0" smtClean="0"/>
+            <a:t>Name: Billy Smith</a:t>
+          </a:r>
+          <a:endParaRPr lang="en-US" sz="1200" kern="1200" dirty="0"/>
+        </a:p>
+      </dsp:txBody>
+      <dsp:txXfrm>
+        <a:off x="118962" y="410595"/>
+        <a:ext cx="3218458" cy="993411"/>
+      </dsp:txXfrm>
+    </dsp:sp>
+    <dsp:sp modelId="{51D1C1AF-F7C6-4E82-BA71-89573B028627}">
+      <dsp:nvSpPr>
+        <dsp:cNvPr id="0" name=""/>
+        <dsp:cNvSpPr/>
+      </dsp:nvSpPr>
+      <dsp:spPr>
+        <a:xfrm>
+          <a:off x="172819" y="756084"/>
+          <a:ext cx="3110745" cy="604867"/>
+        </a:xfrm>
+        <a:prstGeom prst="roundRect">
+          <a:avLst>
+            <a:gd name="adj" fmla="val 10500"/>
+          </a:avLst>
         </a:prstGeom>
         <a:solidFill>
           <a:schemeClr val="accent1">
-            <a:hueOff val="0"/>
-            <a:satOff val="0"/>
-            <a:lumOff val="0"/>
-            <a:alphaOff val="0"/>
+            <a:lumMod val="60000"/>
+            <a:lumOff val="40000"/>
           </a:schemeClr>
         </a:solidFill>
         <a:ln w="25400" cap="flat" cmpd="sng" algn="ctr">
@@ -8975,12 +11367,12 @@
         </a:fontRef>
       </dsp:style>
       <dsp:txBody>
-        <a:bodyPr spcFirstLastPara="0" vert="horz" wrap="square" lIns="248920" tIns="248920" rIns="248920" bIns="248920" numCol="1" spcCol="1270" anchor="ctr" anchorCtr="0">
+        <a:bodyPr spcFirstLastPara="0" vert="horz" wrap="square" lIns="45720" tIns="45720" rIns="45720" bIns="341414" numCol="1" spcCol="1270" anchor="t" anchorCtr="0">
           <a:noAutofit/>
         </a:bodyPr>
         <a:lstStyle/>
         <a:p>
-          <a:pPr lvl="0" algn="ctr" defTabSz="1555750">
+          <a:pPr lvl="0" algn="l" defTabSz="533400">
             <a:lnSpc>
               <a:spcPct val="90000"/>
             </a:lnSpc>
@@ -8992,34 +11384,35 @@
             </a:spcAft>
           </a:pPr>
           <a:r>
-            <a:rPr lang="en-US" sz="3500" kern="1200" dirty="0" smtClean="0"/>
-            <a:t>Claim</a:t>
+            <a:rPr lang="en-US" sz="1200" kern="1200" dirty="0" smtClean="0"/>
+            <a:t>Employee	</a:t>
           </a:r>
-          <a:endParaRPr lang="en-US" sz="3500" kern="1200" dirty="0"/>
+          <a:endParaRPr lang="en-US" sz="1200" kern="1200" dirty="0"/>
         </a:p>
       </dsp:txBody>
       <dsp:txXfrm>
-        <a:off x="0" y="0"/>
-        <a:ext cx="2925186" cy="1010991"/>
+        <a:off x="191421" y="774686"/>
+        <a:ext cx="3073541" cy="567663"/>
       </dsp:txXfrm>
     </dsp:sp>
-    <dsp:sp modelId="{9CD6F3CA-B3FC-45CD-AFE8-83034A1E12CA}">
+    <dsp:sp modelId="{110DCB41-0228-4AB0-A388-D5A5661E2EEA}">
       <dsp:nvSpPr>
         <dsp:cNvPr id="0" name=""/>
         <dsp:cNvSpPr/>
       </dsp:nvSpPr>
       <dsp:spPr>
         <a:xfrm>
-          <a:off x="1428" y="973547"/>
-          <a:ext cx="974109" cy="861215"/>
+          <a:off x="250587" y="1028274"/>
+          <a:ext cx="2955208" cy="272190"/>
         </a:xfrm>
-        <a:prstGeom prst="rect">
-          <a:avLst/>
+        <a:prstGeom prst="roundRect">
+          <a:avLst>
+            <a:gd name="adj" fmla="val 10500"/>
+          </a:avLst>
         </a:prstGeom>
         <a:solidFill>
-          <a:schemeClr val="accent1">
+          <a:schemeClr val="lt1">
             <a:alpha val="90000"/>
-            <a:tint val="40000"/>
             <a:hueOff val="0"/>
             <a:satOff val="0"/>
             <a:lumOff val="0"/>
@@ -9029,8 +11422,6 @@
         <a:ln w="25400" cap="flat" cmpd="sng" algn="ctr">
           <a:solidFill>
             <a:schemeClr val="accent1">
-              <a:alpha val="90000"/>
-              <a:tint val="40000"/>
               <a:hueOff val="0"/>
               <a:satOff val="0"/>
               <a:lumOff val="0"/>
@@ -9054,12 +11445,12 @@
         <a:fontRef idx="minor"/>
       </dsp:style>
       <dsp:txBody>
-        <a:bodyPr spcFirstLastPara="0" vert="horz" wrap="square" lIns="85344" tIns="15240" rIns="85344" bIns="15240" numCol="1" spcCol="1270" anchor="ctr" anchorCtr="0">
+        <a:bodyPr spcFirstLastPara="0" vert="horz" wrap="square" lIns="41910" tIns="41910" rIns="41910" bIns="41910" numCol="1" spcCol="1270" anchor="ctr" anchorCtr="0">
           <a:noAutofit/>
         </a:bodyPr>
         <a:lstStyle/>
         <a:p>
-          <a:pPr lvl="0" algn="ctr" defTabSz="533400">
+          <a:pPr lvl="0" algn="ctr" defTabSz="488950">
             <a:lnSpc>
               <a:spcPct val="90000"/>
             </a:lnSpc>
@@ -9071,178 +11462,22 @@
             </a:spcAft>
           </a:pPr>
           <a:r>
-            <a:rPr lang="en-US" sz="1200" kern="1200" dirty="0" smtClean="0"/>
-            <a:t>Associate</a:t>
+            <a:rPr lang="en-US" sz="1100" kern="1200" dirty="0" smtClean="0"/>
+            <a:t>5378-4</a:t>
           </a:r>
-          <a:endParaRPr lang="en-US" sz="1200" kern="1200" dirty="0"/>
+          <a:endParaRPr lang="en-US" sz="1100" kern="1200" dirty="0"/>
         </a:p>
       </dsp:txBody>
       <dsp:txXfrm>
-        <a:off x="1428" y="973547"/>
-        <a:ext cx="974109" cy="861215"/>
-      </dsp:txXfrm>
-    </dsp:sp>
-    <dsp:sp modelId="{1F7BECB4-76D7-4619-97E8-90E69CEEB64A}">
-      <dsp:nvSpPr>
-        <dsp:cNvPr id="0" name=""/>
-        <dsp:cNvSpPr/>
-      </dsp:nvSpPr>
-      <dsp:spPr>
-        <a:xfrm>
-          <a:off x="975538" y="973547"/>
-          <a:ext cx="974109" cy="861215"/>
-        </a:xfrm>
-        <a:prstGeom prst="rect">
-          <a:avLst/>
-        </a:prstGeom>
-        <a:solidFill>
-          <a:schemeClr val="accent1">
-            <a:alpha val="90000"/>
-            <a:tint val="40000"/>
-            <a:hueOff val="0"/>
-            <a:satOff val="0"/>
-            <a:lumOff val="0"/>
-            <a:alphaOff val="0"/>
-          </a:schemeClr>
-        </a:solidFill>
-        <a:ln w="25400" cap="flat" cmpd="sng" algn="ctr">
-          <a:solidFill>
-            <a:schemeClr val="accent1">
-              <a:alpha val="90000"/>
-              <a:tint val="40000"/>
-              <a:hueOff val="0"/>
-              <a:satOff val="0"/>
-              <a:lumOff val="0"/>
-              <a:alphaOff val="0"/>
-            </a:schemeClr>
-          </a:solidFill>
-          <a:prstDash val="solid"/>
-        </a:ln>
-        <a:effectLst/>
-      </dsp:spPr>
-      <dsp:style>
-        <a:lnRef idx="2">
-          <a:scrgbClr r="0" g="0" b="0"/>
-        </a:lnRef>
-        <a:fillRef idx="1">
-          <a:scrgbClr r="0" g="0" b="0"/>
-        </a:fillRef>
-        <a:effectRef idx="0">
-          <a:scrgbClr r="0" g="0" b="0"/>
-        </a:effectRef>
-        <a:fontRef idx="minor"/>
-      </dsp:style>
-      <dsp:txBody>
-        <a:bodyPr spcFirstLastPara="0" vert="horz" wrap="square" lIns="120904" tIns="21590" rIns="120904" bIns="21590" numCol="1" spcCol="1270" anchor="ctr" anchorCtr="0">
-          <a:noAutofit/>
-        </a:bodyPr>
-        <a:lstStyle/>
-        <a:p>
-          <a:pPr lvl="0" algn="ctr" defTabSz="755650">
-            <a:lnSpc>
-              <a:spcPct val="90000"/>
-            </a:lnSpc>
-            <a:spcBef>
-              <a:spcPct val="0"/>
-            </a:spcBef>
-            <a:spcAft>
-              <a:spcPct val="35000"/>
-            </a:spcAft>
-          </a:pPr>
-          <a:r>
-            <a:rPr lang="en-US" sz="1700" kern="1200" dirty="0" smtClean="0"/>
-            <a:t>Social Security Number</a:t>
-          </a:r>
-        </a:p>
-      </dsp:txBody>
-      <dsp:txXfrm>
-        <a:off x="975538" y="973547"/>
-        <a:ext cx="974109" cy="861215"/>
-      </dsp:txXfrm>
-    </dsp:sp>
-    <dsp:sp modelId="{15CB6101-9D66-43DB-9447-0F2A9C6FB0A0}">
-      <dsp:nvSpPr>
-        <dsp:cNvPr id="0" name=""/>
-        <dsp:cNvSpPr/>
-      </dsp:nvSpPr>
-      <dsp:spPr>
-        <a:xfrm>
-          <a:off x="1949647" y="973547"/>
-          <a:ext cx="974109" cy="861215"/>
-        </a:xfrm>
-        <a:prstGeom prst="rect">
-          <a:avLst/>
-        </a:prstGeom>
-        <a:solidFill>
-          <a:schemeClr val="accent1">
-            <a:alpha val="90000"/>
-            <a:tint val="40000"/>
-            <a:hueOff val="0"/>
-            <a:satOff val="0"/>
-            <a:lumOff val="0"/>
-            <a:alphaOff val="0"/>
-          </a:schemeClr>
-        </a:solidFill>
-        <a:ln w="25400" cap="flat" cmpd="sng" algn="ctr">
-          <a:solidFill>
-            <a:schemeClr val="accent1">
-              <a:alpha val="90000"/>
-              <a:tint val="40000"/>
-              <a:hueOff val="0"/>
-              <a:satOff val="0"/>
-              <a:lumOff val="0"/>
-              <a:alphaOff val="0"/>
-            </a:schemeClr>
-          </a:solidFill>
-          <a:prstDash val="solid"/>
-        </a:ln>
-        <a:effectLst/>
-      </dsp:spPr>
-      <dsp:style>
-        <a:lnRef idx="2">
-          <a:scrgbClr r="0" g="0" b="0"/>
-        </a:lnRef>
-        <a:fillRef idx="1">
-          <a:scrgbClr r="0" g="0" b="0"/>
-        </a:fillRef>
-        <a:effectRef idx="0">
-          <a:scrgbClr r="0" g="0" b="0"/>
-        </a:effectRef>
-        <a:fontRef idx="minor"/>
-      </dsp:style>
-      <dsp:txBody>
-        <a:bodyPr spcFirstLastPara="0" vert="horz" wrap="square" lIns="120904" tIns="21590" rIns="120904" bIns="21590" numCol="1" spcCol="1270" anchor="ctr" anchorCtr="0">
-          <a:noAutofit/>
-        </a:bodyPr>
-        <a:lstStyle/>
-        <a:p>
-          <a:pPr lvl="0" algn="ctr" defTabSz="755650">
-            <a:lnSpc>
-              <a:spcPct val="90000"/>
-            </a:lnSpc>
-            <a:spcBef>
-              <a:spcPct val="0"/>
-            </a:spcBef>
-            <a:spcAft>
-              <a:spcPct val="35000"/>
-            </a:spcAft>
-          </a:pPr>
-          <a:r>
-            <a:rPr lang="en-US" sz="1700" kern="1200" dirty="0" smtClean="0"/>
-            <a:t>840228-4792</a:t>
-          </a:r>
-        </a:p>
-      </dsp:txBody>
-      <dsp:txXfrm>
-        <a:off x="1949647" y="973547"/>
-        <a:ext cx="974109" cy="861215"/>
+        <a:off x="258958" y="1036645"/>
+        <a:ext cx="2938466" cy="255448"/>
       </dsp:txXfrm>
     </dsp:sp>
   </dsp:spTree>
 </dsp:drawing>
 </file>
 
-<file path=ppt/diagrams/drawing4.xml><?xml version="1.0" encoding="utf-8"?>
+<file path=ppt/diagrams/drawing5.xml><?xml version="1.0" encoding="utf-8"?>
 <dsp:drawing xmlns:dgm="http://schemas.openxmlformats.org/drawingml/2006/diagram" xmlns:dsp="http://schemas.microsoft.com/office/drawing/2008/diagram" xmlns:a="http://schemas.openxmlformats.org/drawingml/2006/main">
   <dsp:spTree>
     <dsp:nvGrpSpPr>
@@ -9726,7 +11961,7 @@
 </dsp:drawing>
 </file>
 
-<file path=ppt/diagrams/drawing5.xml><?xml version="1.0" encoding="utf-8"?>
+<file path=ppt/diagrams/drawing6.xml><?xml version="1.0" encoding="utf-8"?>
 <dsp:drawing xmlns:dgm="http://schemas.openxmlformats.org/drawingml/2006/diagram" xmlns:dsp="http://schemas.microsoft.com/office/drawing/2008/diagram" xmlns:a="http://schemas.openxmlformats.org/drawingml/2006/main">
   <dsp:spTree>
     <dsp:nvGrpSpPr>
@@ -9972,7 +12207,7 @@
 </dsp:drawing>
 </file>
 
-<file path=ppt/diagrams/drawing6.xml><?xml version="1.0" encoding="utf-8"?>
+<file path=ppt/diagrams/drawing7.xml><?xml version="1.0" encoding="utf-8"?>
 <dsp:drawing xmlns:dgm="http://schemas.openxmlformats.org/drawingml/2006/diagram" xmlns:dsp="http://schemas.microsoft.com/office/drawing/2008/diagram" xmlns:a="http://schemas.openxmlformats.org/drawingml/2006/main">
   <dsp:spTree>
     <dsp:nvGrpSpPr>
@@ -10241,6 +12476,7 @@
             <a:rPr lang="en-US" sz="1400" kern="1200" dirty="0" smtClean="0"/>
             <a:t>Employee</a:t>
           </a:r>
+          <a:endParaRPr lang="en-US" sz="1400" kern="1200" dirty="0" smtClean="0"/>
         </a:p>
       </dsp:txBody>
       <dsp:txXfrm>
@@ -10252,7 +12488,7 @@
 </dsp:drawing>
 </file>
 
-<file path=ppt/diagrams/drawing7.xml><?xml version="1.0" encoding="utf-8"?>
+<file path=ppt/diagrams/drawing8.xml><?xml version="1.0" encoding="utf-8"?>
 <dsp:drawing xmlns:dgm="http://schemas.openxmlformats.org/drawingml/2006/diagram" xmlns:dsp="http://schemas.microsoft.com/office/drawing/2008/diagram" xmlns:a="http://schemas.openxmlformats.org/drawingml/2006/main">
   <dsp:spTree>
     <dsp:nvGrpSpPr>
@@ -11158,12 +13394,11 @@
 </file>
 
 <file path=ppt/diagrams/layout1.xml><?xml version="1.0" encoding="utf-8"?>
-<dgm:layoutDef xmlns:dgm="http://schemas.openxmlformats.org/drawingml/2006/diagram" xmlns:a="http://schemas.openxmlformats.org/drawingml/2006/main" uniqueId="urn:microsoft.com/office/officeart/2005/8/layout/process4">
+<dgm:layoutDef xmlns:dgm="http://schemas.openxmlformats.org/drawingml/2006/diagram" xmlns:a="http://schemas.openxmlformats.org/drawingml/2006/main" uniqueId="urn:microsoft.com/office/officeart/2005/8/layout/target2">
   <dgm:title val=""/>
   <dgm:desc val=""/>
   <dgm:catLst>
-    <dgm:cat type="process" pri="16000"/>
-    <dgm:cat type="list" pri="20000"/>
+    <dgm:cat type="relationship" pri="12000"/>
   </dgm:catLst>
   <dgm:sampData>
     <dgm:dataModel>
@@ -11260,252 +13495,682 @@
   </dgm:clrData>
   <dgm:layoutNode name="Name0">
     <dgm:varLst>
+      <dgm:chMax val="3"/>
+      <dgm:chPref val="1"/>
       <dgm:dir/>
       <dgm:animLvl val="lvl"/>
-      <dgm:resizeHandles val="exact"/>
+      <dgm:resizeHandles/>
     </dgm:varLst>
-    <dgm:alg type="lin">
-      <dgm:param type="linDir" val="fromB"/>
+    <dgm:alg type="composite">
+      <dgm:param type="horzAlign" val="none"/>
+      <dgm:param type="vertAlign" val="none"/>
     </dgm:alg>
     <dgm:shape xmlns:r="http://schemas.openxmlformats.org/officeDocument/2006/relationships" r:blip="">
       <dgm:adjLst/>
     </dgm:shape>
     <dgm:presOf/>
-    <dgm:constrLst>
-      <dgm:constr type="h" for="ch" forName="boxAndChildren" refType="h"/>
-      <dgm:constr type="h" for="ch" forName="arrowAndChildren" refType="h" refFor="ch" refForName="boxAndChildren" op="equ" fact="1.538"/>
-      <dgm:constr type="w" for="ch" forName="arrowAndChildren" refType="w"/>
-      <dgm:constr type="w" for="ch" forName="boxAndChildren" refType="w"/>
-      <dgm:constr type="h" for="ch" forName="sp" refType="h" fact="-0.015"/>
-      <dgm:constr type="primFontSz" for="des" forName="parentTextBox" val="65"/>
-      <dgm:constr type="primFontSz" for="des" forName="parentTextArrow" refType="primFontSz" refFor="des" refForName="parentTextBox" op="equ"/>
-      <dgm:constr type="primFontSz" for="des" forName="childTextArrow" val="65"/>
-      <dgm:constr type="primFontSz" for="des" forName="childTextBox" refType="primFontSz" refFor="des" refForName="childTextArrow" op="equ"/>
-    </dgm:constrLst>
+    <dgm:choose name="Name1">
+      <dgm:if name="Name2" func="var" arg="dir" op="equ" val="norm">
+        <dgm:choose name="Name3">
+          <dgm:if name="Name4" axis="ch ch" ptType="node node" st="1 1" cnt="1 0" func="cnt" op="gt" val="0">
+            <dgm:choose name="Name5">
+              <dgm:if name="Name6" axis="ch ch" ptType="node node" st="2 1" cnt="1 0" func="cnt" op="gt" val="0">
+                <dgm:constrLst>
+                  <dgm:constr type="primFontSz" for="des" forName="middleBoxParent" val="65"/>
+                  <dgm:constr type="primFontSz" for="des" forName="mChild" val="65"/>
+                  <dgm:constr type="primFontSz" for="des" forName="outerBoxParent" refType="primFontSz" refFor="des" refForName="middleBoxParent" op="equ"/>
+                  <dgm:constr type="primFontSz" for="des" forName="centerBoxParent" refType="primFontSz" refFor="des" refForName="middleBoxParent" op="equ"/>
+                  <dgm:constr type="primFontSz" for="des" forName="oChild" refType="primFontSz" refFor="des" refForName="mChild" op="equ"/>
+                  <dgm:constr type="primFontSz" for="des" forName="cChild" refType="primFontSz" refFor="des" refForName="mChild" op="equ"/>
+                  <dgm:constr type="l" for="ch" forName="outerBox"/>
+                  <dgm:constr type="t" for="ch" forName="outerBox"/>
+                  <dgm:constr type="w" for="ch" forName="outerBox" refType="w"/>
+                  <dgm:constr type="h" for="ch" forName="outerBox" refType="h"/>
+                  <dgm:constr type="l" for="ch" forName="middleBox" refType="w" fact="0.2"/>
+                  <dgm:constr type="t" for="ch" forName="middleBox" refType="h" fact="0.25"/>
+                  <dgm:constr type="w" for="ch" forName="middleBox" refType="w" fact="0.775"/>
+                  <dgm:constr type="h" for="ch" forName="middleBox" refType="h" fact="0.7"/>
+                  <dgm:constr type="l" for="ch" forName="centerBox" refType="w" fact="0.395"/>
+                  <dgm:constr type="t" for="ch" forName="centerBox" refType="h" fact="0.5"/>
+                  <dgm:constr type="w" for="ch" forName="centerBox" refType="w" fact="0.555"/>
+                  <dgm:constr type="h" for="ch" forName="centerBox" refType="h" fact="0.4"/>
+                  <dgm:constr type="userA" for="des" forName="outerSibTrans" refType="w"/>
+                  <dgm:constr type="userA" for="des" forName="middleSibTrans" refType="w"/>
+                  <dgm:constr type="userA" for="des" forName="centerSibTrans" refType="w"/>
+                </dgm:constrLst>
+              </dgm:if>
+              <dgm:else name="Name7">
+                <dgm:constrLst>
+                  <dgm:constr type="primFontSz" for="des" forName="middleBoxParent" val="65"/>
+                  <dgm:constr type="primFontSz" for="des" forName="mChild" val="65"/>
+                  <dgm:constr type="primFontSz" for="des" forName="outerBoxParent" refType="primFontSz" refFor="des" refForName="middleBoxParent" op="equ"/>
+                  <dgm:constr type="primFontSz" for="des" forName="centerBoxParent" refType="primFontSz" refFor="des" refForName="middleBoxParent" op="equ"/>
+                  <dgm:constr type="primFontSz" for="des" forName="oChild" refType="primFontSz" refFor="des" refForName="mChild" op="equ"/>
+                  <dgm:constr type="primFontSz" for="des" forName="cChild" refType="primFontSz" refFor="des" refForName="mChild" op="equ"/>
+                  <dgm:constr type="l" for="ch" forName="outerBox"/>
+                  <dgm:constr type="t" for="ch" forName="outerBox"/>
+                  <dgm:constr type="w" for="ch" forName="outerBox" refType="w"/>
+                  <dgm:constr type="h" for="ch" forName="outerBox" refType="h"/>
+                  <dgm:constr type="l" for="ch" forName="middleBox" refType="w" fact="0.2"/>
+                  <dgm:constr type="t" for="ch" forName="middleBox" refType="h" fact="0.25"/>
+                  <dgm:constr type="w" for="ch" forName="middleBox" refType="w" fact="0.775"/>
+                  <dgm:constr type="h" for="ch" forName="middleBox" refType="h" fact="0.7"/>
+                  <dgm:constr type="l" for="ch" forName="centerBox" refType="w" fact="0.225"/>
+                  <dgm:constr type="t" for="ch" forName="centerBox" refType="h" fact="0.5"/>
+                  <dgm:constr type="w" for="ch" forName="centerBox" refType="w" fact="0.725"/>
+                  <dgm:constr type="h" for="ch" forName="centerBox" refType="h" fact="0.4"/>
+                  <dgm:constr type="userA" for="des" forName="outerSibTrans" refType="w"/>
+                  <dgm:constr type="userA" for="des" forName="middleSibTrans" refType="w"/>
+                  <dgm:constr type="userA" for="des" forName="centerSibTrans" refType="w"/>
+                </dgm:constrLst>
+              </dgm:else>
+            </dgm:choose>
+          </dgm:if>
+          <dgm:else name="Name8">
+            <dgm:choose name="Name9">
+              <dgm:if name="Name10" axis="ch ch" ptType="node node" st="2 1" cnt="1 0" func="cnt" op="gt" val="0">
+                <dgm:constrLst>
+                  <dgm:constr type="primFontSz" for="des" forName="middleBoxParent" val="65"/>
+                  <dgm:constr type="primFontSz" for="des" forName="mChild" val="65"/>
+                  <dgm:constr type="primFontSz" for="des" forName="outerBoxParent" refType="primFontSz" refFor="des" refForName="middleBoxParent" op="equ"/>
+                  <dgm:constr type="primFontSz" for="des" forName="centerBoxParent" refType="primFontSz" refFor="des" refForName="middleBoxParent" op="equ"/>
+                  <dgm:constr type="primFontSz" for="des" forName="oChild" refType="primFontSz" refFor="des" refForName="mChild" op="equ"/>
+                  <dgm:constr type="primFontSz" for="des" forName="cChild" refType="primFontSz" refFor="des" refForName="mChild" op="equ"/>
+                  <dgm:constr type="l" for="ch" forName="outerBox"/>
+                  <dgm:constr type="t" for="ch" forName="outerBox"/>
+                  <dgm:constr type="w" for="ch" forName="outerBox" refType="w"/>
+                  <dgm:constr type="h" for="ch" forName="outerBox" refType="h"/>
+                  <dgm:constr type="l" for="ch" forName="middleBox" refType="w" fact="0.025"/>
+                  <dgm:constr type="t" for="ch" forName="middleBox" refType="h" fact="0.25"/>
+                  <dgm:constr type="w" for="ch" forName="middleBox" refType="w" fact="0.95"/>
+                  <dgm:constr type="h" for="ch" forName="middleBox" refType="h" fact="0.7"/>
+                  <dgm:constr type="l" for="ch" forName="centerBox" refType="w" fact="0.26"/>
+                  <dgm:constr type="t" for="ch" forName="centerBox" refType="h" fact="0.5"/>
+                  <dgm:constr type="w" for="ch" forName="centerBox" refType="w" fact="0.69"/>
+                  <dgm:constr type="h" for="ch" forName="centerBox" refType="h" fact="0.4"/>
+                  <dgm:constr type="userA" for="des" forName="outerSibTrans" refType="w"/>
+                  <dgm:constr type="userA" for="des" forName="middleSibTrans" refType="w"/>
+                  <dgm:constr type="userA" for="des" forName="centerSibTrans" refType="w"/>
+                </dgm:constrLst>
+              </dgm:if>
+              <dgm:else name="Name11">
+                <dgm:constrLst>
+                  <dgm:constr type="primFontSz" for="des" forName="middleBoxParent" val="65"/>
+                  <dgm:constr type="primFontSz" for="des" forName="mChild" val="65"/>
+                  <dgm:constr type="primFontSz" for="des" forName="outerBoxParent" refType="primFontSz" refFor="des" refForName="middleBoxParent" op="equ"/>
+                  <dgm:constr type="primFontSz" for="des" forName="centerBoxParent" refType="primFontSz" refFor="des" refForName="middleBoxParent" op="equ"/>
+                  <dgm:constr type="primFontSz" for="des" forName="oChild" refType="primFontSz" refFor="des" refForName="mChild" op="equ"/>
+                  <dgm:constr type="primFontSz" for="des" forName="cChild" refType="primFontSz" refFor="des" refForName="mChild" op="equ"/>
+                  <dgm:constr type="l" for="ch" forName="outerBox"/>
+                  <dgm:constr type="t" for="ch" forName="outerBox"/>
+                  <dgm:constr type="w" for="ch" forName="outerBox" refType="w"/>
+                  <dgm:constr type="h" for="ch" forName="outerBox" refType="h"/>
+                  <dgm:constr type="l" for="ch" forName="middleBox" refType="w" fact="0.025"/>
+                  <dgm:constr type="t" for="ch" forName="middleBox" refType="h" fact="0.25"/>
+                  <dgm:constr type="w" for="ch" forName="middleBox" refType="w" fact="0.95"/>
+                  <dgm:constr type="h" for="ch" forName="middleBox" refType="h" fact="0.7"/>
+                  <dgm:constr type="l" for="ch" forName="centerBox" refType="w" fact="0.05"/>
+                  <dgm:constr type="t" for="ch" forName="centerBox" refType="h" fact="0.5"/>
+                  <dgm:constr type="w" for="ch" forName="centerBox" refType="w" fact="0.9"/>
+                  <dgm:constr type="h" for="ch" forName="centerBox" refType="h" fact="0.4"/>
+                  <dgm:constr type="userA" for="des" forName="outerSibTrans" refType="w"/>
+                  <dgm:constr type="userA" for="des" forName="middleSibTrans" refType="w"/>
+                  <dgm:constr type="userA" for="des" forName="centerSibTrans" refType="w"/>
+                </dgm:constrLst>
+              </dgm:else>
+            </dgm:choose>
+          </dgm:else>
+        </dgm:choose>
+      </dgm:if>
+      <dgm:else name="Name12">
+        <dgm:choose name="Name13">
+          <dgm:if name="Name14" axis="ch ch" ptType="node node" st="1 1" cnt="1 0" func="cnt" op="gt" val="0">
+            <dgm:choose name="Name15">
+              <dgm:if name="Name16" axis="ch ch" ptType="node node" st="2 1" cnt="1 0" func="cnt" op="gt" val="0">
+                <dgm:constrLst>
+                  <dgm:constr type="primFontSz" for="des" forName="middleBoxParent" val="65"/>
+                  <dgm:constr type="primFontSz" for="des" forName="mChild" val="65"/>
+                  <dgm:constr type="primFontSz" for="des" forName="outerBoxParent" refType="primFontSz" refFor="des" refForName="middleBoxParent" op="equ"/>
+                  <dgm:constr type="primFontSz" for="des" forName="centerBoxParent" refType="primFontSz" refFor="des" refForName="middleBoxParent" op="equ"/>
+                  <dgm:constr type="primFontSz" for="des" forName="oChild" refType="primFontSz" refFor="des" refForName="mChild" op="equ"/>
+                  <dgm:constr type="primFontSz" for="des" forName="cChild" refType="primFontSz" refFor="des" refForName="mChild" op="equ"/>
+                  <dgm:constr type="l" for="ch" forName="outerBox"/>
+                  <dgm:constr type="t" for="ch" forName="outerBox"/>
+                  <dgm:constr type="w" for="ch" forName="outerBox" refType="w"/>
+                  <dgm:constr type="h" for="ch" forName="outerBox" refType="h"/>
+                  <dgm:constr type="l" for="ch" forName="middleBox" refType="w" fact="0.025"/>
+                  <dgm:constr type="t" for="ch" forName="middleBox" refType="h" fact="0.25"/>
+                  <dgm:constr type="w" for="ch" forName="middleBox" refType="w" fact="0.775"/>
+                  <dgm:constr type="h" for="ch" forName="middleBox" refType="h" fact="0.7"/>
+                  <dgm:constr type="l" for="ch" forName="centerBox" refType="w" fact="0.05"/>
+                  <dgm:constr type="t" for="ch" forName="centerBox" refType="h" fact="0.5"/>
+                  <dgm:constr type="w" for="ch" forName="centerBox" refType="w" fact="0.55"/>
+                  <dgm:constr type="h" for="ch" forName="centerBox" refType="h" fact="0.4"/>
+                  <dgm:constr type="userA" for="des" forName="outerSibTrans" refType="w"/>
+                  <dgm:constr type="userA" for="des" forName="middleSibTrans" refType="w"/>
+                  <dgm:constr type="userA" for="des" forName="centerSibTrans" refType="w"/>
+                </dgm:constrLst>
+              </dgm:if>
+              <dgm:else name="Name17">
+                <dgm:constrLst>
+                  <dgm:constr type="primFontSz" for="des" forName="middleBoxParent" val="65"/>
+                  <dgm:constr type="primFontSz" for="des" forName="mChild" val="65"/>
+                  <dgm:constr type="primFontSz" for="des" forName="outerBoxParent" refType="primFontSz" refFor="des" refForName="middleBoxParent" op="equ"/>
+                  <dgm:constr type="primFontSz" for="des" forName="centerBoxParent" refType="primFontSz" refFor="des" refForName="middleBoxParent" op="equ"/>
+                  <dgm:constr type="primFontSz" for="des" forName="oChild" refType="primFontSz" refFor="des" refForName="mChild" op="equ"/>
+                  <dgm:constr type="primFontSz" for="des" forName="cChild" refType="primFontSz" refFor="des" refForName="mChild" op="equ"/>
+                  <dgm:constr type="l" for="ch" forName="outerBox"/>
+                  <dgm:constr type="t" for="ch" forName="outerBox"/>
+                  <dgm:constr type="w" for="ch" forName="outerBox" refType="w"/>
+                  <dgm:constr type="h" for="ch" forName="outerBox" refType="h"/>
+                  <dgm:constr type="l" for="ch" forName="middleBox" refType="w" fact="0.025"/>
+                  <dgm:constr type="t" for="ch" forName="middleBox" refType="h" fact="0.25"/>
+                  <dgm:constr type="w" for="ch" forName="middleBox" refType="w" fact="0.775"/>
+                  <dgm:constr type="h" for="ch" forName="middleBox" refType="h" fact="0.7"/>
+                  <dgm:constr type="l" for="ch" forName="centerBox" refType="w" fact="0.05"/>
+                  <dgm:constr type="t" for="ch" forName="centerBox" refType="h" fact="0.5"/>
+                  <dgm:constr type="w" for="ch" forName="centerBox" refType="w" fact="0.725"/>
+                  <dgm:constr type="h" for="ch" forName="centerBox" refType="h" fact="0.4"/>
+                  <dgm:constr type="userA" for="des" forName="outerSibTrans" refType="w"/>
+                  <dgm:constr type="userA" for="des" forName="middleSibTrans" refType="w"/>
+                  <dgm:constr type="userA" for="des" forName="centerSibTrans" refType="w"/>
+                </dgm:constrLst>
+              </dgm:else>
+            </dgm:choose>
+          </dgm:if>
+          <dgm:else name="Name18">
+            <dgm:choose name="Name19">
+              <dgm:if name="Name20" axis="ch ch" ptType="node node" st="2 1" cnt="1 0" func="cnt" op="gt" val="0">
+                <dgm:constrLst>
+                  <dgm:constr type="primFontSz" for="des" forName="middleBoxParent" val="65"/>
+                  <dgm:constr type="primFontSz" for="des" forName="mChild" val="65"/>
+                  <dgm:constr type="primFontSz" for="des" forName="outerBoxParent" refType="primFontSz" refFor="des" refForName="middleBoxParent" op="equ"/>
+                  <dgm:constr type="primFontSz" for="des" forName="centerBoxParent" refType="primFontSz" refFor="des" refForName="middleBoxParent" op="equ"/>
+                  <dgm:constr type="primFontSz" for="des" forName="oChild" refType="primFontSz" refFor="des" refForName="mChild" op="equ"/>
+                  <dgm:constr type="primFontSz" for="des" forName="cChild" refType="primFontSz" refFor="des" refForName="mChild" op="equ"/>
+                  <dgm:constr type="l" for="ch" forName="outerBox"/>
+                  <dgm:constr type="t" for="ch" forName="outerBox"/>
+                  <dgm:constr type="w" for="ch" forName="outerBox" refType="w"/>
+                  <dgm:constr type="h" for="ch" forName="outerBox" refType="h"/>
+                  <dgm:constr type="l" for="ch" forName="middleBox" refType="w" fact="0.025"/>
+                  <dgm:constr type="t" for="ch" forName="middleBox" refType="h" fact="0.25"/>
+                  <dgm:constr type="w" for="ch" forName="middleBox" refType="w" fact="0.95"/>
+                  <dgm:constr type="h" for="ch" forName="middleBox" refType="h" fact="0.7"/>
+                  <dgm:constr type="l" for="ch" forName="centerBox" refType="w" fact="0.05"/>
+                  <dgm:constr type="t" for="ch" forName="centerBox" refType="h" fact="0.5"/>
+                  <dgm:constr type="w" for="ch" forName="centerBox" refType="w" fact="0.69"/>
+                  <dgm:constr type="h" for="ch" forName="centerBox" refType="h" fact="0.4"/>
+                  <dgm:constr type="userA" for="des" forName="outerSibTrans" refType="w"/>
+                  <dgm:constr type="userA" for="des" forName="middleSibTrans" refType="w"/>
+                  <dgm:constr type="userA" for="des" forName="centerSibTrans" refType="w"/>
+                </dgm:constrLst>
+              </dgm:if>
+              <dgm:else name="Name21">
+                <dgm:constrLst>
+                  <dgm:constr type="primFontSz" for="des" forName="middleBoxParent" val="65"/>
+                  <dgm:constr type="primFontSz" for="des" forName="mChild" val="65"/>
+                  <dgm:constr type="primFontSz" for="des" forName="outerBoxParent" refType="primFontSz" refFor="des" refForName="middleBoxParent" op="equ"/>
+                  <dgm:constr type="primFontSz" for="des" forName="centerBoxParent" refType="primFontSz" refFor="des" refForName="middleBoxParent" op="equ"/>
+                  <dgm:constr type="primFontSz" for="des" forName="oChild" refType="primFontSz" refFor="des" refForName="mChild" op="equ"/>
+                  <dgm:constr type="primFontSz" for="des" forName="cChild" refType="primFontSz" refFor="des" refForName="mChild" op="equ"/>
+                  <dgm:constr type="l" for="ch" forName="outerBox"/>
+                  <dgm:constr type="t" for="ch" forName="outerBox"/>
+                  <dgm:constr type="w" for="ch" forName="outerBox" refType="w"/>
+                  <dgm:constr type="h" for="ch" forName="outerBox" refType="h"/>
+                  <dgm:constr type="l" for="ch" forName="middleBox" refType="w" fact="0.025"/>
+                  <dgm:constr type="t" for="ch" forName="middleBox" refType="h" fact="0.25"/>
+                  <dgm:constr type="w" for="ch" forName="middleBox" refType="w" fact="0.95"/>
+                  <dgm:constr type="h" for="ch" forName="middleBox" refType="h" fact="0.7"/>
+                  <dgm:constr type="l" for="ch" forName="centerBox" refType="w" fact="0.05"/>
+                  <dgm:constr type="t" for="ch" forName="centerBox" refType="h" fact="0.5"/>
+                  <dgm:constr type="w" for="ch" forName="centerBox" refType="w" fact="0.9"/>
+                  <dgm:constr type="h" for="ch" forName="centerBox" refType="h" fact="0.4"/>
+                  <dgm:constr type="userA" for="des" forName="outerSibTrans" refType="w"/>
+                  <dgm:constr type="userA" for="des" forName="middleSibTrans" refType="w"/>
+                  <dgm:constr type="userA" for="des" forName="centerSibTrans" refType="w"/>
+                </dgm:constrLst>
+              </dgm:else>
+            </dgm:choose>
+          </dgm:else>
+        </dgm:choose>
+      </dgm:else>
+    </dgm:choose>
     <dgm:ruleLst/>
-    <dgm:forEach name="Name1" axis="ch" ptType="node" st="-1" step="-1">
-      <dgm:choose name="Name2">
-        <dgm:if name="Name3" axis="self" ptType="node" func="revPos" op="equ" val="1">
-          <dgm:layoutNode name="boxAndChildren">
-            <dgm:alg type="composite"/>
+    <dgm:choose name="Name22">
+      <dgm:if name="Name23" axis="root ch" ptType="all node" st="1 1" cnt="0 0" func="cnt" op="gte" val="1">
+        <dgm:layoutNode name="outerBox" styleLbl="node1">
+          <dgm:alg type="composite">
+            <dgm:param type="horzAlign" val="none"/>
+            <dgm:param type="vertAlign" val="none"/>
+          </dgm:alg>
+          <dgm:shape xmlns:r="http://schemas.openxmlformats.org/officeDocument/2006/relationships" r:blip="">
+            <dgm:adjLst/>
+          </dgm:shape>
+          <dgm:presOf/>
+          <dgm:choose name="Name24">
+            <dgm:if name="Name25" axis="root ch" ptType="all node" st="1 1" cnt="0 0" func="cnt" op="gt" val="1">
+              <dgm:choose name="Name26">
+                <dgm:if name="Name27" func="var" arg="dir" op="equ" val="norm">
+                  <dgm:constrLst>
+                    <dgm:constr type="l" for="ch" forName="outerBoxParent"/>
+                    <dgm:constr type="t" for="ch" forName="outerBoxParent"/>
+                    <dgm:constr type="w" for="ch" forName="outerBoxParent" refType="w"/>
+                    <dgm:constr type="h" for="ch" forName="outerBoxParent" refType="h"/>
+                    <dgm:constr type="bMarg" for="ch" forName="outerBoxParent" refType="h" fact="2.2"/>
+                    <dgm:constr type="l" for="ch" forName="outerBoxChildren" refType="w" fact="0.025"/>
+                    <dgm:constr type="t" for="ch" forName="outerBoxChildren" refType="h" fact="0.25"/>
+                    <dgm:constr type="w" for="ch" forName="outerBoxChildren" refType="w" fact="0.15"/>
+                    <dgm:constr type="h" for="ch" forName="outerBoxChildren" refType="h" fact="0.7"/>
+                  </dgm:constrLst>
+                </dgm:if>
+                <dgm:else name="Name28">
+                  <dgm:constrLst>
+                    <dgm:constr type="l" for="ch" forName="outerBoxParent"/>
+                    <dgm:constr type="t" for="ch" forName="outerBoxParent"/>
+                    <dgm:constr type="w" for="ch" forName="outerBoxParent" refType="w"/>
+                    <dgm:constr type="h" for="ch" forName="outerBoxParent" refType="h"/>
+                    <dgm:constr type="bMarg" for="ch" forName="outerBoxParent" refType="h" fact="2.2"/>
+                    <dgm:constr type="l" for="ch" forName="outerBoxChildren" refType="w" fact="0.825"/>
+                    <dgm:constr type="t" for="ch" forName="outerBoxChildren" refType="h" fact="0.25"/>
+                    <dgm:constr type="w" for="ch" forName="outerBoxChildren" refType="w" fact="0.15"/>
+                    <dgm:constr type="h" for="ch" forName="outerBoxChildren" refType="h" fact="0.7"/>
+                  </dgm:constrLst>
+                </dgm:else>
+              </dgm:choose>
+            </dgm:if>
+            <dgm:else name="Name29">
+              <dgm:constrLst>
+                <dgm:constr type="l" for="ch" forName="outerBoxParent"/>
+                <dgm:constr type="t" for="ch" forName="outerBoxParent"/>
+                <dgm:constr type="w" for="ch" forName="outerBoxParent" refType="w"/>
+                <dgm:constr type="h" for="ch" forName="outerBoxParent" refType="h"/>
+                <dgm:constr type="bMarg" for="ch" forName="outerBoxParent" refType="h" fact="1.75"/>
+                <dgm:constr type="l" for="ch" forName="outerBoxChildren" refType="w" fact="0.025"/>
+                <dgm:constr type="t" for="ch" forName="outerBoxChildren" refType="h" fact="0.45"/>
+                <dgm:constr type="w" for="ch" forName="outerBoxChildren" refType="w" fact="0.95"/>
+                <dgm:constr type="h" for="ch" forName="outerBoxChildren" refType="h" fact="0.45"/>
+              </dgm:constrLst>
+            </dgm:else>
+          </dgm:choose>
+          <dgm:ruleLst/>
+          <dgm:layoutNode name="outerBoxParent" styleLbl="node1">
+            <dgm:alg type="tx">
+              <dgm:param type="txAnchorVert" val="t"/>
+              <dgm:param type="parTxLTRAlign" val="l"/>
+              <dgm:param type="parTxRTLAlign" val="r"/>
+            </dgm:alg>
+            <dgm:shape xmlns:r="http://schemas.openxmlformats.org/officeDocument/2006/relationships" type="roundRect" r:blip="">
+              <dgm:adjLst>
+                <dgm:adj idx="1" val="0.085"/>
+              </dgm:adjLst>
+            </dgm:shape>
+            <dgm:presOf axis="ch" ptType="node" cnt="1"/>
+            <dgm:constrLst>
+              <dgm:constr type="tMarg" refType="primFontSz" fact="0.3"/>
+              <dgm:constr type="lMarg" refType="primFontSz" fact="0.3"/>
+              <dgm:constr type="rMarg" refType="primFontSz" fact="0.3"/>
+            </dgm:constrLst>
+            <dgm:ruleLst>
+              <dgm:rule type="primFontSz" val="5" fact="NaN" max="NaN"/>
+            </dgm:ruleLst>
+          </dgm:layoutNode>
+          <dgm:layoutNode name="outerBoxChildren">
+            <dgm:choose name="Name30">
+              <dgm:if name="Name31" axis="root ch" ptType="all node" st="1 1" cnt="0 0" func="cnt" op="gt" val="1">
+                <dgm:alg type="lin">
+                  <dgm:param type="linDir" val="fromT"/>
+                  <dgm:param type="vertAlign" val="t"/>
+                </dgm:alg>
+              </dgm:if>
+              <dgm:else name="Name32">
+                <dgm:choose name="Name33">
+                  <dgm:if name="Name34" func="var" arg="dir" op="equ" val="norm">
+                    <dgm:alg type="lin">
+                      <dgm:param type="horzAlign" val="l"/>
+                    </dgm:alg>
+                  </dgm:if>
+                  <dgm:else name="Name35">
+                    <dgm:alg type="lin">
+                      <dgm:param type="linDir" val="fromR"/>
+                      <dgm:param type="horzAlign" val="r"/>
+                    </dgm:alg>
+                  </dgm:else>
+                </dgm:choose>
+              </dgm:else>
+            </dgm:choose>
             <dgm:shape xmlns:r="http://schemas.openxmlformats.org/officeDocument/2006/relationships" r:blip="">
               <dgm:adjLst/>
             </dgm:shape>
             <dgm:presOf/>
-            <dgm:choose name="Name4">
-              <dgm:if name="Name5" axis="ch" ptType="node" func="cnt" op="gte" val="1">
+            <dgm:constrLst>
+              <dgm:constr type="w" for="ch" forName="oChild" refType="w"/>
+              <dgm:constr type="h" for="ch" forName="oChild" refType="h"/>
+            </dgm:constrLst>
+            <dgm:ruleLst/>
+            <dgm:forEach name="Name36" axis="ch ch" ptType="node node" st="1 1" cnt="1 0">
+              <dgm:layoutNode name="oChild" styleLbl="fgAcc1">
+                <dgm:varLst>
+                  <dgm:bulletEnabled val="1"/>
+                </dgm:varLst>
+                <dgm:alg type="tx"/>
+                <dgm:shape xmlns:r="http://schemas.openxmlformats.org/officeDocument/2006/relationships" type="roundRect" r:blip="">
+                  <dgm:adjLst>
+                    <dgm:adj idx="1" val="0.105"/>
+                  </dgm:adjLst>
+                </dgm:shape>
+                <dgm:presOf axis="desOrSelf" ptType="node"/>
                 <dgm:constrLst>
-                  <dgm:constr type="w" for="ch" forName="parentTextBox" refType="w"/>
-                  <dgm:constr type="h" for="ch" forName="parentTextBox" refType="h" fact="0.54"/>
-                  <dgm:constr type="t" for="ch" forName="parentTextBox"/>
-                  <dgm:constr type="w" for="ch" forName="entireBox" refType="w"/>
-                  <dgm:constr type="h" for="ch" forName="entireBox" refType="h"/>
-                  <dgm:constr type="w" for="ch" forName="descendantBox" refType="w"/>
-                  <dgm:constr type="b" for="ch" forName="descendantBox" refType="h" fact="0.98"/>
-                  <dgm:constr type="h" for="ch" forName="descendantBox" refType="h" fact="0.46"/>
+                  <dgm:constr type="tMarg" refType="primFontSz" fact="0.3"/>
+                  <dgm:constr type="bMarg" refType="primFontSz" fact="0.3"/>
+                  <dgm:constr type="lMarg" refType="primFontSz" fact="0.3"/>
+                  <dgm:constr type="rMarg" refType="primFontSz" fact="0.3"/>
                 </dgm:constrLst>
-              </dgm:if>
-              <dgm:else name="Name6">
-                <dgm:constrLst>
-                  <dgm:constr type="w" for="ch" forName="parentTextBox" refType="w"/>
-                  <dgm:constr type="h" for="ch" forName="parentTextBox" refType="h"/>
-                </dgm:constrLst>
-              </dgm:else>
-            </dgm:choose>
-            <dgm:ruleLst/>
-            <dgm:layoutNode name="parentTextBox">
-              <dgm:alg type="tx"/>
-              <dgm:choose name="Name7">
-                <dgm:if name="Name8" axis="ch" ptType="node" func="cnt" op="gte" val="1">
-                  <dgm:shape xmlns:r="http://schemas.openxmlformats.org/officeDocument/2006/relationships" type="rect" r:blip="" zOrderOff="1" hideGeom="1">
-                    <dgm:adjLst/>
-                  </dgm:shape>
-                </dgm:if>
-                <dgm:else name="Name9">
-                  <dgm:shape xmlns:r="http://schemas.openxmlformats.org/officeDocument/2006/relationships" type="rect" r:blip="">
-                    <dgm:adjLst/>
-                  </dgm:shape>
-                </dgm:else>
-              </dgm:choose>
-              <dgm:presOf axis="self"/>
-              <dgm:constrLst/>
-              <dgm:ruleLst>
-                <dgm:rule type="primFontSz" val="5" fact="NaN" max="NaN"/>
-              </dgm:ruleLst>
-            </dgm:layoutNode>
-            <dgm:choose name="Name10">
-              <dgm:if name="Name11" axis="ch" ptType="node" func="cnt" op="gte" val="1">
-                <dgm:layoutNode name="entireBox">
+                <dgm:ruleLst>
+                  <dgm:rule type="primFontSz" val="5" fact="NaN" max="NaN"/>
+                </dgm:ruleLst>
+              </dgm:layoutNode>
+              <dgm:forEach name="Name37" axis="followSib" ptType="sibTrans" cnt="1">
+                <dgm:layoutNode name="outerSibTrans">
                   <dgm:alg type="sp"/>
-                  <dgm:shape xmlns:r="http://schemas.openxmlformats.org/officeDocument/2006/relationships" type="rect" r:blip="">
-                    <dgm:adjLst/>
-                  </dgm:shape>
-                  <dgm:presOf axis="self"/>
-                  <dgm:constrLst/>
-                  <dgm:ruleLst/>
-                </dgm:layoutNode>
-                <dgm:layoutNode name="descendantBox" styleLbl="fgAccFollowNode1">
-                  <dgm:choose name="Name12">
-                    <dgm:if name="Name13" func="var" arg="dir" op="equ" val="norm">
-                      <dgm:alg type="lin"/>
-                    </dgm:if>
-                    <dgm:else name="Name14">
-                      <dgm:alg type="lin">
-                        <dgm:param type="linDir" val="fromR"/>
-                      </dgm:alg>
-                    </dgm:else>
-                  </dgm:choose>
                   <dgm:shape xmlns:r="http://schemas.openxmlformats.org/officeDocument/2006/relationships" r:blip="">
                     <dgm:adjLst/>
                   </dgm:shape>
                   <dgm:presOf/>
                   <dgm:constrLst>
-                    <dgm:constr type="w" for="ch" forName="childTextBox" refType="w"/>
-                    <dgm:constr type="h" for="ch" forName="childTextBox" refType="h"/>
+                    <dgm:constr type="userA"/>
+                    <dgm:constr type="w" refType="userA" fact="0.015"/>
+                    <dgm:constr type="h" refType="userA" fact="0.015"/>
                   </dgm:constrLst>
                   <dgm:ruleLst/>
-                  <dgm:forEach name="Name15" axis="ch" ptType="node">
-                    <dgm:layoutNode name="childTextBox" styleLbl="fgAccFollowNode1">
-                      <dgm:varLst>
-                        <dgm:bulletEnabled val="1"/>
-                      </dgm:varLst>
-                      <dgm:alg type="tx"/>
-                      <dgm:shape xmlns:r="http://schemas.openxmlformats.org/officeDocument/2006/relationships" type="rect" r:blip="">
-                        <dgm:adjLst/>
-                      </dgm:shape>
-                      <dgm:presOf axis="desOrSelf" ptType="node"/>
-                      <dgm:constrLst>
-                        <dgm:constr type="tMarg" refType="primFontSz" fact="0.1"/>
-                        <dgm:constr type="bMarg" refType="primFontSz" fact="0.1"/>
-                      </dgm:constrLst>
-                      <dgm:ruleLst>
-                        <dgm:rule type="primFontSz" val="5" fact="NaN" max="NaN"/>
-                      </dgm:ruleLst>
-                    </dgm:layoutNode>
-                  </dgm:forEach>
                 </dgm:layoutNode>
+              </dgm:forEach>
+            </dgm:forEach>
+          </dgm:layoutNode>
+        </dgm:layoutNode>
+      </dgm:if>
+      <dgm:else name="Name38"/>
+    </dgm:choose>
+    <dgm:choose name="Name39">
+      <dgm:if name="Name40" axis="root ch" ptType="all node" st="1 1" cnt="0 0" func="cnt" op="gte" val="2">
+        <dgm:layoutNode name="middleBox">
+          <dgm:alg type="composite">
+            <dgm:param type="horzAlign" val="none"/>
+            <dgm:param type="vertAlign" val="none"/>
+          </dgm:alg>
+          <dgm:shape xmlns:r="http://schemas.openxmlformats.org/officeDocument/2006/relationships" r:blip="">
+            <dgm:adjLst/>
+          </dgm:shape>
+          <dgm:presOf/>
+          <dgm:choose name="Name41">
+            <dgm:if name="Name42" axis="root ch" ptType="all node" st="1 1" cnt="0 0" func="cnt" op="gt" val="2">
+              <dgm:choose name="Name43">
+                <dgm:if name="Name44" func="var" arg="dir" op="equ" val="norm">
+                  <dgm:constrLst>
+                    <dgm:constr type="l" for="ch" forName="middleBoxParent"/>
+                    <dgm:constr type="t" for="ch" forName="middleBoxParent"/>
+                    <dgm:constr type="w" for="ch" forName="middleBoxParent" refType="w"/>
+                    <dgm:constr type="h" for="ch" forName="middleBoxParent" refType="h"/>
+                    <dgm:constr type="bMarg" for="ch" forName="middleBoxParent" refType="h" fact="1.8"/>
+                    <dgm:constr type="l" for="ch" forName="middleBoxChildren" refType="w" fact="0.025"/>
+                    <dgm:constr type="t" for="ch" forName="middleBoxChildren" refType="h" fact="0.35"/>
+                    <dgm:constr type="w" for="ch" forName="middleBoxChildren" refType="w" fact="0.2"/>
+                    <dgm:constr type="h" for="ch" forName="middleBoxChildren" refType="h" fact="0.575"/>
+                  </dgm:constrLst>
+                </dgm:if>
+                <dgm:else name="Name45">
+                  <dgm:constrLst>
+                    <dgm:constr type="l" for="ch" forName="middleBoxParent"/>
+                    <dgm:constr type="t" for="ch" forName="middleBoxParent"/>
+                    <dgm:constr type="w" for="ch" forName="middleBoxParent" refType="w"/>
+                    <dgm:constr type="h" for="ch" forName="middleBoxParent" refType="h"/>
+                    <dgm:constr type="bMarg" for="ch" forName="middleBoxParent" refType="h" fact="1.8"/>
+                    <dgm:constr type="l" for="ch" forName="middleBoxChildren" refType="w" fact="0.775"/>
+                    <dgm:constr type="t" for="ch" forName="middleBoxChildren" refType="h" fact="0.35"/>
+                    <dgm:constr type="w" for="ch" forName="middleBoxChildren" refType="w" fact="0.2"/>
+                    <dgm:constr type="h" for="ch" forName="middleBoxChildren" refType="h" fact="0.575"/>
+                  </dgm:constrLst>
+                </dgm:else>
+              </dgm:choose>
+            </dgm:if>
+            <dgm:else name="Name46">
+              <dgm:constrLst>
+                <dgm:constr type="l" for="ch" forName="middleBoxParent"/>
+                <dgm:constr type="t" for="ch" forName="middleBoxParent"/>
+                <dgm:constr type="w" for="ch" forName="middleBoxParent" refType="w"/>
+                <dgm:constr type="h" for="ch" forName="middleBoxParent" refType="h"/>
+                <dgm:constr type="bMarg" for="ch" forName="middleBoxParent" refType="h" fact="1.8"/>
+                <dgm:constr type="l" for="ch" forName="middleBoxChildren" refType="w" fact="0.025"/>
+                <dgm:constr type="t" for="ch" forName="middleBoxChildren" refType="h" fact="0.45"/>
+                <dgm:constr type="w" for="ch" forName="middleBoxChildren" refType="w" fact="0.95"/>
+                <dgm:constr type="h" for="ch" forName="middleBoxChildren" refType="h" fact="0.45"/>
+              </dgm:constrLst>
+            </dgm:else>
+          </dgm:choose>
+          <dgm:ruleLst/>
+          <dgm:layoutNode name="middleBoxParent" styleLbl="node1">
+            <dgm:alg type="tx">
+              <dgm:param type="txAnchorVert" val="t"/>
+              <dgm:param type="parTxLTRAlign" val="l"/>
+              <dgm:param type="parTxRTLAlign" val="r"/>
+            </dgm:alg>
+            <dgm:shape xmlns:r="http://schemas.openxmlformats.org/officeDocument/2006/relationships" type="roundRect" r:blip="">
+              <dgm:adjLst>
+                <dgm:adj idx="1" val="0.105"/>
+              </dgm:adjLst>
+            </dgm:shape>
+            <dgm:presOf axis="ch" ptType="node" st="2" cnt="1"/>
+            <dgm:constrLst>
+              <dgm:constr type="tMarg" refType="primFontSz" fact="0.3"/>
+              <dgm:constr type="lMarg" refType="primFontSz" fact="0.3"/>
+              <dgm:constr type="rMarg" refType="primFontSz" fact="0.3"/>
+            </dgm:constrLst>
+            <dgm:ruleLst>
+              <dgm:rule type="primFontSz" val="5" fact="NaN" max="NaN"/>
+            </dgm:ruleLst>
+          </dgm:layoutNode>
+          <dgm:layoutNode name="middleBoxChildren">
+            <dgm:choose name="Name47">
+              <dgm:if name="Name48" axis="root ch" ptType="all node" st="1 1" cnt="0 0" func="cnt" op="gt" val="2">
+                <dgm:alg type="lin">
+                  <dgm:param type="linDir" val="fromT"/>
+                  <dgm:param type="vertAlign" val="t"/>
+                </dgm:alg>
               </dgm:if>
-              <dgm:else name="Name16"/>
+              <dgm:else name="Name49">
+                <dgm:choose name="Name50">
+                  <dgm:if name="Name51" func="var" arg="dir" op="equ" val="norm">
+                    <dgm:alg type="lin">
+                      <dgm:param type="horzAlign" val="l"/>
+                    </dgm:alg>
+                  </dgm:if>
+                  <dgm:else name="Name52">
+                    <dgm:alg type="lin">
+                      <dgm:param type="linDir" val="fromR"/>
+                      <dgm:param type="horzAlign" val="r"/>
+                    </dgm:alg>
+                  </dgm:else>
+                </dgm:choose>
+              </dgm:else>
             </dgm:choose>
-          </dgm:layoutNode>
-        </dgm:if>
-        <dgm:else name="Name17">
-          <dgm:layoutNode name="arrowAndChildren">
-            <dgm:alg type="composite"/>
             <dgm:shape xmlns:r="http://schemas.openxmlformats.org/officeDocument/2006/relationships" r:blip="">
               <dgm:adjLst/>
             </dgm:shape>
             <dgm:presOf/>
-            <dgm:choose name="Name18">
-              <dgm:if name="Name19" axis="ch" ptType="node" func="cnt" op="gte" val="1">
+            <dgm:constrLst>
+              <dgm:constr type="w" for="ch" forName="mChild" refType="w"/>
+              <dgm:constr type="h" for="ch" forName="mChild" refType="h"/>
+            </dgm:constrLst>
+            <dgm:ruleLst/>
+            <dgm:forEach name="Name53" axis="ch ch" ptType="node node" st="2 1" cnt="1 0">
+              <dgm:layoutNode name="mChild" styleLbl="fgAcc1">
+                <dgm:varLst>
+                  <dgm:bulletEnabled val="1"/>
+                </dgm:varLst>
+                <dgm:alg type="tx"/>
+                <dgm:shape xmlns:r="http://schemas.openxmlformats.org/officeDocument/2006/relationships" type="roundRect" r:blip="">
+                  <dgm:adjLst>
+                    <dgm:adj idx="1" val="0.105"/>
+                  </dgm:adjLst>
+                </dgm:shape>
+                <dgm:presOf axis="desOrSelf" ptType="node"/>
                 <dgm:constrLst>
-                  <dgm:constr type="w" for="ch" forName="parentTextArrow" refType="w"/>
-                  <dgm:constr type="t" for="ch" forName="parentTextArrow"/>
-                  <dgm:constr type="h" for="ch" forName="parentTextArrow" refType="h" fact="0.351"/>
-                  <dgm:constr type="w" for="ch" forName="arrow" refType="w"/>
-                  <dgm:constr type="h" for="ch" forName="arrow" refType="h"/>
-                  <dgm:constr type="w" for="ch" forName="descendantArrow" refType="w"/>
-                  <dgm:constr type="b" for="ch" forName="descendantArrow" refType="h" fact="0.65"/>
-                  <dgm:constr type="h" for="ch" forName="descendantArrow" refType="h" fact="0.299"/>
+                  <dgm:constr type="tMarg" refType="primFontSz" fact="0.3"/>
+                  <dgm:constr type="bMarg" refType="primFontSz" fact="0.3"/>
+                  <dgm:constr type="lMarg" refType="primFontSz" fact="0.3"/>
+                  <dgm:constr type="rMarg" refType="primFontSz" fact="0.3"/>
                 </dgm:constrLst>
-              </dgm:if>
-              <dgm:else name="Name20">
-                <dgm:constrLst>
-                  <dgm:constr type="w" for="ch" forName="parentTextArrow" refType="w"/>
-                  <dgm:constr type="h" for="ch" forName="parentTextArrow" refType="h"/>
-                </dgm:constrLst>
-              </dgm:else>
-            </dgm:choose>
-            <dgm:ruleLst/>
-            <dgm:layoutNode name="parentTextArrow">
-              <dgm:alg type="tx"/>
-              <dgm:choose name="Name21">
-                <dgm:if name="Name22" axis="ch" ptType="node" func="cnt" op="gte" val="1">
-                  <dgm:shape xmlns:r="http://schemas.openxmlformats.org/officeDocument/2006/relationships" type="rect" r:blip="" zOrderOff="1" hideGeom="1">
-                    <dgm:adjLst/>
-                  </dgm:shape>
-                </dgm:if>
-                <dgm:else name="Name23">
-                  <dgm:shape xmlns:r="http://schemas.openxmlformats.org/officeDocument/2006/relationships" rot="180" type="upArrowCallout" r:blip="">
-                    <dgm:adjLst/>
-                  </dgm:shape>
-                </dgm:else>
-              </dgm:choose>
-              <dgm:presOf axis="self"/>
-              <dgm:constrLst/>
-              <dgm:ruleLst>
-                <dgm:rule type="primFontSz" val="5" fact="NaN" max="NaN"/>
-              </dgm:ruleLst>
-            </dgm:layoutNode>
-            <dgm:choose name="Name24">
-              <dgm:if name="Name25" axis="ch" ptType="node" func="cnt" op="gte" val="1">
-                <dgm:layoutNode name="arrow">
+                <dgm:ruleLst>
+                  <dgm:rule type="primFontSz" val="5" fact="NaN" max="NaN"/>
+                </dgm:ruleLst>
+              </dgm:layoutNode>
+              <dgm:forEach name="Name54" axis="followSib" ptType="sibTrans" cnt="1">
+                <dgm:layoutNode name="middleSibTrans">
                   <dgm:alg type="sp"/>
-                  <dgm:shape xmlns:r="http://schemas.openxmlformats.org/officeDocument/2006/relationships" rot="180" type="upArrowCallout" r:blip="">
-                    <dgm:adjLst/>
-                  </dgm:shape>
-                  <dgm:presOf axis="self"/>
-                  <dgm:constrLst/>
-                  <dgm:ruleLst/>
-                </dgm:layoutNode>
-                <dgm:layoutNode name="descendantArrow">
-                  <dgm:choose name="Name26">
-                    <dgm:if name="Name27" func="var" arg="dir" op="equ" val="norm">
-                      <dgm:alg type="lin"/>
-                    </dgm:if>
-                    <dgm:else name="Name28">
-                      <dgm:alg type="lin">
-                        <dgm:param type="linDir" val="fromR"/>
-                      </dgm:alg>
-                    </dgm:else>
-                  </dgm:choose>
                   <dgm:shape xmlns:r="http://schemas.openxmlformats.org/officeDocument/2006/relationships" r:blip="">
                     <dgm:adjLst/>
                   </dgm:shape>
                   <dgm:presOf/>
                   <dgm:constrLst>
-                    <dgm:constr type="w" for="ch" forName="childTextArrow" refType="w"/>
-                    <dgm:constr type="h" for="ch" forName="childTextArrow" refType="h"/>
+                    <dgm:constr type="userA"/>
+                    <dgm:constr type="w" refType="userA" fact="0.015"/>
+                    <dgm:constr type="h" refType="userA" fact="0.015"/>
                   </dgm:constrLst>
                   <dgm:ruleLst/>
-                  <dgm:forEach name="Name29" axis="ch" ptType="node">
-                    <dgm:layoutNode name="childTextArrow" styleLbl="fgAccFollowNode1">
-                      <dgm:varLst>
-                        <dgm:bulletEnabled val="1"/>
-                      </dgm:varLst>
-                      <dgm:alg type="tx"/>
-                      <dgm:shape xmlns:r="http://schemas.openxmlformats.org/officeDocument/2006/relationships" type="rect" r:blip="">
-                        <dgm:adjLst/>
-                      </dgm:shape>
-                      <dgm:presOf axis="desOrSelf" ptType="node"/>
-                      <dgm:constrLst>
-                        <dgm:constr type="tMarg" refType="primFontSz" fact="0.1"/>
-                        <dgm:constr type="bMarg" refType="primFontSz" fact="0.1"/>
-                      </dgm:constrLst>
-                      <dgm:ruleLst>
-                        <dgm:rule type="primFontSz" val="5" fact="NaN" max="NaN"/>
-                      </dgm:ruleLst>
-                    </dgm:layoutNode>
-                  </dgm:forEach>
                 </dgm:layoutNode>
-              </dgm:if>
-              <dgm:else name="Name30"/>
-            </dgm:choose>
+              </dgm:forEach>
+            </dgm:forEach>
           </dgm:layoutNode>
-        </dgm:else>
-      </dgm:choose>
-      <dgm:forEach name="Name31" axis="precedSib" ptType="sibTrans" st="-1" cnt="1">
-        <dgm:layoutNode name="sp">
-          <dgm:alg type="sp"/>
+        </dgm:layoutNode>
+      </dgm:if>
+      <dgm:else name="Name55"/>
+    </dgm:choose>
+    <dgm:choose name="Name56">
+      <dgm:if name="Name57" axis="root ch" ptType="all node" st="1 1" cnt="0 0" func="cnt" op="gte" val="3">
+        <dgm:layoutNode name="centerBox">
+          <dgm:alg type="composite">
+            <dgm:param type="horzAlign" val="none"/>
+            <dgm:param type="vertAlign" val="none"/>
+          </dgm:alg>
           <dgm:shape xmlns:r="http://schemas.openxmlformats.org/officeDocument/2006/relationships" r:blip="">
             <dgm:adjLst/>
           </dgm:shape>
-          <dgm:presOf axis="self"/>
-          <dgm:constrLst/>
+          <dgm:presOf/>
+          <dgm:choose name="Name58">
+            <dgm:if name="Name59" axis="ch ch" ptType="node node" st="3 1" cnt="1 0" func="cnt" op="gt" val="0">
+              <dgm:constrLst>
+                <dgm:constr type="l" for="ch" forName="centerBoxParent"/>
+                <dgm:constr type="t" for="ch" forName="centerBoxParent"/>
+                <dgm:constr type="w" for="ch" forName="centerBoxParent" refType="w"/>
+                <dgm:constr type="h" for="ch" forName="centerBoxParent" refType="h"/>
+                <dgm:constr type="bMarg" for="ch" forName="centerBoxParent" refType="h" fact="1.6"/>
+                <dgm:constr type="l" for="ch" forName="centerBoxChildren" refType="w" fact="0.025"/>
+                <dgm:constr type="t" for="ch" forName="centerBoxChildren" refType="h" fact="0.45"/>
+                <dgm:constr type="w" for="ch" forName="centerBoxChildren" refType="w" fact="0.95"/>
+                <dgm:constr type="h" for="ch" forName="centerBoxChildren" refType="h" fact="0.45"/>
+              </dgm:constrLst>
+            </dgm:if>
+            <dgm:else name="Name60">
+              <dgm:constrLst>
+                <dgm:constr type="l" for="ch" forName="centerBoxParent"/>
+                <dgm:constr type="t" for="ch" forName="centerBoxParent"/>
+                <dgm:constr type="w" for="ch" forName="centerBoxParent" refType="w"/>
+                <dgm:constr type="h" for="ch" forName="centerBoxParent" refType="h"/>
+              </dgm:constrLst>
+            </dgm:else>
+          </dgm:choose>
           <dgm:ruleLst/>
+          <dgm:layoutNode name="centerBoxParent" styleLbl="node1">
+            <dgm:alg type="tx">
+              <dgm:param type="txAnchorVert" val="t"/>
+              <dgm:param type="parTxLTRAlign" val="l"/>
+              <dgm:param type="parTxRTLAlign" val="r"/>
+            </dgm:alg>
+            <dgm:shape xmlns:r="http://schemas.openxmlformats.org/officeDocument/2006/relationships" type="roundRect" r:blip="">
+              <dgm:adjLst>
+                <dgm:adj idx="1" val="0.105"/>
+              </dgm:adjLst>
+            </dgm:shape>
+            <dgm:presOf axis="ch" ptType="node" st="3" cnt="1"/>
+            <dgm:constrLst>
+              <dgm:constr type="tMarg" refType="primFontSz" fact="0.3"/>
+              <dgm:constr type="lMarg" refType="primFontSz" fact="0.3"/>
+              <dgm:constr type="rMarg" refType="primFontSz" fact="0.3"/>
+            </dgm:constrLst>
+            <dgm:ruleLst>
+              <dgm:rule type="primFontSz" val="5" fact="NaN" max="NaN"/>
+            </dgm:ruleLst>
+          </dgm:layoutNode>
+          <dgm:choose name="Name61">
+            <dgm:if name="Name62" axis="ch ch" ptType="node node" st="3 1" cnt="1 0" func="cnt" op="gt" val="0">
+              <dgm:layoutNode name="centerBoxChildren">
+                <dgm:choose name="Name63">
+                  <dgm:if name="Name64" func="var" arg="dir" op="equ" val="norm">
+                    <dgm:alg type="lin">
+                      <dgm:param type="horzAlign" val="l"/>
+                    </dgm:alg>
+                  </dgm:if>
+                  <dgm:else name="Name65">
+                    <dgm:alg type="lin">
+                      <dgm:param type="linDir" val="fromR"/>
+                      <dgm:param type="horzAlign" val="r"/>
+                    </dgm:alg>
+                  </dgm:else>
+                </dgm:choose>
+                <dgm:shape xmlns:r="http://schemas.openxmlformats.org/officeDocument/2006/relationships" r:blip="">
+                  <dgm:adjLst/>
+                </dgm:shape>
+                <dgm:presOf/>
+                <dgm:constrLst>
+                  <dgm:constr type="w" for="ch" forName="cChild" refType="w"/>
+                  <dgm:constr type="h" for="ch" forName="cChild" refType="h"/>
+                </dgm:constrLst>
+                <dgm:ruleLst/>
+                <dgm:forEach name="Name66" axis="ch ch" ptType="node node" st="3 1" cnt="1 0">
+                  <dgm:layoutNode name="cChild" styleLbl="fgAcc1">
+                    <dgm:varLst>
+                      <dgm:bulletEnabled val="1"/>
+                    </dgm:varLst>
+                    <dgm:alg type="tx"/>
+                    <dgm:shape xmlns:r="http://schemas.openxmlformats.org/officeDocument/2006/relationships" type="roundRect" r:blip="">
+                      <dgm:adjLst>
+                        <dgm:adj idx="1" val="0.105"/>
+                      </dgm:adjLst>
+                    </dgm:shape>
+                    <dgm:presOf axis="desOrSelf" ptType="node"/>
+                    <dgm:constrLst>
+                      <dgm:constr type="tMarg" refType="primFontSz" fact="0.3"/>
+                      <dgm:constr type="bMarg" refType="primFontSz" fact="0.3"/>
+                      <dgm:constr type="lMarg" refType="primFontSz" fact="0.3"/>
+                      <dgm:constr type="rMarg" refType="primFontSz" fact="0.3"/>
+                    </dgm:constrLst>
+                    <dgm:ruleLst>
+                      <dgm:rule type="primFontSz" val="5" fact="NaN" max="NaN"/>
+                    </dgm:ruleLst>
+                  </dgm:layoutNode>
+                  <dgm:forEach name="Name67" axis="followSib" ptType="sibTrans" cnt="1">
+                    <dgm:layoutNode name="centerSibTrans">
+                      <dgm:alg type="sp"/>
+                      <dgm:shape xmlns:r="http://schemas.openxmlformats.org/officeDocument/2006/relationships" r:blip="">
+                        <dgm:adjLst/>
+                      </dgm:shape>
+                      <dgm:presOf/>
+                      <dgm:constrLst>
+                        <dgm:constr type="userA"/>
+                        <dgm:constr type="w" refType="userA" fact="0.015"/>
+                        <dgm:constr type="h" refType="userA" fact="0.015"/>
+                      </dgm:constrLst>
+                      <dgm:ruleLst/>
+                    </dgm:layoutNode>
+                  </dgm:forEach>
+                </dgm:forEach>
+              </dgm:layoutNode>
+            </dgm:if>
+            <dgm:else name="Name68"/>
+          </dgm:choose>
         </dgm:layoutNode>
-      </dgm:forEach>
-    </dgm:forEach>
+      </dgm:if>
+      <dgm:else name="Name69"/>
+    </dgm:choose>
   </dgm:layoutNode>
 </dgm:layoutDef>
 </file>
@@ -11864,12 +14529,11 @@
 </file>
 
 <file path=ppt/diagrams/layout3.xml><?xml version="1.0" encoding="utf-8"?>
-<dgm:layoutDef xmlns:dgm="http://schemas.openxmlformats.org/drawingml/2006/diagram" xmlns:a="http://schemas.openxmlformats.org/drawingml/2006/main" uniqueId="urn:microsoft.com/office/officeart/2005/8/layout/process4">
+<dgm:layoutDef xmlns:dgm="http://schemas.openxmlformats.org/drawingml/2006/diagram" xmlns:a="http://schemas.openxmlformats.org/drawingml/2006/main" uniqueId="urn:microsoft.com/office/officeart/2005/8/layout/target2">
   <dgm:title val=""/>
   <dgm:desc val=""/>
   <dgm:catLst>
-    <dgm:cat type="process" pri="16000"/>
-    <dgm:cat type="list" pri="20000"/>
+    <dgm:cat type="relationship" pri="12000"/>
   </dgm:catLst>
   <dgm:sampData>
     <dgm:dataModel>
@@ -11966,263 +14630,692 @@
   </dgm:clrData>
   <dgm:layoutNode name="Name0">
     <dgm:varLst>
+      <dgm:chMax val="3"/>
+      <dgm:chPref val="1"/>
       <dgm:dir/>
       <dgm:animLvl val="lvl"/>
-      <dgm:resizeHandles val="exact"/>
+      <dgm:resizeHandles/>
     </dgm:varLst>
-    <dgm:alg type="lin">
-      <dgm:param type="linDir" val="fromB"/>
+    <dgm:alg type="composite">
+      <dgm:param type="horzAlign" val="none"/>
+      <dgm:param type="vertAlign" val="none"/>
     </dgm:alg>
     <dgm:shape xmlns:r="http://schemas.openxmlformats.org/officeDocument/2006/relationships" r:blip="">
       <dgm:adjLst/>
     </dgm:shape>
     <dgm:presOf/>
-    <dgm:constrLst>
-      <dgm:constr type="h" for="ch" forName="boxAndChildren" refType="h"/>
-      <dgm:constr type="h" for="ch" forName="arrowAndChildren" refType="h" refFor="ch" refForName="boxAndChildren" op="equ" fact="1.538"/>
-      <dgm:constr type="w" for="ch" forName="arrowAndChildren" refType="w"/>
-      <dgm:constr type="w" for="ch" forName="boxAndChildren" refType="w"/>
-      <dgm:constr type="h" for="ch" forName="sp" refType="h" fact="-0.015"/>
-      <dgm:constr type="primFontSz" for="des" forName="parentTextBox" val="65"/>
-      <dgm:constr type="primFontSz" for="des" forName="parentTextArrow" refType="primFontSz" refFor="des" refForName="parentTextBox" op="equ"/>
-      <dgm:constr type="primFontSz" for="des" forName="childTextArrow" val="65"/>
-      <dgm:constr type="primFontSz" for="des" forName="childTextBox" refType="primFontSz" refFor="des" refForName="childTextArrow" op="equ"/>
-    </dgm:constrLst>
+    <dgm:choose name="Name1">
+      <dgm:if name="Name2" func="var" arg="dir" op="equ" val="norm">
+        <dgm:choose name="Name3">
+          <dgm:if name="Name4" axis="ch ch" ptType="node node" st="1 1" cnt="1 0" func="cnt" op="gt" val="0">
+            <dgm:choose name="Name5">
+              <dgm:if name="Name6" axis="ch ch" ptType="node node" st="2 1" cnt="1 0" func="cnt" op="gt" val="0">
+                <dgm:constrLst>
+                  <dgm:constr type="primFontSz" for="des" forName="middleBoxParent" val="65"/>
+                  <dgm:constr type="primFontSz" for="des" forName="mChild" val="65"/>
+                  <dgm:constr type="primFontSz" for="des" forName="outerBoxParent" refType="primFontSz" refFor="des" refForName="middleBoxParent" op="equ"/>
+                  <dgm:constr type="primFontSz" for="des" forName="centerBoxParent" refType="primFontSz" refFor="des" refForName="middleBoxParent" op="equ"/>
+                  <dgm:constr type="primFontSz" for="des" forName="oChild" refType="primFontSz" refFor="des" refForName="mChild" op="equ"/>
+                  <dgm:constr type="primFontSz" for="des" forName="cChild" refType="primFontSz" refFor="des" refForName="mChild" op="equ"/>
+                  <dgm:constr type="l" for="ch" forName="outerBox"/>
+                  <dgm:constr type="t" for="ch" forName="outerBox"/>
+                  <dgm:constr type="w" for="ch" forName="outerBox" refType="w"/>
+                  <dgm:constr type="h" for="ch" forName="outerBox" refType="h"/>
+                  <dgm:constr type="l" for="ch" forName="middleBox" refType="w" fact="0.2"/>
+                  <dgm:constr type="t" for="ch" forName="middleBox" refType="h" fact="0.25"/>
+                  <dgm:constr type="w" for="ch" forName="middleBox" refType="w" fact="0.775"/>
+                  <dgm:constr type="h" for="ch" forName="middleBox" refType="h" fact="0.7"/>
+                  <dgm:constr type="l" for="ch" forName="centerBox" refType="w" fact="0.395"/>
+                  <dgm:constr type="t" for="ch" forName="centerBox" refType="h" fact="0.5"/>
+                  <dgm:constr type="w" for="ch" forName="centerBox" refType="w" fact="0.555"/>
+                  <dgm:constr type="h" for="ch" forName="centerBox" refType="h" fact="0.4"/>
+                  <dgm:constr type="userA" for="des" forName="outerSibTrans" refType="w"/>
+                  <dgm:constr type="userA" for="des" forName="middleSibTrans" refType="w"/>
+                  <dgm:constr type="userA" for="des" forName="centerSibTrans" refType="w"/>
+                </dgm:constrLst>
+              </dgm:if>
+              <dgm:else name="Name7">
+                <dgm:constrLst>
+                  <dgm:constr type="primFontSz" for="des" forName="middleBoxParent" val="65"/>
+                  <dgm:constr type="primFontSz" for="des" forName="mChild" val="65"/>
+                  <dgm:constr type="primFontSz" for="des" forName="outerBoxParent" refType="primFontSz" refFor="des" refForName="middleBoxParent" op="equ"/>
+                  <dgm:constr type="primFontSz" for="des" forName="centerBoxParent" refType="primFontSz" refFor="des" refForName="middleBoxParent" op="equ"/>
+                  <dgm:constr type="primFontSz" for="des" forName="oChild" refType="primFontSz" refFor="des" refForName="mChild" op="equ"/>
+                  <dgm:constr type="primFontSz" for="des" forName="cChild" refType="primFontSz" refFor="des" refForName="mChild" op="equ"/>
+                  <dgm:constr type="l" for="ch" forName="outerBox"/>
+                  <dgm:constr type="t" for="ch" forName="outerBox"/>
+                  <dgm:constr type="w" for="ch" forName="outerBox" refType="w"/>
+                  <dgm:constr type="h" for="ch" forName="outerBox" refType="h"/>
+                  <dgm:constr type="l" for="ch" forName="middleBox" refType="w" fact="0.2"/>
+                  <dgm:constr type="t" for="ch" forName="middleBox" refType="h" fact="0.25"/>
+                  <dgm:constr type="w" for="ch" forName="middleBox" refType="w" fact="0.775"/>
+                  <dgm:constr type="h" for="ch" forName="middleBox" refType="h" fact="0.7"/>
+                  <dgm:constr type="l" for="ch" forName="centerBox" refType="w" fact="0.225"/>
+                  <dgm:constr type="t" for="ch" forName="centerBox" refType="h" fact="0.5"/>
+                  <dgm:constr type="w" for="ch" forName="centerBox" refType="w" fact="0.725"/>
+                  <dgm:constr type="h" for="ch" forName="centerBox" refType="h" fact="0.4"/>
+                  <dgm:constr type="userA" for="des" forName="outerSibTrans" refType="w"/>
+                  <dgm:constr type="userA" for="des" forName="middleSibTrans" refType="w"/>
+                  <dgm:constr type="userA" for="des" forName="centerSibTrans" refType="w"/>
+                </dgm:constrLst>
+              </dgm:else>
+            </dgm:choose>
+          </dgm:if>
+          <dgm:else name="Name8">
+            <dgm:choose name="Name9">
+              <dgm:if name="Name10" axis="ch ch" ptType="node node" st="2 1" cnt="1 0" func="cnt" op="gt" val="0">
+                <dgm:constrLst>
+                  <dgm:constr type="primFontSz" for="des" forName="middleBoxParent" val="65"/>
+                  <dgm:constr type="primFontSz" for="des" forName="mChild" val="65"/>
+                  <dgm:constr type="primFontSz" for="des" forName="outerBoxParent" refType="primFontSz" refFor="des" refForName="middleBoxParent" op="equ"/>
+                  <dgm:constr type="primFontSz" for="des" forName="centerBoxParent" refType="primFontSz" refFor="des" refForName="middleBoxParent" op="equ"/>
+                  <dgm:constr type="primFontSz" for="des" forName="oChild" refType="primFontSz" refFor="des" refForName="mChild" op="equ"/>
+                  <dgm:constr type="primFontSz" for="des" forName="cChild" refType="primFontSz" refFor="des" refForName="mChild" op="equ"/>
+                  <dgm:constr type="l" for="ch" forName="outerBox"/>
+                  <dgm:constr type="t" for="ch" forName="outerBox"/>
+                  <dgm:constr type="w" for="ch" forName="outerBox" refType="w"/>
+                  <dgm:constr type="h" for="ch" forName="outerBox" refType="h"/>
+                  <dgm:constr type="l" for="ch" forName="middleBox" refType="w" fact="0.025"/>
+                  <dgm:constr type="t" for="ch" forName="middleBox" refType="h" fact="0.25"/>
+                  <dgm:constr type="w" for="ch" forName="middleBox" refType="w" fact="0.95"/>
+                  <dgm:constr type="h" for="ch" forName="middleBox" refType="h" fact="0.7"/>
+                  <dgm:constr type="l" for="ch" forName="centerBox" refType="w" fact="0.26"/>
+                  <dgm:constr type="t" for="ch" forName="centerBox" refType="h" fact="0.5"/>
+                  <dgm:constr type="w" for="ch" forName="centerBox" refType="w" fact="0.69"/>
+                  <dgm:constr type="h" for="ch" forName="centerBox" refType="h" fact="0.4"/>
+                  <dgm:constr type="userA" for="des" forName="outerSibTrans" refType="w"/>
+                  <dgm:constr type="userA" for="des" forName="middleSibTrans" refType="w"/>
+                  <dgm:constr type="userA" for="des" forName="centerSibTrans" refType="w"/>
+                </dgm:constrLst>
+              </dgm:if>
+              <dgm:else name="Name11">
+                <dgm:constrLst>
+                  <dgm:constr type="primFontSz" for="des" forName="middleBoxParent" val="65"/>
+                  <dgm:constr type="primFontSz" for="des" forName="mChild" val="65"/>
+                  <dgm:constr type="primFontSz" for="des" forName="outerBoxParent" refType="primFontSz" refFor="des" refForName="middleBoxParent" op="equ"/>
+                  <dgm:constr type="primFontSz" for="des" forName="centerBoxParent" refType="primFontSz" refFor="des" refForName="middleBoxParent" op="equ"/>
+                  <dgm:constr type="primFontSz" for="des" forName="oChild" refType="primFontSz" refFor="des" refForName="mChild" op="equ"/>
+                  <dgm:constr type="primFontSz" for="des" forName="cChild" refType="primFontSz" refFor="des" refForName="mChild" op="equ"/>
+                  <dgm:constr type="l" for="ch" forName="outerBox"/>
+                  <dgm:constr type="t" for="ch" forName="outerBox"/>
+                  <dgm:constr type="w" for="ch" forName="outerBox" refType="w"/>
+                  <dgm:constr type="h" for="ch" forName="outerBox" refType="h"/>
+                  <dgm:constr type="l" for="ch" forName="middleBox" refType="w" fact="0.025"/>
+                  <dgm:constr type="t" for="ch" forName="middleBox" refType="h" fact="0.25"/>
+                  <dgm:constr type="w" for="ch" forName="middleBox" refType="w" fact="0.95"/>
+                  <dgm:constr type="h" for="ch" forName="middleBox" refType="h" fact="0.7"/>
+                  <dgm:constr type="l" for="ch" forName="centerBox" refType="w" fact="0.05"/>
+                  <dgm:constr type="t" for="ch" forName="centerBox" refType="h" fact="0.5"/>
+                  <dgm:constr type="w" for="ch" forName="centerBox" refType="w" fact="0.9"/>
+                  <dgm:constr type="h" for="ch" forName="centerBox" refType="h" fact="0.4"/>
+                  <dgm:constr type="userA" for="des" forName="outerSibTrans" refType="w"/>
+                  <dgm:constr type="userA" for="des" forName="middleSibTrans" refType="w"/>
+                  <dgm:constr type="userA" for="des" forName="centerSibTrans" refType="w"/>
+                </dgm:constrLst>
+              </dgm:else>
+            </dgm:choose>
+          </dgm:else>
+        </dgm:choose>
+      </dgm:if>
+      <dgm:else name="Name12">
+        <dgm:choose name="Name13">
+          <dgm:if name="Name14" axis="ch ch" ptType="node node" st="1 1" cnt="1 0" func="cnt" op="gt" val="0">
+            <dgm:choose name="Name15">
+              <dgm:if name="Name16" axis="ch ch" ptType="node node" st="2 1" cnt="1 0" func="cnt" op="gt" val="0">
+                <dgm:constrLst>
+                  <dgm:constr type="primFontSz" for="des" forName="middleBoxParent" val="65"/>
+                  <dgm:constr type="primFontSz" for="des" forName="mChild" val="65"/>
+                  <dgm:constr type="primFontSz" for="des" forName="outerBoxParent" refType="primFontSz" refFor="des" refForName="middleBoxParent" op="equ"/>
+                  <dgm:constr type="primFontSz" for="des" forName="centerBoxParent" refType="primFontSz" refFor="des" refForName="middleBoxParent" op="equ"/>
+                  <dgm:constr type="primFontSz" for="des" forName="oChild" refType="primFontSz" refFor="des" refForName="mChild" op="equ"/>
+                  <dgm:constr type="primFontSz" for="des" forName="cChild" refType="primFontSz" refFor="des" refForName="mChild" op="equ"/>
+                  <dgm:constr type="l" for="ch" forName="outerBox"/>
+                  <dgm:constr type="t" for="ch" forName="outerBox"/>
+                  <dgm:constr type="w" for="ch" forName="outerBox" refType="w"/>
+                  <dgm:constr type="h" for="ch" forName="outerBox" refType="h"/>
+                  <dgm:constr type="l" for="ch" forName="middleBox" refType="w" fact="0.025"/>
+                  <dgm:constr type="t" for="ch" forName="middleBox" refType="h" fact="0.25"/>
+                  <dgm:constr type="w" for="ch" forName="middleBox" refType="w" fact="0.775"/>
+                  <dgm:constr type="h" for="ch" forName="middleBox" refType="h" fact="0.7"/>
+                  <dgm:constr type="l" for="ch" forName="centerBox" refType="w" fact="0.05"/>
+                  <dgm:constr type="t" for="ch" forName="centerBox" refType="h" fact="0.5"/>
+                  <dgm:constr type="w" for="ch" forName="centerBox" refType="w" fact="0.55"/>
+                  <dgm:constr type="h" for="ch" forName="centerBox" refType="h" fact="0.4"/>
+                  <dgm:constr type="userA" for="des" forName="outerSibTrans" refType="w"/>
+                  <dgm:constr type="userA" for="des" forName="middleSibTrans" refType="w"/>
+                  <dgm:constr type="userA" for="des" forName="centerSibTrans" refType="w"/>
+                </dgm:constrLst>
+              </dgm:if>
+              <dgm:else name="Name17">
+                <dgm:constrLst>
+                  <dgm:constr type="primFontSz" for="des" forName="middleBoxParent" val="65"/>
+                  <dgm:constr type="primFontSz" for="des" forName="mChild" val="65"/>
+                  <dgm:constr type="primFontSz" for="des" forName="outerBoxParent" refType="primFontSz" refFor="des" refForName="middleBoxParent" op="equ"/>
+                  <dgm:constr type="primFontSz" for="des" forName="centerBoxParent" refType="primFontSz" refFor="des" refForName="middleBoxParent" op="equ"/>
+                  <dgm:constr type="primFontSz" for="des" forName="oChild" refType="primFontSz" refFor="des" refForName="mChild" op="equ"/>
+                  <dgm:constr type="primFontSz" for="des" forName="cChild" refType="primFontSz" refFor="des" refForName="mChild" op="equ"/>
+                  <dgm:constr type="l" for="ch" forName="outerBox"/>
+                  <dgm:constr type="t" for="ch" forName="outerBox"/>
+                  <dgm:constr type="w" for="ch" forName="outerBox" refType="w"/>
+                  <dgm:constr type="h" for="ch" forName="outerBox" refType="h"/>
+                  <dgm:constr type="l" for="ch" forName="middleBox" refType="w" fact="0.025"/>
+                  <dgm:constr type="t" for="ch" forName="middleBox" refType="h" fact="0.25"/>
+                  <dgm:constr type="w" for="ch" forName="middleBox" refType="w" fact="0.775"/>
+                  <dgm:constr type="h" for="ch" forName="middleBox" refType="h" fact="0.7"/>
+                  <dgm:constr type="l" for="ch" forName="centerBox" refType="w" fact="0.05"/>
+                  <dgm:constr type="t" for="ch" forName="centerBox" refType="h" fact="0.5"/>
+                  <dgm:constr type="w" for="ch" forName="centerBox" refType="w" fact="0.725"/>
+                  <dgm:constr type="h" for="ch" forName="centerBox" refType="h" fact="0.4"/>
+                  <dgm:constr type="userA" for="des" forName="outerSibTrans" refType="w"/>
+                  <dgm:constr type="userA" for="des" forName="middleSibTrans" refType="w"/>
+                  <dgm:constr type="userA" for="des" forName="centerSibTrans" refType="w"/>
+                </dgm:constrLst>
+              </dgm:else>
+            </dgm:choose>
+          </dgm:if>
+          <dgm:else name="Name18">
+            <dgm:choose name="Name19">
+              <dgm:if name="Name20" axis="ch ch" ptType="node node" st="2 1" cnt="1 0" func="cnt" op="gt" val="0">
+                <dgm:constrLst>
+                  <dgm:constr type="primFontSz" for="des" forName="middleBoxParent" val="65"/>
+                  <dgm:constr type="primFontSz" for="des" forName="mChild" val="65"/>
+                  <dgm:constr type="primFontSz" for="des" forName="outerBoxParent" refType="primFontSz" refFor="des" refForName="middleBoxParent" op="equ"/>
+                  <dgm:constr type="primFontSz" for="des" forName="centerBoxParent" refType="primFontSz" refFor="des" refForName="middleBoxParent" op="equ"/>
+                  <dgm:constr type="primFontSz" for="des" forName="oChild" refType="primFontSz" refFor="des" refForName="mChild" op="equ"/>
+                  <dgm:constr type="primFontSz" for="des" forName="cChild" refType="primFontSz" refFor="des" refForName="mChild" op="equ"/>
+                  <dgm:constr type="l" for="ch" forName="outerBox"/>
+                  <dgm:constr type="t" for="ch" forName="outerBox"/>
+                  <dgm:constr type="w" for="ch" forName="outerBox" refType="w"/>
+                  <dgm:constr type="h" for="ch" forName="outerBox" refType="h"/>
+                  <dgm:constr type="l" for="ch" forName="middleBox" refType="w" fact="0.025"/>
+                  <dgm:constr type="t" for="ch" forName="middleBox" refType="h" fact="0.25"/>
+                  <dgm:constr type="w" for="ch" forName="middleBox" refType="w" fact="0.95"/>
+                  <dgm:constr type="h" for="ch" forName="middleBox" refType="h" fact="0.7"/>
+                  <dgm:constr type="l" for="ch" forName="centerBox" refType="w" fact="0.05"/>
+                  <dgm:constr type="t" for="ch" forName="centerBox" refType="h" fact="0.5"/>
+                  <dgm:constr type="w" for="ch" forName="centerBox" refType="w" fact="0.69"/>
+                  <dgm:constr type="h" for="ch" forName="centerBox" refType="h" fact="0.4"/>
+                  <dgm:constr type="userA" for="des" forName="outerSibTrans" refType="w"/>
+                  <dgm:constr type="userA" for="des" forName="middleSibTrans" refType="w"/>
+                  <dgm:constr type="userA" for="des" forName="centerSibTrans" refType="w"/>
+                </dgm:constrLst>
+              </dgm:if>
+              <dgm:else name="Name21">
+                <dgm:constrLst>
+                  <dgm:constr type="primFontSz" for="des" forName="middleBoxParent" val="65"/>
+                  <dgm:constr type="primFontSz" for="des" forName="mChild" val="65"/>
+                  <dgm:constr type="primFontSz" for="des" forName="outerBoxParent" refType="primFontSz" refFor="des" refForName="middleBoxParent" op="equ"/>
+                  <dgm:constr type="primFontSz" for="des" forName="centerBoxParent" refType="primFontSz" refFor="des" refForName="middleBoxParent" op="equ"/>
+                  <dgm:constr type="primFontSz" for="des" forName="oChild" refType="primFontSz" refFor="des" refForName="mChild" op="equ"/>
+                  <dgm:constr type="primFontSz" for="des" forName="cChild" refType="primFontSz" refFor="des" refForName="mChild" op="equ"/>
+                  <dgm:constr type="l" for="ch" forName="outerBox"/>
+                  <dgm:constr type="t" for="ch" forName="outerBox"/>
+                  <dgm:constr type="w" for="ch" forName="outerBox" refType="w"/>
+                  <dgm:constr type="h" for="ch" forName="outerBox" refType="h"/>
+                  <dgm:constr type="l" for="ch" forName="middleBox" refType="w" fact="0.025"/>
+                  <dgm:constr type="t" for="ch" forName="middleBox" refType="h" fact="0.25"/>
+                  <dgm:constr type="w" for="ch" forName="middleBox" refType="w" fact="0.95"/>
+                  <dgm:constr type="h" for="ch" forName="middleBox" refType="h" fact="0.7"/>
+                  <dgm:constr type="l" for="ch" forName="centerBox" refType="w" fact="0.05"/>
+                  <dgm:constr type="t" for="ch" forName="centerBox" refType="h" fact="0.5"/>
+                  <dgm:constr type="w" for="ch" forName="centerBox" refType="w" fact="0.9"/>
+                  <dgm:constr type="h" for="ch" forName="centerBox" refType="h" fact="0.4"/>
+                  <dgm:constr type="userA" for="des" forName="outerSibTrans" refType="w"/>
+                  <dgm:constr type="userA" for="des" forName="middleSibTrans" refType="w"/>
+                  <dgm:constr type="userA" for="des" forName="centerSibTrans" refType="w"/>
+                </dgm:constrLst>
+              </dgm:else>
+            </dgm:choose>
+          </dgm:else>
+        </dgm:choose>
+      </dgm:else>
+    </dgm:choose>
     <dgm:ruleLst/>
-    <dgm:forEach name="Name1" axis="ch" ptType="node" st="-1" step="-1">
-      <dgm:choose name="Name2">
-        <dgm:if name="Name3" axis="self" ptType="node" func="revPos" op="equ" val="1">
-          <dgm:layoutNode name="boxAndChildren">
-            <dgm:alg type="composite"/>
+    <dgm:choose name="Name22">
+      <dgm:if name="Name23" axis="root ch" ptType="all node" st="1 1" cnt="0 0" func="cnt" op="gte" val="1">
+        <dgm:layoutNode name="outerBox" styleLbl="node1">
+          <dgm:alg type="composite">
+            <dgm:param type="horzAlign" val="none"/>
+            <dgm:param type="vertAlign" val="none"/>
+          </dgm:alg>
+          <dgm:shape xmlns:r="http://schemas.openxmlformats.org/officeDocument/2006/relationships" r:blip="">
+            <dgm:adjLst/>
+          </dgm:shape>
+          <dgm:presOf/>
+          <dgm:choose name="Name24">
+            <dgm:if name="Name25" axis="root ch" ptType="all node" st="1 1" cnt="0 0" func="cnt" op="gt" val="1">
+              <dgm:choose name="Name26">
+                <dgm:if name="Name27" func="var" arg="dir" op="equ" val="norm">
+                  <dgm:constrLst>
+                    <dgm:constr type="l" for="ch" forName="outerBoxParent"/>
+                    <dgm:constr type="t" for="ch" forName="outerBoxParent"/>
+                    <dgm:constr type="w" for="ch" forName="outerBoxParent" refType="w"/>
+                    <dgm:constr type="h" for="ch" forName="outerBoxParent" refType="h"/>
+                    <dgm:constr type="bMarg" for="ch" forName="outerBoxParent" refType="h" fact="2.2"/>
+                    <dgm:constr type="l" for="ch" forName="outerBoxChildren" refType="w" fact="0.025"/>
+                    <dgm:constr type="t" for="ch" forName="outerBoxChildren" refType="h" fact="0.25"/>
+                    <dgm:constr type="w" for="ch" forName="outerBoxChildren" refType="w" fact="0.15"/>
+                    <dgm:constr type="h" for="ch" forName="outerBoxChildren" refType="h" fact="0.7"/>
+                  </dgm:constrLst>
+                </dgm:if>
+                <dgm:else name="Name28">
+                  <dgm:constrLst>
+                    <dgm:constr type="l" for="ch" forName="outerBoxParent"/>
+                    <dgm:constr type="t" for="ch" forName="outerBoxParent"/>
+                    <dgm:constr type="w" for="ch" forName="outerBoxParent" refType="w"/>
+                    <dgm:constr type="h" for="ch" forName="outerBoxParent" refType="h"/>
+                    <dgm:constr type="bMarg" for="ch" forName="outerBoxParent" refType="h" fact="2.2"/>
+                    <dgm:constr type="l" for="ch" forName="outerBoxChildren" refType="w" fact="0.825"/>
+                    <dgm:constr type="t" for="ch" forName="outerBoxChildren" refType="h" fact="0.25"/>
+                    <dgm:constr type="w" for="ch" forName="outerBoxChildren" refType="w" fact="0.15"/>
+                    <dgm:constr type="h" for="ch" forName="outerBoxChildren" refType="h" fact="0.7"/>
+                  </dgm:constrLst>
+                </dgm:else>
+              </dgm:choose>
+            </dgm:if>
+            <dgm:else name="Name29">
+              <dgm:constrLst>
+                <dgm:constr type="l" for="ch" forName="outerBoxParent"/>
+                <dgm:constr type="t" for="ch" forName="outerBoxParent"/>
+                <dgm:constr type="w" for="ch" forName="outerBoxParent" refType="w"/>
+                <dgm:constr type="h" for="ch" forName="outerBoxParent" refType="h"/>
+                <dgm:constr type="bMarg" for="ch" forName="outerBoxParent" refType="h" fact="1.75"/>
+                <dgm:constr type="l" for="ch" forName="outerBoxChildren" refType="w" fact="0.025"/>
+                <dgm:constr type="t" for="ch" forName="outerBoxChildren" refType="h" fact="0.45"/>
+                <dgm:constr type="w" for="ch" forName="outerBoxChildren" refType="w" fact="0.95"/>
+                <dgm:constr type="h" for="ch" forName="outerBoxChildren" refType="h" fact="0.45"/>
+              </dgm:constrLst>
+            </dgm:else>
+          </dgm:choose>
+          <dgm:ruleLst/>
+          <dgm:layoutNode name="outerBoxParent" styleLbl="node1">
+            <dgm:alg type="tx">
+              <dgm:param type="txAnchorVert" val="t"/>
+              <dgm:param type="parTxLTRAlign" val="l"/>
+              <dgm:param type="parTxRTLAlign" val="r"/>
+            </dgm:alg>
+            <dgm:shape xmlns:r="http://schemas.openxmlformats.org/officeDocument/2006/relationships" type="roundRect" r:blip="">
+              <dgm:adjLst>
+                <dgm:adj idx="1" val="0.085"/>
+              </dgm:adjLst>
+            </dgm:shape>
+            <dgm:presOf axis="ch" ptType="node" cnt="1"/>
+            <dgm:constrLst>
+              <dgm:constr type="tMarg" refType="primFontSz" fact="0.3"/>
+              <dgm:constr type="lMarg" refType="primFontSz" fact="0.3"/>
+              <dgm:constr type="rMarg" refType="primFontSz" fact="0.3"/>
+            </dgm:constrLst>
+            <dgm:ruleLst>
+              <dgm:rule type="primFontSz" val="5" fact="NaN" max="NaN"/>
+            </dgm:ruleLst>
+          </dgm:layoutNode>
+          <dgm:layoutNode name="outerBoxChildren">
+            <dgm:choose name="Name30">
+              <dgm:if name="Name31" axis="root ch" ptType="all node" st="1 1" cnt="0 0" func="cnt" op="gt" val="1">
+                <dgm:alg type="lin">
+                  <dgm:param type="linDir" val="fromT"/>
+                  <dgm:param type="vertAlign" val="t"/>
+                </dgm:alg>
+              </dgm:if>
+              <dgm:else name="Name32">
+                <dgm:choose name="Name33">
+                  <dgm:if name="Name34" func="var" arg="dir" op="equ" val="norm">
+                    <dgm:alg type="lin">
+                      <dgm:param type="horzAlign" val="l"/>
+                    </dgm:alg>
+                  </dgm:if>
+                  <dgm:else name="Name35">
+                    <dgm:alg type="lin">
+                      <dgm:param type="linDir" val="fromR"/>
+                      <dgm:param type="horzAlign" val="r"/>
+                    </dgm:alg>
+                  </dgm:else>
+                </dgm:choose>
+              </dgm:else>
+            </dgm:choose>
             <dgm:shape xmlns:r="http://schemas.openxmlformats.org/officeDocument/2006/relationships" r:blip="">
               <dgm:adjLst/>
             </dgm:shape>
             <dgm:presOf/>
-            <dgm:choose name="Name4">
-              <dgm:if name="Name5" axis="ch" ptType="node" func="cnt" op="gte" val="1">
+            <dgm:constrLst>
+              <dgm:constr type="w" for="ch" forName="oChild" refType="w"/>
+              <dgm:constr type="h" for="ch" forName="oChild" refType="h"/>
+            </dgm:constrLst>
+            <dgm:ruleLst/>
+            <dgm:forEach name="Name36" axis="ch ch" ptType="node node" st="1 1" cnt="1 0">
+              <dgm:layoutNode name="oChild" styleLbl="fgAcc1">
+                <dgm:varLst>
+                  <dgm:bulletEnabled val="1"/>
+                </dgm:varLst>
+                <dgm:alg type="tx"/>
+                <dgm:shape xmlns:r="http://schemas.openxmlformats.org/officeDocument/2006/relationships" type="roundRect" r:blip="">
+                  <dgm:adjLst>
+                    <dgm:adj idx="1" val="0.105"/>
+                  </dgm:adjLst>
+                </dgm:shape>
+                <dgm:presOf axis="desOrSelf" ptType="node"/>
                 <dgm:constrLst>
-                  <dgm:constr type="w" for="ch" forName="parentTextBox" refType="w"/>
-                  <dgm:constr type="h" for="ch" forName="parentTextBox" refType="h" fact="0.54"/>
-                  <dgm:constr type="t" for="ch" forName="parentTextBox"/>
-                  <dgm:constr type="w" for="ch" forName="entireBox" refType="w"/>
-                  <dgm:constr type="h" for="ch" forName="entireBox" refType="h"/>
-                  <dgm:constr type="w" for="ch" forName="descendantBox" refType="w"/>
-                  <dgm:constr type="b" for="ch" forName="descendantBox" refType="h" fact="0.98"/>
-                  <dgm:constr type="h" for="ch" forName="descendantBox" refType="h" fact="0.46"/>
+                  <dgm:constr type="tMarg" refType="primFontSz" fact="0.3"/>
+                  <dgm:constr type="bMarg" refType="primFontSz" fact="0.3"/>
+                  <dgm:constr type="lMarg" refType="primFontSz" fact="0.3"/>
+                  <dgm:constr type="rMarg" refType="primFontSz" fact="0.3"/>
                 </dgm:constrLst>
-              </dgm:if>
-              <dgm:else name="Name6">
-                <dgm:constrLst>
-                  <dgm:constr type="w" for="ch" forName="parentTextBox" refType="w"/>
-                  <dgm:constr type="h" for="ch" forName="parentTextBox" refType="h"/>
-                </dgm:constrLst>
-              </dgm:else>
-            </dgm:choose>
-            <dgm:ruleLst/>
-            <dgm:layoutNode name="parentTextBox">
-              <dgm:alg type="tx"/>
-              <dgm:choose name="Name7">
-                <dgm:if name="Name8" axis="ch" ptType="node" func="cnt" op="gte" val="1">
-                  <dgm:shape xmlns:r="http://schemas.openxmlformats.org/officeDocument/2006/relationships" type="rect" r:blip="" zOrderOff="1" hideGeom="1">
-                    <dgm:adjLst/>
-                  </dgm:shape>
-                </dgm:if>
-                <dgm:else name="Name9">
-                  <dgm:shape xmlns:r="http://schemas.openxmlformats.org/officeDocument/2006/relationships" type="rect" r:blip="">
-                    <dgm:adjLst/>
-                  </dgm:shape>
-                </dgm:else>
-              </dgm:choose>
-              <dgm:presOf axis="self"/>
-              <dgm:constrLst/>
-              <dgm:ruleLst>
-                <dgm:rule type="primFontSz" val="5" fact="NaN" max="NaN"/>
-              </dgm:ruleLst>
-            </dgm:layoutNode>
-            <dgm:choose name="Name10">
-              <dgm:if name="Name11" axis="ch" ptType="node" func="cnt" op="gte" val="1">
-                <dgm:layoutNode name="entireBox">
+                <dgm:ruleLst>
+                  <dgm:rule type="primFontSz" val="5" fact="NaN" max="NaN"/>
+                </dgm:ruleLst>
+              </dgm:layoutNode>
+              <dgm:forEach name="Name37" axis="followSib" ptType="sibTrans" cnt="1">
+                <dgm:layoutNode name="outerSibTrans">
                   <dgm:alg type="sp"/>
-                  <dgm:shape xmlns:r="http://schemas.openxmlformats.org/officeDocument/2006/relationships" type="rect" r:blip="">
-                    <dgm:adjLst/>
-                  </dgm:shape>
-                  <dgm:presOf axis="self"/>
-                  <dgm:constrLst/>
-                  <dgm:ruleLst/>
-                </dgm:layoutNode>
-                <dgm:layoutNode name="descendantBox" styleLbl="fgAccFollowNode1">
-                  <dgm:choose name="Name12">
-                    <dgm:if name="Name13" func="var" arg="dir" op="equ" val="norm">
-                      <dgm:alg type="lin"/>
-                    </dgm:if>
-                    <dgm:else name="Name14">
-                      <dgm:alg type="lin">
-                        <dgm:param type="linDir" val="fromR"/>
-                      </dgm:alg>
-                    </dgm:else>
-                  </dgm:choose>
                   <dgm:shape xmlns:r="http://schemas.openxmlformats.org/officeDocument/2006/relationships" r:blip="">
                     <dgm:adjLst/>
                   </dgm:shape>
                   <dgm:presOf/>
                   <dgm:constrLst>
-                    <dgm:constr type="w" for="ch" forName="childTextBox" refType="w"/>
-                    <dgm:constr type="h" for="ch" forName="childTextBox" refType="h"/>
+                    <dgm:constr type="userA"/>
+                    <dgm:constr type="w" refType="userA" fact="0.015"/>
+                    <dgm:constr type="h" refType="userA" fact="0.015"/>
                   </dgm:constrLst>
                   <dgm:ruleLst/>
-                  <dgm:forEach name="Name15" axis="ch" ptType="node">
-                    <dgm:layoutNode name="childTextBox" styleLbl="fgAccFollowNode1">
-                      <dgm:varLst>
-                        <dgm:bulletEnabled val="1"/>
-                      </dgm:varLst>
-                      <dgm:alg type="tx"/>
-                      <dgm:shape xmlns:r="http://schemas.openxmlformats.org/officeDocument/2006/relationships" type="rect" r:blip="">
-                        <dgm:adjLst/>
-                      </dgm:shape>
-                      <dgm:presOf axis="desOrSelf" ptType="node"/>
-                      <dgm:constrLst>
-                        <dgm:constr type="tMarg" refType="primFontSz" fact="0.1"/>
-                        <dgm:constr type="bMarg" refType="primFontSz" fact="0.1"/>
-                      </dgm:constrLst>
-                      <dgm:ruleLst>
-                        <dgm:rule type="primFontSz" val="5" fact="NaN" max="NaN"/>
-                      </dgm:ruleLst>
-                    </dgm:layoutNode>
-                  </dgm:forEach>
                 </dgm:layoutNode>
+              </dgm:forEach>
+            </dgm:forEach>
+          </dgm:layoutNode>
+        </dgm:layoutNode>
+      </dgm:if>
+      <dgm:else name="Name38"/>
+    </dgm:choose>
+    <dgm:choose name="Name39">
+      <dgm:if name="Name40" axis="root ch" ptType="all node" st="1 1" cnt="0 0" func="cnt" op="gte" val="2">
+        <dgm:layoutNode name="middleBox">
+          <dgm:alg type="composite">
+            <dgm:param type="horzAlign" val="none"/>
+            <dgm:param type="vertAlign" val="none"/>
+          </dgm:alg>
+          <dgm:shape xmlns:r="http://schemas.openxmlformats.org/officeDocument/2006/relationships" r:blip="">
+            <dgm:adjLst/>
+          </dgm:shape>
+          <dgm:presOf/>
+          <dgm:choose name="Name41">
+            <dgm:if name="Name42" axis="root ch" ptType="all node" st="1 1" cnt="0 0" func="cnt" op="gt" val="2">
+              <dgm:choose name="Name43">
+                <dgm:if name="Name44" func="var" arg="dir" op="equ" val="norm">
+                  <dgm:constrLst>
+                    <dgm:constr type="l" for="ch" forName="middleBoxParent"/>
+                    <dgm:constr type="t" for="ch" forName="middleBoxParent"/>
+                    <dgm:constr type="w" for="ch" forName="middleBoxParent" refType="w"/>
+                    <dgm:constr type="h" for="ch" forName="middleBoxParent" refType="h"/>
+                    <dgm:constr type="bMarg" for="ch" forName="middleBoxParent" refType="h" fact="1.8"/>
+                    <dgm:constr type="l" for="ch" forName="middleBoxChildren" refType="w" fact="0.025"/>
+                    <dgm:constr type="t" for="ch" forName="middleBoxChildren" refType="h" fact="0.35"/>
+                    <dgm:constr type="w" for="ch" forName="middleBoxChildren" refType="w" fact="0.2"/>
+                    <dgm:constr type="h" for="ch" forName="middleBoxChildren" refType="h" fact="0.575"/>
+                  </dgm:constrLst>
+                </dgm:if>
+                <dgm:else name="Name45">
+                  <dgm:constrLst>
+                    <dgm:constr type="l" for="ch" forName="middleBoxParent"/>
+                    <dgm:constr type="t" for="ch" forName="middleBoxParent"/>
+                    <dgm:constr type="w" for="ch" forName="middleBoxParent" refType="w"/>
+                    <dgm:constr type="h" for="ch" forName="middleBoxParent" refType="h"/>
+                    <dgm:constr type="bMarg" for="ch" forName="middleBoxParent" refType="h" fact="1.8"/>
+                    <dgm:constr type="l" for="ch" forName="middleBoxChildren" refType="w" fact="0.775"/>
+                    <dgm:constr type="t" for="ch" forName="middleBoxChildren" refType="h" fact="0.35"/>
+                    <dgm:constr type="w" for="ch" forName="middleBoxChildren" refType="w" fact="0.2"/>
+                    <dgm:constr type="h" for="ch" forName="middleBoxChildren" refType="h" fact="0.575"/>
+                  </dgm:constrLst>
+                </dgm:else>
+              </dgm:choose>
+            </dgm:if>
+            <dgm:else name="Name46">
+              <dgm:constrLst>
+                <dgm:constr type="l" for="ch" forName="middleBoxParent"/>
+                <dgm:constr type="t" for="ch" forName="middleBoxParent"/>
+                <dgm:constr type="w" for="ch" forName="middleBoxParent" refType="w"/>
+                <dgm:constr type="h" for="ch" forName="middleBoxParent" refType="h"/>
+                <dgm:constr type="bMarg" for="ch" forName="middleBoxParent" refType="h" fact="1.8"/>
+                <dgm:constr type="l" for="ch" forName="middleBoxChildren" refType="w" fact="0.025"/>
+                <dgm:constr type="t" for="ch" forName="middleBoxChildren" refType="h" fact="0.45"/>
+                <dgm:constr type="w" for="ch" forName="middleBoxChildren" refType="w" fact="0.95"/>
+                <dgm:constr type="h" for="ch" forName="middleBoxChildren" refType="h" fact="0.45"/>
+              </dgm:constrLst>
+            </dgm:else>
+          </dgm:choose>
+          <dgm:ruleLst/>
+          <dgm:layoutNode name="middleBoxParent" styleLbl="node1">
+            <dgm:alg type="tx">
+              <dgm:param type="txAnchorVert" val="t"/>
+              <dgm:param type="parTxLTRAlign" val="l"/>
+              <dgm:param type="parTxRTLAlign" val="r"/>
+            </dgm:alg>
+            <dgm:shape xmlns:r="http://schemas.openxmlformats.org/officeDocument/2006/relationships" type="roundRect" r:blip="">
+              <dgm:adjLst>
+                <dgm:adj idx="1" val="0.105"/>
+              </dgm:adjLst>
+            </dgm:shape>
+            <dgm:presOf axis="ch" ptType="node" st="2" cnt="1"/>
+            <dgm:constrLst>
+              <dgm:constr type="tMarg" refType="primFontSz" fact="0.3"/>
+              <dgm:constr type="lMarg" refType="primFontSz" fact="0.3"/>
+              <dgm:constr type="rMarg" refType="primFontSz" fact="0.3"/>
+            </dgm:constrLst>
+            <dgm:ruleLst>
+              <dgm:rule type="primFontSz" val="5" fact="NaN" max="NaN"/>
+            </dgm:ruleLst>
+          </dgm:layoutNode>
+          <dgm:layoutNode name="middleBoxChildren">
+            <dgm:choose name="Name47">
+              <dgm:if name="Name48" axis="root ch" ptType="all node" st="1 1" cnt="0 0" func="cnt" op="gt" val="2">
+                <dgm:alg type="lin">
+                  <dgm:param type="linDir" val="fromT"/>
+                  <dgm:param type="vertAlign" val="t"/>
+                </dgm:alg>
               </dgm:if>
-              <dgm:else name="Name16"/>
+              <dgm:else name="Name49">
+                <dgm:choose name="Name50">
+                  <dgm:if name="Name51" func="var" arg="dir" op="equ" val="norm">
+                    <dgm:alg type="lin">
+                      <dgm:param type="horzAlign" val="l"/>
+                    </dgm:alg>
+                  </dgm:if>
+                  <dgm:else name="Name52">
+                    <dgm:alg type="lin">
+                      <dgm:param type="linDir" val="fromR"/>
+                      <dgm:param type="horzAlign" val="r"/>
+                    </dgm:alg>
+                  </dgm:else>
+                </dgm:choose>
+              </dgm:else>
             </dgm:choose>
-          </dgm:layoutNode>
-        </dgm:if>
-        <dgm:else name="Name17">
-          <dgm:layoutNode name="arrowAndChildren">
-            <dgm:alg type="composite"/>
             <dgm:shape xmlns:r="http://schemas.openxmlformats.org/officeDocument/2006/relationships" r:blip="">
               <dgm:adjLst/>
             </dgm:shape>
             <dgm:presOf/>
-            <dgm:choose name="Name18">
-              <dgm:if name="Name19" axis="ch" ptType="node" func="cnt" op="gte" val="1">
+            <dgm:constrLst>
+              <dgm:constr type="w" for="ch" forName="mChild" refType="w"/>
+              <dgm:constr type="h" for="ch" forName="mChild" refType="h"/>
+            </dgm:constrLst>
+            <dgm:ruleLst/>
+            <dgm:forEach name="Name53" axis="ch ch" ptType="node node" st="2 1" cnt="1 0">
+              <dgm:layoutNode name="mChild" styleLbl="fgAcc1">
+                <dgm:varLst>
+                  <dgm:bulletEnabled val="1"/>
+                </dgm:varLst>
+                <dgm:alg type="tx"/>
+                <dgm:shape xmlns:r="http://schemas.openxmlformats.org/officeDocument/2006/relationships" type="roundRect" r:blip="">
+                  <dgm:adjLst>
+                    <dgm:adj idx="1" val="0.105"/>
+                  </dgm:adjLst>
+                </dgm:shape>
+                <dgm:presOf axis="desOrSelf" ptType="node"/>
                 <dgm:constrLst>
-                  <dgm:constr type="w" for="ch" forName="parentTextArrow" refType="w"/>
-                  <dgm:constr type="t" for="ch" forName="parentTextArrow"/>
-                  <dgm:constr type="h" for="ch" forName="parentTextArrow" refType="h" fact="0.351"/>
-                  <dgm:constr type="w" for="ch" forName="arrow" refType="w"/>
-                  <dgm:constr type="h" for="ch" forName="arrow" refType="h"/>
-                  <dgm:constr type="w" for="ch" forName="descendantArrow" refType="w"/>
-                  <dgm:constr type="b" for="ch" forName="descendantArrow" refType="h" fact="0.65"/>
-                  <dgm:constr type="h" for="ch" forName="descendantArrow" refType="h" fact="0.299"/>
+                  <dgm:constr type="tMarg" refType="primFontSz" fact="0.3"/>
+                  <dgm:constr type="bMarg" refType="primFontSz" fact="0.3"/>
+                  <dgm:constr type="lMarg" refType="primFontSz" fact="0.3"/>
+                  <dgm:constr type="rMarg" refType="primFontSz" fact="0.3"/>
                 </dgm:constrLst>
-              </dgm:if>
-              <dgm:else name="Name20">
-                <dgm:constrLst>
-                  <dgm:constr type="w" for="ch" forName="parentTextArrow" refType="w"/>
-                  <dgm:constr type="h" for="ch" forName="parentTextArrow" refType="h"/>
-                </dgm:constrLst>
-              </dgm:else>
-            </dgm:choose>
-            <dgm:ruleLst/>
-            <dgm:layoutNode name="parentTextArrow">
-              <dgm:alg type="tx"/>
-              <dgm:choose name="Name21">
-                <dgm:if name="Name22" axis="ch" ptType="node" func="cnt" op="gte" val="1">
-                  <dgm:shape xmlns:r="http://schemas.openxmlformats.org/officeDocument/2006/relationships" type="rect" r:blip="" zOrderOff="1" hideGeom="1">
-                    <dgm:adjLst/>
-                  </dgm:shape>
-                </dgm:if>
-                <dgm:else name="Name23">
-                  <dgm:shape xmlns:r="http://schemas.openxmlformats.org/officeDocument/2006/relationships" rot="180" type="upArrowCallout" r:blip="">
-                    <dgm:adjLst/>
-                  </dgm:shape>
-                </dgm:else>
-              </dgm:choose>
-              <dgm:presOf axis="self"/>
-              <dgm:constrLst/>
-              <dgm:ruleLst>
-                <dgm:rule type="primFontSz" val="5" fact="NaN" max="NaN"/>
-              </dgm:ruleLst>
-            </dgm:layoutNode>
-            <dgm:choose name="Name24">
-              <dgm:if name="Name25" axis="ch" ptType="node" func="cnt" op="gte" val="1">
-                <dgm:layoutNode name="arrow">
+                <dgm:ruleLst>
+                  <dgm:rule type="primFontSz" val="5" fact="NaN" max="NaN"/>
+                </dgm:ruleLst>
+              </dgm:layoutNode>
+              <dgm:forEach name="Name54" axis="followSib" ptType="sibTrans" cnt="1">
+                <dgm:layoutNode name="middleSibTrans">
                   <dgm:alg type="sp"/>
-                  <dgm:shape xmlns:r="http://schemas.openxmlformats.org/officeDocument/2006/relationships" rot="180" type="upArrowCallout" r:blip="">
-                    <dgm:adjLst/>
-                  </dgm:shape>
-                  <dgm:presOf axis="self"/>
-                  <dgm:constrLst/>
-                  <dgm:ruleLst/>
-                </dgm:layoutNode>
-                <dgm:layoutNode name="descendantArrow">
-                  <dgm:choose name="Name26">
-                    <dgm:if name="Name27" func="var" arg="dir" op="equ" val="norm">
-                      <dgm:alg type="lin"/>
-                    </dgm:if>
-                    <dgm:else name="Name28">
-                      <dgm:alg type="lin">
-                        <dgm:param type="linDir" val="fromR"/>
-                      </dgm:alg>
-                    </dgm:else>
-                  </dgm:choose>
                   <dgm:shape xmlns:r="http://schemas.openxmlformats.org/officeDocument/2006/relationships" r:blip="">
                     <dgm:adjLst/>
                   </dgm:shape>
                   <dgm:presOf/>
                   <dgm:constrLst>
-                    <dgm:constr type="w" for="ch" forName="childTextArrow" refType="w"/>
-                    <dgm:constr type="h" for="ch" forName="childTextArrow" refType="h"/>
+                    <dgm:constr type="userA"/>
+                    <dgm:constr type="w" refType="userA" fact="0.015"/>
+                    <dgm:constr type="h" refType="userA" fact="0.015"/>
                   </dgm:constrLst>
                   <dgm:ruleLst/>
-                  <dgm:forEach name="Name29" axis="ch" ptType="node">
-                    <dgm:layoutNode name="childTextArrow" styleLbl="fgAccFollowNode1">
-                      <dgm:varLst>
-                        <dgm:bulletEnabled val="1"/>
-                      </dgm:varLst>
-                      <dgm:alg type="tx"/>
-                      <dgm:shape xmlns:r="http://schemas.openxmlformats.org/officeDocument/2006/relationships" type="rect" r:blip="">
-                        <dgm:adjLst/>
-                      </dgm:shape>
-                      <dgm:presOf axis="desOrSelf" ptType="node"/>
-                      <dgm:constrLst>
-                        <dgm:constr type="tMarg" refType="primFontSz" fact="0.1"/>
-                        <dgm:constr type="bMarg" refType="primFontSz" fact="0.1"/>
-                      </dgm:constrLst>
-                      <dgm:ruleLst>
-                        <dgm:rule type="primFontSz" val="5" fact="NaN" max="NaN"/>
-                      </dgm:ruleLst>
-                    </dgm:layoutNode>
-                  </dgm:forEach>
                 </dgm:layoutNode>
-              </dgm:if>
-              <dgm:else name="Name30"/>
-            </dgm:choose>
+              </dgm:forEach>
+            </dgm:forEach>
           </dgm:layoutNode>
-        </dgm:else>
-      </dgm:choose>
-      <dgm:forEach name="Name31" axis="precedSib" ptType="sibTrans" st="-1" cnt="1">
-        <dgm:layoutNode name="sp">
-          <dgm:alg type="sp"/>
+        </dgm:layoutNode>
+      </dgm:if>
+      <dgm:else name="Name55"/>
+    </dgm:choose>
+    <dgm:choose name="Name56">
+      <dgm:if name="Name57" axis="root ch" ptType="all node" st="1 1" cnt="0 0" func="cnt" op="gte" val="3">
+        <dgm:layoutNode name="centerBox">
+          <dgm:alg type="composite">
+            <dgm:param type="horzAlign" val="none"/>
+            <dgm:param type="vertAlign" val="none"/>
+          </dgm:alg>
           <dgm:shape xmlns:r="http://schemas.openxmlformats.org/officeDocument/2006/relationships" r:blip="">
             <dgm:adjLst/>
           </dgm:shape>
-          <dgm:presOf axis="self"/>
-          <dgm:constrLst/>
+          <dgm:presOf/>
+          <dgm:choose name="Name58">
+            <dgm:if name="Name59" axis="ch ch" ptType="node node" st="3 1" cnt="1 0" func="cnt" op="gt" val="0">
+              <dgm:constrLst>
+                <dgm:constr type="l" for="ch" forName="centerBoxParent"/>
+                <dgm:constr type="t" for="ch" forName="centerBoxParent"/>
+                <dgm:constr type="w" for="ch" forName="centerBoxParent" refType="w"/>
+                <dgm:constr type="h" for="ch" forName="centerBoxParent" refType="h"/>
+                <dgm:constr type="bMarg" for="ch" forName="centerBoxParent" refType="h" fact="1.6"/>
+                <dgm:constr type="l" for="ch" forName="centerBoxChildren" refType="w" fact="0.025"/>
+                <dgm:constr type="t" for="ch" forName="centerBoxChildren" refType="h" fact="0.45"/>
+                <dgm:constr type="w" for="ch" forName="centerBoxChildren" refType="w" fact="0.95"/>
+                <dgm:constr type="h" for="ch" forName="centerBoxChildren" refType="h" fact="0.45"/>
+              </dgm:constrLst>
+            </dgm:if>
+            <dgm:else name="Name60">
+              <dgm:constrLst>
+                <dgm:constr type="l" for="ch" forName="centerBoxParent"/>
+                <dgm:constr type="t" for="ch" forName="centerBoxParent"/>
+                <dgm:constr type="w" for="ch" forName="centerBoxParent" refType="w"/>
+                <dgm:constr type="h" for="ch" forName="centerBoxParent" refType="h"/>
+              </dgm:constrLst>
+            </dgm:else>
+          </dgm:choose>
           <dgm:ruleLst/>
+          <dgm:layoutNode name="centerBoxParent" styleLbl="node1">
+            <dgm:alg type="tx">
+              <dgm:param type="txAnchorVert" val="t"/>
+              <dgm:param type="parTxLTRAlign" val="l"/>
+              <dgm:param type="parTxRTLAlign" val="r"/>
+            </dgm:alg>
+            <dgm:shape xmlns:r="http://schemas.openxmlformats.org/officeDocument/2006/relationships" type="roundRect" r:blip="">
+              <dgm:adjLst>
+                <dgm:adj idx="1" val="0.105"/>
+              </dgm:adjLst>
+            </dgm:shape>
+            <dgm:presOf axis="ch" ptType="node" st="3" cnt="1"/>
+            <dgm:constrLst>
+              <dgm:constr type="tMarg" refType="primFontSz" fact="0.3"/>
+              <dgm:constr type="lMarg" refType="primFontSz" fact="0.3"/>
+              <dgm:constr type="rMarg" refType="primFontSz" fact="0.3"/>
+            </dgm:constrLst>
+            <dgm:ruleLst>
+              <dgm:rule type="primFontSz" val="5" fact="NaN" max="NaN"/>
+            </dgm:ruleLst>
+          </dgm:layoutNode>
+          <dgm:choose name="Name61">
+            <dgm:if name="Name62" axis="ch ch" ptType="node node" st="3 1" cnt="1 0" func="cnt" op="gt" val="0">
+              <dgm:layoutNode name="centerBoxChildren">
+                <dgm:choose name="Name63">
+                  <dgm:if name="Name64" func="var" arg="dir" op="equ" val="norm">
+                    <dgm:alg type="lin">
+                      <dgm:param type="horzAlign" val="l"/>
+                    </dgm:alg>
+                  </dgm:if>
+                  <dgm:else name="Name65">
+                    <dgm:alg type="lin">
+                      <dgm:param type="linDir" val="fromR"/>
+                      <dgm:param type="horzAlign" val="r"/>
+                    </dgm:alg>
+                  </dgm:else>
+                </dgm:choose>
+                <dgm:shape xmlns:r="http://schemas.openxmlformats.org/officeDocument/2006/relationships" r:blip="">
+                  <dgm:adjLst/>
+                </dgm:shape>
+                <dgm:presOf/>
+                <dgm:constrLst>
+                  <dgm:constr type="w" for="ch" forName="cChild" refType="w"/>
+                  <dgm:constr type="h" for="ch" forName="cChild" refType="h"/>
+                </dgm:constrLst>
+                <dgm:ruleLst/>
+                <dgm:forEach name="Name66" axis="ch ch" ptType="node node" st="3 1" cnt="1 0">
+                  <dgm:layoutNode name="cChild" styleLbl="fgAcc1">
+                    <dgm:varLst>
+                      <dgm:bulletEnabled val="1"/>
+                    </dgm:varLst>
+                    <dgm:alg type="tx"/>
+                    <dgm:shape xmlns:r="http://schemas.openxmlformats.org/officeDocument/2006/relationships" type="roundRect" r:blip="">
+                      <dgm:adjLst>
+                        <dgm:adj idx="1" val="0.105"/>
+                      </dgm:adjLst>
+                    </dgm:shape>
+                    <dgm:presOf axis="desOrSelf" ptType="node"/>
+                    <dgm:constrLst>
+                      <dgm:constr type="tMarg" refType="primFontSz" fact="0.3"/>
+                      <dgm:constr type="bMarg" refType="primFontSz" fact="0.3"/>
+                      <dgm:constr type="lMarg" refType="primFontSz" fact="0.3"/>
+                      <dgm:constr type="rMarg" refType="primFontSz" fact="0.3"/>
+                    </dgm:constrLst>
+                    <dgm:ruleLst>
+                      <dgm:rule type="primFontSz" val="5" fact="NaN" max="NaN"/>
+                    </dgm:ruleLst>
+                  </dgm:layoutNode>
+                  <dgm:forEach name="Name67" axis="followSib" ptType="sibTrans" cnt="1">
+                    <dgm:layoutNode name="centerSibTrans">
+                      <dgm:alg type="sp"/>
+                      <dgm:shape xmlns:r="http://schemas.openxmlformats.org/officeDocument/2006/relationships" r:blip="">
+                        <dgm:adjLst/>
+                      </dgm:shape>
+                      <dgm:presOf/>
+                      <dgm:constrLst>
+                        <dgm:constr type="userA"/>
+                        <dgm:constr type="w" refType="userA" fact="0.015"/>
+                        <dgm:constr type="h" refType="userA" fact="0.015"/>
+                      </dgm:constrLst>
+                      <dgm:ruleLst/>
+                    </dgm:layoutNode>
+                  </dgm:forEach>
+                </dgm:forEach>
+              </dgm:layoutNode>
+            </dgm:if>
+            <dgm:else name="Name68"/>
+          </dgm:choose>
         </dgm:layoutNode>
-      </dgm:forEach>
-    </dgm:forEach>
+      </dgm:if>
+      <dgm:else name="Name69"/>
+    </dgm:choose>
   </dgm:layoutNode>
 </dgm:layoutDef>
 </file>
 
 <file path=ppt/diagrams/layout4.xml><?xml version="1.0" encoding="utf-8"?>
-<dgm:layoutDef xmlns:dgm="http://schemas.openxmlformats.org/drawingml/2006/diagram" xmlns:a="http://schemas.openxmlformats.org/drawingml/2006/main" uniqueId="urn:microsoft.com/office/officeart/2005/8/layout/process4">
+<dgm:layoutDef xmlns:dgm="http://schemas.openxmlformats.org/drawingml/2006/diagram" xmlns:a="http://schemas.openxmlformats.org/drawingml/2006/main" uniqueId="urn:microsoft.com/office/officeart/2005/8/layout/target2">
   <dgm:title val=""/>
   <dgm:desc val=""/>
   <dgm:catLst>
-    <dgm:cat type="process" pri="16000"/>
-    <dgm:cat type="list" pri="20000"/>
+    <dgm:cat type="relationship" pri="12000"/>
   </dgm:catLst>
   <dgm:sampData>
     <dgm:dataModel>
@@ -12319,252 +15412,682 @@
   </dgm:clrData>
   <dgm:layoutNode name="Name0">
     <dgm:varLst>
+      <dgm:chMax val="3"/>
+      <dgm:chPref val="1"/>
       <dgm:dir/>
       <dgm:animLvl val="lvl"/>
-      <dgm:resizeHandles val="exact"/>
+      <dgm:resizeHandles/>
     </dgm:varLst>
-    <dgm:alg type="lin">
-      <dgm:param type="linDir" val="fromB"/>
+    <dgm:alg type="composite">
+      <dgm:param type="horzAlign" val="none"/>
+      <dgm:param type="vertAlign" val="none"/>
     </dgm:alg>
     <dgm:shape xmlns:r="http://schemas.openxmlformats.org/officeDocument/2006/relationships" r:blip="">
       <dgm:adjLst/>
     </dgm:shape>
     <dgm:presOf/>
-    <dgm:constrLst>
-      <dgm:constr type="h" for="ch" forName="boxAndChildren" refType="h"/>
-      <dgm:constr type="h" for="ch" forName="arrowAndChildren" refType="h" refFor="ch" refForName="boxAndChildren" op="equ" fact="1.538"/>
-      <dgm:constr type="w" for="ch" forName="arrowAndChildren" refType="w"/>
-      <dgm:constr type="w" for="ch" forName="boxAndChildren" refType="w"/>
-      <dgm:constr type="h" for="ch" forName="sp" refType="h" fact="-0.015"/>
-      <dgm:constr type="primFontSz" for="des" forName="parentTextBox" val="65"/>
-      <dgm:constr type="primFontSz" for="des" forName="parentTextArrow" refType="primFontSz" refFor="des" refForName="parentTextBox" op="equ"/>
-      <dgm:constr type="primFontSz" for="des" forName="childTextArrow" val="65"/>
-      <dgm:constr type="primFontSz" for="des" forName="childTextBox" refType="primFontSz" refFor="des" refForName="childTextArrow" op="equ"/>
-    </dgm:constrLst>
+    <dgm:choose name="Name1">
+      <dgm:if name="Name2" func="var" arg="dir" op="equ" val="norm">
+        <dgm:choose name="Name3">
+          <dgm:if name="Name4" axis="ch ch" ptType="node node" st="1 1" cnt="1 0" func="cnt" op="gt" val="0">
+            <dgm:choose name="Name5">
+              <dgm:if name="Name6" axis="ch ch" ptType="node node" st="2 1" cnt="1 0" func="cnt" op="gt" val="0">
+                <dgm:constrLst>
+                  <dgm:constr type="primFontSz" for="des" forName="middleBoxParent" val="65"/>
+                  <dgm:constr type="primFontSz" for="des" forName="mChild" val="65"/>
+                  <dgm:constr type="primFontSz" for="des" forName="outerBoxParent" refType="primFontSz" refFor="des" refForName="middleBoxParent" op="equ"/>
+                  <dgm:constr type="primFontSz" for="des" forName="centerBoxParent" refType="primFontSz" refFor="des" refForName="middleBoxParent" op="equ"/>
+                  <dgm:constr type="primFontSz" for="des" forName="oChild" refType="primFontSz" refFor="des" refForName="mChild" op="equ"/>
+                  <dgm:constr type="primFontSz" for="des" forName="cChild" refType="primFontSz" refFor="des" refForName="mChild" op="equ"/>
+                  <dgm:constr type="l" for="ch" forName="outerBox"/>
+                  <dgm:constr type="t" for="ch" forName="outerBox"/>
+                  <dgm:constr type="w" for="ch" forName="outerBox" refType="w"/>
+                  <dgm:constr type="h" for="ch" forName="outerBox" refType="h"/>
+                  <dgm:constr type="l" for="ch" forName="middleBox" refType="w" fact="0.2"/>
+                  <dgm:constr type="t" for="ch" forName="middleBox" refType="h" fact="0.25"/>
+                  <dgm:constr type="w" for="ch" forName="middleBox" refType="w" fact="0.775"/>
+                  <dgm:constr type="h" for="ch" forName="middleBox" refType="h" fact="0.7"/>
+                  <dgm:constr type="l" for="ch" forName="centerBox" refType="w" fact="0.395"/>
+                  <dgm:constr type="t" for="ch" forName="centerBox" refType="h" fact="0.5"/>
+                  <dgm:constr type="w" for="ch" forName="centerBox" refType="w" fact="0.555"/>
+                  <dgm:constr type="h" for="ch" forName="centerBox" refType="h" fact="0.4"/>
+                  <dgm:constr type="userA" for="des" forName="outerSibTrans" refType="w"/>
+                  <dgm:constr type="userA" for="des" forName="middleSibTrans" refType="w"/>
+                  <dgm:constr type="userA" for="des" forName="centerSibTrans" refType="w"/>
+                </dgm:constrLst>
+              </dgm:if>
+              <dgm:else name="Name7">
+                <dgm:constrLst>
+                  <dgm:constr type="primFontSz" for="des" forName="middleBoxParent" val="65"/>
+                  <dgm:constr type="primFontSz" for="des" forName="mChild" val="65"/>
+                  <dgm:constr type="primFontSz" for="des" forName="outerBoxParent" refType="primFontSz" refFor="des" refForName="middleBoxParent" op="equ"/>
+                  <dgm:constr type="primFontSz" for="des" forName="centerBoxParent" refType="primFontSz" refFor="des" refForName="middleBoxParent" op="equ"/>
+                  <dgm:constr type="primFontSz" for="des" forName="oChild" refType="primFontSz" refFor="des" refForName="mChild" op="equ"/>
+                  <dgm:constr type="primFontSz" for="des" forName="cChild" refType="primFontSz" refFor="des" refForName="mChild" op="equ"/>
+                  <dgm:constr type="l" for="ch" forName="outerBox"/>
+                  <dgm:constr type="t" for="ch" forName="outerBox"/>
+                  <dgm:constr type="w" for="ch" forName="outerBox" refType="w"/>
+                  <dgm:constr type="h" for="ch" forName="outerBox" refType="h"/>
+                  <dgm:constr type="l" for="ch" forName="middleBox" refType="w" fact="0.2"/>
+                  <dgm:constr type="t" for="ch" forName="middleBox" refType="h" fact="0.25"/>
+                  <dgm:constr type="w" for="ch" forName="middleBox" refType="w" fact="0.775"/>
+                  <dgm:constr type="h" for="ch" forName="middleBox" refType="h" fact="0.7"/>
+                  <dgm:constr type="l" for="ch" forName="centerBox" refType="w" fact="0.225"/>
+                  <dgm:constr type="t" for="ch" forName="centerBox" refType="h" fact="0.5"/>
+                  <dgm:constr type="w" for="ch" forName="centerBox" refType="w" fact="0.725"/>
+                  <dgm:constr type="h" for="ch" forName="centerBox" refType="h" fact="0.4"/>
+                  <dgm:constr type="userA" for="des" forName="outerSibTrans" refType="w"/>
+                  <dgm:constr type="userA" for="des" forName="middleSibTrans" refType="w"/>
+                  <dgm:constr type="userA" for="des" forName="centerSibTrans" refType="w"/>
+                </dgm:constrLst>
+              </dgm:else>
+            </dgm:choose>
+          </dgm:if>
+          <dgm:else name="Name8">
+            <dgm:choose name="Name9">
+              <dgm:if name="Name10" axis="ch ch" ptType="node node" st="2 1" cnt="1 0" func="cnt" op="gt" val="0">
+                <dgm:constrLst>
+                  <dgm:constr type="primFontSz" for="des" forName="middleBoxParent" val="65"/>
+                  <dgm:constr type="primFontSz" for="des" forName="mChild" val="65"/>
+                  <dgm:constr type="primFontSz" for="des" forName="outerBoxParent" refType="primFontSz" refFor="des" refForName="middleBoxParent" op="equ"/>
+                  <dgm:constr type="primFontSz" for="des" forName="centerBoxParent" refType="primFontSz" refFor="des" refForName="middleBoxParent" op="equ"/>
+                  <dgm:constr type="primFontSz" for="des" forName="oChild" refType="primFontSz" refFor="des" refForName="mChild" op="equ"/>
+                  <dgm:constr type="primFontSz" for="des" forName="cChild" refType="primFontSz" refFor="des" refForName="mChild" op="equ"/>
+                  <dgm:constr type="l" for="ch" forName="outerBox"/>
+                  <dgm:constr type="t" for="ch" forName="outerBox"/>
+                  <dgm:constr type="w" for="ch" forName="outerBox" refType="w"/>
+                  <dgm:constr type="h" for="ch" forName="outerBox" refType="h"/>
+                  <dgm:constr type="l" for="ch" forName="middleBox" refType="w" fact="0.025"/>
+                  <dgm:constr type="t" for="ch" forName="middleBox" refType="h" fact="0.25"/>
+                  <dgm:constr type="w" for="ch" forName="middleBox" refType="w" fact="0.95"/>
+                  <dgm:constr type="h" for="ch" forName="middleBox" refType="h" fact="0.7"/>
+                  <dgm:constr type="l" for="ch" forName="centerBox" refType="w" fact="0.26"/>
+                  <dgm:constr type="t" for="ch" forName="centerBox" refType="h" fact="0.5"/>
+                  <dgm:constr type="w" for="ch" forName="centerBox" refType="w" fact="0.69"/>
+                  <dgm:constr type="h" for="ch" forName="centerBox" refType="h" fact="0.4"/>
+                  <dgm:constr type="userA" for="des" forName="outerSibTrans" refType="w"/>
+                  <dgm:constr type="userA" for="des" forName="middleSibTrans" refType="w"/>
+                  <dgm:constr type="userA" for="des" forName="centerSibTrans" refType="w"/>
+                </dgm:constrLst>
+              </dgm:if>
+              <dgm:else name="Name11">
+                <dgm:constrLst>
+                  <dgm:constr type="primFontSz" for="des" forName="middleBoxParent" val="65"/>
+                  <dgm:constr type="primFontSz" for="des" forName="mChild" val="65"/>
+                  <dgm:constr type="primFontSz" for="des" forName="outerBoxParent" refType="primFontSz" refFor="des" refForName="middleBoxParent" op="equ"/>
+                  <dgm:constr type="primFontSz" for="des" forName="centerBoxParent" refType="primFontSz" refFor="des" refForName="middleBoxParent" op="equ"/>
+                  <dgm:constr type="primFontSz" for="des" forName="oChild" refType="primFontSz" refFor="des" refForName="mChild" op="equ"/>
+                  <dgm:constr type="primFontSz" for="des" forName="cChild" refType="primFontSz" refFor="des" refForName="mChild" op="equ"/>
+                  <dgm:constr type="l" for="ch" forName="outerBox"/>
+                  <dgm:constr type="t" for="ch" forName="outerBox"/>
+                  <dgm:constr type="w" for="ch" forName="outerBox" refType="w"/>
+                  <dgm:constr type="h" for="ch" forName="outerBox" refType="h"/>
+                  <dgm:constr type="l" for="ch" forName="middleBox" refType="w" fact="0.025"/>
+                  <dgm:constr type="t" for="ch" forName="middleBox" refType="h" fact="0.25"/>
+                  <dgm:constr type="w" for="ch" forName="middleBox" refType="w" fact="0.95"/>
+                  <dgm:constr type="h" for="ch" forName="middleBox" refType="h" fact="0.7"/>
+                  <dgm:constr type="l" for="ch" forName="centerBox" refType="w" fact="0.05"/>
+                  <dgm:constr type="t" for="ch" forName="centerBox" refType="h" fact="0.5"/>
+                  <dgm:constr type="w" for="ch" forName="centerBox" refType="w" fact="0.9"/>
+                  <dgm:constr type="h" for="ch" forName="centerBox" refType="h" fact="0.4"/>
+                  <dgm:constr type="userA" for="des" forName="outerSibTrans" refType="w"/>
+                  <dgm:constr type="userA" for="des" forName="middleSibTrans" refType="w"/>
+                  <dgm:constr type="userA" for="des" forName="centerSibTrans" refType="w"/>
+                </dgm:constrLst>
+              </dgm:else>
+            </dgm:choose>
+          </dgm:else>
+        </dgm:choose>
+      </dgm:if>
+      <dgm:else name="Name12">
+        <dgm:choose name="Name13">
+          <dgm:if name="Name14" axis="ch ch" ptType="node node" st="1 1" cnt="1 0" func="cnt" op="gt" val="0">
+            <dgm:choose name="Name15">
+              <dgm:if name="Name16" axis="ch ch" ptType="node node" st="2 1" cnt="1 0" func="cnt" op="gt" val="0">
+                <dgm:constrLst>
+                  <dgm:constr type="primFontSz" for="des" forName="middleBoxParent" val="65"/>
+                  <dgm:constr type="primFontSz" for="des" forName="mChild" val="65"/>
+                  <dgm:constr type="primFontSz" for="des" forName="outerBoxParent" refType="primFontSz" refFor="des" refForName="middleBoxParent" op="equ"/>
+                  <dgm:constr type="primFontSz" for="des" forName="centerBoxParent" refType="primFontSz" refFor="des" refForName="middleBoxParent" op="equ"/>
+                  <dgm:constr type="primFontSz" for="des" forName="oChild" refType="primFontSz" refFor="des" refForName="mChild" op="equ"/>
+                  <dgm:constr type="primFontSz" for="des" forName="cChild" refType="primFontSz" refFor="des" refForName="mChild" op="equ"/>
+                  <dgm:constr type="l" for="ch" forName="outerBox"/>
+                  <dgm:constr type="t" for="ch" forName="outerBox"/>
+                  <dgm:constr type="w" for="ch" forName="outerBox" refType="w"/>
+                  <dgm:constr type="h" for="ch" forName="outerBox" refType="h"/>
+                  <dgm:constr type="l" for="ch" forName="middleBox" refType="w" fact="0.025"/>
+                  <dgm:constr type="t" for="ch" forName="middleBox" refType="h" fact="0.25"/>
+                  <dgm:constr type="w" for="ch" forName="middleBox" refType="w" fact="0.775"/>
+                  <dgm:constr type="h" for="ch" forName="middleBox" refType="h" fact="0.7"/>
+                  <dgm:constr type="l" for="ch" forName="centerBox" refType="w" fact="0.05"/>
+                  <dgm:constr type="t" for="ch" forName="centerBox" refType="h" fact="0.5"/>
+                  <dgm:constr type="w" for="ch" forName="centerBox" refType="w" fact="0.55"/>
+                  <dgm:constr type="h" for="ch" forName="centerBox" refType="h" fact="0.4"/>
+                  <dgm:constr type="userA" for="des" forName="outerSibTrans" refType="w"/>
+                  <dgm:constr type="userA" for="des" forName="middleSibTrans" refType="w"/>
+                  <dgm:constr type="userA" for="des" forName="centerSibTrans" refType="w"/>
+                </dgm:constrLst>
+              </dgm:if>
+              <dgm:else name="Name17">
+                <dgm:constrLst>
+                  <dgm:constr type="primFontSz" for="des" forName="middleBoxParent" val="65"/>
+                  <dgm:constr type="primFontSz" for="des" forName="mChild" val="65"/>
+                  <dgm:constr type="primFontSz" for="des" forName="outerBoxParent" refType="primFontSz" refFor="des" refForName="middleBoxParent" op="equ"/>
+                  <dgm:constr type="primFontSz" for="des" forName="centerBoxParent" refType="primFontSz" refFor="des" refForName="middleBoxParent" op="equ"/>
+                  <dgm:constr type="primFontSz" for="des" forName="oChild" refType="primFontSz" refFor="des" refForName="mChild" op="equ"/>
+                  <dgm:constr type="primFontSz" for="des" forName="cChild" refType="primFontSz" refFor="des" refForName="mChild" op="equ"/>
+                  <dgm:constr type="l" for="ch" forName="outerBox"/>
+                  <dgm:constr type="t" for="ch" forName="outerBox"/>
+                  <dgm:constr type="w" for="ch" forName="outerBox" refType="w"/>
+                  <dgm:constr type="h" for="ch" forName="outerBox" refType="h"/>
+                  <dgm:constr type="l" for="ch" forName="middleBox" refType="w" fact="0.025"/>
+                  <dgm:constr type="t" for="ch" forName="middleBox" refType="h" fact="0.25"/>
+                  <dgm:constr type="w" for="ch" forName="middleBox" refType="w" fact="0.775"/>
+                  <dgm:constr type="h" for="ch" forName="middleBox" refType="h" fact="0.7"/>
+                  <dgm:constr type="l" for="ch" forName="centerBox" refType="w" fact="0.05"/>
+                  <dgm:constr type="t" for="ch" forName="centerBox" refType="h" fact="0.5"/>
+                  <dgm:constr type="w" for="ch" forName="centerBox" refType="w" fact="0.725"/>
+                  <dgm:constr type="h" for="ch" forName="centerBox" refType="h" fact="0.4"/>
+                  <dgm:constr type="userA" for="des" forName="outerSibTrans" refType="w"/>
+                  <dgm:constr type="userA" for="des" forName="middleSibTrans" refType="w"/>
+                  <dgm:constr type="userA" for="des" forName="centerSibTrans" refType="w"/>
+                </dgm:constrLst>
+              </dgm:else>
+            </dgm:choose>
+          </dgm:if>
+          <dgm:else name="Name18">
+            <dgm:choose name="Name19">
+              <dgm:if name="Name20" axis="ch ch" ptType="node node" st="2 1" cnt="1 0" func="cnt" op="gt" val="0">
+                <dgm:constrLst>
+                  <dgm:constr type="primFontSz" for="des" forName="middleBoxParent" val="65"/>
+                  <dgm:constr type="primFontSz" for="des" forName="mChild" val="65"/>
+                  <dgm:constr type="primFontSz" for="des" forName="outerBoxParent" refType="primFontSz" refFor="des" refForName="middleBoxParent" op="equ"/>
+                  <dgm:constr type="primFontSz" for="des" forName="centerBoxParent" refType="primFontSz" refFor="des" refForName="middleBoxParent" op="equ"/>
+                  <dgm:constr type="primFontSz" for="des" forName="oChild" refType="primFontSz" refFor="des" refForName="mChild" op="equ"/>
+                  <dgm:constr type="primFontSz" for="des" forName="cChild" refType="primFontSz" refFor="des" refForName="mChild" op="equ"/>
+                  <dgm:constr type="l" for="ch" forName="outerBox"/>
+                  <dgm:constr type="t" for="ch" forName="outerBox"/>
+                  <dgm:constr type="w" for="ch" forName="outerBox" refType="w"/>
+                  <dgm:constr type="h" for="ch" forName="outerBox" refType="h"/>
+                  <dgm:constr type="l" for="ch" forName="middleBox" refType="w" fact="0.025"/>
+                  <dgm:constr type="t" for="ch" forName="middleBox" refType="h" fact="0.25"/>
+                  <dgm:constr type="w" for="ch" forName="middleBox" refType="w" fact="0.95"/>
+                  <dgm:constr type="h" for="ch" forName="middleBox" refType="h" fact="0.7"/>
+                  <dgm:constr type="l" for="ch" forName="centerBox" refType="w" fact="0.05"/>
+                  <dgm:constr type="t" for="ch" forName="centerBox" refType="h" fact="0.5"/>
+                  <dgm:constr type="w" for="ch" forName="centerBox" refType="w" fact="0.69"/>
+                  <dgm:constr type="h" for="ch" forName="centerBox" refType="h" fact="0.4"/>
+                  <dgm:constr type="userA" for="des" forName="outerSibTrans" refType="w"/>
+                  <dgm:constr type="userA" for="des" forName="middleSibTrans" refType="w"/>
+                  <dgm:constr type="userA" for="des" forName="centerSibTrans" refType="w"/>
+                </dgm:constrLst>
+              </dgm:if>
+              <dgm:else name="Name21">
+                <dgm:constrLst>
+                  <dgm:constr type="primFontSz" for="des" forName="middleBoxParent" val="65"/>
+                  <dgm:constr type="primFontSz" for="des" forName="mChild" val="65"/>
+                  <dgm:constr type="primFontSz" for="des" forName="outerBoxParent" refType="primFontSz" refFor="des" refForName="middleBoxParent" op="equ"/>
+                  <dgm:constr type="primFontSz" for="des" forName="centerBoxParent" refType="primFontSz" refFor="des" refForName="middleBoxParent" op="equ"/>
+                  <dgm:constr type="primFontSz" for="des" forName="oChild" refType="primFontSz" refFor="des" refForName="mChild" op="equ"/>
+                  <dgm:constr type="primFontSz" for="des" forName="cChild" refType="primFontSz" refFor="des" refForName="mChild" op="equ"/>
+                  <dgm:constr type="l" for="ch" forName="outerBox"/>
+                  <dgm:constr type="t" for="ch" forName="outerBox"/>
+                  <dgm:constr type="w" for="ch" forName="outerBox" refType="w"/>
+                  <dgm:constr type="h" for="ch" forName="outerBox" refType="h"/>
+                  <dgm:constr type="l" for="ch" forName="middleBox" refType="w" fact="0.025"/>
+                  <dgm:constr type="t" for="ch" forName="middleBox" refType="h" fact="0.25"/>
+                  <dgm:constr type="w" for="ch" forName="middleBox" refType="w" fact="0.95"/>
+                  <dgm:constr type="h" for="ch" forName="middleBox" refType="h" fact="0.7"/>
+                  <dgm:constr type="l" for="ch" forName="centerBox" refType="w" fact="0.05"/>
+                  <dgm:constr type="t" for="ch" forName="centerBox" refType="h" fact="0.5"/>
+                  <dgm:constr type="w" for="ch" forName="centerBox" refType="w" fact="0.9"/>
+                  <dgm:constr type="h" for="ch" forName="centerBox" refType="h" fact="0.4"/>
+                  <dgm:constr type="userA" for="des" forName="outerSibTrans" refType="w"/>
+                  <dgm:constr type="userA" for="des" forName="middleSibTrans" refType="w"/>
+                  <dgm:constr type="userA" for="des" forName="centerSibTrans" refType="w"/>
+                </dgm:constrLst>
+              </dgm:else>
+            </dgm:choose>
+          </dgm:else>
+        </dgm:choose>
+      </dgm:else>
+    </dgm:choose>
     <dgm:ruleLst/>
-    <dgm:forEach name="Name1" axis="ch" ptType="node" st="-1" step="-1">
-      <dgm:choose name="Name2">
-        <dgm:if name="Name3" axis="self" ptType="node" func="revPos" op="equ" val="1">
-          <dgm:layoutNode name="boxAndChildren">
-            <dgm:alg type="composite"/>
+    <dgm:choose name="Name22">
+      <dgm:if name="Name23" axis="root ch" ptType="all node" st="1 1" cnt="0 0" func="cnt" op="gte" val="1">
+        <dgm:layoutNode name="outerBox" styleLbl="node1">
+          <dgm:alg type="composite">
+            <dgm:param type="horzAlign" val="none"/>
+            <dgm:param type="vertAlign" val="none"/>
+          </dgm:alg>
+          <dgm:shape xmlns:r="http://schemas.openxmlformats.org/officeDocument/2006/relationships" r:blip="">
+            <dgm:adjLst/>
+          </dgm:shape>
+          <dgm:presOf/>
+          <dgm:choose name="Name24">
+            <dgm:if name="Name25" axis="root ch" ptType="all node" st="1 1" cnt="0 0" func="cnt" op="gt" val="1">
+              <dgm:choose name="Name26">
+                <dgm:if name="Name27" func="var" arg="dir" op="equ" val="norm">
+                  <dgm:constrLst>
+                    <dgm:constr type="l" for="ch" forName="outerBoxParent"/>
+                    <dgm:constr type="t" for="ch" forName="outerBoxParent"/>
+                    <dgm:constr type="w" for="ch" forName="outerBoxParent" refType="w"/>
+                    <dgm:constr type="h" for="ch" forName="outerBoxParent" refType="h"/>
+                    <dgm:constr type="bMarg" for="ch" forName="outerBoxParent" refType="h" fact="2.2"/>
+                    <dgm:constr type="l" for="ch" forName="outerBoxChildren" refType="w" fact="0.025"/>
+                    <dgm:constr type="t" for="ch" forName="outerBoxChildren" refType="h" fact="0.25"/>
+                    <dgm:constr type="w" for="ch" forName="outerBoxChildren" refType="w" fact="0.15"/>
+                    <dgm:constr type="h" for="ch" forName="outerBoxChildren" refType="h" fact="0.7"/>
+                  </dgm:constrLst>
+                </dgm:if>
+                <dgm:else name="Name28">
+                  <dgm:constrLst>
+                    <dgm:constr type="l" for="ch" forName="outerBoxParent"/>
+                    <dgm:constr type="t" for="ch" forName="outerBoxParent"/>
+                    <dgm:constr type="w" for="ch" forName="outerBoxParent" refType="w"/>
+                    <dgm:constr type="h" for="ch" forName="outerBoxParent" refType="h"/>
+                    <dgm:constr type="bMarg" for="ch" forName="outerBoxParent" refType="h" fact="2.2"/>
+                    <dgm:constr type="l" for="ch" forName="outerBoxChildren" refType="w" fact="0.825"/>
+                    <dgm:constr type="t" for="ch" forName="outerBoxChildren" refType="h" fact="0.25"/>
+                    <dgm:constr type="w" for="ch" forName="outerBoxChildren" refType="w" fact="0.15"/>
+                    <dgm:constr type="h" for="ch" forName="outerBoxChildren" refType="h" fact="0.7"/>
+                  </dgm:constrLst>
+                </dgm:else>
+              </dgm:choose>
+            </dgm:if>
+            <dgm:else name="Name29">
+              <dgm:constrLst>
+                <dgm:constr type="l" for="ch" forName="outerBoxParent"/>
+                <dgm:constr type="t" for="ch" forName="outerBoxParent"/>
+                <dgm:constr type="w" for="ch" forName="outerBoxParent" refType="w"/>
+                <dgm:constr type="h" for="ch" forName="outerBoxParent" refType="h"/>
+                <dgm:constr type="bMarg" for="ch" forName="outerBoxParent" refType="h" fact="1.75"/>
+                <dgm:constr type="l" for="ch" forName="outerBoxChildren" refType="w" fact="0.025"/>
+                <dgm:constr type="t" for="ch" forName="outerBoxChildren" refType="h" fact="0.45"/>
+                <dgm:constr type="w" for="ch" forName="outerBoxChildren" refType="w" fact="0.95"/>
+                <dgm:constr type="h" for="ch" forName="outerBoxChildren" refType="h" fact="0.45"/>
+              </dgm:constrLst>
+            </dgm:else>
+          </dgm:choose>
+          <dgm:ruleLst/>
+          <dgm:layoutNode name="outerBoxParent" styleLbl="node1">
+            <dgm:alg type="tx">
+              <dgm:param type="txAnchorVert" val="t"/>
+              <dgm:param type="parTxLTRAlign" val="l"/>
+              <dgm:param type="parTxRTLAlign" val="r"/>
+            </dgm:alg>
+            <dgm:shape xmlns:r="http://schemas.openxmlformats.org/officeDocument/2006/relationships" type="roundRect" r:blip="">
+              <dgm:adjLst>
+                <dgm:adj idx="1" val="0.085"/>
+              </dgm:adjLst>
+            </dgm:shape>
+            <dgm:presOf axis="ch" ptType="node" cnt="1"/>
+            <dgm:constrLst>
+              <dgm:constr type="tMarg" refType="primFontSz" fact="0.3"/>
+              <dgm:constr type="lMarg" refType="primFontSz" fact="0.3"/>
+              <dgm:constr type="rMarg" refType="primFontSz" fact="0.3"/>
+            </dgm:constrLst>
+            <dgm:ruleLst>
+              <dgm:rule type="primFontSz" val="5" fact="NaN" max="NaN"/>
+            </dgm:ruleLst>
+          </dgm:layoutNode>
+          <dgm:layoutNode name="outerBoxChildren">
+            <dgm:choose name="Name30">
+              <dgm:if name="Name31" axis="root ch" ptType="all node" st="1 1" cnt="0 0" func="cnt" op="gt" val="1">
+                <dgm:alg type="lin">
+                  <dgm:param type="linDir" val="fromT"/>
+                  <dgm:param type="vertAlign" val="t"/>
+                </dgm:alg>
+              </dgm:if>
+              <dgm:else name="Name32">
+                <dgm:choose name="Name33">
+                  <dgm:if name="Name34" func="var" arg="dir" op="equ" val="norm">
+                    <dgm:alg type="lin">
+                      <dgm:param type="horzAlign" val="l"/>
+                    </dgm:alg>
+                  </dgm:if>
+                  <dgm:else name="Name35">
+                    <dgm:alg type="lin">
+                      <dgm:param type="linDir" val="fromR"/>
+                      <dgm:param type="horzAlign" val="r"/>
+                    </dgm:alg>
+                  </dgm:else>
+                </dgm:choose>
+              </dgm:else>
+            </dgm:choose>
             <dgm:shape xmlns:r="http://schemas.openxmlformats.org/officeDocument/2006/relationships" r:blip="">
               <dgm:adjLst/>
             </dgm:shape>
             <dgm:presOf/>
-            <dgm:choose name="Name4">
-              <dgm:if name="Name5" axis="ch" ptType="node" func="cnt" op="gte" val="1">
+            <dgm:constrLst>
+              <dgm:constr type="w" for="ch" forName="oChild" refType="w"/>
+              <dgm:constr type="h" for="ch" forName="oChild" refType="h"/>
+            </dgm:constrLst>
+            <dgm:ruleLst/>
+            <dgm:forEach name="Name36" axis="ch ch" ptType="node node" st="1 1" cnt="1 0">
+              <dgm:layoutNode name="oChild" styleLbl="fgAcc1">
+                <dgm:varLst>
+                  <dgm:bulletEnabled val="1"/>
+                </dgm:varLst>
+                <dgm:alg type="tx"/>
+                <dgm:shape xmlns:r="http://schemas.openxmlformats.org/officeDocument/2006/relationships" type="roundRect" r:blip="">
+                  <dgm:adjLst>
+                    <dgm:adj idx="1" val="0.105"/>
+                  </dgm:adjLst>
+                </dgm:shape>
+                <dgm:presOf axis="desOrSelf" ptType="node"/>
                 <dgm:constrLst>
-                  <dgm:constr type="w" for="ch" forName="parentTextBox" refType="w"/>
-                  <dgm:constr type="h" for="ch" forName="parentTextBox" refType="h" fact="0.54"/>
-                  <dgm:constr type="t" for="ch" forName="parentTextBox"/>
-                  <dgm:constr type="w" for="ch" forName="entireBox" refType="w"/>
-                  <dgm:constr type="h" for="ch" forName="entireBox" refType="h"/>
-                  <dgm:constr type="w" for="ch" forName="descendantBox" refType="w"/>
-                  <dgm:constr type="b" for="ch" forName="descendantBox" refType="h" fact="0.98"/>
-                  <dgm:constr type="h" for="ch" forName="descendantBox" refType="h" fact="0.46"/>
+                  <dgm:constr type="tMarg" refType="primFontSz" fact="0.3"/>
+                  <dgm:constr type="bMarg" refType="primFontSz" fact="0.3"/>
+                  <dgm:constr type="lMarg" refType="primFontSz" fact="0.3"/>
+                  <dgm:constr type="rMarg" refType="primFontSz" fact="0.3"/>
                 </dgm:constrLst>
-              </dgm:if>
-              <dgm:else name="Name6">
-                <dgm:constrLst>
-                  <dgm:constr type="w" for="ch" forName="parentTextBox" refType="w"/>
-                  <dgm:constr type="h" for="ch" forName="parentTextBox" refType="h"/>
-                </dgm:constrLst>
-              </dgm:else>
-            </dgm:choose>
-            <dgm:ruleLst/>
-            <dgm:layoutNode name="parentTextBox">
-              <dgm:alg type="tx"/>
-              <dgm:choose name="Name7">
-                <dgm:if name="Name8" axis="ch" ptType="node" func="cnt" op="gte" val="1">
-                  <dgm:shape xmlns:r="http://schemas.openxmlformats.org/officeDocument/2006/relationships" type="rect" r:blip="" zOrderOff="1" hideGeom="1">
-                    <dgm:adjLst/>
-                  </dgm:shape>
-                </dgm:if>
-                <dgm:else name="Name9">
-                  <dgm:shape xmlns:r="http://schemas.openxmlformats.org/officeDocument/2006/relationships" type="rect" r:blip="">
-                    <dgm:adjLst/>
-                  </dgm:shape>
-                </dgm:else>
-              </dgm:choose>
-              <dgm:presOf axis="self"/>
-              <dgm:constrLst/>
-              <dgm:ruleLst>
-                <dgm:rule type="primFontSz" val="5" fact="NaN" max="NaN"/>
-              </dgm:ruleLst>
-            </dgm:layoutNode>
-            <dgm:choose name="Name10">
-              <dgm:if name="Name11" axis="ch" ptType="node" func="cnt" op="gte" val="1">
-                <dgm:layoutNode name="entireBox">
+                <dgm:ruleLst>
+                  <dgm:rule type="primFontSz" val="5" fact="NaN" max="NaN"/>
+                </dgm:ruleLst>
+              </dgm:layoutNode>
+              <dgm:forEach name="Name37" axis="followSib" ptType="sibTrans" cnt="1">
+                <dgm:layoutNode name="outerSibTrans">
                   <dgm:alg type="sp"/>
-                  <dgm:shape xmlns:r="http://schemas.openxmlformats.org/officeDocument/2006/relationships" type="rect" r:blip="">
-                    <dgm:adjLst/>
-                  </dgm:shape>
-                  <dgm:presOf axis="self"/>
-                  <dgm:constrLst/>
-                  <dgm:ruleLst/>
-                </dgm:layoutNode>
-                <dgm:layoutNode name="descendantBox" styleLbl="fgAccFollowNode1">
-                  <dgm:choose name="Name12">
-                    <dgm:if name="Name13" func="var" arg="dir" op="equ" val="norm">
-                      <dgm:alg type="lin"/>
-                    </dgm:if>
-                    <dgm:else name="Name14">
-                      <dgm:alg type="lin">
-                        <dgm:param type="linDir" val="fromR"/>
-                      </dgm:alg>
-                    </dgm:else>
-                  </dgm:choose>
                   <dgm:shape xmlns:r="http://schemas.openxmlformats.org/officeDocument/2006/relationships" r:blip="">
                     <dgm:adjLst/>
                   </dgm:shape>
                   <dgm:presOf/>
                   <dgm:constrLst>
-                    <dgm:constr type="w" for="ch" forName="childTextBox" refType="w"/>
-                    <dgm:constr type="h" for="ch" forName="childTextBox" refType="h"/>
+                    <dgm:constr type="userA"/>
+                    <dgm:constr type="w" refType="userA" fact="0.015"/>
+                    <dgm:constr type="h" refType="userA" fact="0.015"/>
                   </dgm:constrLst>
                   <dgm:ruleLst/>
-                  <dgm:forEach name="Name15" axis="ch" ptType="node">
-                    <dgm:layoutNode name="childTextBox" styleLbl="fgAccFollowNode1">
-                      <dgm:varLst>
-                        <dgm:bulletEnabled val="1"/>
-                      </dgm:varLst>
-                      <dgm:alg type="tx"/>
-                      <dgm:shape xmlns:r="http://schemas.openxmlformats.org/officeDocument/2006/relationships" type="rect" r:blip="">
-                        <dgm:adjLst/>
-                      </dgm:shape>
-                      <dgm:presOf axis="desOrSelf" ptType="node"/>
-                      <dgm:constrLst>
-                        <dgm:constr type="tMarg" refType="primFontSz" fact="0.1"/>
-                        <dgm:constr type="bMarg" refType="primFontSz" fact="0.1"/>
-                      </dgm:constrLst>
-                      <dgm:ruleLst>
-                        <dgm:rule type="primFontSz" val="5" fact="NaN" max="NaN"/>
-                      </dgm:ruleLst>
-                    </dgm:layoutNode>
-                  </dgm:forEach>
                 </dgm:layoutNode>
+              </dgm:forEach>
+            </dgm:forEach>
+          </dgm:layoutNode>
+        </dgm:layoutNode>
+      </dgm:if>
+      <dgm:else name="Name38"/>
+    </dgm:choose>
+    <dgm:choose name="Name39">
+      <dgm:if name="Name40" axis="root ch" ptType="all node" st="1 1" cnt="0 0" func="cnt" op="gte" val="2">
+        <dgm:layoutNode name="middleBox">
+          <dgm:alg type="composite">
+            <dgm:param type="horzAlign" val="none"/>
+            <dgm:param type="vertAlign" val="none"/>
+          </dgm:alg>
+          <dgm:shape xmlns:r="http://schemas.openxmlformats.org/officeDocument/2006/relationships" r:blip="">
+            <dgm:adjLst/>
+          </dgm:shape>
+          <dgm:presOf/>
+          <dgm:choose name="Name41">
+            <dgm:if name="Name42" axis="root ch" ptType="all node" st="1 1" cnt="0 0" func="cnt" op="gt" val="2">
+              <dgm:choose name="Name43">
+                <dgm:if name="Name44" func="var" arg="dir" op="equ" val="norm">
+                  <dgm:constrLst>
+                    <dgm:constr type="l" for="ch" forName="middleBoxParent"/>
+                    <dgm:constr type="t" for="ch" forName="middleBoxParent"/>
+                    <dgm:constr type="w" for="ch" forName="middleBoxParent" refType="w"/>
+                    <dgm:constr type="h" for="ch" forName="middleBoxParent" refType="h"/>
+                    <dgm:constr type="bMarg" for="ch" forName="middleBoxParent" refType="h" fact="1.8"/>
+                    <dgm:constr type="l" for="ch" forName="middleBoxChildren" refType="w" fact="0.025"/>
+                    <dgm:constr type="t" for="ch" forName="middleBoxChildren" refType="h" fact="0.35"/>
+                    <dgm:constr type="w" for="ch" forName="middleBoxChildren" refType="w" fact="0.2"/>
+                    <dgm:constr type="h" for="ch" forName="middleBoxChildren" refType="h" fact="0.575"/>
+                  </dgm:constrLst>
+                </dgm:if>
+                <dgm:else name="Name45">
+                  <dgm:constrLst>
+                    <dgm:constr type="l" for="ch" forName="middleBoxParent"/>
+                    <dgm:constr type="t" for="ch" forName="middleBoxParent"/>
+                    <dgm:constr type="w" for="ch" forName="middleBoxParent" refType="w"/>
+                    <dgm:constr type="h" for="ch" forName="middleBoxParent" refType="h"/>
+                    <dgm:constr type="bMarg" for="ch" forName="middleBoxParent" refType="h" fact="1.8"/>
+                    <dgm:constr type="l" for="ch" forName="middleBoxChildren" refType="w" fact="0.775"/>
+                    <dgm:constr type="t" for="ch" forName="middleBoxChildren" refType="h" fact="0.35"/>
+                    <dgm:constr type="w" for="ch" forName="middleBoxChildren" refType="w" fact="0.2"/>
+                    <dgm:constr type="h" for="ch" forName="middleBoxChildren" refType="h" fact="0.575"/>
+                  </dgm:constrLst>
+                </dgm:else>
+              </dgm:choose>
+            </dgm:if>
+            <dgm:else name="Name46">
+              <dgm:constrLst>
+                <dgm:constr type="l" for="ch" forName="middleBoxParent"/>
+                <dgm:constr type="t" for="ch" forName="middleBoxParent"/>
+                <dgm:constr type="w" for="ch" forName="middleBoxParent" refType="w"/>
+                <dgm:constr type="h" for="ch" forName="middleBoxParent" refType="h"/>
+                <dgm:constr type="bMarg" for="ch" forName="middleBoxParent" refType="h" fact="1.8"/>
+                <dgm:constr type="l" for="ch" forName="middleBoxChildren" refType="w" fact="0.025"/>
+                <dgm:constr type="t" for="ch" forName="middleBoxChildren" refType="h" fact="0.45"/>
+                <dgm:constr type="w" for="ch" forName="middleBoxChildren" refType="w" fact="0.95"/>
+                <dgm:constr type="h" for="ch" forName="middleBoxChildren" refType="h" fact="0.45"/>
+              </dgm:constrLst>
+            </dgm:else>
+          </dgm:choose>
+          <dgm:ruleLst/>
+          <dgm:layoutNode name="middleBoxParent" styleLbl="node1">
+            <dgm:alg type="tx">
+              <dgm:param type="txAnchorVert" val="t"/>
+              <dgm:param type="parTxLTRAlign" val="l"/>
+              <dgm:param type="parTxRTLAlign" val="r"/>
+            </dgm:alg>
+            <dgm:shape xmlns:r="http://schemas.openxmlformats.org/officeDocument/2006/relationships" type="roundRect" r:blip="">
+              <dgm:adjLst>
+                <dgm:adj idx="1" val="0.105"/>
+              </dgm:adjLst>
+            </dgm:shape>
+            <dgm:presOf axis="ch" ptType="node" st="2" cnt="1"/>
+            <dgm:constrLst>
+              <dgm:constr type="tMarg" refType="primFontSz" fact="0.3"/>
+              <dgm:constr type="lMarg" refType="primFontSz" fact="0.3"/>
+              <dgm:constr type="rMarg" refType="primFontSz" fact="0.3"/>
+            </dgm:constrLst>
+            <dgm:ruleLst>
+              <dgm:rule type="primFontSz" val="5" fact="NaN" max="NaN"/>
+            </dgm:ruleLst>
+          </dgm:layoutNode>
+          <dgm:layoutNode name="middleBoxChildren">
+            <dgm:choose name="Name47">
+              <dgm:if name="Name48" axis="root ch" ptType="all node" st="1 1" cnt="0 0" func="cnt" op="gt" val="2">
+                <dgm:alg type="lin">
+                  <dgm:param type="linDir" val="fromT"/>
+                  <dgm:param type="vertAlign" val="t"/>
+                </dgm:alg>
               </dgm:if>
-              <dgm:else name="Name16"/>
+              <dgm:else name="Name49">
+                <dgm:choose name="Name50">
+                  <dgm:if name="Name51" func="var" arg="dir" op="equ" val="norm">
+                    <dgm:alg type="lin">
+                      <dgm:param type="horzAlign" val="l"/>
+                    </dgm:alg>
+                  </dgm:if>
+                  <dgm:else name="Name52">
+                    <dgm:alg type="lin">
+                      <dgm:param type="linDir" val="fromR"/>
+                      <dgm:param type="horzAlign" val="r"/>
+                    </dgm:alg>
+                  </dgm:else>
+                </dgm:choose>
+              </dgm:else>
             </dgm:choose>
-          </dgm:layoutNode>
-        </dgm:if>
-        <dgm:else name="Name17">
-          <dgm:layoutNode name="arrowAndChildren">
-            <dgm:alg type="composite"/>
             <dgm:shape xmlns:r="http://schemas.openxmlformats.org/officeDocument/2006/relationships" r:blip="">
               <dgm:adjLst/>
             </dgm:shape>
             <dgm:presOf/>
-            <dgm:choose name="Name18">
-              <dgm:if name="Name19" axis="ch" ptType="node" func="cnt" op="gte" val="1">
+            <dgm:constrLst>
+              <dgm:constr type="w" for="ch" forName="mChild" refType="w"/>
+              <dgm:constr type="h" for="ch" forName="mChild" refType="h"/>
+            </dgm:constrLst>
+            <dgm:ruleLst/>
+            <dgm:forEach name="Name53" axis="ch ch" ptType="node node" st="2 1" cnt="1 0">
+              <dgm:layoutNode name="mChild" styleLbl="fgAcc1">
+                <dgm:varLst>
+                  <dgm:bulletEnabled val="1"/>
+                </dgm:varLst>
+                <dgm:alg type="tx"/>
+                <dgm:shape xmlns:r="http://schemas.openxmlformats.org/officeDocument/2006/relationships" type="roundRect" r:blip="">
+                  <dgm:adjLst>
+                    <dgm:adj idx="1" val="0.105"/>
+                  </dgm:adjLst>
+                </dgm:shape>
+                <dgm:presOf axis="desOrSelf" ptType="node"/>
                 <dgm:constrLst>
-                  <dgm:constr type="w" for="ch" forName="parentTextArrow" refType="w"/>
-                  <dgm:constr type="t" for="ch" forName="parentTextArrow"/>
-                  <dgm:constr type="h" for="ch" forName="parentTextArrow" refType="h" fact="0.351"/>
-                  <dgm:constr type="w" for="ch" forName="arrow" refType="w"/>
-                  <dgm:constr type="h" for="ch" forName="arrow" refType="h"/>
-                  <dgm:constr type="w" for="ch" forName="descendantArrow" refType="w"/>
-                  <dgm:constr type="b" for="ch" forName="descendantArrow" refType="h" fact="0.65"/>
-                  <dgm:constr type="h" for="ch" forName="descendantArrow" refType="h" fact="0.299"/>
+                  <dgm:constr type="tMarg" refType="primFontSz" fact="0.3"/>
+                  <dgm:constr type="bMarg" refType="primFontSz" fact="0.3"/>
+                  <dgm:constr type="lMarg" refType="primFontSz" fact="0.3"/>
+                  <dgm:constr type="rMarg" refType="primFontSz" fact="0.3"/>
                 </dgm:constrLst>
-              </dgm:if>
-              <dgm:else name="Name20">
-                <dgm:constrLst>
-                  <dgm:constr type="w" for="ch" forName="parentTextArrow" refType="w"/>
-                  <dgm:constr type="h" for="ch" forName="parentTextArrow" refType="h"/>
-                </dgm:constrLst>
-              </dgm:else>
-            </dgm:choose>
-            <dgm:ruleLst/>
-            <dgm:layoutNode name="parentTextArrow">
-              <dgm:alg type="tx"/>
-              <dgm:choose name="Name21">
-                <dgm:if name="Name22" axis="ch" ptType="node" func="cnt" op="gte" val="1">
-                  <dgm:shape xmlns:r="http://schemas.openxmlformats.org/officeDocument/2006/relationships" type="rect" r:blip="" zOrderOff="1" hideGeom="1">
-                    <dgm:adjLst/>
-                  </dgm:shape>
-                </dgm:if>
-                <dgm:else name="Name23">
-                  <dgm:shape xmlns:r="http://schemas.openxmlformats.org/officeDocument/2006/relationships" rot="180" type="upArrowCallout" r:blip="">
-                    <dgm:adjLst/>
-                  </dgm:shape>
-                </dgm:else>
-              </dgm:choose>
-              <dgm:presOf axis="self"/>
-              <dgm:constrLst/>
-              <dgm:ruleLst>
-                <dgm:rule type="primFontSz" val="5" fact="NaN" max="NaN"/>
-              </dgm:ruleLst>
-            </dgm:layoutNode>
-            <dgm:choose name="Name24">
-              <dgm:if name="Name25" axis="ch" ptType="node" func="cnt" op="gte" val="1">
-                <dgm:layoutNode name="arrow">
+                <dgm:ruleLst>
+                  <dgm:rule type="primFontSz" val="5" fact="NaN" max="NaN"/>
+                </dgm:ruleLst>
+              </dgm:layoutNode>
+              <dgm:forEach name="Name54" axis="followSib" ptType="sibTrans" cnt="1">
+                <dgm:layoutNode name="middleSibTrans">
                   <dgm:alg type="sp"/>
-                  <dgm:shape xmlns:r="http://schemas.openxmlformats.org/officeDocument/2006/relationships" rot="180" type="upArrowCallout" r:blip="">
-                    <dgm:adjLst/>
-                  </dgm:shape>
-                  <dgm:presOf axis="self"/>
-                  <dgm:constrLst/>
-                  <dgm:ruleLst/>
-                </dgm:layoutNode>
-                <dgm:layoutNode name="descendantArrow">
-                  <dgm:choose name="Name26">
-                    <dgm:if name="Name27" func="var" arg="dir" op="equ" val="norm">
-                      <dgm:alg type="lin"/>
-                    </dgm:if>
-                    <dgm:else name="Name28">
-                      <dgm:alg type="lin">
-                        <dgm:param type="linDir" val="fromR"/>
-                      </dgm:alg>
-                    </dgm:else>
-                  </dgm:choose>
                   <dgm:shape xmlns:r="http://schemas.openxmlformats.org/officeDocument/2006/relationships" r:blip="">
                     <dgm:adjLst/>
                   </dgm:shape>
                   <dgm:presOf/>
                   <dgm:constrLst>
-                    <dgm:constr type="w" for="ch" forName="childTextArrow" refType="w"/>
-                    <dgm:constr type="h" for="ch" forName="childTextArrow" refType="h"/>
+                    <dgm:constr type="userA"/>
+                    <dgm:constr type="w" refType="userA" fact="0.015"/>
+                    <dgm:constr type="h" refType="userA" fact="0.015"/>
                   </dgm:constrLst>
                   <dgm:ruleLst/>
-                  <dgm:forEach name="Name29" axis="ch" ptType="node">
-                    <dgm:layoutNode name="childTextArrow" styleLbl="fgAccFollowNode1">
-                      <dgm:varLst>
-                        <dgm:bulletEnabled val="1"/>
-                      </dgm:varLst>
-                      <dgm:alg type="tx"/>
-                      <dgm:shape xmlns:r="http://schemas.openxmlformats.org/officeDocument/2006/relationships" type="rect" r:blip="">
-                        <dgm:adjLst/>
-                      </dgm:shape>
-                      <dgm:presOf axis="desOrSelf" ptType="node"/>
-                      <dgm:constrLst>
-                        <dgm:constr type="tMarg" refType="primFontSz" fact="0.1"/>
-                        <dgm:constr type="bMarg" refType="primFontSz" fact="0.1"/>
-                      </dgm:constrLst>
-                      <dgm:ruleLst>
-                        <dgm:rule type="primFontSz" val="5" fact="NaN" max="NaN"/>
-                      </dgm:ruleLst>
-                    </dgm:layoutNode>
-                  </dgm:forEach>
                 </dgm:layoutNode>
-              </dgm:if>
-              <dgm:else name="Name30"/>
-            </dgm:choose>
+              </dgm:forEach>
+            </dgm:forEach>
           </dgm:layoutNode>
-        </dgm:else>
-      </dgm:choose>
-      <dgm:forEach name="Name31" axis="precedSib" ptType="sibTrans" st="-1" cnt="1">
-        <dgm:layoutNode name="sp">
-          <dgm:alg type="sp"/>
+        </dgm:layoutNode>
+      </dgm:if>
+      <dgm:else name="Name55"/>
+    </dgm:choose>
+    <dgm:choose name="Name56">
+      <dgm:if name="Name57" axis="root ch" ptType="all node" st="1 1" cnt="0 0" func="cnt" op="gte" val="3">
+        <dgm:layoutNode name="centerBox">
+          <dgm:alg type="composite">
+            <dgm:param type="horzAlign" val="none"/>
+            <dgm:param type="vertAlign" val="none"/>
+          </dgm:alg>
           <dgm:shape xmlns:r="http://schemas.openxmlformats.org/officeDocument/2006/relationships" r:blip="">
             <dgm:adjLst/>
           </dgm:shape>
-          <dgm:presOf axis="self"/>
-          <dgm:constrLst/>
+          <dgm:presOf/>
+          <dgm:choose name="Name58">
+            <dgm:if name="Name59" axis="ch ch" ptType="node node" st="3 1" cnt="1 0" func="cnt" op="gt" val="0">
+              <dgm:constrLst>
+                <dgm:constr type="l" for="ch" forName="centerBoxParent"/>
+                <dgm:constr type="t" for="ch" forName="centerBoxParent"/>
+                <dgm:constr type="w" for="ch" forName="centerBoxParent" refType="w"/>
+                <dgm:constr type="h" for="ch" forName="centerBoxParent" refType="h"/>
+                <dgm:constr type="bMarg" for="ch" forName="centerBoxParent" refType="h" fact="1.6"/>
+                <dgm:constr type="l" for="ch" forName="centerBoxChildren" refType="w" fact="0.025"/>
+                <dgm:constr type="t" for="ch" forName="centerBoxChildren" refType="h" fact="0.45"/>
+                <dgm:constr type="w" for="ch" forName="centerBoxChildren" refType="w" fact="0.95"/>
+                <dgm:constr type="h" for="ch" forName="centerBoxChildren" refType="h" fact="0.45"/>
+              </dgm:constrLst>
+            </dgm:if>
+            <dgm:else name="Name60">
+              <dgm:constrLst>
+                <dgm:constr type="l" for="ch" forName="centerBoxParent"/>
+                <dgm:constr type="t" for="ch" forName="centerBoxParent"/>
+                <dgm:constr type="w" for="ch" forName="centerBoxParent" refType="w"/>
+                <dgm:constr type="h" for="ch" forName="centerBoxParent" refType="h"/>
+              </dgm:constrLst>
+            </dgm:else>
+          </dgm:choose>
           <dgm:ruleLst/>
+          <dgm:layoutNode name="centerBoxParent" styleLbl="node1">
+            <dgm:alg type="tx">
+              <dgm:param type="txAnchorVert" val="t"/>
+              <dgm:param type="parTxLTRAlign" val="l"/>
+              <dgm:param type="parTxRTLAlign" val="r"/>
+            </dgm:alg>
+            <dgm:shape xmlns:r="http://schemas.openxmlformats.org/officeDocument/2006/relationships" type="roundRect" r:blip="">
+              <dgm:adjLst>
+                <dgm:adj idx="1" val="0.105"/>
+              </dgm:adjLst>
+            </dgm:shape>
+            <dgm:presOf axis="ch" ptType="node" st="3" cnt="1"/>
+            <dgm:constrLst>
+              <dgm:constr type="tMarg" refType="primFontSz" fact="0.3"/>
+              <dgm:constr type="lMarg" refType="primFontSz" fact="0.3"/>
+              <dgm:constr type="rMarg" refType="primFontSz" fact="0.3"/>
+            </dgm:constrLst>
+            <dgm:ruleLst>
+              <dgm:rule type="primFontSz" val="5" fact="NaN" max="NaN"/>
+            </dgm:ruleLst>
+          </dgm:layoutNode>
+          <dgm:choose name="Name61">
+            <dgm:if name="Name62" axis="ch ch" ptType="node node" st="3 1" cnt="1 0" func="cnt" op="gt" val="0">
+              <dgm:layoutNode name="centerBoxChildren">
+                <dgm:choose name="Name63">
+                  <dgm:if name="Name64" func="var" arg="dir" op="equ" val="norm">
+                    <dgm:alg type="lin">
+                      <dgm:param type="horzAlign" val="l"/>
+                    </dgm:alg>
+                  </dgm:if>
+                  <dgm:else name="Name65">
+                    <dgm:alg type="lin">
+                      <dgm:param type="linDir" val="fromR"/>
+                      <dgm:param type="horzAlign" val="r"/>
+                    </dgm:alg>
+                  </dgm:else>
+                </dgm:choose>
+                <dgm:shape xmlns:r="http://schemas.openxmlformats.org/officeDocument/2006/relationships" r:blip="">
+                  <dgm:adjLst/>
+                </dgm:shape>
+                <dgm:presOf/>
+                <dgm:constrLst>
+                  <dgm:constr type="w" for="ch" forName="cChild" refType="w"/>
+                  <dgm:constr type="h" for="ch" forName="cChild" refType="h"/>
+                </dgm:constrLst>
+                <dgm:ruleLst/>
+                <dgm:forEach name="Name66" axis="ch ch" ptType="node node" st="3 1" cnt="1 0">
+                  <dgm:layoutNode name="cChild" styleLbl="fgAcc1">
+                    <dgm:varLst>
+                      <dgm:bulletEnabled val="1"/>
+                    </dgm:varLst>
+                    <dgm:alg type="tx"/>
+                    <dgm:shape xmlns:r="http://schemas.openxmlformats.org/officeDocument/2006/relationships" type="roundRect" r:blip="">
+                      <dgm:adjLst>
+                        <dgm:adj idx="1" val="0.105"/>
+                      </dgm:adjLst>
+                    </dgm:shape>
+                    <dgm:presOf axis="desOrSelf" ptType="node"/>
+                    <dgm:constrLst>
+                      <dgm:constr type="tMarg" refType="primFontSz" fact="0.3"/>
+                      <dgm:constr type="bMarg" refType="primFontSz" fact="0.3"/>
+                      <dgm:constr type="lMarg" refType="primFontSz" fact="0.3"/>
+                      <dgm:constr type="rMarg" refType="primFontSz" fact="0.3"/>
+                    </dgm:constrLst>
+                    <dgm:ruleLst>
+                      <dgm:rule type="primFontSz" val="5" fact="NaN" max="NaN"/>
+                    </dgm:ruleLst>
+                  </dgm:layoutNode>
+                  <dgm:forEach name="Name67" axis="followSib" ptType="sibTrans" cnt="1">
+                    <dgm:layoutNode name="centerSibTrans">
+                      <dgm:alg type="sp"/>
+                      <dgm:shape xmlns:r="http://schemas.openxmlformats.org/officeDocument/2006/relationships" r:blip="">
+                        <dgm:adjLst/>
+                      </dgm:shape>
+                      <dgm:presOf/>
+                      <dgm:constrLst>
+                        <dgm:constr type="userA"/>
+                        <dgm:constr type="w" refType="userA" fact="0.015"/>
+                        <dgm:constr type="h" refType="userA" fact="0.015"/>
+                      </dgm:constrLst>
+                      <dgm:ruleLst/>
+                    </dgm:layoutNode>
+                  </dgm:forEach>
+                </dgm:forEach>
+              </dgm:layoutNode>
+            </dgm:if>
+            <dgm:else name="Name68"/>
+          </dgm:choose>
         </dgm:layoutNode>
-      </dgm:forEach>
-    </dgm:forEach>
+      </dgm:if>
+      <dgm:else name="Name69"/>
+    </dgm:choose>
   </dgm:layoutNode>
 </dgm:layoutDef>
 </file>
@@ -13276,6 +16799,359 @@
 </file>
 
 <file path=ppt/diagrams/layout7.xml><?xml version="1.0" encoding="utf-8"?>
+<dgm:layoutDef xmlns:dgm="http://schemas.openxmlformats.org/drawingml/2006/diagram" xmlns:a="http://schemas.openxmlformats.org/drawingml/2006/main" uniqueId="urn:microsoft.com/office/officeart/2005/8/layout/process4">
+  <dgm:title val=""/>
+  <dgm:desc val=""/>
+  <dgm:catLst>
+    <dgm:cat type="process" pri="16000"/>
+    <dgm:cat type="list" pri="20000"/>
+  </dgm:catLst>
+  <dgm:sampData>
+    <dgm:dataModel>
+      <dgm:ptLst>
+        <dgm:pt modelId="0" type="doc"/>
+        <dgm:pt modelId="1">
+          <dgm:prSet phldr="1"/>
+        </dgm:pt>
+        <dgm:pt modelId="11">
+          <dgm:prSet phldr="1"/>
+        </dgm:pt>
+        <dgm:pt modelId="12">
+          <dgm:prSet phldr="1"/>
+        </dgm:pt>
+        <dgm:pt modelId="2">
+          <dgm:prSet phldr="1"/>
+        </dgm:pt>
+        <dgm:pt modelId="21">
+          <dgm:prSet phldr="1"/>
+        </dgm:pt>
+        <dgm:pt modelId="22">
+          <dgm:prSet phldr="1"/>
+        </dgm:pt>
+        <dgm:pt modelId="3">
+          <dgm:prSet phldr="1"/>
+        </dgm:pt>
+        <dgm:pt modelId="31">
+          <dgm:prSet phldr="1"/>
+        </dgm:pt>
+        <dgm:pt modelId="32">
+          <dgm:prSet phldr="1"/>
+        </dgm:pt>
+      </dgm:ptLst>
+      <dgm:cxnLst>
+        <dgm:cxn modelId="4" srcId="0" destId="1" srcOrd="0" destOrd="0"/>
+        <dgm:cxn modelId="5" srcId="0" destId="2" srcOrd="1" destOrd="0"/>
+        <dgm:cxn modelId="6" srcId="0" destId="3" srcOrd="2" destOrd="0"/>
+        <dgm:cxn modelId="13" srcId="1" destId="11" srcOrd="0" destOrd="0"/>
+        <dgm:cxn modelId="14" srcId="1" destId="12" srcOrd="1" destOrd="0"/>
+        <dgm:cxn modelId="23" srcId="2" destId="21" srcOrd="0" destOrd="0"/>
+        <dgm:cxn modelId="24" srcId="2" destId="22" srcOrd="1" destOrd="0"/>
+        <dgm:cxn modelId="33" srcId="3" destId="31" srcOrd="0" destOrd="0"/>
+        <dgm:cxn modelId="34" srcId="3" destId="32" srcOrd="1" destOrd="0"/>
+      </dgm:cxnLst>
+      <dgm:bg/>
+      <dgm:whole/>
+    </dgm:dataModel>
+  </dgm:sampData>
+  <dgm:styleData>
+    <dgm:dataModel>
+      <dgm:ptLst>
+        <dgm:pt modelId="0" type="doc"/>
+        <dgm:pt modelId="1"/>
+        <dgm:pt modelId="11"/>
+        <dgm:pt modelId="2"/>
+        <dgm:pt modelId="21"/>
+      </dgm:ptLst>
+      <dgm:cxnLst>
+        <dgm:cxn modelId="4" srcId="0" destId="1" srcOrd="0" destOrd="0"/>
+        <dgm:cxn modelId="5" srcId="0" destId="2" srcOrd="1" destOrd="0"/>
+        <dgm:cxn modelId="13" srcId="1" destId="11" srcOrd="0" destOrd="0"/>
+        <dgm:cxn modelId="23" srcId="2" destId="21" srcOrd="0" destOrd="0"/>
+      </dgm:cxnLst>
+      <dgm:bg/>
+      <dgm:whole/>
+    </dgm:dataModel>
+  </dgm:styleData>
+  <dgm:clrData>
+    <dgm:dataModel>
+      <dgm:ptLst>
+        <dgm:pt modelId="0" type="doc"/>
+        <dgm:pt modelId="1"/>
+        <dgm:pt modelId="11"/>
+        <dgm:pt modelId="2"/>
+        <dgm:pt modelId="21"/>
+        <dgm:pt modelId="3"/>
+        <dgm:pt modelId="31"/>
+        <dgm:pt modelId="4"/>
+        <dgm:pt modelId="41"/>
+      </dgm:ptLst>
+      <dgm:cxnLst>
+        <dgm:cxn modelId="5" srcId="0" destId="1" srcOrd="0" destOrd="0"/>
+        <dgm:cxn modelId="6" srcId="0" destId="2" srcOrd="1" destOrd="0"/>
+        <dgm:cxn modelId="7" srcId="0" destId="3" srcOrd="2" destOrd="0"/>
+        <dgm:cxn modelId="8" srcId="0" destId="4" srcOrd="3" destOrd="0"/>
+        <dgm:cxn modelId="13" srcId="1" destId="11" srcOrd="0" destOrd="0"/>
+        <dgm:cxn modelId="23" srcId="2" destId="21" srcOrd="0" destOrd="0"/>
+        <dgm:cxn modelId="33" srcId="3" destId="31" srcOrd="0" destOrd="0"/>
+        <dgm:cxn modelId="43" srcId="4" destId="41" srcOrd="0" destOrd="0"/>
+      </dgm:cxnLst>
+      <dgm:bg/>
+      <dgm:whole/>
+    </dgm:dataModel>
+  </dgm:clrData>
+  <dgm:layoutNode name="Name0">
+    <dgm:varLst>
+      <dgm:dir/>
+      <dgm:animLvl val="lvl"/>
+      <dgm:resizeHandles val="exact"/>
+    </dgm:varLst>
+    <dgm:alg type="lin">
+      <dgm:param type="linDir" val="fromB"/>
+    </dgm:alg>
+    <dgm:shape xmlns:r="http://schemas.openxmlformats.org/officeDocument/2006/relationships" r:blip="">
+      <dgm:adjLst/>
+    </dgm:shape>
+    <dgm:presOf/>
+    <dgm:constrLst>
+      <dgm:constr type="h" for="ch" forName="boxAndChildren" refType="h"/>
+      <dgm:constr type="h" for="ch" forName="arrowAndChildren" refType="h" refFor="ch" refForName="boxAndChildren" op="equ" fact="1.538"/>
+      <dgm:constr type="w" for="ch" forName="arrowAndChildren" refType="w"/>
+      <dgm:constr type="w" for="ch" forName="boxAndChildren" refType="w"/>
+      <dgm:constr type="h" for="ch" forName="sp" refType="h" fact="-0.015"/>
+      <dgm:constr type="primFontSz" for="des" forName="parentTextBox" val="65"/>
+      <dgm:constr type="primFontSz" for="des" forName="parentTextArrow" refType="primFontSz" refFor="des" refForName="parentTextBox" op="equ"/>
+      <dgm:constr type="primFontSz" for="des" forName="childTextArrow" val="65"/>
+      <dgm:constr type="primFontSz" for="des" forName="childTextBox" refType="primFontSz" refFor="des" refForName="childTextArrow" op="equ"/>
+    </dgm:constrLst>
+    <dgm:ruleLst/>
+    <dgm:forEach name="Name1" axis="ch" ptType="node" st="-1" step="-1">
+      <dgm:choose name="Name2">
+        <dgm:if name="Name3" axis="self" ptType="node" func="revPos" op="equ" val="1">
+          <dgm:layoutNode name="boxAndChildren">
+            <dgm:alg type="composite"/>
+            <dgm:shape xmlns:r="http://schemas.openxmlformats.org/officeDocument/2006/relationships" r:blip="">
+              <dgm:adjLst/>
+            </dgm:shape>
+            <dgm:presOf/>
+            <dgm:choose name="Name4">
+              <dgm:if name="Name5" axis="ch" ptType="node" func="cnt" op="gte" val="1">
+                <dgm:constrLst>
+                  <dgm:constr type="w" for="ch" forName="parentTextBox" refType="w"/>
+                  <dgm:constr type="h" for="ch" forName="parentTextBox" refType="h" fact="0.54"/>
+                  <dgm:constr type="t" for="ch" forName="parentTextBox"/>
+                  <dgm:constr type="w" for="ch" forName="entireBox" refType="w"/>
+                  <dgm:constr type="h" for="ch" forName="entireBox" refType="h"/>
+                  <dgm:constr type="w" for="ch" forName="descendantBox" refType="w"/>
+                  <dgm:constr type="b" for="ch" forName="descendantBox" refType="h" fact="0.98"/>
+                  <dgm:constr type="h" for="ch" forName="descendantBox" refType="h" fact="0.46"/>
+                </dgm:constrLst>
+              </dgm:if>
+              <dgm:else name="Name6">
+                <dgm:constrLst>
+                  <dgm:constr type="w" for="ch" forName="parentTextBox" refType="w"/>
+                  <dgm:constr type="h" for="ch" forName="parentTextBox" refType="h"/>
+                </dgm:constrLst>
+              </dgm:else>
+            </dgm:choose>
+            <dgm:ruleLst/>
+            <dgm:layoutNode name="parentTextBox">
+              <dgm:alg type="tx"/>
+              <dgm:choose name="Name7">
+                <dgm:if name="Name8" axis="ch" ptType="node" func="cnt" op="gte" val="1">
+                  <dgm:shape xmlns:r="http://schemas.openxmlformats.org/officeDocument/2006/relationships" type="rect" r:blip="" zOrderOff="1" hideGeom="1">
+                    <dgm:adjLst/>
+                  </dgm:shape>
+                </dgm:if>
+                <dgm:else name="Name9">
+                  <dgm:shape xmlns:r="http://schemas.openxmlformats.org/officeDocument/2006/relationships" type="rect" r:blip="">
+                    <dgm:adjLst/>
+                  </dgm:shape>
+                </dgm:else>
+              </dgm:choose>
+              <dgm:presOf axis="self"/>
+              <dgm:constrLst/>
+              <dgm:ruleLst>
+                <dgm:rule type="primFontSz" val="5" fact="NaN" max="NaN"/>
+              </dgm:ruleLst>
+            </dgm:layoutNode>
+            <dgm:choose name="Name10">
+              <dgm:if name="Name11" axis="ch" ptType="node" func="cnt" op="gte" val="1">
+                <dgm:layoutNode name="entireBox">
+                  <dgm:alg type="sp"/>
+                  <dgm:shape xmlns:r="http://schemas.openxmlformats.org/officeDocument/2006/relationships" type="rect" r:blip="">
+                    <dgm:adjLst/>
+                  </dgm:shape>
+                  <dgm:presOf axis="self"/>
+                  <dgm:constrLst/>
+                  <dgm:ruleLst/>
+                </dgm:layoutNode>
+                <dgm:layoutNode name="descendantBox" styleLbl="fgAccFollowNode1">
+                  <dgm:choose name="Name12">
+                    <dgm:if name="Name13" func="var" arg="dir" op="equ" val="norm">
+                      <dgm:alg type="lin"/>
+                    </dgm:if>
+                    <dgm:else name="Name14">
+                      <dgm:alg type="lin">
+                        <dgm:param type="linDir" val="fromR"/>
+                      </dgm:alg>
+                    </dgm:else>
+                  </dgm:choose>
+                  <dgm:shape xmlns:r="http://schemas.openxmlformats.org/officeDocument/2006/relationships" r:blip="">
+                    <dgm:adjLst/>
+                  </dgm:shape>
+                  <dgm:presOf/>
+                  <dgm:constrLst>
+                    <dgm:constr type="w" for="ch" forName="childTextBox" refType="w"/>
+                    <dgm:constr type="h" for="ch" forName="childTextBox" refType="h"/>
+                  </dgm:constrLst>
+                  <dgm:ruleLst/>
+                  <dgm:forEach name="Name15" axis="ch" ptType="node">
+                    <dgm:layoutNode name="childTextBox" styleLbl="fgAccFollowNode1">
+                      <dgm:varLst>
+                        <dgm:bulletEnabled val="1"/>
+                      </dgm:varLst>
+                      <dgm:alg type="tx"/>
+                      <dgm:shape xmlns:r="http://schemas.openxmlformats.org/officeDocument/2006/relationships" type="rect" r:blip="">
+                        <dgm:adjLst/>
+                      </dgm:shape>
+                      <dgm:presOf axis="desOrSelf" ptType="node"/>
+                      <dgm:constrLst>
+                        <dgm:constr type="tMarg" refType="primFontSz" fact="0.1"/>
+                        <dgm:constr type="bMarg" refType="primFontSz" fact="0.1"/>
+                      </dgm:constrLst>
+                      <dgm:ruleLst>
+                        <dgm:rule type="primFontSz" val="5" fact="NaN" max="NaN"/>
+                      </dgm:ruleLst>
+                    </dgm:layoutNode>
+                  </dgm:forEach>
+                </dgm:layoutNode>
+              </dgm:if>
+              <dgm:else name="Name16"/>
+            </dgm:choose>
+          </dgm:layoutNode>
+        </dgm:if>
+        <dgm:else name="Name17">
+          <dgm:layoutNode name="arrowAndChildren">
+            <dgm:alg type="composite"/>
+            <dgm:shape xmlns:r="http://schemas.openxmlformats.org/officeDocument/2006/relationships" r:blip="">
+              <dgm:adjLst/>
+            </dgm:shape>
+            <dgm:presOf/>
+            <dgm:choose name="Name18">
+              <dgm:if name="Name19" axis="ch" ptType="node" func="cnt" op="gte" val="1">
+                <dgm:constrLst>
+                  <dgm:constr type="w" for="ch" forName="parentTextArrow" refType="w"/>
+                  <dgm:constr type="t" for="ch" forName="parentTextArrow"/>
+                  <dgm:constr type="h" for="ch" forName="parentTextArrow" refType="h" fact="0.351"/>
+                  <dgm:constr type="w" for="ch" forName="arrow" refType="w"/>
+                  <dgm:constr type="h" for="ch" forName="arrow" refType="h"/>
+                  <dgm:constr type="w" for="ch" forName="descendantArrow" refType="w"/>
+                  <dgm:constr type="b" for="ch" forName="descendantArrow" refType="h" fact="0.65"/>
+                  <dgm:constr type="h" for="ch" forName="descendantArrow" refType="h" fact="0.299"/>
+                </dgm:constrLst>
+              </dgm:if>
+              <dgm:else name="Name20">
+                <dgm:constrLst>
+                  <dgm:constr type="w" for="ch" forName="parentTextArrow" refType="w"/>
+                  <dgm:constr type="h" for="ch" forName="parentTextArrow" refType="h"/>
+                </dgm:constrLst>
+              </dgm:else>
+            </dgm:choose>
+            <dgm:ruleLst/>
+            <dgm:layoutNode name="parentTextArrow">
+              <dgm:alg type="tx"/>
+              <dgm:choose name="Name21">
+                <dgm:if name="Name22" axis="ch" ptType="node" func="cnt" op="gte" val="1">
+                  <dgm:shape xmlns:r="http://schemas.openxmlformats.org/officeDocument/2006/relationships" type="rect" r:blip="" zOrderOff="1" hideGeom="1">
+                    <dgm:adjLst/>
+                  </dgm:shape>
+                </dgm:if>
+                <dgm:else name="Name23">
+                  <dgm:shape xmlns:r="http://schemas.openxmlformats.org/officeDocument/2006/relationships" rot="180" type="upArrowCallout" r:blip="">
+                    <dgm:adjLst/>
+                  </dgm:shape>
+                </dgm:else>
+              </dgm:choose>
+              <dgm:presOf axis="self"/>
+              <dgm:constrLst/>
+              <dgm:ruleLst>
+                <dgm:rule type="primFontSz" val="5" fact="NaN" max="NaN"/>
+              </dgm:ruleLst>
+            </dgm:layoutNode>
+            <dgm:choose name="Name24">
+              <dgm:if name="Name25" axis="ch" ptType="node" func="cnt" op="gte" val="1">
+                <dgm:layoutNode name="arrow">
+                  <dgm:alg type="sp"/>
+                  <dgm:shape xmlns:r="http://schemas.openxmlformats.org/officeDocument/2006/relationships" rot="180" type="upArrowCallout" r:blip="">
+                    <dgm:adjLst/>
+                  </dgm:shape>
+                  <dgm:presOf axis="self"/>
+                  <dgm:constrLst/>
+                  <dgm:ruleLst/>
+                </dgm:layoutNode>
+                <dgm:layoutNode name="descendantArrow">
+                  <dgm:choose name="Name26">
+                    <dgm:if name="Name27" func="var" arg="dir" op="equ" val="norm">
+                      <dgm:alg type="lin"/>
+                    </dgm:if>
+                    <dgm:else name="Name28">
+                      <dgm:alg type="lin">
+                        <dgm:param type="linDir" val="fromR"/>
+                      </dgm:alg>
+                    </dgm:else>
+                  </dgm:choose>
+                  <dgm:shape xmlns:r="http://schemas.openxmlformats.org/officeDocument/2006/relationships" r:blip="">
+                    <dgm:adjLst/>
+                  </dgm:shape>
+                  <dgm:presOf/>
+                  <dgm:constrLst>
+                    <dgm:constr type="w" for="ch" forName="childTextArrow" refType="w"/>
+                    <dgm:constr type="h" for="ch" forName="childTextArrow" refType="h"/>
+                  </dgm:constrLst>
+                  <dgm:ruleLst/>
+                  <dgm:forEach name="Name29" axis="ch" ptType="node">
+                    <dgm:layoutNode name="childTextArrow" styleLbl="fgAccFollowNode1">
+                      <dgm:varLst>
+                        <dgm:bulletEnabled val="1"/>
+                      </dgm:varLst>
+                      <dgm:alg type="tx"/>
+                      <dgm:shape xmlns:r="http://schemas.openxmlformats.org/officeDocument/2006/relationships" type="rect" r:blip="">
+                        <dgm:adjLst/>
+                      </dgm:shape>
+                      <dgm:presOf axis="desOrSelf" ptType="node"/>
+                      <dgm:constrLst>
+                        <dgm:constr type="tMarg" refType="primFontSz" fact="0.1"/>
+                        <dgm:constr type="bMarg" refType="primFontSz" fact="0.1"/>
+                      </dgm:constrLst>
+                      <dgm:ruleLst>
+                        <dgm:rule type="primFontSz" val="5" fact="NaN" max="NaN"/>
+                      </dgm:ruleLst>
+                    </dgm:layoutNode>
+                  </dgm:forEach>
+                </dgm:layoutNode>
+              </dgm:if>
+              <dgm:else name="Name30"/>
+            </dgm:choose>
+          </dgm:layoutNode>
+        </dgm:else>
+      </dgm:choose>
+      <dgm:forEach name="Name31" axis="precedSib" ptType="sibTrans" st="-1" cnt="1">
+        <dgm:layoutNode name="sp">
+          <dgm:alg type="sp"/>
+          <dgm:shape xmlns:r="http://schemas.openxmlformats.org/officeDocument/2006/relationships" r:blip="">
+            <dgm:adjLst/>
+          </dgm:shape>
+          <dgm:presOf axis="self"/>
+          <dgm:constrLst/>
+          <dgm:ruleLst/>
+        </dgm:layoutNode>
+      </dgm:forEach>
+    </dgm:forEach>
+  </dgm:layoutNode>
+</dgm:layoutDef>
+</file>
+
+<file path=ppt/diagrams/layout8.xml><?xml version="1.0" encoding="utf-8"?>
 <dgm:layoutDef xmlns:dgm="http://schemas.openxmlformats.org/drawingml/2006/diagram" xmlns:a="http://schemas.openxmlformats.org/drawingml/2006/main" uniqueId="urn:microsoft.com/office/officeart/2005/8/layout/hierarchy4">
   <dgm:title val=""/>
   <dgm:desc val=""/>
@@ -21035,6 +24911,1040 @@
 </dgm:styleDef>
 </file>
 
+<file path=ppt/diagrams/quickStyle8.xml><?xml version="1.0" encoding="utf-8"?>
+<dgm:styleDef xmlns:dgm="http://schemas.openxmlformats.org/drawingml/2006/diagram" xmlns:a="http://schemas.openxmlformats.org/drawingml/2006/main" uniqueId="urn:microsoft.com/office/officeart/2005/8/quickstyle/simple1">
+  <dgm:title val=""/>
+  <dgm:desc val=""/>
+  <dgm:catLst>
+    <dgm:cat type="simple" pri="10100"/>
+  </dgm:catLst>
+  <dgm:scene3d>
+    <a:camera prst="orthographicFront"/>
+    <a:lightRig rig="threePt" dir="t"/>
+  </dgm:scene3d>
+  <dgm:styleLbl name="node0">
+    <dgm:scene3d>
+      <a:camera prst="orthographicFront"/>
+      <a:lightRig rig="threePt" dir="t"/>
+    </dgm:scene3d>
+    <dgm:sp3d/>
+    <dgm:txPr/>
+    <dgm:style>
+      <a:lnRef idx="2">
+        <a:scrgbClr r="0" g="0" b="0"/>
+      </a:lnRef>
+      <a:fillRef idx="1">
+        <a:scrgbClr r="0" g="0" b="0"/>
+      </a:fillRef>
+      <a:effectRef idx="0">
+        <a:scrgbClr r="0" g="0" b="0"/>
+      </a:effectRef>
+      <a:fontRef idx="minor">
+        <a:schemeClr val="lt1"/>
+      </a:fontRef>
+    </dgm:style>
+  </dgm:styleLbl>
+  <dgm:styleLbl name="lnNode1">
+    <dgm:scene3d>
+      <a:camera prst="orthographicFront"/>
+      <a:lightRig rig="threePt" dir="t"/>
+    </dgm:scene3d>
+    <dgm:sp3d/>
+    <dgm:txPr/>
+    <dgm:style>
+      <a:lnRef idx="2">
+        <a:scrgbClr r="0" g="0" b="0"/>
+      </a:lnRef>
+      <a:fillRef idx="1">
+        <a:scrgbClr r="0" g="0" b="0"/>
+      </a:fillRef>
+      <a:effectRef idx="0">
+        <a:scrgbClr r="0" g="0" b="0"/>
+      </a:effectRef>
+      <a:fontRef idx="minor">
+        <a:schemeClr val="lt1"/>
+      </a:fontRef>
+    </dgm:style>
+  </dgm:styleLbl>
+  <dgm:styleLbl name="vennNode1">
+    <dgm:scene3d>
+      <a:camera prst="orthographicFront"/>
+      <a:lightRig rig="threePt" dir="t"/>
+    </dgm:scene3d>
+    <dgm:sp3d/>
+    <dgm:txPr/>
+    <dgm:style>
+      <a:lnRef idx="2">
+        <a:scrgbClr r="0" g="0" b="0"/>
+      </a:lnRef>
+      <a:fillRef idx="1">
+        <a:scrgbClr r="0" g="0" b="0"/>
+      </a:fillRef>
+      <a:effectRef idx="0">
+        <a:scrgbClr r="0" g="0" b="0"/>
+      </a:effectRef>
+      <a:fontRef idx="minor">
+        <a:schemeClr val="tx1"/>
+      </a:fontRef>
+    </dgm:style>
+  </dgm:styleLbl>
+  <dgm:styleLbl name="alignNode1">
+    <dgm:scene3d>
+      <a:camera prst="orthographicFront"/>
+      <a:lightRig rig="threePt" dir="t"/>
+    </dgm:scene3d>
+    <dgm:sp3d/>
+    <dgm:txPr/>
+    <dgm:style>
+      <a:lnRef idx="2">
+        <a:scrgbClr r="0" g="0" b="0"/>
+      </a:lnRef>
+      <a:fillRef idx="1">
+        <a:scrgbClr r="0" g="0" b="0"/>
+      </a:fillRef>
+      <a:effectRef idx="0">
+        <a:scrgbClr r="0" g="0" b="0"/>
+      </a:effectRef>
+      <a:fontRef idx="minor">
+        <a:schemeClr val="lt1"/>
+      </a:fontRef>
+    </dgm:style>
+  </dgm:styleLbl>
+  <dgm:styleLbl name="node1">
+    <dgm:scene3d>
+      <a:camera prst="orthographicFront"/>
+      <a:lightRig rig="threePt" dir="t"/>
+    </dgm:scene3d>
+    <dgm:sp3d/>
+    <dgm:txPr/>
+    <dgm:style>
+      <a:lnRef idx="2">
+        <a:scrgbClr r="0" g="0" b="0"/>
+      </a:lnRef>
+      <a:fillRef idx="1">
+        <a:scrgbClr r="0" g="0" b="0"/>
+      </a:fillRef>
+      <a:effectRef idx="0">
+        <a:scrgbClr r="0" g="0" b="0"/>
+      </a:effectRef>
+      <a:fontRef idx="minor">
+        <a:schemeClr val="lt1"/>
+      </a:fontRef>
+    </dgm:style>
+  </dgm:styleLbl>
+  <dgm:styleLbl name="node2">
+    <dgm:scene3d>
+      <a:camera prst="orthographicFront"/>
+      <a:lightRig rig="threePt" dir="t"/>
+    </dgm:scene3d>
+    <dgm:sp3d/>
+    <dgm:txPr/>
+    <dgm:style>
+      <a:lnRef idx="2">
+        <a:scrgbClr r="0" g="0" b="0"/>
+      </a:lnRef>
+      <a:fillRef idx="1">
+        <a:scrgbClr r="0" g="0" b="0"/>
+      </a:fillRef>
+      <a:effectRef idx="0">
+        <a:scrgbClr r="0" g="0" b="0"/>
+      </a:effectRef>
+      <a:fontRef idx="minor">
+        <a:schemeClr val="lt1"/>
+      </a:fontRef>
+    </dgm:style>
+  </dgm:styleLbl>
+  <dgm:styleLbl name="node3">
+    <dgm:scene3d>
+      <a:camera prst="orthographicFront"/>
+      <a:lightRig rig="threePt" dir="t"/>
+    </dgm:scene3d>
+    <dgm:sp3d/>
+    <dgm:txPr/>
+    <dgm:style>
+      <a:lnRef idx="2">
+        <a:scrgbClr r="0" g="0" b="0"/>
+      </a:lnRef>
+      <a:fillRef idx="1">
+        <a:scrgbClr r="0" g="0" b="0"/>
+      </a:fillRef>
+      <a:effectRef idx="0">
+        <a:scrgbClr r="0" g="0" b="0"/>
+      </a:effectRef>
+      <a:fontRef idx="minor">
+        <a:schemeClr val="lt1"/>
+      </a:fontRef>
+    </dgm:style>
+  </dgm:styleLbl>
+  <dgm:styleLbl name="node4">
+    <dgm:scene3d>
+      <a:camera prst="orthographicFront"/>
+      <a:lightRig rig="threePt" dir="t"/>
+    </dgm:scene3d>
+    <dgm:sp3d/>
+    <dgm:txPr/>
+    <dgm:style>
+      <a:lnRef idx="2">
+        <a:scrgbClr r="0" g="0" b="0"/>
+      </a:lnRef>
+      <a:fillRef idx="1">
+        <a:scrgbClr r="0" g="0" b="0"/>
+      </a:fillRef>
+      <a:effectRef idx="0">
+        <a:scrgbClr r="0" g="0" b="0"/>
+      </a:effectRef>
+      <a:fontRef idx="minor">
+        <a:schemeClr val="lt1"/>
+      </a:fontRef>
+    </dgm:style>
+  </dgm:styleLbl>
+  <dgm:styleLbl name="fgImgPlace1">
+    <dgm:scene3d>
+      <a:camera prst="orthographicFront"/>
+      <a:lightRig rig="threePt" dir="t"/>
+    </dgm:scene3d>
+    <dgm:sp3d/>
+    <dgm:txPr/>
+    <dgm:style>
+      <a:lnRef idx="2">
+        <a:scrgbClr r="0" g="0" b="0"/>
+      </a:lnRef>
+      <a:fillRef idx="1">
+        <a:scrgbClr r="0" g="0" b="0"/>
+      </a:fillRef>
+      <a:effectRef idx="0">
+        <a:scrgbClr r="0" g="0" b="0"/>
+      </a:effectRef>
+      <a:fontRef idx="minor"/>
+    </dgm:style>
+  </dgm:styleLbl>
+  <dgm:styleLbl name="alignImgPlace1">
+    <dgm:scene3d>
+      <a:camera prst="orthographicFront"/>
+      <a:lightRig rig="threePt" dir="t"/>
+    </dgm:scene3d>
+    <dgm:sp3d/>
+    <dgm:txPr/>
+    <dgm:style>
+      <a:lnRef idx="2">
+        <a:scrgbClr r="0" g="0" b="0"/>
+      </a:lnRef>
+      <a:fillRef idx="1">
+        <a:scrgbClr r="0" g="0" b="0"/>
+      </a:fillRef>
+      <a:effectRef idx="0">
+        <a:scrgbClr r="0" g="0" b="0"/>
+      </a:effectRef>
+      <a:fontRef idx="minor"/>
+    </dgm:style>
+  </dgm:styleLbl>
+  <dgm:styleLbl name="bgImgPlace1">
+    <dgm:scene3d>
+      <a:camera prst="orthographicFront"/>
+      <a:lightRig rig="threePt" dir="t"/>
+    </dgm:scene3d>
+    <dgm:sp3d/>
+    <dgm:txPr/>
+    <dgm:style>
+      <a:lnRef idx="2">
+        <a:scrgbClr r="0" g="0" b="0"/>
+      </a:lnRef>
+      <a:fillRef idx="1">
+        <a:scrgbClr r="0" g="0" b="0"/>
+      </a:fillRef>
+      <a:effectRef idx="0">
+        <a:scrgbClr r="0" g="0" b="0"/>
+      </a:effectRef>
+      <a:fontRef idx="minor"/>
+    </dgm:style>
+  </dgm:styleLbl>
+  <dgm:styleLbl name="sibTrans2D1">
+    <dgm:scene3d>
+      <a:camera prst="orthographicFront"/>
+      <a:lightRig rig="threePt" dir="t"/>
+    </dgm:scene3d>
+    <dgm:sp3d/>
+    <dgm:txPr/>
+    <dgm:style>
+      <a:lnRef idx="0">
+        <a:scrgbClr r="0" g="0" b="0"/>
+      </a:lnRef>
+      <a:fillRef idx="1">
+        <a:scrgbClr r="0" g="0" b="0"/>
+      </a:fillRef>
+      <a:effectRef idx="0">
+        <a:scrgbClr r="0" g="0" b="0"/>
+      </a:effectRef>
+      <a:fontRef idx="minor">
+        <a:schemeClr val="lt1"/>
+      </a:fontRef>
+    </dgm:style>
+  </dgm:styleLbl>
+  <dgm:styleLbl name="fgSibTrans2D1">
+    <dgm:scene3d>
+      <a:camera prst="orthographicFront"/>
+      <a:lightRig rig="threePt" dir="t"/>
+    </dgm:scene3d>
+    <dgm:sp3d/>
+    <dgm:txPr/>
+    <dgm:style>
+      <a:lnRef idx="0">
+        <a:scrgbClr r="0" g="0" b="0"/>
+      </a:lnRef>
+      <a:fillRef idx="1">
+        <a:scrgbClr r="0" g="0" b="0"/>
+      </a:fillRef>
+      <a:effectRef idx="0">
+        <a:scrgbClr r="0" g="0" b="0"/>
+      </a:effectRef>
+      <a:fontRef idx="minor">
+        <a:schemeClr val="lt1"/>
+      </a:fontRef>
+    </dgm:style>
+  </dgm:styleLbl>
+  <dgm:styleLbl name="bgSibTrans2D1">
+    <dgm:scene3d>
+      <a:camera prst="orthographicFront"/>
+      <a:lightRig rig="threePt" dir="t"/>
+    </dgm:scene3d>
+    <dgm:sp3d/>
+    <dgm:txPr/>
+    <dgm:style>
+      <a:lnRef idx="0">
+        <a:scrgbClr r="0" g="0" b="0"/>
+      </a:lnRef>
+      <a:fillRef idx="1">
+        <a:scrgbClr r="0" g="0" b="0"/>
+      </a:fillRef>
+      <a:effectRef idx="0">
+        <a:scrgbClr r="0" g="0" b="0"/>
+      </a:effectRef>
+      <a:fontRef idx="minor">
+        <a:schemeClr val="lt1"/>
+      </a:fontRef>
+    </dgm:style>
+  </dgm:styleLbl>
+  <dgm:styleLbl name="sibTrans1D1">
+    <dgm:scene3d>
+      <a:camera prst="orthographicFront"/>
+      <a:lightRig rig="threePt" dir="t"/>
+    </dgm:scene3d>
+    <dgm:sp3d/>
+    <dgm:txPr/>
+    <dgm:style>
+      <a:lnRef idx="1">
+        <a:scrgbClr r="0" g="0" b="0"/>
+      </a:lnRef>
+      <a:fillRef idx="0">
+        <a:scrgbClr r="0" g="0" b="0"/>
+      </a:fillRef>
+      <a:effectRef idx="0">
+        <a:scrgbClr r="0" g="0" b="0"/>
+      </a:effectRef>
+      <a:fontRef idx="minor"/>
+    </dgm:style>
+  </dgm:styleLbl>
+  <dgm:styleLbl name="callout">
+    <dgm:scene3d>
+      <a:camera prst="orthographicFront"/>
+      <a:lightRig rig="threePt" dir="t"/>
+    </dgm:scene3d>
+    <dgm:sp3d/>
+    <dgm:txPr/>
+    <dgm:style>
+      <a:lnRef idx="2">
+        <a:scrgbClr r="0" g="0" b="0"/>
+      </a:lnRef>
+      <a:fillRef idx="1">
+        <a:scrgbClr r="0" g="0" b="0"/>
+      </a:fillRef>
+      <a:effectRef idx="0">
+        <a:scrgbClr r="0" g="0" b="0"/>
+      </a:effectRef>
+      <a:fontRef idx="minor"/>
+    </dgm:style>
+  </dgm:styleLbl>
+  <dgm:styleLbl name="asst0">
+    <dgm:scene3d>
+      <a:camera prst="orthographicFront"/>
+      <a:lightRig rig="threePt" dir="t"/>
+    </dgm:scene3d>
+    <dgm:sp3d/>
+    <dgm:txPr/>
+    <dgm:style>
+      <a:lnRef idx="2">
+        <a:scrgbClr r="0" g="0" b="0"/>
+      </a:lnRef>
+      <a:fillRef idx="1">
+        <a:scrgbClr r="0" g="0" b="0"/>
+      </a:fillRef>
+      <a:effectRef idx="0">
+        <a:scrgbClr r="0" g="0" b="0"/>
+      </a:effectRef>
+      <a:fontRef idx="minor">
+        <a:schemeClr val="lt1"/>
+      </a:fontRef>
+    </dgm:style>
+  </dgm:styleLbl>
+  <dgm:styleLbl name="asst1">
+    <dgm:scene3d>
+      <a:camera prst="orthographicFront"/>
+      <a:lightRig rig="threePt" dir="t"/>
+    </dgm:scene3d>
+    <dgm:sp3d/>
+    <dgm:txPr/>
+    <dgm:style>
+      <a:lnRef idx="2">
+        <a:scrgbClr r="0" g="0" b="0"/>
+      </a:lnRef>
+      <a:fillRef idx="1">
+        <a:scrgbClr r="0" g="0" b="0"/>
+      </a:fillRef>
+      <a:effectRef idx="0">
+        <a:scrgbClr r="0" g="0" b="0"/>
+      </a:effectRef>
+      <a:fontRef idx="minor">
+        <a:schemeClr val="lt1"/>
+      </a:fontRef>
+    </dgm:style>
+  </dgm:styleLbl>
+  <dgm:styleLbl name="asst2">
+    <dgm:scene3d>
+      <a:camera prst="orthographicFront"/>
+      <a:lightRig rig="threePt" dir="t"/>
+    </dgm:scene3d>
+    <dgm:sp3d/>
+    <dgm:txPr/>
+    <dgm:style>
+      <a:lnRef idx="2">
+        <a:scrgbClr r="0" g="0" b="0"/>
+      </a:lnRef>
+      <a:fillRef idx="1">
+        <a:scrgbClr r="0" g="0" b="0"/>
+      </a:fillRef>
+      <a:effectRef idx="0">
+        <a:scrgbClr r="0" g="0" b="0"/>
+      </a:effectRef>
+      <a:fontRef idx="minor">
+        <a:schemeClr val="lt1"/>
+      </a:fontRef>
+    </dgm:style>
+  </dgm:styleLbl>
+  <dgm:styleLbl name="asst3">
+    <dgm:scene3d>
+      <a:camera prst="orthographicFront"/>
+      <a:lightRig rig="threePt" dir="t"/>
+    </dgm:scene3d>
+    <dgm:sp3d/>
+    <dgm:txPr/>
+    <dgm:style>
+      <a:lnRef idx="2">
+        <a:scrgbClr r="0" g="0" b="0"/>
+      </a:lnRef>
+      <a:fillRef idx="1">
+        <a:scrgbClr r="0" g="0" b="0"/>
+      </a:fillRef>
+      <a:effectRef idx="0">
+        <a:scrgbClr r="0" g="0" b="0"/>
+      </a:effectRef>
+      <a:fontRef idx="minor">
+        <a:schemeClr val="lt1"/>
+      </a:fontRef>
+    </dgm:style>
+  </dgm:styleLbl>
+  <dgm:styleLbl name="asst4">
+    <dgm:scene3d>
+      <a:camera prst="orthographicFront"/>
+      <a:lightRig rig="threePt" dir="t"/>
+    </dgm:scene3d>
+    <dgm:sp3d/>
+    <dgm:txPr/>
+    <dgm:style>
+      <a:lnRef idx="2">
+        <a:scrgbClr r="0" g="0" b="0"/>
+      </a:lnRef>
+      <a:fillRef idx="1">
+        <a:scrgbClr r="0" g="0" b="0"/>
+      </a:fillRef>
+      <a:effectRef idx="0">
+        <a:scrgbClr r="0" g="0" b="0"/>
+      </a:effectRef>
+      <a:fontRef idx="minor">
+        <a:schemeClr val="lt1"/>
+      </a:fontRef>
+    </dgm:style>
+  </dgm:styleLbl>
+  <dgm:styleLbl name="parChTrans2D1">
+    <dgm:scene3d>
+      <a:camera prst="orthographicFront"/>
+      <a:lightRig rig="threePt" dir="t"/>
+    </dgm:scene3d>
+    <dgm:sp3d/>
+    <dgm:txPr/>
+    <dgm:style>
+      <a:lnRef idx="2">
+        <a:scrgbClr r="0" g="0" b="0"/>
+      </a:lnRef>
+      <a:fillRef idx="1">
+        <a:scrgbClr r="0" g="0" b="0"/>
+      </a:fillRef>
+      <a:effectRef idx="0">
+        <a:scrgbClr r="0" g="0" b="0"/>
+      </a:effectRef>
+      <a:fontRef idx="minor">
+        <a:schemeClr val="lt1"/>
+      </a:fontRef>
+    </dgm:style>
+  </dgm:styleLbl>
+  <dgm:styleLbl name="parChTrans2D2">
+    <dgm:scene3d>
+      <a:camera prst="orthographicFront"/>
+      <a:lightRig rig="threePt" dir="t"/>
+    </dgm:scene3d>
+    <dgm:sp3d/>
+    <dgm:txPr/>
+    <dgm:style>
+      <a:lnRef idx="2">
+        <a:scrgbClr r="0" g="0" b="0"/>
+      </a:lnRef>
+      <a:fillRef idx="1">
+        <a:scrgbClr r="0" g="0" b="0"/>
+      </a:fillRef>
+      <a:effectRef idx="0">
+        <a:scrgbClr r="0" g="0" b="0"/>
+      </a:effectRef>
+      <a:fontRef idx="minor">
+        <a:schemeClr val="lt1"/>
+      </a:fontRef>
+    </dgm:style>
+  </dgm:styleLbl>
+  <dgm:styleLbl name="parChTrans2D3">
+    <dgm:scene3d>
+      <a:camera prst="orthographicFront"/>
+      <a:lightRig rig="threePt" dir="t"/>
+    </dgm:scene3d>
+    <dgm:sp3d/>
+    <dgm:txPr/>
+    <dgm:style>
+      <a:lnRef idx="2">
+        <a:scrgbClr r="0" g="0" b="0"/>
+      </a:lnRef>
+      <a:fillRef idx="1">
+        <a:scrgbClr r="0" g="0" b="0"/>
+      </a:fillRef>
+      <a:effectRef idx="0">
+        <a:scrgbClr r="0" g="0" b="0"/>
+      </a:effectRef>
+      <a:fontRef idx="minor">
+        <a:schemeClr val="lt1"/>
+      </a:fontRef>
+    </dgm:style>
+  </dgm:styleLbl>
+  <dgm:styleLbl name="parChTrans2D4">
+    <dgm:scene3d>
+      <a:camera prst="orthographicFront"/>
+      <a:lightRig rig="threePt" dir="t"/>
+    </dgm:scene3d>
+    <dgm:sp3d/>
+    <dgm:txPr/>
+    <dgm:style>
+      <a:lnRef idx="2">
+        <a:scrgbClr r="0" g="0" b="0"/>
+      </a:lnRef>
+      <a:fillRef idx="1">
+        <a:scrgbClr r="0" g="0" b="0"/>
+      </a:fillRef>
+      <a:effectRef idx="0">
+        <a:scrgbClr r="0" g="0" b="0"/>
+      </a:effectRef>
+      <a:fontRef idx="minor">
+        <a:schemeClr val="lt1"/>
+      </a:fontRef>
+    </dgm:style>
+  </dgm:styleLbl>
+  <dgm:styleLbl name="parChTrans1D1">
+    <dgm:scene3d>
+      <a:camera prst="orthographicFront"/>
+      <a:lightRig rig="threePt" dir="t"/>
+    </dgm:scene3d>
+    <dgm:sp3d/>
+    <dgm:txPr/>
+    <dgm:style>
+      <a:lnRef idx="2">
+        <a:scrgbClr r="0" g="0" b="0"/>
+      </a:lnRef>
+      <a:fillRef idx="0">
+        <a:scrgbClr r="0" g="0" b="0"/>
+      </a:fillRef>
+      <a:effectRef idx="0">
+        <a:scrgbClr r="0" g="0" b="0"/>
+      </a:effectRef>
+      <a:fontRef idx="minor"/>
+    </dgm:style>
+  </dgm:styleLbl>
+  <dgm:styleLbl name="parChTrans1D2">
+    <dgm:scene3d>
+      <a:camera prst="orthographicFront"/>
+      <a:lightRig rig="threePt" dir="t"/>
+    </dgm:scene3d>
+    <dgm:sp3d/>
+    <dgm:txPr/>
+    <dgm:style>
+      <a:lnRef idx="2">
+        <a:scrgbClr r="0" g="0" b="0"/>
+      </a:lnRef>
+      <a:fillRef idx="0">
+        <a:scrgbClr r="0" g="0" b="0"/>
+      </a:fillRef>
+      <a:effectRef idx="0">
+        <a:scrgbClr r="0" g="0" b="0"/>
+      </a:effectRef>
+      <a:fontRef idx="minor"/>
+    </dgm:style>
+  </dgm:styleLbl>
+  <dgm:styleLbl name="parChTrans1D3">
+    <dgm:scene3d>
+      <a:camera prst="orthographicFront"/>
+      <a:lightRig rig="threePt" dir="t"/>
+    </dgm:scene3d>
+    <dgm:sp3d/>
+    <dgm:txPr/>
+    <dgm:style>
+      <a:lnRef idx="2">
+        <a:scrgbClr r="0" g="0" b="0"/>
+      </a:lnRef>
+      <a:fillRef idx="0">
+        <a:scrgbClr r="0" g="0" b="0"/>
+      </a:fillRef>
+      <a:effectRef idx="0">
+        <a:scrgbClr r="0" g="0" b="0"/>
+      </a:effectRef>
+      <a:fontRef idx="minor"/>
+    </dgm:style>
+  </dgm:styleLbl>
+  <dgm:styleLbl name="parChTrans1D4">
+    <dgm:scene3d>
+      <a:camera prst="orthographicFront"/>
+      <a:lightRig rig="threePt" dir="t"/>
+    </dgm:scene3d>
+    <dgm:sp3d/>
+    <dgm:txPr/>
+    <dgm:style>
+      <a:lnRef idx="2">
+        <a:scrgbClr r="0" g="0" b="0"/>
+      </a:lnRef>
+      <a:fillRef idx="0">
+        <a:scrgbClr r="0" g="0" b="0"/>
+      </a:fillRef>
+      <a:effectRef idx="0">
+        <a:scrgbClr r="0" g="0" b="0"/>
+      </a:effectRef>
+      <a:fontRef idx="minor"/>
+    </dgm:style>
+  </dgm:styleLbl>
+  <dgm:styleLbl name="fgAcc1">
+    <dgm:scene3d>
+      <a:camera prst="orthographicFront"/>
+      <a:lightRig rig="threePt" dir="t"/>
+    </dgm:scene3d>
+    <dgm:sp3d/>
+    <dgm:txPr/>
+    <dgm:style>
+      <a:lnRef idx="2">
+        <a:scrgbClr r="0" g="0" b="0"/>
+      </a:lnRef>
+      <a:fillRef idx="1">
+        <a:scrgbClr r="0" g="0" b="0"/>
+      </a:fillRef>
+      <a:effectRef idx="0">
+        <a:scrgbClr r="0" g="0" b="0"/>
+      </a:effectRef>
+      <a:fontRef idx="minor"/>
+    </dgm:style>
+  </dgm:styleLbl>
+  <dgm:styleLbl name="conFgAcc1">
+    <dgm:scene3d>
+      <a:camera prst="orthographicFront"/>
+      <a:lightRig rig="threePt" dir="t"/>
+    </dgm:scene3d>
+    <dgm:sp3d/>
+    <dgm:txPr/>
+    <dgm:style>
+      <a:lnRef idx="2">
+        <a:scrgbClr r="0" g="0" b="0"/>
+      </a:lnRef>
+      <a:fillRef idx="1">
+        <a:scrgbClr r="0" g="0" b="0"/>
+      </a:fillRef>
+      <a:effectRef idx="0">
+        <a:scrgbClr r="0" g="0" b="0"/>
+      </a:effectRef>
+      <a:fontRef idx="minor"/>
+    </dgm:style>
+  </dgm:styleLbl>
+  <dgm:styleLbl name="alignAcc1">
+    <dgm:scene3d>
+      <a:camera prst="orthographicFront"/>
+      <a:lightRig rig="threePt" dir="t"/>
+    </dgm:scene3d>
+    <dgm:sp3d/>
+    <dgm:txPr/>
+    <dgm:style>
+      <a:lnRef idx="2">
+        <a:scrgbClr r="0" g="0" b="0"/>
+      </a:lnRef>
+      <a:fillRef idx="1">
+        <a:scrgbClr r="0" g="0" b="0"/>
+      </a:fillRef>
+      <a:effectRef idx="0">
+        <a:scrgbClr r="0" g="0" b="0"/>
+      </a:effectRef>
+      <a:fontRef idx="minor"/>
+    </dgm:style>
+  </dgm:styleLbl>
+  <dgm:styleLbl name="trAlignAcc1">
+    <dgm:scene3d>
+      <a:camera prst="orthographicFront"/>
+      <a:lightRig rig="threePt" dir="t"/>
+    </dgm:scene3d>
+    <dgm:sp3d/>
+    <dgm:txPr/>
+    <dgm:style>
+      <a:lnRef idx="1">
+        <a:scrgbClr r="0" g="0" b="0"/>
+      </a:lnRef>
+      <a:fillRef idx="1">
+        <a:scrgbClr r="0" g="0" b="0"/>
+      </a:fillRef>
+      <a:effectRef idx="0">
+        <a:scrgbClr r="0" g="0" b="0"/>
+      </a:effectRef>
+      <a:fontRef idx="minor"/>
+    </dgm:style>
+  </dgm:styleLbl>
+  <dgm:styleLbl name="bgAcc1">
+    <dgm:scene3d>
+      <a:camera prst="orthographicFront"/>
+      <a:lightRig rig="threePt" dir="t"/>
+    </dgm:scene3d>
+    <dgm:sp3d/>
+    <dgm:txPr/>
+    <dgm:style>
+      <a:lnRef idx="2">
+        <a:scrgbClr r="0" g="0" b="0"/>
+      </a:lnRef>
+      <a:fillRef idx="1">
+        <a:scrgbClr r="0" g="0" b="0"/>
+      </a:fillRef>
+      <a:effectRef idx="0">
+        <a:scrgbClr r="0" g="0" b="0"/>
+      </a:effectRef>
+      <a:fontRef idx="minor"/>
+    </dgm:style>
+  </dgm:styleLbl>
+  <dgm:styleLbl name="solidFgAcc1">
+    <dgm:scene3d>
+      <a:camera prst="orthographicFront"/>
+      <a:lightRig rig="threePt" dir="t"/>
+    </dgm:scene3d>
+    <dgm:sp3d/>
+    <dgm:txPr/>
+    <dgm:style>
+      <a:lnRef idx="2">
+        <a:scrgbClr r="0" g="0" b="0"/>
+      </a:lnRef>
+      <a:fillRef idx="1">
+        <a:scrgbClr r="0" g="0" b="0"/>
+      </a:fillRef>
+      <a:effectRef idx="0">
+        <a:scrgbClr r="0" g="0" b="0"/>
+      </a:effectRef>
+      <a:fontRef idx="minor"/>
+    </dgm:style>
+  </dgm:styleLbl>
+  <dgm:styleLbl name="solidAlignAcc1">
+    <dgm:scene3d>
+      <a:camera prst="orthographicFront"/>
+      <a:lightRig rig="threePt" dir="t"/>
+    </dgm:scene3d>
+    <dgm:sp3d/>
+    <dgm:txPr/>
+    <dgm:style>
+      <a:lnRef idx="2">
+        <a:scrgbClr r="0" g="0" b="0"/>
+      </a:lnRef>
+      <a:fillRef idx="1">
+        <a:scrgbClr r="0" g="0" b="0"/>
+      </a:fillRef>
+      <a:effectRef idx="0">
+        <a:scrgbClr r="0" g="0" b="0"/>
+      </a:effectRef>
+      <a:fontRef idx="minor"/>
+    </dgm:style>
+  </dgm:styleLbl>
+  <dgm:styleLbl name="solidBgAcc1">
+    <dgm:scene3d>
+      <a:camera prst="orthographicFront"/>
+      <a:lightRig rig="threePt" dir="t"/>
+    </dgm:scene3d>
+    <dgm:sp3d/>
+    <dgm:txPr/>
+    <dgm:style>
+      <a:lnRef idx="2">
+        <a:scrgbClr r="0" g="0" b="0"/>
+      </a:lnRef>
+      <a:fillRef idx="1">
+        <a:scrgbClr r="0" g="0" b="0"/>
+      </a:fillRef>
+      <a:effectRef idx="0">
+        <a:scrgbClr r="0" g="0" b="0"/>
+      </a:effectRef>
+      <a:fontRef idx="minor"/>
+    </dgm:style>
+  </dgm:styleLbl>
+  <dgm:styleLbl name="fgAccFollowNode1">
+    <dgm:scene3d>
+      <a:camera prst="orthographicFront"/>
+      <a:lightRig rig="threePt" dir="t"/>
+    </dgm:scene3d>
+    <dgm:sp3d/>
+    <dgm:txPr/>
+    <dgm:style>
+      <a:lnRef idx="2">
+        <a:scrgbClr r="0" g="0" b="0"/>
+      </a:lnRef>
+      <a:fillRef idx="1">
+        <a:scrgbClr r="0" g="0" b="0"/>
+      </a:fillRef>
+      <a:effectRef idx="0">
+        <a:scrgbClr r="0" g="0" b="0"/>
+      </a:effectRef>
+      <a:fontRef idx="minor"/>
+    </dgm:style>
+  </dgm:styleLbl>
+  <dgm:styleLbl name="alignAccFollowNode1">
+    <dgm:scene3d>
+      <a:camera prst="orthographicFront"/>
+      <a:lightRig rig="threePt" dir="t"/>
+    </dgm:scene3d>
+    <dgm:sp3d/>
+    <dgm:txPr/>
+    <dgm:style>
+      <a:lnRef idx="2">
+        <a:scrgbClr r="0" g="0" b="0"/>
+      </a:lnRef>
+      <a:fillRef idx="1">
+        <a:scrgbClr r="0" g="0" b="0"/>
+      </a:fillRef>
+      <a:effectRef idx="0">
+        <a:scrgbClr r="0" g="0" b="0"/>
+      </a:effectRef>
+      <a:fontRef idx="minor"/>
+    </dgm:style>
+  </dgm:styleLbl>
+  <dgm:styleLbl name="bgAccFollowNode1">
+    <dgm:scene3d>
+      <a:camera prst="orthographicFront"/>
+      <a:lightRig rig="threePt" dir="t"/>
+    </dgm:scene3d>
+    <dgm:sp3d/>
+    <dgm:txPr/>
+    <dgm:style>
+      <a:lnRef idx="2">
+        <a:scrgbClr r="0" g="0" b="0"/>
+      </a:lnRef>
+      <a:fillRef idx="1">
+        <a:scrgbClr r="0" g="0" b="0"/>
+      </a:fillRef>
+      <a:effectRef idx="0">
+        <a:scrgbClr r="0" g="0" b="0"/>
+      </a:effectRef>
+      <a:fontRef idx="minor"/>
+    </dgm:style>
+  </dgm:styleLbl>
+  <dgm:styleLbl name="fgAcc0">
+    <dgm:scene3d>
+      <a:camera prst="orthographicFront"/>
+      <a:lightRig rig="threePt" dir="t"/>
+    </dgm:scene3d>
+    <dgm:sp3d/>
+    <dgm:txPr/>
+    <dgm:style>
+      <a:lnRef idx="2">
+        <a:scrgbClr r="0" g="0" b="0"/>
+      </a:lnRef>
+      <a:fillRef idx="1">
+        <a:scrgbClr r="0" g="0" b="0"/>
+      </a:fillRef>
+      <a:effectRef idx="0">
+        <a:scrgbClr r="0" g="0" b="0"/>
+      </a:effectRef>
+      <a:fontRef idx="minor"/>
+    </dgm:style>
+  </dgm:styleLbl>
+  <dgm:styleLbl name="fgAcc2">
+    <dgm:scene3d>
+      <a:camera prst="orthographicFront"/>
+      <a:lightRig rig="threePt" dir="t"/>
+    </dgm:scene3d>
+    <dgm:sp3d/>
+    <dgm:txPr/>
+    <dgm:style>
+      <a:lnRef idx="2">
+        <a:scrgbClr r="0" g="0" b="0"/>
+      </a:lnRef>
+      <a:fillRef idx="1">
+        <a:scrgbClr r="0" g="0" b="0"/>
+      </a:fillRef>
+      <a:effectRef idx="0">
+        <a:scrgbClr r="0" g="0" b="0"/>
+      </a:effectRef>
+      <a:fontRef idx="minor"/>
+    </dgm:style>
+  </dgm:styleLbl>
+  <dgm:styleLbl name="fgAcc3">
+    <dgm:scene3d>
+      <a:camera prst="orthographicFront"/>
+      <a:lightRig rig="threePt" dir="t"/>
+    </dgm:scene3d>
+    <dgm:sp3d/>
+    <dgm:txPr/>
+    <dgm:style>
+      <a:lnRef idx="2">
+        <a:scrgbClr r="0" g="0" b="0"/>
+      </a:lnRef>
+      <a:fillRef idx="1">
+        <a:scrgbClr r="0" g="0" b="0"/>
+      </a:fillRef>
+      <a:effectRef idx="0">
+        <a:scrgbClr r="0" g="0" b="0"/>
+      </a:effectRef>
+      <a:fontRef idx="minor"/>
+    </dgm:style>
+  </dgm:styleLbl>
+  <dgm:styleLbl name="fgAcc4">
+    <dgm:scene3d>
+      <a:camera prst="orthographicFront"/>
+      <a:lightRig rig="threePt" dir="t"/>
+    </dgm:scene3d>
+    <dgm:sp3d/>
+    <dgm:txPr/>
+    <dgm:style>
+      <a:lnRef idx="2">
+        <a:scrgbClr r="0" g="0" b="0"/>
+      </a:lnRef>
+      <a:fillRef idx="1">
+        <a:scrgbClr r="0" g="0" b="0"/>
+      </a:fillRef>
+      <a:effectRef idx="0">
+        <a:scrgbClr r="0" g="0" b="0"/>
+      </a:effectRef>
+      <a:fontRef idx="minor"/>
+    </dgm:style>
+  </dgm:styleLbl>
+  <dgm:styleLbl name="bgShp">
+    <dgm:scene3d>
+      <a:camera prst="orthographicFront"/>
+      <a:lightRig rig="threePt" dir="t"/>
+    </dgm:scene3d>
+    <dgm:sp3d/>
+    <dgm:txPr/>
+    <dgm:style>
+      <a:lnRef idx="0">
+        <a:scrgbClr r="0" g="0" b="0"/>
+      </a:lnRef>
+      <a:fillRef idx="1">
+        <a:scrgbClr r="0" g="0" b="0"/>
+      </a:fillRef>
+      <a:effectRef idx="0">
+        <a:scrgbClr r="0" g="0" b="0"/>
+      </a:effectRef>
+      <a:fontRef idx="minor"/>
+    </dgm:style>
+  </dgm:styleLbl>
+  <dgm:styleLbl name="dkBgShp">
+    <dgm:scene3d>
+      <a:camera prst="orthographicFront"/>
+      <a:lightRig rig="threePt" dir="t"/>
+    </dgm:scene3d>
+    <dgm:sp3d/>
+    <dgm:txPr/>
+    <dgm:style>
+      <a:lnRef idx="0">
+        <a:scrgbClr r="0" g="0" b="0"/>
+      </a:lnRef>
+      <a:fillRef idx="1">
+        <a:scrgbClr r="0" g="0" b="0"/>
+      </a:fillRef>
+      <a:effectRef idx="0">
+        <a:scrgbClr r="0" g="0" b="0"/>
+      </a:effectRef>
+      <a:fontRef idx="minor"/>
+    </dgm:style>
+  </dgm:styleLbl>
+  <dgm:styleLbl name="trBgShp">
+    <dgm:scene3d>
+      <a:camera prst="orthographicFront"/>
+      <a:lightRig rig="threePt" dir="t"/>
+    </dgm:scene3d>
+    <dgm:sp3d/>
+    <dgm:txPr/>
+    <dgm:style>
+      <a:lnRef idx="0">
+        <a:scrgbClr r="0" g="0" b="0"/>
+      </a:lnRef>
+      <a:fillRef idx="1">
+        <a:scrgbClr r="0" g="0" b="0"/>
+      </a:fillRef>
+      <a:effectRef idx="0">
+        <a:scrgbClr r="0" g="0" b="0"/>
+      </a:effectRef>
+      <a:fontRef idx="minor"/>
+    </dgm:style>
+  </dgm:styleLbl>
+  <dgm:styleLbl name="fgShp">
+    <dgm:scene3d>
+      <a:camera prst="orthographicFront"/>
+      <a:lightRig rig="threePt" dir="t"/>
+    </dgm:scene3d>
+    <dgm:sp3d/>
+    <dgm:txPr/>
+    <dgm:style>
+      <a:lnRef idx="2">
+        <a:scrgbClr r="0" g="0" b="0"/>
+      </a:lnRef>
+      <a:fillRef idx="1">
+        <a:scrgbClr r="0" g="0" b="0"/>
+      </a:fillRef>
+      <a:effectRef idx="0">
+        <a:scrgbClr r="0" g="0" b="0"/>
+      </a:effectRef>
+      <a:fontRef idx="minor"/>
+    </dgm:style>
+  </dgm:styleLbl>
+  <dgm:styleLbl name="revTx">
+    <dgm:scene3d>
+      <a:camera prst="orthographicFront"/>
+      <a:lightRig rig="threePt" dir="t"/>
+    </dgm:scene3d>
+    <dgm:sp3d/>
+    <dgm:txPr/>
+    <dgm:style>
+      <a:lnRef idx="0">
+        <a:scrgbClr r="0" g="0" b="0"/>
+      </a:lnRef>
+      <a:fillRef idx="0">
+        <a:scrgbClr r="0" g="0" b="0"/>
+      </a:fillRef>
+      <a:effectRef idx="0">
+        <a:scrgbClr r="0" g="0" b="0"/>
+      </a:effectRef>
+      <a:fontRef idx="minor"/>
+    </dgm:style>
+  </dgm:styleLbl>
+</dgm:styleDef>
+</file>
+
 <file path=ppt/handoutMasters/handoutMaster1.xml><?xml version="1.0" encoding="utf-8"?>
 <p:handoutMaster xmlns:a="http://schemas.openxmlformats.org/drawingml/2006/main" xmlns:r="http://schemas.openxmlformats.org/officeDocument/2006/relationships" xmlns:p="http://schemas.openxmlformats.org/presentationml/2006/main">
   <p:cSld>
@@ -21117,7 +26027,7 @@
           <a:p>
             <a:fld id="{B5922E6D-3451-482A-A64F-C89F139BA51A}" type="datetimeFigureOut">
               <a:rPr lang="en-US" smtClean="0"/>
-              <a:t>11/25/2014</a:t>
+              <a:t>11/27/2014</a:t>
             </a:fld>
             <a:endParaRPr lang="en-US"/>
           </a:p>
@@ -21282,7 +26192,7 @@
           <a:p>
             <a:fld id="{05247E74-41DE-40FA-A7A7-A655366ADCFA}" type="datetimeFigureOut">
               <a:rPr lang="sv-SE" smtClean="0"/>
-              <a:t>2014-11-25</a:t>
+              <a:t>2014-11-27</a:t>
             </a:fld>
             <a:endParaRPr lang="sv-SE"/>
           </a:p>
@@ -21550,6 +26460,90 @@
 </p:notesMaster>
 </file>
 
+<file path=ppt/notesSlides/notesSlide1.xml><?xml version="1.0" encoding="utf-8"?>
+<p:notes xmlns:a="http://schemas.openxmlformats.org/drawingml/2006/main" xmlns:r="http://schemas.openxmlformats.org/officeDocument/2006/relationships" xmlns:p="http://schemas.openxmlformats.org/presentationml/2006/main">
+  <p:cSld>
+    <p:spTree>
+      <p:nvGrpSpPr>
+        <p:cNvPr id="1" name=""/>
+        <p:cNvGrpSpPr/>
+        <p:nvPr/>
+      </p:nvGrpSpPr>
+      <p:grpSpPr>
+        <a:xfrm>
+          <a:off x="0" y="0"/>
+          <a:ext cx="0" cy="0"/>
+          <a:chOff x="0" y="0"/>
+          <a:chExt cx="0" cy="0"/>
+        </a:xfrm>
+      </p:grpSpPr>
+      <p:sp>
+        <p:nvSpPr>
+          <p:cNvPr id="2" name="Platshållare för bildobjekt 1"/>
+          <p:cNvSpPr>
+            <a:spLocks noGrp="1" noRot="1" noChangeAspect="1"/>
+          </p:cNvSpPr>
+          <p:nvPr>
+            <p:ph type="sldImg"/>
+          </p:nvPr>
+        </p:nvSpPr>
+        <p:spPr/>
+      </p:sp>
+      <p:sp>
+        <p:nvSpPr>
+          <p:cNvPr id="3" name="Platshållare för anteckningar 2"/>
+          <p:cNvSpPr>
+            <a:spLocks noGrp="1"/>
+          </p:cNvSpPr>
+          <p:nvPr>
+            <p:ph type="body" idx="1"/>
+          </p:nvPr>
+        </p:nvSpPr>
+        <p:spPr/>
+        <p:txBody>
+          <a:bodyPr/>
+          <a:lstStyle/>
+          <a:p>
+            <a:endParaRPr lang="en-US" dirty="0"/>
+          </a:p>
+        </p:txBody>
+      </p:sp>
+      <p:sp>
+        <p:nvSpPr>
+          <p:cNvPr id="4" name="Platshållare för bildnummer 3"/>
+          <p:cNvSpPr>
+            <a:spLocks noGrp="1"/>
+          </p:cNvSpPr>
+          <p:nvPr>
+            <p:ph type="sldNum" sz="quarter" idx="10"/>
+          </p:nvPr>
+        </p:nvSpPr>
+        <p:spPr/>
+        <p:txBody>
+          <a:bodyPr/>
+          <a:lstStyle/>
+          <a:p>
+            <a:fld id="{9C98CF53-5E26-4422-B9D8-E9A5474C1FAF}" type="slidenum">
+              <a:rPr lang="sv-SE" smtClean="0"/>
+              <a:t>23</a:t>
+            </a:fld>
+            <a:endParaRPr lang="sv-SE"/>
+          </a:p>
+        </p:txBody>
+      </p:sp>
+    </p:spTree>
+    <p:extLst>
+      <p:ext uri="{BB962C8B-B14F-4D97-AF65-F5344CB8AC3E}">
+        <p14:creationId xmlns:p14="http://schemas.microsoft.com/office/powerpoint/2010/main" val="922608603"/>
+      </p:ext>
+    </p:extLst>
+  </p:cSld>
+  <p:clrMapOvr>
+    <a:masterClrMapping/>
+  </p:clrMapOvr>
+</p:notes>
+</file>
+
 <file path=ppt/slideLayouts/slideLayout1.xml><?xml version="1.0" encoding="utf-8"?>
 <p:sldLayout xmlns:a="http://schemas.openxmlformats.org/drawingml/2006/main" xmlns:r="http://schemas.openxmlformats.org/officeDocument/2006/relationships" xmlns:p="http://schemas.openxmlformats.org/presentationml/2006/main" type="title" preserve="1">
   <p:cSld name="Title Slide With Logo">
@@ -21746,7 +26740,7 @@
           <a:p>
             <a:fld id="{DB41BBF1-8D56-4061-8DE2-461FDAC177EF}" type="datetimeFigureOut">
               <a:rPr lang="sv-SE" smtClean="0"/>
-              <a:t>2014-11-25</a:t>
+              <a:t>2014-11-27</a:t>
             </a:fld>
             <a:endParaRPr lang="sv-SE"/>
           </a:p>
@@ -22010,7 +27004,7 @@
           <a:p>
             <a:fld id="{DB41BBF1-8D56-4061-8DE2-461FDAC177EF}" type="datetimeFigureOut">
               <a:rPr lang="sv-SE" smtClean="0"/>
-              <a:t>2014-11-25</a:t>
+              <a:t>2014-11-27</a:t>
             </a:fld>
             <a:endParaRPr lang="sv-SE"/>
           </a:p>
@@ -22187,7 +27181,7 @@
           <a:p>
             <a:fld id="{DB41BBF1-8D56-4061-8DE2-461FDAC177EF}" type="datetimeFigureOut">
               <a:rPr lang="sv-SE" smtClean="0"/>
-              <a:t>2014-11-25</a:t>
+              <a:t>2014-11-27</a:t>
             </a:fld>
             <a:endParaRPr lang="sv-SE"/>
           </a:p>
@@ -22374,7 +27368,7 @@
           <a:p>
             <a:fld id="{DB41BBF1-8D56-4061-8DE2-461FDAC177EF}" type="datetimeFigureOut">
               <a:rPr lang="sv-SE" smtClean="0"/>
-              <a:t>2014-11-25</a:t>
+              <a:t>2014-11-27</a:t>
             </a:fld>
             <a:endParaRPr lang="sv-SE"/>
           </a:p>
@@ -22638,7 +27632,7 @@
           <a:p>
             <a:fld id="{DB41BBF1-8D56-4061-8DE2-461FDAC177EF}" type="datetimeFigureOut">
               <a:rPr lang="sv-SE" smtClean="0"/>
-              <a:t>2014-11-25</a:t>
+              <a:t>2014-11-27</a:t>
             </a:fld>
             <a:endParaRPr lang="sv-SE"/>
           </a:p>
@@ -22815,7 +27809,7 @@
           <a:p>
             <a:fld id="{DB41BBF1-8D56-4061-8DE2-461FDAC177EF}" type="datetimeFigureOut">
               <a:rPr lang="sv-SE" smtClean="0"/>
-              <a:t>2014-11-25</a:t>
+              <a:t>2014-11-27</a:t>
             </a:fld>
             <a:endParaRPr lang="sv-SE"/>
           </a:p>
@@ -23068,7 +28062,7 @@
           <a:p>
             <a:fld id="{DB41BBF1-8D56-4061-8DE2-461FDAC177EF}" type="datetimeFigureOut">
               <a:rPr lang="sv-SE" smtClean="0"/>
-              <a:t>2014-11-25</a:t>
+              <a:t>2014-11-27</a:t>
             </a:fld>
             <a:endParaRPr lang="sv-SE"/>
           </a:p>
@@ -23363,7 +28357,7 @@
           <a:p>
             <a:fld id="{DB41BBF1-8D56-4061-8DE2-461FDAC177EF}" type="datetimeFigureOut">
               <a:rPr lang="sv-SE" smtClean="0"/>
-              <a:t>2014-11-25</a:t>
+              <a:t>2014-11-27</a:t>
             </a:fld>
             <a:endParaRPr lang="sv-SE"/>
           </a:p>
@@ -23792,7 +28786,7 @@
           <a:p>
             <a:fld id="{DB41BBF1-8D56-4061-8DE2-461FDAC177EF}" type="datetimeFigureOut">
               <a:rPr lang="sv-SE" smtClean="0"/>
-              <a:t>2014-11-25</a:t>
+              <a:t>2014-11-27</a:t>
             </a:fld>
             <a:endParaRPr lang="sv-SE"/>
           </a:p>
@@ -23917,7 +28911,7 @@
           <a:p>
             <a:fld id="{DB41BBF1-8D56-4061-8DE2-461FDAC177EF}" type="datetimeFigureOut">
               <a:rPr lang="sv-SE" smtClean="0"/>
-              <a:t>2014-11-25</a:t>
+              <a:t>2014-11-27</a:t>
             </a:fld>
             <a:endParaRPr lang="sv-SE"/>
           </a:p>
@@ -24019,7 +29013,7 @@
           <a:p>
             <a:fld id="{DB41BBF1-8D56-4061-8DE2-461FDAC177EF}" type="datetimeFigureOut">
               <a:rPr lang="sv-SE" smtClean="0"/>
-              <a:t>2014-11-25</a:t>
+              <a:t>2014-11-27</a:t>
             </a:fld>
             <a:endParaRPr lang="sv-SE"/>
           </a:p>
@@ -24303,7 +29297,7 @@
           <a:p>
             <a:fld id="{DB41BBF1-8D56-4061-8DE2-461FDAC177EF}" type="datetimeFigureOut">
               <a:rPr lang="sv-SE" smtClean="0"/>
-              <a:t>2014-11-25</a:t>
+              <a:t>2014-11-27</a:t>
             </a:fld>
             <a:endParaRPr lang="sv-SE"/>
           </a:p>
@@ -24531,7 +29525,7 @@
           <a:p>
             <a:fld id="{DB41BBF1-8D56-4061-8DE2-461FDAC177EF}" type="datetimeFigureOut">
               <a:rPr lang="sv-SE" smtClean="0"/>
-              <a:t>2014-11-25</a:t>
+              <a:t>2014-11-27</a:t>
             </a:fld>
             <a:endParaRPr lang="sv-SE"/>
           </a:p>
@@ -25135,8 +30129,8 @@
         </p:nvSpPr>
         <p:spPr>
           <a:xfrm>
-            <a:off x="518864" y="908720"/>
-            <a:ext cx="8229600" cy="5040560"/>
+            <a:off x="323528" y="908720"/>
+            <a:ext cx="8424936" cy="5040560"/>
           </a:xfrm>
         </p:spPr>
         <p:txBody>
@@ -25149,10 +30143,30 @@
               <a:buNone/>
             </a:pPr>
             <a:r>
-              <a:rPr lang="en-US" sz="3200" dirty="0" smtClean="0"/>
+              <a:rPr lang="en-US" b="1" dirty="0" smtClean="0">
+                <a:solidFill>
+                  <a:srgbClr val="77933C"/>
+                </a:solidFill>
+              </a:rPr>
+              <a:t>Claims</a:t>
+            </a:r>
+            <a:r>
+              <a:rPr lang="en-US" dirty="0" smtClean="0"/>
+              <a:t> are an alternative to </a:t>
+            </a:r>
+            <a:r>
+              <a:rPr lang="en-US" b="1" dirty="0" smtClean="0">
+                <a:solidFill>
+                  <a:srgbClr val="77933C"/>
+                </a:solidFill>
+              </a:rPr>
+              <a:t>Roles. </a:t>
+            </a:r>
+            <a:r>
+              <a:rPr lang="en-US" dirty="0" smtClean="0"/>
               <a:t>A Claim is a statement about a subject, for example a name, age or address.</a:t>
             </a:r>
-            <a:endParaRPr lang="en-US" sz="1800" dirty="0" smtClean="0"/>
+            <a:endParaRPr lang="en-US" sz="1600" dirty="0" smtClean="0"/>
           </a:p>
           <a:p>
             <a:pPr marL="0" indent="0">
@@ -25167,7 +30181,7 @@
             </a:br>
             <a:r>
               <a:rPr lang="en-US" dirty="0" smtClean="0"/>
-              <a:t>Each claim has a </a:t>
+              <a:t>Each claim typically has a </a:t>
             </a:r>
             <a:r>
               <a:rPr lang="en-US" b="1" dirty="0" smtClean="0">
@@ -25289,13 +30303,13 @@
           <p:nvPr>
             <p:extLst>
               <p:ext uri="{D42A27DB-BD31-4B8C-83A1-F6EECF244321}">
-                <p14:modId xmlns:p14="http://schemas.microsoft.com/office/powerpoint/2010/main" val="3720904481"/>
+                <p14:modId xmlns:p14="http://schemas.microsoft.com/office/powerpoint/2010/main" val="1439058114"/>
               </p:ext>
             </p:extLst>
           </p:nvPr>
         </p:nvGraphicFramePr>
         <p:xfrm>
-          <a:off x="971600" y="4581128"/>
+          <a:off x="2843808" y="4149080"/>
           <a:ext cx="3240360" cy="1595254"/>
         </p:xfrm>
         <a:graphic>
@@ -25377,7 +30391,7 @@
         <p:spPr>
           <a:xfrm>
             <a:off x="457200" y="836712"/>
-            <a:ext cx="8229600" cy="5289451"/>
+            <a:ext cx="8229600" cy="5544616"/>
           </a:xfrm>
         </p:spPr>
         <p:txBody>
@@ -25391,7 +30405,19 @@
             </a:pPr>
             <a:r>
               <a:rPr lang="en-US" dirty="0" smtClean="0"/>
-              <a:t>You might not always be the sole provider of a claim, it is up to you to decide if you trust the claim or not</a:t>
+              <a:t>You might not always be the sole provider of a claim, it is </a:t>
+            </a:r>
+            <a:r>
+              <a:rPr lang="en-US" b="1" dirty="0" smtClean="0">
+                <a:solidFill>
+                  <a:srgbClr val="77933C"/>
+                </a:solidFill>
+              </a:rPr>
+              <a:t>up to you to decide </a:t>
+            </a:r>
+            <a:r>
+              <a:rPr lang="en-US" dirty="0" smtClean="0"/>
+              <a:t>if you trust the claim or not</a:t>
             </a:r>
             <a:r>
               <a:rPr lang="en-US" dirty="0"/>
@@ -25414,38 +30440,56 @@
             </a:pPr>
             <a:r>
               <a:rPr lang="en-US" sz="2000" dirty="0" smtClean="0"/>
-              <a:t>For example you might trust a claim which has been issued by the government, while a claim from another source might not always be seen as a trusted issuer.</a:t>
+              <a:t>For example you might trust a claim which has been issued by the government, while a claim from another source might not always be seen as a </a:t>
+            </a:r>
+            <a:r>
+              <a:rPr lang="en-US" sz="2000" b="1" dirty="0" smtClean="0">
+                <a:solidFill>
+                  <a:srgbClr val="77933C"/>
+                </a:solidFill>
+              </a:rPr>
+              <a:t>trusted</a:t>
+            </a:r>
+            <a:r>
+              <a:rPr lang="en-US" sz="2000" dirty="0" smtClean="0">
+                <a:solidFill>
+                  <a:srgbClr val="77933C"/>
+                </a:solidFill>
+              </a:rPr>
+              <a:t> </a:t>
+            </a:r>
+            <a:r>
+              <a:rPr lang="en-US" sz="2000" dirty="0" smtClean="0"/>
+              <a:t>issuer.</a:t>
             </a:r>
           </a:p>
           <a:p>
-            <a:pPr marL="0" indent="0" algn="ctr">
+            <a:pPr marL="0" lvl="0" indent="0">
               <a:buNone/>
             </a:pPr>
-            <a:endParaRPr lang="en-US" sz="3200" dirty="0"/>
-          </a:p>
-          <a:p>
-            <a:pPr marL="0" indent="0">
-              <a:buNone/>
-            </a:pPr>
+            <a:r>
+              <a:rPr lang="en-US" sz="2000" dirty="0"/>
+              <a:t>	</a:t>
+            </a:r>
             <a:endParaRPr lang="en-US" sz="3200" dirty="0"/>
           </a:p>
         </p:txBody>
       </p:sp>
       <p:graphicFrame>
         <p:nvGraphicFramePr>
-          <p:cNvPr id="6" name="Diagram 5"/>
+          <p:cNvPr id="7" name="Diagram 6"/>
           <p:cNvGraphicFramePr/>
           <p:nvPr>
             <p:extLst>
               <p:ext uri="{D42A27DB-BD31-4B8C-83A1-F6EECF244321}">
-                <p14:modId xmlns:p14="http://schemas.microsoft.com/office/powerpoint/2010/main" val="1544566383"/>
+                <p14:modId xmlns:p14="http://schemas.microsoft.com/office/powerpoint/2010/main" val="262478626"/>
               </p:ext>
             </p:extLst>
           </p:nvPr>
         </p:nvGraphicFramePr>
         <p:xfrm>
-          <a:off x="1259632" y="4077072"/>
-          <a:ext cx="2925188" cy="1872207"/>
+          <a:off x="683569" y="3861048"/>
+          <a:ext cx="3456384" cy="1512168"/>
         </p:xfrm>
         <a:graphic>
           <a:graphicData uri="http://schemas.openxmlformats.org/drawingml/2006/diagram">
@@ -25455,19 +30499,19 @@
       </p:graphicFrame>
       <p:graphicFrame>
         <p:nvGraphicFramePr>
-          <p:cNvPr id="10" name="Diagram 9"/>
+          <p:cNvPr id="8" name="Diagram 7"/>
           <p:cNvGraphicFramePr/>
           <p:nvPr>
             <p:extLst>
               <p:ext uri="{D42A27DB-BD31-4B8C-83A1-F6EECF244321}">
-                <p14:modId xmlns:p14="http://schemas.microsoft.com/office/powerpoint/2010/main" val="4237423897"/>
+                <p14:modId xmlns:p14="http://schemas.microsoft.com/office/powerpoint/2010/main" val="533047180"/>
               </p:ext>
             </p:extLst>
           </p:nvPr>
         </p:nvGraphicFramePr>
         <p:xfrm>
-          <a:off x="4716016" y="4077072"/>
-          <a:ext cx="2925186" cy="1872207"/>
+          <a:off x="4932040" y="3861048"/>
+          <a:ext cx="3456384" cy="1512168"/>
         </p:xfrm>
         <a:graphic>
           <a:graphicData uri="http://schemas.openxmlformats.org/drawingml/2006/diagram">
@@ -25475,6 +30519,220 @@
           </a:graphicData>
         </a:graphic>
       </p:graphicFrame>
+      <p:cxnSp>
+        <p:nvCxnSpPr>
+          <p:cNvPr id="11" name="Vinklad  10"/>
+          <p:cNvCxnSpPr/>
+          <p:nvPr/>
+        </p:nvCxnSpPr>
+        <p:spPr>
+          <a:xfrm rot="16200000" flipV="1">
+            <a:off x="3275856" y="4869160"/>
+            <a:ext cx="2016224" cy="288032"/>
+          </a:xfrm>
+          <a:prstGeom prst="bentConnector3">
+            <a:avLst>
+              <a:gd name="adj1" fmla="val 99604"/>
+            </a:avLst>
+          </a:prstGeom>
+          <a:ln>
+            <a:tailEnd type="triangle"/>
+          </a:ln>
+        </p:spPr>
+        <p:style>
+          <a:lnRef idx="2">
+            <a:schemeClr val="dk1"/>
+          </a:lnRef>
+          <a:fillRef idx="0">
+            <a:schemeClr val="dk1"/>
+          </a:fillRef>
+          <a:effectRef idx="1">
+            <a:schemeClr val="dk1"/>
+          </a:effectRef>
+          <a:fontRef idx="minor">
+            <a:schemeClr val="tx1"/>
+          </a:fontRef>
+        </p:style>
+      </p:cxnSp>
+      <p:cxnSp>
+        <p:nvCxnSpPr>
+          <p:cNvPr id="19" name="Vinklad  18"/>
+          <p:cNvCxnSpPr/>
+          <p:nvPr/>
+        </p:nvCxnSpPr>
+        <p:spPr>
+          <a:xfrm rot="5400000" flipH="1" flipV="1">
+            <a:off x="-291752" y="5035303"/>
+            <a:ext cx="1656184" cy="315787"/>
+          </a:xfrm>
+          <a:prstGeom prst="bentConnector3">
+            <a:avLst>
+              <a:gd name="adj1" fmla="val 99460"/>
+            </a:avLst>
+          </a:prstGeom>
+          <a:ln>
+            <a:tailEnd type="triangle"/>
+          </a:ln>
+        </p:spPr>
+        <p:style>
+          <a:lnRef idx="2">
+            <a:schemeClr val="dk1"/>
+          </a:lnRef>
+          <a:fillRef idx="0">
+            <a:schemeClr val="dk1"/>
+          </a:fillRef>
+          <a:effectRef idx="1">
+            <a:schemeClr val="dk1"/>
+          </a:effectRef>
+          <a:fontRef idx="minor">
+            <a:schemeClr val="tx1"/>
+          </a:fontRef>
+        </p:style>
+      </p:cxnSp>
+      <p:cxnSp>
+        <p:nvCxnSpPr>
+          <p:cNvPr id="29" name="Vinklad  28"/>
+          <p:cNvCxnSpPr/>
+          <p:nvPr/>
+        </p:nvCxnSpPr>
+        <p:spPr>
+          <a:xfrm rot="16200000" flipV="1">
+            <a:off x="1362472" y="5085184"/>
+            <a:ext cx="1590526" cy="281682"/>
+          </a:xfrm>
+          <a:prstGeom prst="bentConnector3">
+            <a:avLst>
+              <a:gd name="adj1" fmla="val 100304"/>
+            </a:avLst>
+          </a:prstGeom>
+          <a:ln>
+            <a:tailEnd type="triangle"/>
+          </a:ln>
+        </p:spPr>
+        <p:style>
+          <a:lnRef idx="2">
+            <a:schemeClr val="dk1"/>
+          </a:lnRef>
+          <a:fillRef idx="0">
+            <a:schemeClr val="dk1"/>
+          </a:fillRef>
+          <a:effectRef idx="1">
+            <a:schemeClr val="dk1"/>
+          </a:effectRef>
+          <a:fontRef idx="minor">
+            <a:schemeClr val="tx1"/>
+          </a:fontRef>
+        </p:style>
+      </p:cxnSp>
+      <p:sp>
+        <p:nvSpPr>
+          <p:cNvPr id="37" name="textruta 36"/>
+          <p:cNvSpPr txBox="1"/>
+          <p:nvPr/>
+        </p:nvSpPr>
+        <p:spPr>
+          <a:xfrm>
+            <a:off x="107504" y="6021288"/>
+            <a:ext cx="639086" cy="369332"/>
+          </a:xfrm>
+          <a:prstGeom prst="rect">
+            <a:avLst/>
+          </a:prstGeom>
+          <a:noFill/>
+        </p:spPr>
+        <p:txBody>
+          <a:bodyPr wrap="none" rtlCol="0">
+            <a:spAutoFit/>
+          </a:bodyPr>
+          <a:lstStyle/>
+          <a:p>
+            <a:r>
+              <a:rPr lang="en-US" b="1" dirty="0" smtClean="0">
+                <a:solidFill>
+                  <a:srgbClr val="77933C"/>
+                </a:solidFill>
+              </a:rPr>
+              <a:t>Type</a:t>
+            </a:r>
+          </a:p>
+        </p:txBody>
+      </p:sp>
+      <p:sp>
+        <p:nvSpPr>
+          <p:cNvPr id="38" name="textruta 37"/>
+          <p:cNvSpPr txBox="1"/>
+          <p:nvPr/>
+        </p:nvSpPr>
+        <p:spPr>
+          <a:xfrm>
+            <a:off x="1979712" y="6021288"/>
+            <a:ext cx="716928" cy="369332"/>
+          </a:xfrm>
+          <a:prstGeom prst="rect">
+            <a:avLst/>
+          </a:prstGeom>
+          <a:noFill/>
+        </p:spPr>
+        <p:txBody>
+          <a:bodyPr wrap="none" rtlCol="0">
+            <a:spAutoFit/>
+          </a:bodyPr>
+          <a:lstStyle/>
+          <a:p>
+            <a:r>
+              <a:rPr lang="en-US" b="1" dirty="0" smtClean="0">
+                <a:solidFill>
+                  <a:srgbClr val="77933C"/>
+                </a:solidFill>
+              </a:rPr>
+              <a:t>Value</a:t>
+            </a:r>
+            <a:endParaRPr lang="en-US" b="1" dirty="0">
+              <a:solidFill>
+                <a:srgbClr val="77933C"/>
+              </a:solidFill>
+            </a:endParaRPr>
+          </a:p>
+        </p:txBody>
+      </p:sp>
+      <p:sp>
+        <p:nvSpPr>
+          <p:cNvPr id="39" name="textruta 38"/>
+          <p:cNvSpPr txBox="1"/>
+          <p:nvPr/>
+        </p:nvSpPr>
+        <p:spPr>
+          <a:xfrm>
+            <a:off x="4067944" y="6021288"/>
+            <a:ext cx="792088" cy="369332"/>
+          </a:xfrm>
+          <a:prstGeom prst="rect">
+            <a:avLst/>
+          </a:prstGeom>
+          <a:noFill/>
+        </p:spPr>
+        <p:txBody>
+          <a:bodyPr wrap="square" rtlCol="0">
+            <a:spAutoFit/>
+          </a:bodyPr>
+          <a:lstStyle/>
+          <a:p>
+            <a:r>
+              <a:rPr lang="en-US" b="1" dirty="0" smtClean="0">
+                <a:solidFill>
+                  <a:srgbClr val="77933C"/>
+                </a:solidFill>
+              </a:rPr>
+              <a:t>Issuer</a:t>
+            </a:r>
+            <a:endParaRPr lang="en-US" b="1" dirty="0">
+              <a:solidFill>
+                <a:srgbClr val="77933C"/>
+              </a:solidFill>
+            </a:endParaRPr>
+          </a:p>
+        </p:txBody>
+      </p:sp>
     </p:spTree>
     <p:extLst>
       <p:ext uri="{BB962C8B-B14F-4D97-AF65-F5344CB8AC3E}">
@@ -25496,7 +30754,7 @@
 </file>
 
 <file path=ppt/slides/slide12.xml><?xml version="1.0" encoding="utf-8"?>
-<p:sld xmlns:a="http://schemas.openxmlformats.org/drawingml/2006/main" xmlns:r="http://schemas.openxmlformats.org/officeDocument/2006/relationships" xmlns:p="http://schemas.openxmlformats.org/presentationml/2006/main">
+<p:sld xmlns:a="http://schemas.openxmlformats.org/drawingml/2006/main" xmlns:r="http://schemas.openxmlformats.org/officeDocument/2006/relationships" xmlns:p="http://schemas.openxmlformats.org/presentationml/2006/main" show="0">
   <p:cSld>
     <p:spTree>
       <p:nvGrpSpPr>
@@ -25943,6 +31201,14 @@
   <p:clrMapOvr>
     <a:masterClrMapping/>
   </p:clrMapOvr>
+  <mc:AlternateContent xmlns:mc="http://schemas.openxmlformats.org/markup-compatibility/2006" xmlns:p14="http://schemas.microsoft.com/office/powerpoint/2010/main">
+    <mc:Choice Requires="p14">
+      <p:transition spd="slow" p14:dur="2000"/>
+    </mc:Choice>
+    <mc:Fallback xmlns="">
+      <p:transition spd="slow"/>
+    </mc:Fallback>
+  </mc:AlternateContent>
 </p:sld>
 </file>
 
@@ -26141,7 +31407,15 @@
           <a:p>
             <a:r>
               <a:rPr lang="en-US" dirty="0"/>
-              <a:t>The claims are encapsulated in an encrypted cookie, often called authentication cookie. </a:t>
+              <a:t>The </a:t>
+            </a:r>
+            <a:r>
+              <a:rPr lang="en-US" dirty="0" smtClean="0"/>
+              <a:t>claims can be </a:t>
+            </a:r>
+            <a:r>
+              <a:rPr lang="en-US" dirty="0"/>
+              <a:t>encapsulated in an encrypted cookie, often called authentication cookie. </a:t>
             </a:r>
             <a:r>
               <a:rPr lang="en-US" dirty="0" smtClean="0"/>
@@ -26159,7 +31433,7 @@
             </a:br>
             <a:r>
               <a:rPr lang="en-US" dirty="0" smtClean="0"/>
-              <a:t>When the cookie (containing the users claims) is created, ASP.NET Identity encrypts the cookie before storing it in the browser.</a:t>
+              <a:t>When the cookie (containing the users claims) is created, ASP.NET Identity encrypts the cookie before sending it to the browser.</a:t>
             </a:r>
             <a:endParaRPr lang="en-US" dirty="0"/>
           </a:p>
@@ -26362,7 +31636,7 @@
         </p:spPr>
         <p:txBody>
           <a:bodyPr>
-            <a:normAutofit lnSpcReduction="10000"/>
+            <a:normAutofit/>
           </a:bodyPr>
           <a:lstStyle/>
           <a:p>
@@ -26376,32 +31650,6 @@
             <a:br>
               <a:rPr lang="en-US" dirty="0" smtClean="0"/>
             </a:br>
-            <a:endParaRPr lang="en-US" dirty="0" smtClean="0"/>
-          </a:p>
-          <a:p>
-            <a:r>
-              <a:rPr lang="en-US" sz="2400" dirty="0" smtClean="0"/>
-              <a:t>Reduces the load on the server since the user often provides the claims.</a:t>
-            </a:r>
-            <a:br>
-              <a:rPr lang="en-US" sz="2400" dirty="0" smtClean="0"/>
-            </a:br>
-            <a:endParaRPr lang="en-US" sz="2400" dirty="0" smtClean="0"/>
-          </a:p>
-          <a:p>
-            <a:r>
-              <a:rPr lang="en-US" sz="2400" dirty="0" smtClean="0"/>
-              <a:t>Authorization can be decided based on claims, making it more dynamic and flexible than roles-based authorization.</a:t>
-            </a:r>
-          </a:p>
-          <a:p>
-            <a:endParaRPr lang="en-US" sz="2400" dirty="0" smtClean="0"/>
-          </a:p>
-          <a:p>
-            <a:r>
-              <a:rPr lang="en-US" sz="2400" dirty="0"/>
-              <a:t>The claims are encapsulated in an encrypted cookie, often called authentication cookie. </a:t>
-            </a:r>
             <a:r>
               <a:rPr lang="en-US" sz="2400" dirty="0" smtClean="0"/>
               <a:t/>
@@ -26414,7 +31662,30 @@
           <a:p>
             <a:r>
               <a:rPr lang="en-US" sz="2400" dirty="0" smtClean="0"/>
-              <a:t>The user brings the claims wherever the user goes, making them easy to access.</a:t>
+              <a:t>Authorization can be decided based on claims, making it more dynamic and flexible than roles-based authorization</a:t>
+            </a:r>
+          </a:p>
+          <a:p>
+            <a:endParaRPr lang="en-US" sz="2400" dirty="0" smtClean="0"/>
+          </a:p>
+          <a:p>
+            <a:r>
+              <a:rPr lang="en-US" sz="2400" dirty="0"/>
+              <a:t>The claims are encapsulated in an encrypted cookie, often called authentication cookie</a:t>
+            </a:r>
+            <a:r>
+              <a:rPr lang="en-US" sz="2400" dirty="0" smtClean="0"/>
+              <a:t>.</a:t>
+            </a:r>
+            <a:br>
+              <a:rPr lang="en-US" sz="2400" dirty="0" smtClean="0"/>
+            </a:br>
+            <a:endParaRPr lang="en-US" sz="2400" dirty="0" smtClean="0"/>
+          </a:p>
+          <a:p>
+            <a:r>
+              <a:rPr lang="en-US" sz="2400" dirty="0" smtClean="0"/>
+              <a:t>The user brings the claims wherever the user goes, making them easy to access</a:t>
             </a:r>
             <a:br>
               <a:rPr lang="en-US" sz="2400" dirty="0" smtClean="0"/>
@@ -27121,7 +32392,59 @@
             </a:pPr>
             <a:r>
               <a:rPr lang="en-US" dirty="0" smtClean="0"/>
-              <a:t>An Identity can be used to authenticate &amp; authorize a user since it contains a set of claims, containing data about an Identity.</a:t>
+              <a:t>An Identity can be used to </a:t>
+            </a:r>
+            <a:r>
+              <a:rPr lang="en-US" b="1" dirty="0" smtClean="0">
+                <a:solidFill>
+                  <a:srgbClr val="77933C"/>
+                </a:solidFill>
+              </a:rPr>
+              <a:t>authenticate</a:t>
+            </a:r>
+            <a:r>
+              <a:rPr lang="en-US" dirty="0" smtClean="0">
+                <a:solidFill>
+                  <a:srgbClr val="77933C"/>
+                </a:solidFill>
+              </a:rPr>
+              <a:t> </a:t>
+            </a:r>
+            <a:r>
+              <a:rPr lang="en-US" dirty="0" smtClean="0"/>
+              <a:t>&amp; </a:t>
+            </a:r>
+            <a:r>
+              <a:rPr lang="en-US" b="1" dirty="0" smtClean="0">
+                <a:solidFill>
+                  <a:srgbClr val="77933C"/>
+                </a:solidFill>
+              </a:rPr>
+              <a:t>authorize</a:t>
+            </a:r>
+            <a:r>
+              <a:rPr lang="en-US" dirty="0" smtClean="0">
+                <a:solidFill>
+                  <a:srgbClr val="77933C"/>
+                </a:solidFill>
+              </a:rPr>
+              <a:t> </a:t>
+            </a:r>
+            <a:r>
+              <a:rPr lang="en-US" dirty="0" smtClean="0"/>
+              <a:t>a user since it often contains a set of </a:t>
+            </a:r>
+            <a:r>
+              <a:rPr lang="en-US" b="1" dirty="0" smtClean="0">
+                <a:solidFill>
+                  <a:srgbClr val="77933C"/>
+                </a:solidFill>
+              </a:rPr>
+              <a:t>claims</a:t>
+            </a:r>
+            <a:r>
+              <a:rPr lang="en-US" dirty="0" smtClean="0"/>
+              <a:t>, containing data about an Identity.</a:t>
             </a:r>
           </a:p>
           <a:p>
@@ -27327,7 +32650,7 @@
         </p:xfrm>
         <a:graphic>
           <a:graphicData uri="http://schemas.openxmlformats.org/drawingml/2006/diagram">
-            <dgm:relIds xmlns:dgm="http://schemas.openxmlformats.org/drawingml/2006/diagram" xmlns:r="http://schemas.openxmlformats.org/officeDocument/2006/relationships" r:dm="rId2" r:lo="rId3" r:qs="rId4" r:cs="rId5"/>
+            <dgm:relIds xmlns:dgm="http://schemas.openxmlformats.org/drawingml/2006/diagram" xmlns:r="http://schemas.openxmlformats.org/officeDocument/2006/relationships" r:dm="rId3" r:lo="rId4" r:qs="rId5" r:cs="rId6"/>
           </a:graphicData>
         </a:graphic>
       </p:graphicFrame>
@@ -27423,6 +32746,14 @@
             <a:pPr marL="0" indent="0">
               <a:buNone/>
             </a:pPr>
+            <a:r>
+              <a:rPr lang="en-US" dirty="0" smtClean="0"/>
+              <a:t>//</a:t>
+            </a:r>
+            <a:r>
+              <a:rPr lang="en-US" dirty="0" err="1" smtClean="0"/>
+              <a:t>fixa</a:t>
+            </a:r>
             <a:endParaRPr lang="en-US" dirty="0"/>
           </a:p>
           <a:p>
@@ -27903,8 +33234,16 @@
               <a:buNone/>
             </a:pPr>
             <a:r>
+              <a:rPr lang="en-US" sz="3200" b="1" dirty="0" smtClean="0">
+                <a:solidFill>
+                  <a:srgbClr val="77933C"/>
+                </a:solidFill>
+              </a:rPr>
+              <a:t>Authentication</a:t>
+            </a:r>
+            <a:r>
               <a:rPr lang="en-US" sz="3200" b="1" dirty="0" smtClean="0"/>
-              <a:t>Authentication </a:t>
+              <a:t> </a:t>
             </a:r>
             <a:r>
               <a:rPr lang="en-US" sz="3200" dirty="0" smtClean="0"/>
@@ -27919,34 +33258,27 @@
             <a:endParaRPr lang="en-US" sz="3200" dirty="0"/>
           </a:p>
           <a:p>
-            <a:pPr marL="0" indent="0" algn="ctr">
+            <a:pPr marL="0" indent="0">
               <a:buNone/>
             </a:pPr>
             <a:r>
               <a:rPr lang="en-US" sz="3200" dirty="0" smtClean="0"/>
               <a:t>Answers questions like: </a:t>
             </a:r>
-            <a:br>
-              <a:rPr lang="en-US" sz="3200" dirty="0" smtClean="0"/>
-            </a:br>
-            <a:endParaRPr lang="en-US" sz="3200" dirty="0" smtClean="0"/>
           </a:p>
           <a:p>
-            <a:pPr algn="ctr"/>
             <a:r>
-              <a:rPr lang="en-US" sz="3200" dirty="0" smtClean="0"/>
+              <a:rPr lang="en-US" dirty="0" smtClean="0"/>
               <a:t>Who is the user?</a:t>
             </a:r>
           </a:p>
           <a:p>
-            <a:pPr algn="ctr"/>
             <a:r>
-              <a:rPr lang="en-US" sz="3200" dirty="0" smtClean="0"/>
+              <a:rPr lang="en-US" dirty="0" smtClean="0"/>
               <a:t>Is the user really who he/she claims to be?</a:t>
             </a:r>
           </a:p>
           <a:p>
-            <a:pPr algn="ctr"/>
             <a:endParaRPr lang="en-US" sz="3200" dirty="0" smtClean="0"/>
           </a:p>
           <a:p>
@@ -28045,8 +33377,16 @@
               <a:buNone/>
             </a:pPr>
             <a:r>
+              <a:rPr lang="en-US" sz="3200" b="1" dirty="0" smtClean="0">
+                <a:solidFill>
+                  <a:srgbClr val="77933C"/>
+                </a:solidFill>
+              </a:rPr>
+              <a:t>Authorization</a:t>
+            </a:r>
+            <a:r>
               <a:rPr lang="en-US" sz="3200" b="1" dirty="0" smtClean="0"/>
-              <a:t>Authorization </a:t>
+              <a:t> </a:t>
             </a:r>
             <a:r>
               <a:rPr lang="en-US" sz="3200" dirty="0" smtClean="0"/>
@@ -28060,7 +33400,7 @@
             <a:endParaRPr lang="en-US" sz="3200" dirty="0"/>
           </a:p>
           <a:p>
-            <a:pPr marL="0" indent="0" algn="ctr">
+            <a:pPr marL="0" indent="0">
               <a:buNone/>
             </a:pPr>
             <a:r>
@@ -28069,21 +33409,18 @@
             </a:r>
           </a:p>
           <a:p>
-            <a:pPr algn="ctr"/>
             <a:r>
               <a:rPr lang="en-US" sz="3200" dirty="0" smtClean="0"/>
               <a:t>Is user X authorized to access resource R?</a:t>
             </a:r>
           </a:p>
           <a:p>
-            <a:pPr algn="ctr"/>
             <a:r>
               <a:rPr lang="en-US" sz="3200" dirty="0" smtClean="0"/>
               <a:t>Is user X authorized to perform action A?</a:t>
             </a:r>
           </a:p>
           <a:p>
-            <a:pPr algn="ctr"/>
             <a:r>
               <a:rPr lang="en-US" sz="3200" dirty="0" smtClean="0"/>
               <a:t>Is user X authorized to perform action A on resource R?</a:t>
@@ -28179,8 +33516,8 @@
         </p:nvSpPr>
         <p:spPr>
           <a:xfrm>
-            <a:off x="518864" y="1268760"/>
-            <a:ext cx="8229600" cy="4680520"/>
+            <a:off x="457200" y="908720"/>
+            <a:ext cx="8229600" cy="4968552"/>
           </a:xfrm>
         </p:spPr>
         <p:txBody>
@@ -28192,6 +33529,10 @@
             <a:pPr marL="0" indent="0" algn="ctr">
               <a:buNone/>
             </a:pPr>
+            <a:r>
+              <a:rPr lang="en-US" sz="3200" dirty="0" smtClean="0"/>
+              <a:t>Use case </a:t>
+            </a:r>
             <a:endParaRPr lang="en-US" sz="3200" dirty="0"/>
           </a:p>
           <a:p>
@@ -28199,43 +33540,79 @@
               <a:buNone/>
             </a:pPr>
             <a:r>
-              <a:rPr lang="en-GB" dirty="0"/>
+              <a:rPr lang="en-GB" sz="2400" dirty="0"/>
               <a:t>For example you can use your driver license for both authentication and authorization. </a:t>
             </a:r>
-            <a:endParaRPr lang="en-GB" dirty="0" smtClean="0"/>
+            <a:endParaRPr lang="en-GB" sz="2400" dirty="0" smtClean="0"/>
           </a:p>
           <a:p>
             <a:pPr marL="0" indent="0">
               <a:buNone/>
             </a:pPr>
-            <a:endParaRPr lang="en-GB" dirty="0"/>
+            <a:endParaRPr lang="en-GB" sz="2400" dirty="0"/>
           </a:p>
           <a:p>
             <a:pPr marL="0" indent="0">
               <a:buNone/>
             </a:pPr>
             <a:r>
-              <a:rPr lang="en-GB" dirty="0" smtClean="0"/>
+              <a:rPr lang="en-GB" sz="2400" dirty="0" smtClean="0"/>
               <a:t>You </a:t>
             </a:r>
             <a:r>
-              <a:rPr lang="en-GB" dirty="0"/>
-              <a:t>can authenticate yourself by showing your personal information on the license and the license </a:t>
+              <a:rPr lang="en-GB" sz="2400" dirty="0"/>
+              <a:t>can </a:t>
             </a:r>
             <a:r>
-              <a:rPr lang="en-GB" dirty="0" smtClean="0"/>
-              <a:t>gives you authorization </a:t>
+              <a:rPr lang="en-GB" sz="2400" b="1" dirty="0">
+                <a:solidFill>
+                  <a:srgbClr val="77933C"/>
+                </a:solidFill>
+              </a:rPr>
+              <a:t>authenticate</a:t>
             </a:r>
             <a:r>
-              <a:rPr lang="en-GB" dirty="0"/>
+              <a:rPr lang="en-GB" sz="2400" dirty="0">
+                <a:solidFill>
+                  <a:srgbClr val="77933C"/>
+                </a:solidFill>
+              </a:rPr>
+              <a:t> </a:t>
+            </a:r>
+            <a:r>
+              <a:rPr lang="en-GB" sz="2400" dirty="0"/>
+              <a:t>yourself by showing your personal information on the license and the license </a:t>
+            </a:r>
+            <a:r>
+              <a:rPr lang="en-GB" sz="2400" dirty="0" smtClean="0"/>
+              <a:t>gives you </a:t>
+            </a:r>
+            <a:r>
+              <a:rPr lang="en-GB" sz="2400" b="1" dirty="0" smtClean="0">
+                <a:solidFill>
+                  <a:srgbClr val="77933C"/>
+                </a:solidFill>
+              </a:rPr>
+              <a:t>authorization</a:t>
+            </a:r>
+            <a:r>
+              <a:rPr lang="en-GB" sz="2400" dirty="0" smtClean="0">
+                <a:solidFill>
+                  <a:srgbClr val="77933C"/>
+                </a:solidFill>
+              </a:rPr>
+              <a:t> </a:t>
+            </a:r>
+            <a:r>
+              <a:rPr lang="en-GB" sz="2400" dirty="0"/>
               <a:t>to </a:t>
             </a:r>
             <a:r>
-              <a:rPr lang="en-GB" dirty="0" smtClean="0"/>
+              <a:rPr lang="en-GB" sz="2400" dirty="0" smtClean="0"/>
               <a:t>drive </a:t>
             </a:r>
             <a:r>
-              <a:rPr lang="en-GB" dirty="0"/>
+              <a:rPr lang="en-GB" sz="2400" dirty="0"/>
               <a:t>a car.</a:t>
             </a:r>
           </a:p>
@@ -28246,8 +33623,174 @@
             <a:endParaRPr lang="en-US" sz="3200" dirty="0" smtClean="0"/>
           </a:p>
           <a:p>
-            <a:pPr algn="ctr"/>
+            <a:pPr marL="0" indent="0" algn="ctr">
+              <a:buNone/>
+            </a:pPr>
             <a:endParaRPr lang="en-US" sz="3200" dirty="0"/>
+          </a:p>
+        </p:txBody>
+      </p:sp>
+      <p:graphicFrame>
+        <p:nvGraphicFramePr>
+          <p:cNvPr id="5" name="Diagram 4"/>
+          <p:cNvGraphicFramePr/>
+          <p:nvPr>
+            <p:extLst>
+              <p:ext uri="{D42A27DB-BD31-4B8C-83A1-F6EECF244321}">
+                <p14:modId xmlns:p14="http://schemas.microsoft.com/office/powerpoint/2010/main" val="3140285636"/>
+              </p:ext>
+            </p:extLst>
+          </p:nvPr>
+        </p:nvGraphicFramePr>
+        <p:xfrm>
+          <a:off x="836689" y="4221088"/>
+          <a:ext cx="4023343" cy="2088232"/>
+        </p:xfrm>
+        <a:graphic>
+          <a:graphicData uri="http://schemas.openxmlformats.org/drawingml/2006/diagram">
+            <dgm:relIds xmlns:dgm="http://schemas.openxmlformats.org/drawingml/2006/diagram" xmlns:r="http://schemas.openxmlformats.org/officeDocument/2006/relationships" r:dm="rId2" r:lo="rId3" r:qs="rId4" r:cs="rId5"/>
+          </a:graphicData>
+        </a:graphic>
+      </p:graphicFrame>
+      <p:cxnSp>
+        <p:nvCxnSpPr>
+          <p:cNvPr id="7" name="Rak pil 6"/>
+          <p:cNvCxnSpPr/>
+          <p:nvPr/>
+        </p:nvCxnSpPr>
+        <p:spPr>
+          <a:xfrm flipH="1">
+            <a:off x="2051720" y="4941168"/>
+            <a:ext cx="3744416" cy="0"/>
+          </a:xfrm>
+          <a:prstGeom prst="straightConnector1">
+            <a:avLst/>
+          </a:prstGeom>
+          <a:ln>
+            <a:tailEnd type="triangle"/>
+          </a:ln>
+        </p:spPr>
+        <p:style>
+          <a:lnRef idx="2">
+            <a:schemeClr val="dk1"/>
+          </a:lnRef>
+          <a:fillRef idx="0">
+            <a:schemeClr val="dk1"/>
+          </a:fillRef>
+          <a:effectRef idx="1">
+            <a:schemeClr val="dk1"/>
+          </a:effectRef>
+          <a:fontRef idx="minor">
+            <a:schemeClr val="tx1"/>
+          </a:fontRef>
+        </p:style>
+      </p:cxnSp>
+      <p:cxnSp>
+        <p:nvCxnSpPr>
+          <p:cNvPr id="12" name="Rak pil 11"/>
+          <p:cNvCxnSpPr/>
+          <p:nvPr/>
+        </p:nvCxnSpPr>
+        <p:spPr>
+          <a:xfrm flipH="1">
+            <a:off x="4644008" y="5805264"/>
+            <a:ext cx="1152128" cy="0"/>
+          </a:xfrm>
+          <a:prstGeom prst="straightConnector1">
+            <a:avLst/>
+          </a:prstGeom>
+          <a:ln>
+            <a:tailEnd type="triangle"/>
+          </a:ln>
+        </p:spPr>
+        <p:style>
+          <a:lnRef idx="2">
+            <a:schemeClr val="dk1"/>
+          </a:lnRef>
+          <a:fillRef idx="0">
+            <a:schemeClr val="dk1"/>
+          </a:fillRef>
+          <a:effectRef idx="1">
+            <a:schemeClr val="dk1"/>
+          </a:effectRef>
+          <a:fontRef idx="minor">
+            <a:schemeClr val="tx1"/>
+          </a:fontRef>
+        </p:style>
+      </p:cxnSp>
+      <p:sp>
+        <p:nvSpPr>
+          <p:cNvPr id="16" name="textruta 15"/>
+          <p:cNvSpPr txBox="1"/>
+          <p:nvPr/>
+        </p:nvSpPr>
+        <p:spPr>
+          <a:xfrm>
+            <a:off x="5868144" y="4725144"/>
+            <a:ext cx="2304256" cy="369332"/>
+          </a:xfrm>
+          <a:prstGeom prst="rect">
+            <a:avLst/>
+          </a:prstGeom>
+          <a:noFill/>
+        </p:spPr>
+        <p:txBody>
+          <a:bodyPr wrap="square" rtlCol="0">
+            <a:spAutoFit/>
+          </a:bodyPr>
+          <a:lstStyle/>
+          <a:p>
+            <a:r>
+              <a:rPr lang="en-US" b="1" dirty="0" smtClean="0">
+                <a:solidFill>
+                  <a:srgbClr val="77933C"/>
+                </a:solidFill>
+              </a:rPr>
+              <a:t>Authentication </a:t>
+            </a:r>
+            <a:endParaRPr lang="en-US" b="1" dirty="0">
+              <a:solidFill>
+                <a:srgbClr val="77933C"/>
+              </a:solidFill>
+            </a:endParaRPr>
+          </a:p>
+        </p:txBody>
+      </p:sp>
+      <p:sp>
+        <p:nvSpPr>
+          <p:cNvPr id="17" name="textruta 16"/>
+          <p:cNvSpPr txBox="1"/>
+          <p:nvPr/>
+        </p:nvSpPr>
+        <p:spPr>
+          <a:xfrm>
+            <a:off x="5868144" y="5589240"/>
+            <a:ext cx="2304256" cy="369332"/>
+          </a:xfrm>
+          <a:prstGeom prst="rect">
+            <a:avLst/>
+          </a:prstGeom>
+          <a:noFill/>
+        </p:spPr>
+        <p:txBody>
+          <a:bodyPr wrap="square" rtlCol="0">
+            <a:spAutoFit/>
+          </a:bodyPr>
+          <a:lstStyle/>
+          <a:p>
+            <a:r>
+              <a:rPr lang="en-US" b="1" dirty="0" smtClean="0">
+                <a:solidFill>
+                  <a:srgbClr val="77933C"/>
+                </a:solidFill>
+              </a:rPr>
+              <a:t>Authorization</a:t>
+            </a:r>
+            <a:endParaRPr lang="en-US" b="1" dirty="0">
+              <a:solidFill>
+                <a:srgbClr val="77933C"/>
+              </a:solidFill>
+            </a:endParaRPr>
           </a:p>
         </p:txBody>
       </p:sp>
@@ -28403,7 +33946,7 @@
         </p:nvSpPr>
         <p:spPr>
           <a:xfrm>
-            <a:off x="467544" y="1844824"/>
+            <a:off x="457200" y="1484784"/>
             <a:ext cx="8229600" cy="4425355"/>
           </a:xfrm>
         </p:spPr>
@@ -28418,7 +33961,27 @@
             </a:pPr>
             <a:r>
               <a:rPr lang="en-US" dirty="0" smtClean="0"/>
-              <a:t>A role is something which defines what you are authorized to do.</a:t>
+              <a:t>A </a:t>
+            </a:r>
+            <a:r>
+              <a:rPr lang="en-US" b="1" dirty="0" smtClean="0">
+                <a:solidFill>
+                  <a:srgbClr val="77933C"/>
+                </a:solidFill>
+              </a:rPr>
+              <a:t>role</a:t>
+            </a:r>
+            <a:r>
+              <a:rPr lang="en-US" dirty="0" smtClean="0">
+                <a:solidFill>
+                  <a:srgbClr val="77933C"/>
+                </a:solidFill>
+              </a:rPr>
+              <a:t> </a:t>
+            </a:r>
+            <a:r>
+              <a:rPr lang="en-US" dirty="0" smtClean="0"/>
+              <a:t>is something which defines what you are authorized to do.</a:t>
             </a:r>
           </a:p>
           <a:p>
@@ -28546,7 +34109,7 @@
             </a:pPr>
             <a:r>
               <a:rPr lang="en-US" sz="2400" dirty="0" smtClean="0"/>
-              <a:t>Each role is associated with a set of users.</a:t>
+              <a:t>Each role is associated with a set of users:</a:t>
             </a:r>
           </a:p>
           <a:p>
@@ -28578,6 +34141,15 @@
             <a:pPr marL="0" indent="0">
               <a:buNone/>
             </a:pPr>
+            <a:r>
+              <a:rPr lang="en-US" sz="2400" dirty="0" smtClean="0"/>
+              <a:t>The Administrator might for example be authorized to create and remove users from a web application.</a:t>
+            </a:r>
+          </a:p>
+          <a:p>
+            <a:pPr marL="0" indent="0">
+              <a:buNone/>
+            </a:pPr>
             <a:endParaRPr lang="en-US" sz="2400" dirty="0" smtClean="0"/>
           </a:p>
           <a:p>
@@ -28586,7 +34158,7 @@
             </a:pPr>
             <a:r>
               <a:rPr lang="en-US" sz="2400" dirty="0" smtClean="0"/>
-              <a:t>The Administrator might for example be authorized to create and remove users from a web application. While a Customer might only be authorized to read from the web application.</a:t>
+              <a:t>While a Customer might only be authorized to read from the web application</a:t>
             </a:r>
           </a:p>
           <a:p>
@@ -28606,13 +34178,13 @@
           <p:nvPr>
             <p:extLst>
               <p:ext uri="{D42A27DB-BD31-4B8C-83A1-F6EECF244321}">
-                <p14:modId xmlns:p14="http://schemas.microsoft.com/office/powerpoint/2010/main" val="503580237"/>
+                <p14:modId xmlns:p14="http://schemas.microsoft.com/office/powerpoint/2010/main" val="1808287572"/>
               </p:ext>
             </p:extLst>
           </p:nvPr>
         </p:nvGraphicFramePr>
         <p:xfrm>
-          <a:off x="483409" y="2636912"/>
+          <a:off x="395536" y="2326000"/>
           <a:ext cx="5624402" cy="1463040"/>
         </p:xfrm>
         <a:graphic>

--- a/Documents/Slides/Identity-SecurityFundamentals.pptx
+++ b/Documents/Slides/Identity-SecurityFundamentals.pptx
@@ -6319,11 +6319,7 @@
         <a:p>
           <a:r>
             <a:rPr lang="en-US" dirty="0" smtClean="0"/>
-            <a:t>Vehicle Class</a:t>
-          </a:r>
-          <a:r>
-            <a:rPr lang="en-US" dirty="0" smtClean="0"/>
-            <a:t>	</a:t>
+            <a:t>Vehicle Class	</a:t>
           </a:r>
           <a:endParaRPr lang="en-US" dirty="0"/>
         </a:p>
@@ -8513,8 +8509,8 @@
   </dgm:ptLst>
   <dgm:cxnLst>
     <dgm:cxn modelId="{B84205ED-AFAD-431A-93AB-1E8C9ECCBEF4}" type="presOf" srcId="{B5777570-94A7-4320-B723-D6A66C313179}" destId="{9CD6F3CA-B3FC-45CD-AFE8-83034A1E12CA}" srcOrd="0" destOrd="0" presId="urn:microsoft.com/office/officeart/2005/8/layout/process4"/>
+    <dgm:cxn modelId="{18330B2E-3C12-47D6-8841-9CDE0D98DD46}" type="presOf" srcId="{7E829DBF-11EB-4D72-AD4A-9FFEFE4340A9}" destId="{082C1469-7809-41E5-B99E-9BA48C43295F}" srcOrd="1" destOrd="0" presId="urn:microsoft.com/office/officeart/2005/8/layout/process4"/>
     <dgm:cxn modelId="{D559203D-4470-4F22-831F-CC50AFA8D35B}" srcId="{7E829DBF-11EB-4D72-AD4A-9FFEFE4340A9}" destId="{B5777570-94A7-4320-B723-D6A66C313179}" srcOrd="0" destOrd="0" parTransId="{B9F1CB2A-7DCC-459F-86B0-4E34DD104B92}" sibTransId="{3058B941-7B65-4F0E-A84D-2774EB2CD7C4}"/>
-    <dgm:cxn modelId="{18330B2E-3C12-47D6-8841-9CDE0D98DD46}" type="presOf" srcId="{7E829DBF-11EB-4D72-AD4A-9FFEFE4340A9}" destId="{082C1469-7809-41E5-B99E-9BA48C43295F}" srcOrd="1" destOrd="0" presId="urn:microsoft.com/office/officeart/2005/8/layout/process4"/>
     <dgm:cxn modelId="{A13A4508-9D1D-4EA7-92B5-7D7B353A0321}" srcId="{1F8C6969-57BC-422B-A7D8-CEB736D20A22}" destId="{7E829DBF-11EB-4D72-AD4A-9FFEFE4340A9}" srcOrd="0" destOrd="0" parTransId="{B79A9084-4702-49D3-9B1F-C522F5B6A9D5}" sibTransId="{48762A67-82F8-401B-A9A5-4615EBFB853F}"/>
     <dgm:cxn modelId="{C8D0094F-4AA6-48FB-A720-5FDEB5F1C42D}" type="presOf" srcId="{84380697-93A1-4717-937D-A583453B6A3A}" destId="{1F7BECB4-76D7-4619-97E8-90E69CEEB64A}" srcOrd="0" destOrd="0" presId="urn:microsoft.com/office/officeart/2005/8/layout/process4"/>
     <dgm:cxn modelId="{B0BEBB14-4FA9-4D62-948B-0BA3F59D42C5}" srcId="{7E829DBF-11EB-4D72-AD4A-9FFEFE4340A9}" destId="{84380697-93A1-4717-937D-A583453B6A3A}" srcOrd="1" destOrd="0" parTransId="{C9BAA796-0BEA-4615-AA5E-2BE19FDBE6A2}" sibTransId="{4A909D9C-235E-4B5F-9214-778AACB66D6F}"/>
@@ -8611,7 +8607,6 @@
             <a:rPr lang="en-US" dirty="0" smtClean="0"/>
             <a:t>Employee</a:t>
           </a:r>
-          <a:endParaRPr lang="en-US" dirty="0" smtClean="0"/>
         </a:p>
       </dgm:t>
     </dgm:pt>
@@ -10111,11 +10106,7 @@
           </a:pPr>
           <a:r>
             <a:rPr lang="en-US" sz="1700" kern="1200" dirty="0" smtClean="0"/>
-            <a:t>Vehicle Class</a:t>
-          </a:r>
-          <a:r>
-            <a:rPr lang="en-US" sz="1700" kern="1200" dirty="0" smtClean="0"/>
-            <a:t>	</a:t>
+            <a:t>Vehicle Class	</a:t>
           </a:r>
           <a:endParaRPr lang="en-US" sz="1700" kern="1200" dirty="0"/>
         </a:p>
@@ -12476,7 +12467,6 @@
             <a:rPr lang="en-US" sz="1400" kern="1200" dirty="0" smtClean="0"/>
             <a:t>Employee</a:t>
           </a:r>
-          <a:endParaRPr lang="en-US" sz="1400" kern="1200" dirty="0" smtClean="0"/>
         </a:p>
       </dsp:txBody>
       <dsp:txXfrm>
@@ -26027,7 +26017,7 @@
           <a:p>
             <a:fld id="{B5922E6D-3451-482A-A64F-C89F139BA51A}" type="datetimeFigureOut">
               <a:rPr lang="en-US" smtClean="0"/>
-              <a:t>11/27/2014</a:t>
+              <a:t>12/3/2014</a:t>
             </a:fld>
             <a:endParaRPr lang="en-US"/>
           </a:p>
@@ -26192,7 +26182,7 @@
           <a:p>
             <a:fld id="{05247E74-41DE-40FA-A7A7-A655366ADCFA}" type="datetimeFigureOut">
               <a:rPr lang="sv-SE" smtClean="0"/>
-              <a:t>2014-11-27</a:t>
+              <a:t>2014-12-03</a:t>
             </a:fld>
             <a:endParaRPr lang="sv-SE"/>
           </a:p>
@@ -26740,7 +26730,7 @@
           <a:p>
             <a:fld id="{DB41BBF1-8D56-4061-8DE2-461FDAC177EF}" type="datetimeFigureOut">
               <a:rPr lang="sv-SE" smtClean="0"/>
-              <a:t>2014-11-27</a:t>
+              <a:t>2014-12-03</a:t>
             </a:fld>
             <a:endParaRPr lang="sv-SE"/>
           </a:p>
@@ -27004,7 +26994,7 @@
           <a:p>
             <a:fld id="{DB41BBF1-8D56-4061-8DE2-461FDAC177EF}" type="datetimeFigureOut">
               <a:rPr lang="sv-SE" smtClean="0"/>
-              <a:t>2014-11-27</a:t>
+              <a:t>2014-12-03</a:t>
             </a:fld>
             <a:endParaRPr lang="sv-SE"/>
           </a:p>
@@ -27181,7 +27171,7 @@
           <a:p>
             <a:fld id="{DB41BBF1-8D56-4061-8DE2-461FDAC177EF}" type="datetimeFigureOut">
               <a:rPr lang="sv-SE" smtClean="0"/>
-              <a:t>2014-11-27</a:t>
+              <a:t>2014-12-03</a:t>
             </a:fld>
             <a:endParaRPr lang="sv-SE"/>
           </a:p>
@@ -27368,7 +27358,7 @@
           <a:p>
             <a:fld id="{DB41BBF1-8D56-4061-8DE2-461FDAC177EF}" type="datetimeFigureOut">
               <a:rPr lang="sv-SE" smtClean="0"/>
-              <a:t>2014-11-27</a:t>
+              <a:t>2014-12-03</a:t>
             </a:fld>
             <a:endParaRPr lang="sv-SE"/>
           </a:p>
@@ -27632,7 +27622,7 @@
           <a:p>
             <a:fld id="{DB41BBF1-8D56-4061-8DE2-461FDAC177EF}" type="datetimeFigureOut">
               <a:rPr lang="sv-SE" smtClean="0"/>
-              <a:t>2014-11-27</a:t>
+              <a:t>2014-12-03</a:t>
             </a:fld>
             <a:endParaRPr lang="sv-SE"/>
           </a:p>
@@ -27809,7 +27799,7 @@
           <a:p>
             <a:fld id="{DB41BBF1-8D56-4061-8DE2-461FDAC177EF}" type="datetimeFigureOut">
               <a:rPr lang="sv-SE" smtClean="0"/>
-              <a:t>2014-11-27</a:t>
+              <a:t>2014-12-03</a:t>
             </a:fld>
             <a:endParaRPr lang="sv-SE"/>
           </a:p>
@@ -28062,7 +28052,7 @@
           <a:p>
             <a:fld id="{DB41BBF1-8D56-4061-8DE2-461FDAC177EF}" type="datetimeFigureOut">
               <a:rPr lang="sv-SE" smtClean="0"/>
-              <a:t>2014-11-27</a:t>
+              <a:t>2014-12-03</a:t>
             </a:fld>
             <a:endParaRPr lang="sv-SE"/>
           </a:p>
@@ -28357,7 +28347,7 @@
           <a:p>
             <a:fld id="{DB41BBF1-8D56-4061-8DE2-461FDAC177EF}" type="datetimeFigureOut">
               <a:rPr lang="sv-SE" smtClean="0"/>
-              <a:t>2014-11-27</a:t>
+              <a:t>2014-12-03</a:t>
             </a:fld>
             <a:endParaRPr lang="sv-SE"/>
           </a:p>
@@ -28786,7 +28776,7 @@
           <a:p>
             <a:fld id="{DB41BBF1-8D56-4061-8DE2-461FDAC177EF}" type="datetimeFigureOut">
               <a:rPr lang="sv-SE" smtClean="0"/>
-              <a:t>2014-11-27</a:t>
+              <a:t>2014-12-03</a:t>
             </a:fld>
             <a:endParaRPr lang="sv-SE"/>
           </a:p>
@@ -28911,7 +28901,7 @@
           <a:p>
             <a:fld id="{DB41BBF1-8D56-4061-8DE2-461FDAC177EF}" type="datetimeFigureOut">
               <a:rPr lang="sv-SE" smtClean="0"/>
-              <a:t>2014-11-27</a:t>
+              <a:t>2014-12-03</a:t>
             </a:fld>
             <a:endParaRPr lang="sv-SE"/>
           </a:p>
@@ -29013,7 +29003,7 @@
           <a:p>
             <a:fld id="{DB41BBF1-8D56-4061-8DE2-461FDAC177EF}" type="datetimeFigureOut">
               <a:rPr lang="sv-SE" smtClean="0"/>
-              <a:t>2014-11-27</a:t>
+              <a:t>2014-12-03</a:t>
             </a:fld>
             <a:endParaRPr lang="sv-SE"/>
           </a:p>
@@ -29297,7 +29287,7 @@
           <a:p>
             <a:fld id="{DB41BBF1-8D56-4061-8DE2-461FDAC177EF}" type="datetimeFigureOut">
               <a:rPr lang="sv-SE" smtClean="0"/>
-              <a:t>2014-11-27</a:t>
+              <a:t>2014-12-03</a:t>
             </a:fld>
             <a:endParaRPr lang="sv-SE"/>
           </a:p>
@@ -29525,7 +29515,7 @@
           <a:p>
             <a:fld id="{DB41BBF1-8D56-4061-8DE2-461FDAC177EF}" type="datetimeFigureOut">
               <a:rPr lang="sv-SE" smtClean="0"/>
-              <a:t>2014-11-27</a:t>
+              <a:t>2014-12-03</a:t>
             </a:fld>
             <a:endParaRPr lang="sv-SE"/>
           </a:p>
@@ -32741,19 +32731,12 @@
               <a:rPr lang="en-US" dirty="0" smtClean="0"/>
               <a:t>An example of what a principal object can contain. </a:t>
             </a:r>
+            <a:endParaRPr lang="en-US" dirty="0" smtClean="0"/>
           </a:p>
           <a:p>
             <a:pPr marL="0" indent="0">
               <a:buNone/>
             </a:pPr>
-            <a:r>
-              <a:rPr lang="en-US" dirty="0" smtClean="0"/>
-              <a:t>//</a:t>
-            </a:r>
-            <a:r>
-              <a:rPr lang="en-US" dirty="0" err="1" smtClean="0"/>
-              <a:t>fixa</a:t>
-            </a:r>
             <a:endParaRPr lang="en-US" dirty="0"/>
           </a:p>
           <a:p>
@@ -32891,6 +32874,44 @@
           </a:graphicData>
         </a:graphic>
       </p:graphicFrame>
+      <p:sp>
+        <p:nvSpPr>
+          <p:cNvPr id="3" name="textruta 2"/>
+          <p:cNvSpPr txBox="1"/>
+          <p:nvPr/>
+        </p:nvSpPr>
+        <p:spPr>
+          <a:xfrm>
+            <a:off x="2907217" y="836712"/>
+            <a:ext cx="3329566" cy="584775"/>
+          </a:xfrm>
+          <a:prstGeom prst="rect">
+            <a:avLst/>
+          </a:prstGeom>
+          <a:noFill/>
+        </p:spPr>
+        <p:txBody>
+          <a:bodyPr wrap="none" rtlCol="0">
+            <a:spAutoFit/>
+          </a:bodyPr>
+          <a:lstStyle/>
+          <a:p>
+            <a:r>
+              <a:rPr lang="en-US" sz="3200" b="1" dirty="0" smtClean="0">
+                <a:solidFill>
+                  <a:srgbClr val="77933C"/>
+                </a:solidFill>
+              </a:rPr>
+              <a:t>Principal overview</a:t>
+            </a:r>
+            <a:endParaRPr lang="en-US" sz="3200" b="1" dirty="0">
+              <a:solidFill>
+                <a:srgbClr val="77933C"/>
+              </a:solidFill>
+            </a:endParaRPr>
+          </a:p>
+        </p:txBody>
+      </p:sp>
     </p:spTree>
     <p:extLst>
       <p:ext uri="{BB962C8B-B14F-4D97-AF65-F5344CB8AC3E}">
@@ -33996,8 +34017,28 @@
             </a:pPr>
             <a:r>
               <a:rPr lang="en-US" dirty="0" smtClean="0"/>
-              <a:t>Roles are used when there are parts of the application which should only be available for certain users.</a:t>
+              <a:t>Roles are used when there are parts of the application which should only be available for certain users</a:t>
             </a:r>
+            <a:r>
+              <a:rPr lang="en-US" dirty="0" smtClean="0"/>
+              <a:t>.</a:t>
+            </a:r>
+          </a:p>
+          <a:p>
+            <a:pPr marL="0" indent="0">
+              <a:buNone/>
+            </a:pPr>
+            <a:endParaRPr lang="en-US" dirty="0"/>
+          </a:p>
+          <a:p>
+            <a:pPr marL="0" indent="0">
+              <a:buNone/>
+            </a:pPr>
+            <a:r>
+              <a:rPr lang="en-US" dirty="0" smtClean="0"/>
+              <a:t>A user can be a part of several roles and a single role can contain several users.</a:t>
+            </a:r>
+            <a:endParaRPr lang="en-US" dirty="0" smtClean="0"/>
           </a:p>
           <a:p>
             <a:pPr marL="0" indent="0">
